--- a/source/ppt/ES6.pptx
+++ b/source/ppt/ES6.pptx
@@ -16,13 +16,15 @@
     <p:sldId id="272" r:id="rId10"/>
     <p:sldId id="269" r:id="rId11"/>
     <p:sldId id="271" r:id="rId12"/>
-    <p:sldId id="270" r:id="rId13"/>
-    <p:sldId id="274" r:id="rId14"/>
-    <p:sldId id="275" r:id="rId15"/>
-    <p:sldId id="276" r:id="rId16"/>
-    <p:sldId id="277" r:id="rId17"/>
-    <p:sldId id="278" r:id="rId18"/>
-    <p:sldId id="261" r:id="rId19"/>
+    <p:sldId id="279" r:id="rId13"/>
+    <p:sldId id="270" r:id="rId14"/>
+    <p:sldId id="274" r:id="rId15"/>
+    <p:sldId id="275" r:id="rId16"/>
+    <p:sldId id="276" r:id="rId17"/>
+    <p:sldId id="277" r:id="rId18"/>
+    <p:sldId id="278" r:id="rId19"/>
+    <p:sldId id="280" r:id="rId20"/>
+    <p:sldId id="261" r:id="rId21"/>
   </p:sldIdLst>
   <p:sldSz cx="12192000" cy="6858000"/>
   <p:notesSz cx="6858000" cy="9144000"/>
@@ -121,6 +123,11 @@
       </a:defRPr>
     </a:lvl9pPr>
   </p:defaultTextStyle>
+  <p:extLst>
+    <p:ext uri="{EFAFB233-063F-42B5-8137-9DF3F51BA10A}">
+      <p15:sldGuideLst xmlns:p15="http://schemas.microsoft.com/office/powerpoint/2012/main"/>
+    </p:ext>
+  </p:extLst>
 </p:presentation>
 </file>
 
@@ -293,7 +300,7 @@
           <a:p>
             <a:fld id="{CDA34B3E-79DD-4918-93E8-ABD1D2B23B79}" type="datetimeFigureOut">
               <a:rPr lang="zh-CN" altLang="en-US" smtClean="0"/>
-              <a:t>2018/11/29</a:t>
+              <a:t>2018/12/6</a:t>
             </a:fld>
             <a:endParaRPr lang="zh-CN" altLang="en-US"/>
           </a:p>
@@ -623,7 +630,7 @@
           <a:p>
             <a:fld id="{CDA34B3E-79DD-4918-93E8-ABD1D2B23B79}" type="datetimeFigureOut">
               <a:rPr lang="zh-CN" altLang="en-US" smtClean="0"/>
-              <a:t>2018/11/29</a:t>
+              <a:t>2018/12/6</a:t>
             </a:fld>
             <a:endParaRPr lang="zh-CN" altLang="en-US"/>
           </a:p>
@@ -803,7 +810,7 @@
           <a:p>
             <a:fld id="{CDA34B3E-79DD-4918-93E8-ABD1D2B23B79}" type="datetimeFigureOut">
               <a:rPr lang="zh-CN" altLang="en-US" smtClean="0"/>
-              <a:t>2018/11/29</a:t>
+              <a:t>2018/12/6</a:t>
             </a:fld>
             <a:endParaRPr lang="zh-CN" altLang="en-US"/>
           </a:p>
@@ -973,7 +980,7 @@
           <a:p>
             <a:fld id="{CDA34B3E-79DD-4918-93E8-ABD1D2B23B79}" type="datetimeFigureOut">
               <a:rPr lang="zh-CN" altLang="en-US" smtClean="0"/>
-              <a:t>2018/11/29</a:t>
+              <a:t>2018/12/6</a:t>
             </a:fld>
             <a:endParaRPr lang="zh-CN" altLang="en-US"/>
           </a:p>
@@ -1250,7 +1257,7 @@
           <a:p>
             <a:fld id="{CDA34B3E-79DD-4918-93E8-ABD1D2B23B79}" type="datetimeFigureOut">
               <a:rPr lang="zh-CN" altLang="en-US" smtClean="0"/>
-              <a:t>2018/11/29</a:t>
+              <a:t>2018/12/6</a:t>
             </a:fld>
             <a:endParaRPr lang="zh-CN" altLang="en-US"/>
           </a:p>
@@ -1644,7 +1651,7 @@
           <a:p>
             <a:fld id="{CDA34B3E-79DD-4918-93E8-ABD1D2B23B79}" type="datetimeFigureOut">
               <a:rPr lang="zh-CN" altLang="en-US" smtClean="0"/>
-              <a:t>2018/11/29</a:t>
+              <a:t>2018/12/6</a:t>
             </a:fld>
             <a:endParaRPr lang="zh-CN" altLang="en-US"/>
           </a:p>
@@ -2121,7 +2128,7 @@
           <a:p>
             <a:fld id="{CDA34B3E-79DD-4918-93E8-ABD1D2B23B79}" type="datetimeFigureOut">
               <a:rPr lang="zh-CN" altLang="en-US" smtClean="0"/>
-              <a:t>2018/11/29</a:t>
+              <a:t>2018/12/6</a:t>
             </a:fld>
             <a:endParaRPr lang="zh-CN" altLang="en-US"/>
           </a:p>
@@ -2239,7 +2246,7 @@
           <a:p>
             <a:fld id="{CDA34B3E-79DD-4918-93E8-ABD1D2B23B79}" type="datetimeFigureOut">
               <a:rPr lang="zh-CN" altLang="en-US" smtClean="0"/>
-              <a:t>2018/11/29</a:t>
+              <a:t>2018/12/6</a:t>
             </a:fld>
             <a:endParaRPr lang="zh-CN" altLang="en-US"/>
           </a:p>
@@ -2334,7 +2341,7 @@
           <a:p>
             <a:fld id="{CDA34B3E-79DD-4918-93E8-ABD1D2B23B79}" type="datetimeFigureOut">
               <a:rPr lang="zh-CN" altLang="en-US" smtClean="0"/>
-              <a:t>2018/11/29</a:t>
+              <a:t>2018/12/6</a:t>
             </a:fld>
             <a:endParaRPr lang="zh-CN" altLang="en-US"/>
           </a:p>
@@ -2680,7 +2687,7 @@
           <a:p>
             <a:fld id="{CDA34B3E-79DD-4918-93E8-ABD1D2B23B79}" type="datetimeFigureOut">
               <a:rPr lang="zh-CN" altLang="en-US" smtClean="0"/>
-              <a:t>2018/11/29</a:t>
+              <a:t>2018/12/6</a:t>
             </a:fld>
             <a:endParaRPr lang="zh-CN" altLang="en-US"/>
           </a:p>
@@ -3068,7 +3075,7 @@
           <a:p>
             <a:fld id="{CDA34B3E-79DD-4918-93E8-ABD1D2B23B79}" type="datetimeFigureOut">
               <a:rPr lang="zh-CN" altLang="en-US" smtClean="0"/>
-              <a:t>2018/11/29</a:t>
+              <a:t>2018/12/6</a:t>
             </a:fld>
             <a:endParaRPr lang="zh-CN" altLang="en-US"/>
           </a:p>
@@ -3346,7 +3353,7 @@
           <a:p>
             <a:fld id="{CDA34B3E-79DD-4918-93E8-ABD1D2B23B79}" type="datetimeFigureOut">
               <a:rPr lang="zh-CN" altLang="en-US" smtClean="0"/>
-              <a:t>2018/11/29</a:t>
+              <a:t>2018/12/6</a:t>
             </a:fld>
             <a:endParaRPr lang="zh-CN" altLang="en-US"/>
           </a:p>
@@ -3795,42 +3802,42 @@
   <p:extLst mod="1">
     <p:ext uri="{27BBF7A9-308A-43DC-89C8-2F10F3537804}">
       <p15:sldGuideLst xmlns:p15="http://schemas.microsoft.com/office/powerpoint/2012/main">
-        <p15:guide id="4294967295" orient="horz" pos="1368">
+        <p15:guide id="1" orient="horz" pos="1368">
           <p15:clr>
             <a:srgbClr val="F26B43"/>
           </p15:clr>
         </p15:guide>
-        <p15:guide id="4294967295" orient="horz" pos="1440">
+        <p15:guide id="2" orient="horz" pos="1440">
           <p15:clr>
             <a:srgbClr val="F26B43"/>
           </p15:clr>
         </p15:guide>
-        <p15:guide id="4294967295" orient="horz" pos="3696">
+        <p15:guide id="3" orient="horz" pos="3696">
           <p15:clr>
             <a:srgbClr val="F26B43"/>
           </p15:clr>
         </p15:guide>
-        <p15:guide id="4294967295" orient="horz" pos="432">
+        <p15:guide id="4" orient="horz" pos="432">
           <p15:clr>
             <a:srgbClr val="F26B43"/>
           </p15:clr>
         </p15:guide>
-        <p15:guide id="4294967295" orient="horz" pos="1512">
+        <p15:guide id="5" orient="horz" pos="1512">
           <p15:clr>
             <a:srgbClr val="F26B43"/>
           </p15:clr>
         </p15:guide>
-        <p15:guide id="4294967295" pos="6912">
+        <p15:guide id="6" pos="6912">
           <p15:clr>
             <a:srgbClr val="F26B43"/>
           </p15:clr>
         </p15:guide>
-        <p15:guide id="4294967295" pos="936">
+        <p15:guide id="7" pos="936">
           <p15:clr>
             <a:srgbClr val="F26B43"/>
           </p15:clr>
         </p15:guide>
-        <p15:guide id="4294967295" pos="864">
+        <p15:guide id="8" pos="864">
           <p15:clr>
             <a:srgbClr val="F26B43"/>
           </p15:clr>
@@ -4077,13 +4084,8 @@
             </a:pPr>
             <a:r>
               <a:rPr lang="en-US" altLang="zh-CN" sz="1400" i="1" dirty="0"/>
-              <a:t>let s2 = Symbol('foo</a:t>
-            </a:r>
-            <a:r>
-              <a:rPr lang="en-US" altLang="zh-CN" sz="1400" i="1" dirty="0"/>
-              <a:t>');</a:t>
-            </a:r>
-            <a:endParaRPr lang="en-US" altLang="zh-CN" sz="1400" i="1" dirty="0"/>
+              <a:t>let s2 = Symbol('foo');</a:t>
+            </a:r>
           </a:p>
           <a:p>
             <a:pPr marL="987552" lvl="2" indent="0">
@@ -4172,11 +4174,7 @@
             </a:r>
             <a:r>
               <a:rPr lang="en-US" altLang="zh-CN" sz="1400" i="1" dirty="0"/>
-              <a:t>('foo</a:t>
-            </a:r>
-            <a:r>
-              <a:rPr lang="en-US" altLang="zh-CN" sz="1400" i="1" dirty="0"/>
-              <a:t>');</a:t>
+              <a:t>('foo');</a:t>
             </a:r>
           </a:p>
           <a:p>
@@ -4193,26 +4191,17 @@
             </a:r>
             <a:r>
               <a:rPr lang="en-US" altLang="zh-CN" sz="1400" i="1" dirty="0"/>
-              <a:t>('foo</a:t>
-            </a:r>
+              <a:t>('foo');</a:t>
+            </a:r>
+          </a:p>
+          <a:p>
+            <a:pPr marL="987552" lvl="2" indent="0">
+              <a:buNone/>
+            </a:pPr>
             <a:r>
               <a:rPr lang="en-US" altLang="zh-CN" sz="1400" i="1" dirty="0"/>
-              <a:t>');</a:t>
-            </a:r>
-          </a:p>
-          <a:p>
-            <a:pPr marL="987552" lvl="2" indent="0">
-              <a:buNone/>
-            </a:pPr>
-            <a:r>
-              <a:rPr lang="en-US" altLang="zh-CN" sz="1400" i="1" dirty="0"/>
-              <a:t>s1 === s2 // </a:t>
-            </a:r>
-            <a:r>
-              <a:rPr lang="en-US" altLang="zh-CN" sz="1400" i="1" dirty="0"/>
-              <a:t>true</a:t>
-            </a:r>
-            <a:endParaRPr lang="en-US" altLang="zh-CN" sz="1400" i="1" dirty="0"/>
+              <a:t>s1 === s2 // true</a:t>
+            </a:r>
           </a:p>
           <a:p>
             <a:pPr lvl="2"/>
@@ -4394,9 +4383,10 @@
           </a:p>
           <a:p>
             <a:r>
-              <a:rPr lang="en-US" altLang="zh-CN" dirty="0" smtClean="0"/>
-              <a:t>Map</a:t>
-            </a:r>
+              <a:rPr lang="en-US" altLang="zh-CN" dirty="0" err="1" smtClean="0"/>
+              <a:t>WeetSet</a:t>
+            </a:r>
+            <a:endParaRPr lang="en-US" altLang="zh-CN" dirty="0" smtClean="0"/>
           </a:p>
           <a:p>
             <a:pPr lvl="1"/>
@@ -4464,11 +4454,7 @@
             </a:r>
             <a:r>
               <a:rPr lang="en-US" altLang="zh-CN" sz="1400" i="1" dirty="0"/>
-              <a:t> map = new Map</a:t>
-            </a:r>
-            <a:r>
-              <a:rPr lang="en-US" altLang="zh-CN" sz="1400" i="1" dirty="0"/>
-              <a:t>([['name', </a:t>
+              <a:t> map = new Map([['name', </a:t>
             </a:r>
             <a:r>
               <a:rPr lang="en-US" altLang="zh-CN" sz="1400" i="1" dirty="0" smtClean="0"/>
@@ -4651,37 +4637,150 @@
           </a:xfrm>
         </p:spPr>
         <p:txBody>
-          <a:bodyPr/>
+          <a:bodyPr>
+            <a:normAutofit/>
+          </a:bodyPr>
           <a:lstStyle/>
           <a:p>
             <a:r>
+              <a:rPr lang="en-US" altLang="zh-CN" dirty="0"/>
+              <a:t>Map</a:t>
+            </a:r>
+            <a:endParaRPr lang="en-US" altLang="zh-CN" dirty="0" smtClean="0"/>
+          </a:p>
+          <a:p>
+            <a:pPr lvl="1"/>
+            <a:r>
+              <a:rPr lang="zh-CN" altLang="en-US" i="0" dirty="0" smtClean="0"/>
+              <a:t>类似于数组，但是成员的值都是唯一的，没有重复的值。</a:t>
+            </a:r>
+            <a:endParaRPr lang="en-US" altLang="zh-CN" i="0" dirty="0" smtClean="0"/>
+          </a:p>
+          <a:p>
+            <a:pPr marL="987552" lvl="2" indent="0">
+              <a:buNone/>
+            </a:pPr>
+            <a:r>
+              <a:rPr lang="en-US" altLang="zh-CN" sz="1400" i="1" dirty="0" err="1" smtClean="0"/>
+              <a:t>const</a:t>
+            </a:r>
+            <a:r>
+              <a:rPr lang="en-US" altLang="zh-CN" sz="1400" i="1" dirty="0" smtClean="0"/>
+              <a:t> </a:t>
+            </a:r>
+            <a:r>
+              <a:rPr lang="en-US" altLang="zh-CN" sz="1400" i="1" dirty="0"/>
+              <a:t>s = new Set([1, 2, 3, 3, 3, 3]);</a:t>
+            </a:r>
+          </a:p>
+          <a:p>
+            <a:pPr marL="987552" lvl="2" indent="0">
+              <a:buNone/>
+            </a:pPr>
+            <a:r>
+              <a:rPr lang="en-US" altLang="zh-CN" sz="1400" i="1" dirty="0" smtClean="0"/>
+              <a:t>[... </a:t>
+            </a:r>
+            <a:r>
+              <a:rPr lang="en-US" altLang="zh-CN" sz="1400" i="1" dirty="0"/>
+              <a:t>s];  // [1,2,3]</a:t>
+            </a:r>
+          </a:p>
+          <a:p>
+            <a:pPr marL="987552" lvl="2" indent="0">
+              <a:buNone/>
+            </a:pPr>
+            <a:r>
+              <a:rPr lang="en-US" altLang="zh-CN" sz="1400" i="1" dirty="0" err="1" smtClean="0"/>
+              <a:t>s.size</a:t>
+            </a:r>
+            <a:r>
+              <a:rPr lang="en-US" altLang="zh-CN" sz="1400" i="1" dirty="0"/>
+              <a:t>; // 3</a:t>
+            </a:r>
+          </a:p>
+          <a:p>
+            <a:pPr lvl="1"/>
+            <a:r>
+              <a:rPr lang="en-US" altLang="zh-CN" dirty="0"/>
+              <a:t>Set </a:t>
+            </a:r>
+            <a:r>
+              <a:rPr lang="zh-CN" altLang="en-US" dirty="0"/>
+              <a:t>内部，两个</a:t>
+            </a:r>
+            <a:r>
+              <a:rPr lang="en-US" altLang="zh-CN" dirty="0" err="1"/>
+              <a:t>NaN</a:t>
+            </a:r>
+            <a:r>
+              <a:rPr lang="zh-CN" altLang="en-US" dirty="0"/>
+              <a:t>是相等</a:t>
+            </a:r>
+            <a:endParaRPr lang="en-US" altLang="zh-CN" dirty="0" smtClean="0"/>
+          </a:p>
+          <a:p>
+            <a:r>
+              <a:rPr lang="en-US" altLang="zh-CN" dirty="0" err="1" smtClean="0"/>
+              <a:t>WeetMap</a:t>
+            </a:r>
+            <a:endParaRPr lang="en-US" altLang="zh-CN" dirty="0" smtClean="0"/>
+          </a:p>
+          <a:p>
+            <a:pPr lvl="1"/>
+            <a:r>
+              <a:rPr lang="zh-CN" altLang="en-US" i="0" dirty="0"/>
+              <a:t>类似于对象</a:t>
+            </a:r>
+            <a:r>
+              <a:rPr lang="zh-CN" altLang="en-US" i="0" dirty="0" smtClean="0"/>
+              <a:t>，</a:t>
+            </a:r>
+            <a:r>
+              <a:rPr lang="zh-CN" altLang="en-US" i="0" dirty="0"/>
+              <a:t>也是</a:t>
+            </a:r>
+            <a:r>
               <a:rPr lang="zh-CN" altLang="en-US" dirty="0" smtClean="0"/>
-              <a:t>数组的扩展</a:t>
-            </a:r>
-            <a:endParaRPr lang="en-US" altLang="zh-CN" dirty="0" smtClean="0"/>
+              <a:t>键</a:t>
+            </a:r>
+            <a:r>
+              <a:rPr lang="zh-CN" altLang="en-US" dirty="0"/>
+              <a:t>值对的</a:t>
+            </a:r>
+            <a:r>
+              <a:rPr lang="zh-CN" altLang="en-US" dirty="0" smtClean="0"/>
+              <a:t>集合</a:t>
+            </a:r>
+            <a:r>
+              <a:rPr lang="zh-CN" altLang="en-US" i="0" dirty="0"/>
+              <a:t>，各种类型的值（包括对象）都可以当作键</a:t>
+            </a:r>
+            <a:r>
+              <a:rPr lang="zh-CN" altLang="en-US" i="0" dirty="0" smtClean="0"/>
+              <a:t>。</a:t>
+            </a:r>
+            <a:endParaRPr lang="en-US" altLang="zh-CN" i="0" dirty="0" smtClean="0"/>
           </a:p>
           <a:p>
             <a:pPr lvl="1"/>
             <a:r>
-              <a:rPr lang="en-US" altLang="zh-CN" i="0" dirty="0" smtClean="0"/>
-              <a:t>find() </a:t>
+              <a:rPr lang="zh-CN" altLang="en-US" i="0" dirty="0"/>
+              <a:t>对同一个对象的引用，</a:t>
+            </a:r>
+            <a:r>
+              <a:rPr lang="en-US" altLang="zh-CN" i="0" dirty="0"/>
+              <a:t>Map </a:t>
+            </a:r>
+            <a:r>
+              <a:rPr lang="zh-CN" altLang="en-US" i="0" dirty="0"/>
+              <a:t>结构才将其视为同一个</a:t>
             </a:r>
             <a:r>
               <a:rPr lang="zh-CN" altLang="en-US" i="0" dirty="0" smtClean="0"/>
-              <a:t>和</a:t>
-            </a:r>
-            <a:r>
-              <a:rPr lang="en-US" altLang="zh-CN" i="0" dirty="0" smtClean="0"/>
-              <a:t> </a:t>
-            </a:r>
-            <a:r>
-              <a:rPr lang="en-US" altLang="zh-CN" dirty="0" err="1" smtClean="0"/>
-              <a:t>findIndex</a:t>
-            </a:r>
-            <a:r>
-              <a:rPr lang="en-US" altLang="zh-CN" dirty="0" smtClean="0"/>
-              <a:t>()</a:t>
-            </a:r>
+              <a:t>键</a:t>
+            </a:r>
+            <a:endParaRPr lang="en-US" altLang="zh-CN" i="0" dirty="0" smtClean="0"/>
           </a:p>
           <a:p>
             <a:pPr marL="987552" lvl="2" indent="0">
@@ -4689,185 +4788,48 @@
             </a:pPr>
             <a:r>
               <a:rPr lang="en-US" altLang="zh-CN" sz="1400" i="1" dirty="0" err="1"/>
-              <a:t>arr.find</a:t>
+              <a:t>const</a:t>
             </a:r>
             <a:r>
               <a:rPr lang="en-US" altLang="zh-CN" sz="1400" i="1" dirty="0"/>
-              <a:t>(function(value</a:t>
+              <a:t> map = new Map([['name', </a:t>
+            </a:r>
+            <a:r>
+              <a:rPr lang="en-US" altLang="zh-CN" sz="1400" i="1" dirty="0" smtClean="0"/>
+              <a:t>‘tony'], [‘age', 18]]);</a:t>
+            </a:r>
+            <a:endParaRPr lang="en-US" altLang="zh-CN" sz="1400" i="1" dirty="0"/>
+          </a:p>
+          <a:p>
+            <a:pPr marL="987552" lvl="2" indent="0">
+              <a:buNone/>
+            </a:pPr>
+            <a:r>
+              <a:rPr lang="en-US" altLang="zh-CN" sz="1400" i="1" dirty="0" err="1"/>
+              <a:t>map.set</a:t>
+            </a:r>
+            <a:r>
+              <a:rPr lang="en-US" altLang="zh-CN" sz="1400" i="1" dirty="0" smtClean="0"/>
+              <a:t>([], 123);</a:t>
+            </a:r>
+            <a:endParaRPr lang="en-US" altLang="zh-CN" sz="1400" i="1" dirty="0"/>
+          </a:p>
+          <a:p>
+            <a:pPr marL="987552" lvl="2" indent="0">
+              <a:buNone/>
+            </a:pPr>
+            <a:r>
+              <a:rPr lang="en-US" altLang="zh-CN" sz="1400" i="1" dirty="0" err="1"/>
+              <a:t>map.get</a:t>
+            </a:r>
+            <a:r>
+              <a:rPr lang="en-US" altLang="zh-CN" sz="1400" i="1" dirty="0" smtClean="0"/>
+              <a:t>([]) </a:t>
             </a:r>
             <a:r>
               <a:rPr lang="en-US" altLang="zh-CN" sz="1400" i="1" dirty="0"/>
-              <a:t>, index, </a:t>
-            </a:r>
-            <a:r>
-              <a:rPr lang="en-US" altLang="zh-CN" sz="1400" i="1" dirty="0" err="1"/>
-              <a:t>arr</a:t>
-            </a:r>
-            <a:r>
-              <a:rPr lang="en-US" altLang="zh-CN" sz="1400" i="1" dirty="0"/>
-              <a:t>){}</a:t>
-            </a:r>
-          </a:p>
-          <a:p>
-            <a:pPr marL="987552" lvl="2" indent="0">
-              <a:buNone/>
-            </a:pPr>
-            <a:r>
-              <a:rPr lang="zh-CN" altLang="en-US" sz="1400" i="1" dirty="0"/>
-              <a:t>这两个方法都可以发现</a:t>
-            </a:r>
-            <a:r>
-              <a:rPr lang="en-US" altLang="zh-CN" sz="1400" i="1" dirty="0" err="1"/>
-              <a:t>NaN</a:t>
-            </a:r>
-            <a:endParaRPr lang="en-US" altLang="zh-CN" sz="1400" i="1" dirty="0"/>
-          </a:p>
-          <a:p>
-            <a:pPr marL="987552" lvl="2" indent="0">
-              <a:buNone/>
-            </a:pPr>
-            <a:r>
-              <a:rPr lang="en-US" altLang="zh-CN" sz="1400" i="1" dirty="0" smtClean="0"/>
-              <a:t>//</a:t>
-            </a:r>
-            <a:r>
-              <a:rPr lang="zh-CN" altLang="en-US" sz="1400" i="1" dirty="0"/>
-              <a:t>数组去重</a:t>
-            </a:r>
-            <a:endParaRPr lang="zh-CN" altLang="en-US" sz="1400" i="1" dirty="0"/>
-          </a:p>
-          <a:p>
-            <a:pPr marL="987552" lvl="2" indent="0">
-              <a:buNone/>
-            </a:pPr>
-            <a:r>
-              <a:rPr lang="en-US" altLang="zh-CN" sz="1400" i="1" dirty="0"/>
-              <a:t>[...new Set(array)]</a:t>
-            </a:r>
-            <a:endParaRPr lang="en-US" altLang="zh-CN" sz="1400" i="1" dirty="0"/>
-          </a:p>
-          <a:p>
-            <a:pPr lvl="1"/>
-            <a:r>
-              <a:rPr lang="en-US" altLang="zh-CN" dirty="0" smtClean="0"/>
-              <a:t>from()</a:t>
-            </a:r>
-            <a:r>
-              <a:rPr lang="zh-CN" altLang="en-US" dirty="0" smtClean="0"/>
-              <a:t>和</a:t>
-            </a:r>
-            <a:r>
-              <a:rPr lang="en-US" altLang="zh-CN" dirty="0" smtClean="0"/>
-              <a:t>of()</a:t>
-            </a:r>
-          </a:p>
-          <a:p>
-            <a:pPr marL="987552" lvl="2" indent="0">
-              <a:buNone/>
-            </a:pPr>
-            <a:r>
-              <a:rPr lang="en-US" altLang="zh-CN" sz="1400" i="1" dirty="0" err="1"/>
-              <a:t>Array.from</a:t>
-            </a:r>
-            <a:r>
-              <a:rPr lang="zh-CN" altLang="en-US" sz="1400" i="1" dirty="0"/>
-              <a:t>方法用于将两类对象转为真正的数组：类似数组的对象（</a:t>
-            </a:r>
-            <a:r>
-              <a:rPr lang="en-US" altLang="zh-CN" sz="1400" i="1" dirty="0"/>
-              <a:t>array-like object</a:t>
-            </a:r>
-            <a:r>
-              <a:rPr lang="zh-CN" altLang="en-US" sz="1400" i="1" dirty="0"/>
-              <a:t>）和可遍历（</a:t>
-            </a:r>
-            <a:r>
-              <a:rPr lang="en-US" altLang="zh-CN" sz="1400" i="1" dirty="0" err="1"/>
-              <a:t>iterable</a:t>
-            </a:r>
-            <a:r>
-              <a:rPr lang="zh-CN" altLang="en-US" sz="1400" i="1" dirty="0"/>
-              <a:t>）的对象（包括 </a:t>
-            </a:r>
-            <a:r>
-              <a:rPr lang="en-US" altLang="zh-CN" sz="1400" i="1" dirty="0"/>
-              <a:t>ES6 </a:t>
-            </a:r>
-            <a:r>
-              <a:rPr lang="zh-CN" altLang="en-US" sz="1400" i="1" dirty="0"/>
-              <a:t>新增的数据结构 </a:t>
-            </a:r>
-            <a:r>
-              <a:rPr lang="en-US" altLang="zh-CN" sz="1400" i="1" dirty="0"/>
-              <a:t>Set </a:t>
-            </a:r>
-            <a:r>
-              <a:rPr lang="zh-CN" altLang="en-US" sz="1400" i="1" dirty="0"/>
-              <a:t>和 </a:t>
-            </a:r>
-            <a:r>
-              <a:rPr lang="en-US" altLang="zh-CN" sz="1400" i="1" dirty="0"/>
-              <a:t>Map</a:t>
-            </a:r>
-            <a:r>
-              <a:rPr lang="zh-CN" altLang="en-US" sz="1400" i="1" dirty="0"/>
-              <a:t>）。</a:t>
-            </a:r>
-            <a:endParaRPr lang="en-US" altLang="zh-CN" sz="1400" i="1" dirty="0"/>
-          </a:p>
-          <a:p>
-            <a:pPr marL="987552" lvl="2" indent="0">
-              <a:buNone/>
-            </a:pPr>
-            <a:r>
-              <a:rPr lang="en-US" altLang="zh-CN" sz="1400" i="1" dirty="0" err="1"/>
-              <a:t>Array.from</a:t>
-            </a:r>
-            <a:r>
-              <a:rPr lang="en-US" altLang="zh-CN" sz="1400" i="1" dirty="0"/>
-              <a:t>(new Set(array</a:t>
-            </a:r>
-            <a:r>
-              <a:rPr lang="en-US" altLang="zh-CN" sz="1400" i="1" dirty="0" smtClean="0"/>
-              <a:t>));  // </a:t>
-            </a:r>
-            <a:r>
-              <a:rPr lang="zh-CN" altLang="en-US" sz="1400" i="1" dirty="0" smtClean="0"/>
-              <a:t>数组去重</a:t>
-            </a:r>
-            <a:endParaRPr lang="en-US" altLang="zh-CN" sz="1400" i="1" dirty="0"/>
-          </a:p>
-          <a:p>
-            <a:pPr marL="987552" lvl="2" indent="0">
-              <a:buNone/>
-            </a:pPr>
-            <a:r>
-              <a:rPr lang="en-US" altLang="zh-CN" sz="1400" i="1" dirty="0" err="1"/>
-              <a:t>Array.of</a:t>
-            </a:r>
-            <a:r>
-              <a:rPr lang="zh-CN" altLang="en-US" sz="1400" i="1" dirty="0"/>
-              <a:t>方法用于将一组值，转换为数组</a:t>
-            </a:r>
-            <a:r>
-              <a:rPr lang="zh-CN" altLang="en-US" sz="1400" i="1" dirty="0"/>
-              <a:t>。</a:t>
-            </a:r>
-            <a:endParaRPr lang="en-US" altLang="zh-CN" sz="1400" i="1" dirty="0"/>
-          </a:p>
-          <a:p>
-            <a:pPr marL="987552" lvl="2" indent="0">
-              <a:buNone/>
-            </a:pPr>
-            <a:r>
-              <a:rPr lang="en-US" altLang="zh-CN" sz="1400" i="1" dirty="0" err="1"/>
-              <a:t>Array.of</a:t>
-            </a:r>
-            <a:r>
-              <a:rPr lang="en-US" altLang="zh-CN" sz="1400" i="1" dirty="0"/>
-              <a:t>(3, 11, 8) // [3,11,8]</a:t>
-            </a:r>
-            <a:endParaRPr lang="en-US" altLang="zh-CN" sz="1400" i="1" dirty="0"/>
+              <a:t>// undefined</a:t>
+            </a:r>
           </a:p>
           <a:p>
             <a:pPr lvl="1"/>
@@ -4881,10 +4843,58 @@
           </a:p>
         </p:txBody>
       </p:sp>
+      <p:pic>
+        <p:nvPicPr>
+          <p:cNvPr id="7" name="图片 6"/>
+          <p:cNvPicPr>
+            <a:picLocks noChangeAspect="1"/>
+          </p:cNvPicPr>
+          <p:nvPr/>
+        </p:nvPicPr>
+        <p:blipFill>
+          <a:blip r:embed="rId2"/>
+          <a:stretch>
+            <a:fillRect/>
+          </a:stretch>
+        </p:blipFill>
+        <p:spPr>
+          <a:xfrm>
+            <a:off x="5721736" y="2179376"/>
+            <a:ext cx="1906972" cy="1564695"/>
+          </a:xfrm>
+          <a:prstGeom prst="rect">
+            <a:avLst/>
+          </a:prstGeom>
+        </p:spPr>
+      </p:pic>
+      <p:pic>
+        <p:nvPicPr>
+          <p:cNvPr id="8" name="图片 7"/>
+          <p:cNvPicPr>
+            <a:picLocks noChangeAspect="1"/>
+          </p:cNvPicPr>
+          <p:nvPr/>
+        </p:nvPicPr>
+        <p:blipFill>
+          <a:blip r:embed="rId3"/>
+          <a:stretch>
+            <a:fillRect/>
+          </a:stretch>
+        </p:blipFill>
+        <p:spPr>
+          <a:xfrm>
+            <a:off x="8421522" y="2179375"/>
+            <a:ext cx="1610751" cy="1565163"/>
+          </a:xfrm>
+          <a:prstGeom prst="rect">
+            <a:avLst/>
+          </a:prstGeom>
+        </p:spPr>
+      </p:pic>
     </p:spTree>
     <p:extLst>
       <p:ext uri="{BB962C8B-B14F-4D97-AF65-F5344CB8AC3E}">
-        <p14:creationId xmlns:p14="http://schemas.microsoft.com/office/powerpoint/2010/main" val="3078372191"/>
+        <p14:creationId xmlns:p14="http://schemas.microsoft.com/office/powerpoint/2010/main" val="1718963971"/>
       </p:ext>
     </p:extLst>
   </p:cSld>
@@ -4930,320 +4940,256 @@
         </p:nvSpPr>
         <p:spPr>
           <a:xfrm>
-            <a:off x="1371600" y="302622"/>
-            <a:ext cx="9601200" cy="1485900"/>
+            <a:off x="1371600" y="302623"/>
+            <a:ext cx="9601200" cy="820783"/>
           </a:xfrm>
         </p:spPr>
         <p:txBody>
+          <a:bodyPr>
+            <a:normAutofit/>
+          </a:bodyPr>
+          <a:lstStyle/>
+          <a:p>
+            <a:r>
+              <a:rPr lang="en-US" altLang="zh-CN" dirty="0" smtClean="0"/>
+              <a:t>ES2015</a:t>
+            </a:r>
+            <a:endParaRPr lang="zh-CN" altLang="en-US" dirty="0"/>
+          </a:p>
+        </p:txBody>
+      </p:sp>
+      <p:sp>
+        <p:nvSpPr>
+          <p:cNvPr id="3" name="内容占位符 2"/>
+          <p:cNvSpPr>
+            <a:spLocks noGrp="1"/>
+          </p:cNvSpPr>
+          <p:nvPr>
+            <p:ph idx="1"/>
+          </p:nvPr>
+        </p:nvSpPr>
+        <p:spPr>
+          <a:xfrm>
+            <a:off x="1371600" y="1375954"/>
+            <a:ext cx="9601200" cy="4491446"/>
+          </a:xfrm>
+        </p:spPr>
+        <p:txBody>
           <a:bodyPr/>
           <a:lstStyle/>
           <a:p>
             <a:r>
+              <a:rPr lang="zh-CN" altLang="en-US" dirty="0" smtClean="0"/>
+              <a:t>数组的扩展</a:t>
+            </a:r>
+            <a:endParaRPr lang="en-US" altLang="zh-CN" dirty="0" smtClean="0"/>
+          </a:p>
+          <a:p>
+            <a:pPr lvl="1"/>
+            <a:r>
+              <a:rPr lang="en-US" altLang="zh-CN" i="0" dirty="0" smtClean="0"/>
+              <a:t>find() </a:t>
+            </a:r>
+            <a:r>
+              <a:rPr lang="zh-CN" altLang="en-US" i="0" dirty="0" smtClean="0"/>
+              <a:t>和</a:t>
+            </a:r>
+            <a:r>
+              <a:rPr lang="en-US" altLang="zh-CN" i="0" dirty="0" smtClean="0"/>
+              <a:t> </a:t>
+            </a:r>
+            <a:r>
+              <a:rPr lang="en-US" altLang="zh-CN" dirty="0" err="1" smtClean="0"/>
+              <a:t>findIndex</a:t>
+            </a:r>
+            <a:r>
               <a:rPr lang="en-US" altLang="zh-CN" dirty="0" smtClean="0"/>
-              <a:t>ES2016</a:t>
-            </a:r>
-            <a:endParaRPr lang="zh-CN" altLang="en-US" dirty="0"/>
-          </a:p>
-        </p:txBody>
-      </p:sp>
-      <p:sp>
-        <p:nvSpPr>
-          <p:cNvPr id="3" name="内容占位符 2"/>
-          <p:cNvSpPr>
-            <a:spLocks noGrp="1"/>
-          </p:cNvSpPr>
-          <p:nvPr>
-            <p:ph idx="1"/>
-          </p:nvPr>
-        </p:nvSpPr>
-        <p:spPr>
-          <a:xfrm>
-            <a:off x="1371600" y="1410789"/>
-            <a:ext cx="9601200" cy="4850674"/>
-          </a:xfrm>
-        </p:spPr>
-        <p:txBody>
-          <a:bodyPr>
-            <a:normAutofit fontScale="92500" lnSpcReduction="10000"/>
-          </a:bodyPr>
-          <a:lstStyle/>
-          <a:p>
-            <a:r>
-              <a:rPr lang="en-US" altLang="zh-CN" dirty="0" err="1" smtClean="0">
-                <a:hlinkClick r:id="rId2"/>
-              </a:rPr>
-              <a:t>Array.prototype.includes</a:t>
-            </a:r>
+              <a:t>()</a:t>
+            </a:r>
+          </a:p>
+          <a:p>
+            <a:pPr marL="987552" lvl="2" indent="0">
+              <a:buNone/>
+            </a:pPr>
+            <a:r>
+              <a:rPr lang="en-US" altLang="zh-CN" sz="1400" i="1" dirty="0" err="1"/>
+              <a:t>arr.find</a:t>
+            </a:r>
+            <a:r>
+              <a:rPr lang="en-US" altLang="zh-CN" sz="1400" i="1" dirty="0"/>
+              <a:t>(function(value, index, </a:t>
+            </a:r>
+            <a:r>
+              <a:rPr lang="en-US" altLang="zh-CN" sz="1400" i="1" dirty="0" err="1"/>
+              <a:t>arr</a:t>
+            </a:r>
+            <a:r>
+              <a:rPr lang="en-US" altLang="zh-CN" sz="1400" i="1" dirty="0"/>
+              <a:t>){}</a:t>
+            </a:r>
+          </a:p>
+          <a:p>
+            <a:pPr marL="987552" lvl="2" indent="0">
+              <a:buNone/>
+            </a:pPr>
+            <a:r>
+              <a:rPr lang="zh-CN" altLang="en-US" sz="1400" i="1" dirty="0"/>
+              <a:t>这两个方法都可以发现</a:t>
+            </a:r>
+            <a:r>
+              <a:rPr lang="en-US" altLang="zh-CN" sz="1400" i="1" dirty="0" err="1"/>
+              <a:t>NaN</a:t>
+            </a:r>
+            <a:endParaRPr lang="en-US" altLang="zh-CN" sz="1400" i="1" dirty="0"/>
+          </a:p>
+          <a:p>
+            <a:pPr marL="987552" lvl="2" indent="0">
+              <a:buNone/>
+            </a:pPr>
+            <a:r>
+              <a:rPr lang="en-US" altLang="zh-CN" sz="1400" i="1" dirty="0" smtClean="0"/>
+              <a:t>//</a:t>
+            </a:r>
+            <a:r>
+              <a:rPr lang="zh-CN" altLang="en-US" sz="1400" i="1" dirty="0"/>
+              <a:t>数组去重</a:t>
+            </a:r>
+          </a:p>
+          <a:p>
+            <a:pPr marL="987552" lvl="2" indent="0">
+              <a:buNone/>
+            </a:pPr>
+            <a:r>
+              <a:rPr lang="en-US" altLang="zh-CN" sz="1400" i="1" dirty="0"/>
+              <a:t>[...new Set(array)]</a:t>
+            </a:r>
+          </a:p>
+          <a:p>
+            <a:pPr lvl="1"/>
+            <a:r>
+              <a:rPr lang="en-US" altLang="zh-CN" dirty="0" smtClean="0"/>
+              <a:t>from()</a:t>
+            </a:r>
+            <a:r>
+              <a:rPr lang="zh-CN" altLang="en-US" dirty="0" smtClean="0"/>
+              <a:t>和</a:t>
+            </a:r>
+            <a:r>
+              <a:rPr lang="en-US" altLang="zh-CN" dirty="0" smtClean="0"/>
+              <a:t>of()</a:t>
+            </a:r>
+          </a:p>
+          <a:p>
+            <a:pPr marL="987552" lvl="2" indent="0">
+              <a:buNone/>
+            </a:pPr>
+            <a:r>
+              <a:rPr lang="en-US" altLang="zh-CN" sz="1400" i="1" dirty="0" err="1"/>
+              <a:t>Array.from</a:t>
+            </a:r>
+            <a:r>
+              <a:rPr lang="zh-CN" altLang="en-US" sz="1400" i="1" dirty="0"/>
+              <a:t>方法用于将两类对象转为真正的数组：类似数组的对象（</a:t>
+            </a:r>
+            <a:r>
+              <a:rPr lang="en-US" altLang="zh-CN" sz="1400" i="1" dirty="0"/>
+              <a:t>array-like object</a:t>
+            </a:r>
+            <a:r>
+              <a:rPr lang="zh-CN" altLang="en-US" sz="1400" i="1" dirty="0"/>
+              <a:t>）和可遍历（</a:t>
+            </a:r>
+            <a:r>
+              <a:rPr lang="en-US" altLang="zh-CN" sz="1400" i="1" dirty="0" err="1"/>
+              <a:t>iterable</a:t>
+            </a:r>
+            <a:r>
+              <a:rPr lang="zh-CN" altLang="en-US" sz="1400" i="1" dirty="0"/>
+              <a:t>）的对象（包括 </a:t>
+            </a:r>
+            <a:r>
+              <a:rPr lang="en-US" altLang="zh-CN" sz="1400" i="1" dirty="0"/>
+              <a:t>ES6 </a:t>
+            </a:r>
+            <a:r>
+              <a:rPr lang="zh-CN" altLang="en-US" sz="1400" i="1" dirty="0"/>
+              <a:t>新增的数据结构 </a:t>
+            </a:r>
+            <a:r>
+              <a:rPr lang="en-US" altLang="zh-CN" sz="1400" i="1" dirty="0"/>
+              <a:t>Set </a:t>
+            </a:r>
+            <a:r>
+              <a:rPr lang="zh-CN" altLang="en-US" sz="1400" i="1" dirty="0"/>
+              <a:t>和 </a:t>
+            </a:r>
+            <a:r>
+              <a:rPr lang="en-US" altLang="zh-CN" sz="1400" i="1" dirty="0"/>
+              <a:t>Map</a:t>
+            </a:r>
+            <a:r>
+              <a:rPr lang="zh-CN" altLang="en-US" sz="1400" i="1" dirty="0"/>
+              <a:t>）。</a:t>
+            </a:r>
+            <a:endParaRPr lang="en-US" altLang="zh-CN" sz="1400" i="1" dirty="0"/>
+          </a:p>
+          <a:p>
+            <a:pPr marL="987552" lvl="2" indent="0">
+              <a:buNone/>
+            </a:pPr>
+            <a:r>
+              <a:rPr lang="en-US" altLang="zh-CN" sz="1400" i="1" dirty="0" err="1"/>
+              <a:t>Array.from</a:t>
+            </a:r>
+            <a:r>
+              <a:rPr lang="en-US" altLang="zh-CN" sz="1400" i="1" dirty="0"/>
+              <a:t>(new Set(array</a:t>
+            </a:r>
+            <a:r>
+              <a:rPr lang="en-US" altLang="zh-CN" sz="1400" i="1" dirty="0" smtClean="0"/>
+              <a:t>));  // </a:t>
+            </a:r>
+            <a:r>
+              <a:rPr lang="zh-CN" altLang="en-US" sz="1400" i="1" dirty="0" smtClean="0"/>
+              <a:t>数组去重</a:t>
+            </a:r>
+            <a:endParaRPr lang="en-US" altLang="zh-CN" sz="1400" i="1" dirty="0"/>
+          </a:p>
+          <a:p>
+            <a:pPr marL="987552" lvl="2" indent="0">
+              <a:buNone/>
+            </a:pPr>
+            <a:r>
+              <a:rPr lang="en-US" altLang="zh-CN" sz="1400" i="1" dirty="0" err="1"/>
+              <a:t>Array.of</a:t>
+            </a:r>
+            <a:r>
+              <a:rPr lang="zh-CN" altLang="en-US" sz="1400" i="1" dirty="0"/>
+              <a:t>方法用于将一组值，转换为数组。</a:t>
+            </a:r>
+            <a:endParaRPr lang="en-US" altLang="zh-CN" sz="1400" i="1" dirty="0"/>
+          </a:p>
+          <a:p>
+            <a:pPr marL="987552" lvl="2" indent="0">
+              <a:buNone/>
+            </a:pPr>
+            <a:r>
+              <a:rPr lang="en-US" altLang="zh-CN" sz="1400" i="1" dirty="0" err="1"/>
+              <a:t>Array.of</a:t>
+            </a:r>
+            <a:r>
+              <a:rPr lang="en-US" altLang="zh-CN" sz="1400" i="1" dirty="0"/>
+              <a:t>(3, 11, 8) // [3,11,8]</a:t>
+            </a:r>
+          </a:p>
+          <a:p>
+            <a:pPr lvl="1"/>
             <a:endParaRPr lang="en-US" altLang="zh-CN" dirty="0" smtClean="0"/>
           </a:p>
           <a:p>
-            <a:pPr marL="530352" lvl="1" indent="0">
-              <a:buNone/>
-            </a:pPr>
-            <a:r>
-              <a:rPr lang="zh-CN" altLang="en-US" dirty="0" smtClean="0"/>
-              <a:t>查找一个值在不在数组中，在返回</a:t>
-            </a:r>
-            <a:r>
-              <a:rPr lang="en-US" altLang="zh-CN" dirty="0" smtClean="0"/>
-              <a:t>true</a:t>
-            </a:r>
-            <a:r>
-              <a:rPr lang="zh-CN" altLang="en-US" dirty="0" smtClean="0"/>
-              <a:t>，否则返回</a:t>
-            </a:r>
-            <a:r>
-              <a:rPr lang="en-US" altLang="zh-CN" dirty="0" smtClean="0"/>
-              <a:t>false</a:t>
-            </a:r>
-            <a:r>
-              <a:rPr lang="zh-CN" altLang="en-US" dirty="0" smtClean="0"/>
-              <a:t>。</a:t>
-            </a:r>
-            <a:endParaRPr lang="en-US" altLang="zh-CN" dirty="0" smtClean="0"/>
-          </a:p>
-          <a:p>
-            <a:pPr marL="530352" lvl="1" indent="0">
-              <a:buNone/>
-            </a:pPr>
-            <a:r>
-              <a:rPr lang="zh-CN" altLang="en-US" dirty="0" smtClean="0"/>
-              <a:t>用法</a:t>
-            </a:r>
-            <a:r>
-              <a:rPr lang="zh-CN" altLang="en-US" dirty="0"/>
-              <a:t>：</a:t>
-            </a:r>
-          </a:p>
-          <a:p>
-            <a:pPr marL="530352" lvl="1" indent="0">
-              <a:buNone/>
-            </a:pPr>
-            <a:r>
-              <a:rPr lang="en-US" altLang="zh-CN" dirty="0" err="1" smtClean="0"/>
-              <a:t>arr.includes</a:t>
-            </a:r>
-            <a:r>
-              <a:rPr lang="en-US" altLang="zh-CN" dirty="0" smtClean="0"/>
-              <a:t>(</a:t>
-            </a:r>
-            <a:r>
-              <a:rPr lang="en-US" altLang="zh-CN" dirty="0" err="1" smtClean="0"/>
-              <a:t>searchElement</a:t>
-            </a:r>
-            <a:r>
-              <a:rPr lang="en-US" altLang="zh-CN" dirty="0"/>
-              <a:t>)</a:t>
-            </a:r>
-          </a:p>
-          <a:p>
-            <a:pPr marL="530352" lvl="1" indent="0">
-              <a:buNone/>
-            </a:pPr>
-            <a:r>
-              <a:rPr lang="en-US" altLang="zh-CN" dirty="0" err="1" smtClean="0"/>
-              <a:t>arr.includes</a:t>
-            </a:r>
-            <a:r>
-              <a:rPr lang="en-US" altLang="zh-CN" dirty="0" smtClean="0"/>
-              <a:t>(</a:t>
-            </a:r>
-            <a:r>
-              <a:rPr lang="en-US" altLang="zh-CN" dirty="0" err="1" smtClean="0"/>
-              <a:t>searchElement</a:t>
-            </a:r>
-            <a:r>
-              <a:rPr lang="en-US" altLang="zh-CN" dirty="0"/>
-              <a:t>, </a:t>
-            </a:r>
-            <a:r>
-              <a:rPr lang="en-US" altLang="zh-CN" dirty="0" err="1"/>
-              <a:t>fromIndex</a:t>
-            </a:r>
-            <a:r>
-              <a:rPr lang="en-US" altLang="zh-CN" dirty="0" smtClean="0"/>
-              <a:t>)</a:t>
-            </a:r>
-          </a:p>
-          <a:p>
-            <a:pPr marL="530352" lvl="1" indent="0">
-              <a:buNone/>
-            </a:pPr>
-            <a:endParaRPr lang="en-US" altLang="zh-CN" dirty="0" smtClean="0"/>
-          </a:p>
-          <a:p>
-            <a:pPr marL="530352" lvl="1" indent="0">
-              <a:buNone/>
-            </a:pPr>
-            <a:r>
-              <a:rPr lang="en-US" altLang="zh-CN" dirty="0" smtClean="0"/>
-              <a:t>includes</a:t>
-            </a:r>
-            <a:r>
-              <a:rPr lang="zh-CN" altLang="en-US" dirty="0" smtClean="0"/>
-              <a:t>基本上和</a:t>
-            </a:r>
-            <a:r>
-              <a:rPr lang="en-US" altLang="zh-CN" dirty="0" err="1" smtClean="0"/>
-              <a:t>indexOf</a:t>
-            </a:r>
-            <a:r>
-              <a:rPr lang="zh-CN" altLang="en-US" dirty="0" smtClean="0"/>
-              <a:t>一样</a:t>
-            </a:r>
-            <a:r>
-              <a:rPr lang="zh-CN" altLang="en-US" dirty="0"/>
-              <a:t>，区别在于对</a:t>
-            </a:r>
-            <a:r>
-              <a:rPr lang="en-US" altLang="zh-CN" dirty="0" err="1"/>
-              <a:t>NaN</a:t>
-            </a:r>
-            <a:r>
-              <a:rPr lang="zh-CN" altLang="en-US" dirty="0"/>
-              <a:t>的处理</a:t>
-            </a:r>
-            <a:r>
-              <a:rPr lang="zh-CN" altLang="en-US" dirty="0" smtClean="0"/>
-              <a:t>。</a:t>
-            </a:r>
-            <a:endParaRPr lang="en-US" altLang="zh-CN" dirty="0" smtClean="0"/>
-          </a:p>
-          <a:p>
-            <a:pPr marL="530352" lvl="1" indent="0">
-              <a:buNone/>
-            </a:pPr>
-            <a:r>
-              <a:rPr lang="en-US" altLang="zh-CN" dirty="0"/>
-              <a:t>let arr2 = [1, 2, </a:t>
-            </a:r>
-            <a:r>
-              <a:rPr lang="en-US" altLang="zh-CN" dirty="0" err="1"/>
-              <a:t>NaN</a:t>
-            </a:r>
-            <a:r>
-              <a:rPr lang="en-US" altLang="zh-CN" dirty="0"/>
-              <a:t>];</a:t>
-            </a:r>
-          </a:p>
-          <a:p>
-            <a:pPr marL="530352" lvl="1" indent="0">
-              <a:buNone/>
-            </a:pPr>
-            <a:r>
-              <a:rPr lang="en-US" altLang="zh-CN" dirty="0"/>
-              <a:t>arr2.indexOf(</a:t>
-            </a:r>
-            <a:r>
-              <a:rPr lang="en-US" altLang="zh-CN" dirty="0" err="1"/>
-              <a:t>NaN</a:t>
-            </a:r>
-            <a:r>
-              <a:rPr lang="en-US" altLang="zh-CN" dirty="0"/>
-              <a:t>)        </a:t>
-            </a:r>
-            <a:r>
-              <a:rPr lang="en-US" altLang="zh-CN" dirty="0" smtClean="0"/>
-              <a:t>// -</a:t>
-            </a:r>
-            <a:r>
-              <a:rPr lang="en-US" altLang="zh-CN" dirty="0"/>
-              <a:t>1</a:t>
-            </a:r>
-          </a:p>
-          <a:p>
-            <a:pPr marL="530352" lvl="1" indent="0">
-              <a:buNone/>
-            </a:pPr>
-            <a:r>
-              <a:rPr lang="en-US" altLang="zh-CN" dirty="0"/>
-              <a:t>arr2.includes(</a:t>
-            </a:r>
-            <a:r>
-              <a:rPr lang="en-US" altLang="zh-CN" dirty="0" err="1"/>
-              <a:t>NaN</a:t>
-            </a:r>
-            <a:r>
-              <a:rPr lang="en-US" altLang="zh-CN" dirty="0"/>
-              <a:t>)       </a:t>
-            </a:r>
-            <a:r>
-              <a:rPr lang="en-US" altLang="zh-CN" dirty="0" smtClean="0"/>
-              <a:t>// true</a:t>
-            </a:r>
-          </a:p>
-          <a:p>
-            <a:r>
-              <a:rPr lang="en-US" altLang="zh-CN" dirty="0" smtClean="0">
-                <a:hlinkClick r:id="rId3"/>
-              </a:rPr>
-              <a:t>Exponentiation Operator(</a:t>
-            </a:r>
-            <a:r>
-              <a:rPr lang="zh-CN" altLang="en-US" dirty="0" smtClean="0">
-                <a:hlinkClick r:id="rId3"/>
-              </a:rPr>
-              <a:t>求冥运算</a:t>
-            </a:r>
-            <a:r>
-              <a:rPr lang="en-US" altLang="zh-CN" dirty="0" smtClean="0">
-                <a:hlinkClick r:id="rId3"/>
-              </a:rPr>
-              <a:t>)</a:t>
-            </a:r>
-            <a:endParaRPr lang="en-US" altLang="zh-CN" dirty="0" smtClean="0"/>
-          </a:p>
-          <a:p>
-            <a:pPr marL="530352" lvl="1" indent="0">
-              <a:lnSpc>
-                <a:spcPct val="104000"/>
-              </a:lnSpc>
-              <a:buNone/>
-            </a:pPr>
-            <a:r>
-              <a:rPr lang="en-US" altLang="zh-CN" dirty="0"/>
-              <a:t>2 ** 3  // 8</a:t>
-            </a:r>
-          </a:p>
-          <a:p>
-            <a:pPr marL="530352" lvl="1" indent="0">
-              <a:lnSpc>
-                <a:spcPct val="104000"/>
-              </a:lnSpc>
-              <a:buNone/>
-            </a:pPr>
-            <a:r>
-              <a:rPr lang="en-US" altLang="zh-CN" dirty="0"/>
-              <a:t>// </a:t>
-            </a:r>
-            <a:r>
-              <a:rPr lang="zh-CN" altLang="en-US" dirty="0"/>
-              <a:t>效果同</a:t>
-            </a:r>
-          </a:p>
-          <a:p>
-            <a:pPr marL="530352" lvl="1" indent="0">
-              <a:lnSpc>
-                <a:spcPct val="104000"/>
-              </a:lnSpc>
-              <a:buNone/>
-            </a:pPr>
-            <a:r>
-              <a:rPr lang="en-US" altLang="zh-CN" dirty="0" err="1"/>
-              <a:t>Math.pow</a:t>
-            </a:r>
-            <a:r>
-              <a:rPr lang="en-US" altLang="zh-CN" dirty="0"/>
-              <a:t>(2, 3) </a:t>
-            </a:r>
-            <a:r>
-              <a:rPr lang="en-US" altLang="zh-CN" dirty="0" smtClean="0"/>
-              <a:t> // </a:t>
-            </a:r>
-            <a:r>
-              <a:rPr lang="en-US" altLang="zh-CN" dirty="0"/>
-              <a:t>8</a:t>
-            </a:r>
+            <a:endParaRPr lang="en-US" altLang="zh-CN" dirty="0"/>
+          </a:p>
+          <a:p>
             <a:endParaRPr lang="zh-CN" altLang="en-US" dirty="0"/>
           </a:p>
         </p:txBody>
@@ -5251,7 +5197,7 @@
     </p:spTree>
     <p:extLst>
       <p:ext uri="{BB962C8B-B14F-4D97-AF65-F5344CB8AC3E}">
-        <p14:creationId xmlns:p14="http://schemas.microsoft.com/office/powerpoint/2010/main" val="3501288086"/>
+        <p14:creationId xmlns:p14="http://schemas.microsoft.com/office/powerpoint/2010/main" val="3078372191"/>
       </p:ext>
     </p:extLst>
   </p:cSld>
@@ -5297,7 +5243,7 @@
         </p:nvSpPr>
         <p:spPr>
           <a:xfrm>
-            <a:off x="1371600" y="302624"/>
+            <a:off x="1371600" y="302622"/>
             <a:ext cx="9601200" cy="1485900"/>
           </a:xfrm>
         </p:spPr>
@@ -5307,7 +5253,7 @@
           <a:p>
             <a:r>
               <a:rPr lang="en-US" altLang="zh-CN" dirty="0" smtClean="0"/>
-              <a:t>ES2017</a:t>
+              <a:t>ES2016</a:t>
             </a:r>
             <a:endParaRPr lang="zh-CN" altLang="en-US" dirty="0"/>
           </a:p>
@@ -5325,70 +5271,107 @@
         </p:nvSpPr>
         <p:spPr>
           <a:xfrm>
-            <a:off x="1371600" y="1367246"/>
-            <a:ext cx="9601200" cy="4500154"/>
+            <a:off x="1371600" y="1410789"/>
+            <a:ext cx="9601200" cy="4850674"/>
           </a:xfrm>
         </p:spPr>
         <p:txBody>
-          <a:bodyPr/>
+          <a:bodyPr>
+            <a:normAutofit fontScale="92500" lnSpcReduction="10000"/>
+          </a:bodyPr>
           <a:lstStyle/>
           <a:p>
             <a:r>
+              <a:rPr lang="en-US" altLang="zh-CN" dirty="0" err="1" smtClean="0">
+                <a:hlinkClick r:id="rId2"/>
+              </a:rPr>
+              <a:t>Array.prototype.includes</a:t>
+            </a:r>
+            <a:endParaRPr lang="en-US" altLang="zh-CN" dirty="0" smtClean="0"/>
+          </a:p>
+          <a:p>
+            <a:pPr marL="530352" lvl="1" indent="0">
+              <a:buNone/>
+            </a:pPr>
+            <a:r>
               <a:rPr lang="zh-CN" altLang="en-US" dirty="0" smtClean="0"/>
-              <a:t>异步函数</a:t>
+              <a:t>查找一个值在不在数组中，在返回</a:t>
+            </a:r>
+            <a:r>
+              <a:rPr lang="en-US" altLang="zh-CN" dirty="0" smtClean="0"/>
+              <a:t>true</a:t>
+            </a:r>
+            <a:r>
+              <a:rPr lang="zh-CN" altLang="en-US" dirty="0" smtClean="0"/>
+              <a:t>，否则返回</a:t>
+            </a:r>
+            <a:r>
+              <a:rPr lang="en-US" altLang="zh-CN" dirty="0" smtClean="0"/>
+              <a:t>false</a:t>
+            </a:r>
+            <a:r>
+              <a:rPr lang="zh-CN" altLang="en-US" dirty="0" smtClean="0"/>
+              <a:t>。</a:t>
+            </a:r>
+            <a:endParaRPr lang="en-US" altLang="zh-CN" dirty="0" smtClean="0"/>
+          </a:p>
+          <a:p>
+            <a:pPr marL="530352" lvl="1" indent="0">
+              <a:buNone/>
+            </a:pPr>
+            <a:r>
+              <a:rPr lang="zh-CN" altLang="en-US" dirty="0" smtClean="0"/>
+              <a:t>用法</a:t>
             </a:r>
             <a:r>
               <a:rPr lang="zh-CN" altLang="en-US" dirty="0"/>
-              <a:t>（</a:t>
+              <a:t>：</a:t>
+            </a:r>
+          </a:p>
+          <a:p>
+            <a:pPr marL="530352" lvl="1" indent="0">
+              <a:buNone/>
+            </a:pPr>
+            <a:r>
+              <a:rPr lang="en-US" altLang="zh-CN" dirty="0" err="1" smtClean="0"/>
+              <a:t>arr.includes</a:t>
+            </a:r>
+            <a:r>
+              <a:rPr lang="en-US" altLang="zh-CN" dirty="0" smtClean="0"/>
+              <a:t>(</a:t>
+            </a:r>
+            <a:r>
+              <a:rPr lang="en-US" altLang="zh-CN" dirty="0" err="1" smtClean="0"/>
+              <a:t>searchElement</a:t>
+            </a:r>
+            <a:r>
+              <a:rPr lang="en-US" altLang="zh-CN" dirty="0"/>
+              <a:t>)</a:t>
+            </a:r>
+          </a:p>
+          <a:p>
+            <a:pPr marL="530352" lvl="1" indent="0">
+              <a:buNone/>
+            </a:pPr>
+            <a:r>
+              <a:rPr lang="en-US" altLang="zh-CN" dirty="0" err="1" smtClean="0"/>
+              <a:t>arr.includes</a:t>
+            </a:r>
+            <a:r>
+              <a:rPr lang="en-US" altLang="zh-CN" dirty="0" smtClean="0"/>
+              <a:t>(</a:t>
+            </a:r>
+            <a:r>
+              <a:rPr lang="en-US" altLang="zh-CN" dirty="0" err="1" smtClean="0"/>
+              <a:t>searchElement</a:t>
+            </a:r>
+            <a:r>
+              <a:rPr lang="en-US" altLang="zh-CN" dirty="0"/>
+              <a:t>, </a:t>
             </a:r>
             <a:r>
               <a:rPr lang="en-US" altLang="zh-CN" dirty="0" err="1"/>
-              <a:t>Async</a:t>
-            </a:r>
-            <a:r>
-              <a:rPr lang="en-US" altLang="zh-CN" dirty="0"/>
-              <a:t> Functions</a:t>
-            </a:r>
-            <a:r>
-              <a:rPr lang="zh-CN" altLang="en-US" dirty="0" smtClean="0"/>
-              <a:t>）</a:t>
-            </a:r>
-            <a:endParaRPr lang="en-US" altLang="zh-CN" dirty="0" smtClean="0"/>
-          </a:p>
-          <a:p>
-            <a:r>
-              <a:rPr lang="zh-CN" altLang="en-US" dirty="0"/>
-              <a:t>共享内存和</a:t>
-            </a:r>
-            <a:r>
-              <a:rPr lang="zh-CN" altLang="en-US" dirty="0" smtClean="0"/>
-              <a:t>原子</a:t>
-            </a:r>
-            <a:endParaRPr lang="en-US" altLang="zh-CN" dirty="0" smtClean="0"/>
-          </a:p>
-          <a:p>
-            <a:r>
-              <a:rPr lang="en-US" altLang="zh-CN" dirty="0" err="1" smtClean="0"/>
-              <a:t>Object.values</a:t>
-            </a:r>
-            <a:r>
-              <a:rPr lang="en-US" altLang="zh-CN" dirty="0" smtClean="0"/>
-              <a:t>/</a:t>
-            </a:r>
-            <a:r>
-              <a:rPr lang="en-US" altLang="zh-CN" dirty="0" err="1" smtClean="0"/>
-              <a:t>Object.entries</a:t>
-            </a:r>
-            <a:endParaRPr lang="en-US" altLang="zh-CN" dirty="0" smtClean="0"/>
-          </a:p>
-          <a:p>
-            <a:r>
-              <a:rPr lang="en-US" altLang="zh-CN" dirty="0"/>
-              <a:t>String padding(</a:t>
-            </a:r>
-            <a:r>
-              <a:rPr lang="zh-CN" altLang="en-US" dirty="0"/>
-              <a:t>字符串填充</a:t>
+              <a:t>fromIndex</a:t>
             </a:r>
             <a:r>
               <a:rPr lang="en-US" altLang="zh-CN" dirty="0" smtClean="0"/>
@@ -5396,32 +5379,192 @@
             </a:r>
           </a:p>
           <a:p>
+            <a:pPr marL="530352" lvl="1" indent="0">
+              <a:buNone/>
+            </a:pPr>
+            <a:endParaRPr lang="en-US" altLang="zh-CN" dirty="0" smtClean="0"/>
+          </a:p>
+          <a:p>
+            <a:pPr marL="530352" lvl="1" indent="0">
+              <a:buNone/>
+            </a:pPr>
+            <a:r>
+              <a:rPr lang="en-US" altLang="zh-CN" dirty="0" smtClean="0"/>
+              <a:t>includes</a:t>
+            </a:r>
+            <a:r>
+              <a:rPr lang="zh-CN" altLang="en-US" dirty="0" smtClean="0"/>
+              <a:t>基本上和</a:t>
+            </a:r>
             <a:r>
               <a:rPr lang="en-US" altLang="zh-CN" dirty="0" err="1" smtClean="0"/>
-              <a:t>Object.getOwnPropertyDescriptors</a:t>
+              <a:t>indexOf</a:t>
+            </a:r>
+            <a:r>
+              <a:rPr lang="zh-CN" altLang="en-US" dirty="0" smtClean="0"/>
+              <a:t>一样</a:t>
+            </a:r>
+            <a:r>
+              <a:rPr lang="zh-CN" altLang="en-US" dirty="0"/>
+              <a:t>，区别在于对</a:t>
+            </a:r>
+            <a:r>
+              <a:rPr lang="en-US" altLang="zh-CN" dirty="0" err="1"/>
+              <a:t>NaN</a:t>
+            </a:r>
+            <a:r>
+              <a:rPr lang="zh-CN" altLang="en-US" dirty="0"/>
+              <a:t>的处理</a:t>
+            </a:r>
+            <a:r>
+              <a:rPr lang="zh-CN" altLang="en-US" dirty="0" smtClean="0"/>
+              <a:t>。</a:t>
             </a:r>
             <a:endParaRPr lang="en-US" altLang="zh-CN" dirty="0" smtClean="0"/>
           </a:p>
           <a:p>
+            <a:pPr marL="530352" lvl="1" indent="0">
+              <a:buNone/>
+            </a:pPr>
+            <a:r>
+              <a:rPr lang="en-US" altLang="zh-CN" dirty="0"/>
+              <a:t>let arr2 = [1, 2, </a:t>
+            </a:r>
+            <a:r>
+              <a:rPr lang="en-US" altLang="zh-CN" dirty="0" err="1"/>
+              <a:t>NaN</a:t>
+            </a:r>
+            <a:r>
+              <a:rPr lang="en-US" altLang="zh-CN" dirty="0"/>
+              <a:t>];</a:t>
+            </a:r>
+          </a:p>
+          <a:p>
+            <a:pPr marL="530352" lvl="1" indent="0">
+              <a:buNone/>
+            </a:pPr>
+            <a:r>
+              <a:rPr lang="en-US" altLang="zh-CN" dirty="0"/>
+              <a:t>arr2.indexOf(</a:t>
+            </a:r>
+            <a:r>
+              <a:rPr lang="en-US" altLang="zh-CN" dirty="0" err="1"/>
+              <a:t>NaN</a:t>
+            </a:r>
+            <a:r>
+              <a:rPr lang="en-US" altLang="zh-CN" dirty="0"/>
+              <a:t>)        </a:t>
+            </a:r>
+            <a:r>
+              <a:rPr lang="en-US" altLang="zh-CN" dirty="0" smtClean="0"/>
+              <a:t>// -</a:t>
+            </a:r>
+            <a:r>
+              <a:rPr lang="en-US" altLang="zh-CN" dirty="0"/>
+              <a:t>1</a:t>
+            </a:r>
+          </a:p>
+          <a:p>
+            <a:pPr marL="530352" lvl="1" indent="0">
+              <a:buNone/>
+            </a:pPr>
+            <a:r>
+              <a:rPr lang="en-US" altLang="zh-CN" dirty="0"/>
+              <a:t>arr2.includes(</a:t>
+            </a:r>
+            <a:r>
+              <a:rPr lang="en-US" altLang="zh-CN" dirty="0" err="1"/>
+              <a:t>NaN</a:t>
+            </a:r>
+            <a:r>
+              <a:rPr lang="en-US" altLang="zh-CN" dirty="0"/>
+              <a:t>)       </a:t>
+            </a:r>
+            <a:r>
+              <a:rPr lang="en-US" altLang="zh-CN" dirty="0" smtClean="0"/>
+              <a:t>// true</a:t>
+            </a:r>
+          </a:p>
+          <a:p>
+            <a:r>
+              <a:rPr lang="en-US" altLang="zh-CN" dirty="0" smtClean="0">
+                <a:hlinkClick r:id="rId3"/>
+              </a:rPr>
+              <a:t>Exponentiation Operator(</a:t>
+            </a:r>
+            <a:r>
+              <a:rPr lang="zh-CN" altLang="en-US" dirty="0" smtClean="0">
+                <a:hlinkClick r:id="rId3"/>
+              </a:rPr>
+              <a:t>求冥运算</a:t>
+            </a:r>
+            <a:r>
+              <a:rPr lang="en-US" altLang="zh-CN" dirty="0" smtClean="0">
+                <a:hlinkClick r:id="rId3"/>
+              </a:rPr>
+              <a:t>)</a:t>
+            </a:r>
+            <a:endParaRPr lang="en-US" altLang="zh-CN" dirty="0" smtClean="0"/>
+          </a:p>
+          <a:p>
+            <a:pPr marL="530352" lvl="1" indent="0">
+              <a:lnSpc>
+                <a:spcPct val="104000"/>
+              </a:lnSpc>
+              <a:buNone/>
+            </a:pPr>
+            <a:r>
+              <a:rPr lang="en-US" altLang="zh-CN" dirty="0"/>
+              <a:t>2 ** 3  // 8</a:t>
+            </a:r>
+          </a:p>
+          <a:p>
+            <a:pPr marL="530352" lvl="1" indent="0">
+              <a:lnSpc>
+                <a:spcPct val="104000"/>
+              </a:lnSpc>
+              <a:buNone/>
+            </a:pPr>
+            <a:r>
+              <a:rPr lang="en-US" altLang="zh-CN" dirty="0"/>
+              <a:t>// </a:t>
+            </a:r>
             <a:r>
               <a:rPr lang="zh-CN" altLang="en-US" dirty="0"/>
-              <a:t>函数参数列表和调用中的尾逗号（</a:t>
+              <a:t>效果同</a:t>
+            </a:r>
+          </a:p>
+          <a:p>
+            <a:pPr marL="530352" lvl="1" indent="0">
+              <a:lnSpc>
+                <a:spcPct val="104000"/>
+              </a:lnSpc>
+              <a:buNone/>
+            </a:pPr>
+            <a:r>
+              <a:rPr lang="en-US" altLang="zh-CN" dirty="0" err="1"/>
+              <a:t>Math.pow</a:t>
             </a:r>
             <a:r>
               <a:rPr lang="en-US" altLang="zh-CN" dirty="0"/>
-              <a:t>Trailing commas</a:t>
-            </a:r>
-            <a:r>
-              <a:rPr lang="zh-CN" altLang="en-US" dirty="0"/>
-              <a:t>）</a:t>
-            </a:r>
+              <a:t>(2, 3) </a:t>
+            </a:r>
+            <a:r>
+              <a:rPr lang="en-US" altLang="zh-CN" dirty="0" smtClean="0"/>
+              <a:t> // </a:t>
+            </a:r>
+            <a:r>
+              <a:rPr lang="en-US" altLang="zh-CN" dirty="0"/>
+              <a:t>8</a:t>
+            </a:r>
+            <a:endParaRPr lang="zh-CN" altLang="en-US" dirty="0"/>
           </a:p>
         </p:txBody>
       </p:sp>
     </p:spTree>
     <p:extLst>
       <p:ext uri="{BB962C8B-B14F-4D97-AF65-F5344CB8AC3E}">
-        <p14:creationId xmlns:p14="http://schemas.microsoft.com/office/powerpoint/2010/main" val="2257192083"/>
+        <p14:creationId xmlns:p14="http://schemas.microsoft.com/office/powerpoint/2010/main" val="3501288086"/>
       </p:ext>
     </p:extLst>
   </p:cSld>
@@ -5467,14 +5610,12 @@
         </p:nvSpPr>
         <p:spPr>
           <a:xfrm>
-            <a:off x="1371600" y="293915"/>
-            <a:ext cx="9601200" cy="785948"/>
+            <a:off x="1371600" y="302624"/>
+            <a:ext cx="9601200" cy="1485900"/>
           </a:xfrm>
         </p:spPr>
         <p:txBody>
-          <a:bodyPr>
-            <a:normAutofit/>
-          </a:bodyPr>
+          <a:bodyPr/>
           <a:lstStyle/>
           <a:p>
             <a:r>
@@ -5497,15 +5638,36 @@
         </p:nvSpPr>
         <p:spPr>
           <a:xfrm>
-            <a:off x="1371600" y="1306285"/>
-            <a:ext cx="9601200" cy="5233851"/>
+            <a:off x="1371600" y="1367246"/>
+            <a:ext cx="9601200" cy="4500154"/>
           </a:xfrm>
         </p:spPr>
         <p:txBody>
-          <a:bodyPr>
-            <a:normAutofit fontScale="92500" lnSpcReduction="20000"/>
-          </a:bodyPr>
+          <a:bodyPr/>
           <a:lstStyle/>
+          <a:p>
+            <a:r>
+              <a:rPr lang="zh-CN" altLang="en-US" dirty="0" smtClean="0"/>
+              <a:t>异步函数</a:t>
+            </a:r>
+            <a:r>
+              <a:rPr lang="zh-CN" altLang="en-US" dirty="0"/>
+              <a:t>（</a:t>
+            </a:r>
+            <a:r>
+              <a:rPr lang="en-US" altLang="zh-CN" dirty="0" err="1"/>
+              <a:t>Async</a:t>
+            </a:r>
+            <a:r>
+              <a:rPr lang="en-US" altLang="zh-CN" dirty="0"/>
+              <a:t> Functions</a:t>
+            </a:r>
+            <a:r>
+              <a:rPr lang="zh-CN" altLang="en-US" dirty="0" smtClean="0"/>
+              <a:t>）</a:t>
+            </a:r>
+            <a:endParaRPr lang="en-US" altLang="zh-CN" dirty="0" smtClean="0"/>
+          </a:p>
           <a:p>
             <a:r>
               <a:rPr lang="zh-CN" altLang="en-US" dirty="0"/>
@@ -5518,201 +5680,61 @@
             <a:endParaRPr lang="en-US" altLang="zh-CN" dirty="0" smtClean="0"/>
           </a:p>
           <a:p>
+            <a:r>
+              <a:rPr lang="en-US" altLang="zh-CN" dirty="0" err="1" smtClean="0"/>
+              <a:t>Object.values</a:t>
+            </a:r>
+            <a:r>
+              <a:rPr lang="en-US" altLang="zh-CN" dirty="0" smtClean="0"/>
+              <a:t>/</a:t>
+            </a:r>
+            <a:r>
+              <a:rPr lang="en-US" altLang="zh-CN" dirty="0" err="1" smtClean="0"/>
+              <a:t>Object.entries</a:t>
+            </a:r>
             <a:endParaRPr lang="en-US" altLang="zh-CN" dirty="0" smtClean="0"/>
           </a:p>
           <a:p>
             <a:r>
-              <a:rPr lang="zh-CN" altLang="en-US" dirty="0" smtClean="0"/>
-              <a:t>新</a:t>
+              <a:rPr lang="en-US" altLang="zh-CN" dirty="0"/>
+              <a:t>String padding(</a:t>
             </a:r>
             <a:r>
               <a:rPr lang="zh-CN" altLang="en-US" dirty="0"/>
-              <a:t>的构造函数</a:t>
-            </a:r>
-            <a:r>
-              <a:rPr lang="en-US" altLang="zh-CN" dirty="0" err="1"/>
-              <a:t>SharedArrayBuffer</a:t>
-            </a:r>
+              <a:t>字符串填充</a:t>
+            </a:r>
+            <a:r>
+              <a:rPr lang="en-US" altLang="zh-CN" dirty="0" smtClean="0"/>
+              <a:t>)</a:t>
+            </a:r>
+          </a:p>
+          <a:p>
+            <a:r>
+              <a:rPr lang="en-US" altLang="zh-CN" dirty="0" err="1" smtClean="0"/>
+              <a:t>Object.getOwnPropertyDescriptors</a:t>
+            </a:r>
+            <a:endParaRPr lang="en-US" altLang="zh-CN" dirty="0" smtClean="0"/>
+          </a:p>
+          <a:p>
             <a:r>
               <a:rPr lang="zh-CN" altLang="en-US" dirty="0"/>
-              <a:t>、具有辅助函数的命名空间对象</a:t>
+              <a:t>函数参数列表和调用中的尾逗号（</a:t>
             </a:r>
             <a:r>
               <a:rPr lang="en-US" altLang="zh-CN" dirty="0"/>
-              <a:t>Atomics</a:t>
-            </a:r>
-          </a:p>
-          <a:p>
-            <a:r>
-              <a:rPr lang="zh-CN" altLang="en-US" dirty="0" smtClean="0"/>
-              <a:t>共享</a:t>
+              <a:t>Trailing commas</a:t>
             </a:r>
             <a:r>
               <a:rPr lang="zh-CN" altLang="en-US" dirty="0"/>
-              <a:t>内存允许多个线程并发读写</a:t>
-            </a:r>
-            <a:r>
-              <a:rPr lang="zh-CN" altLang="en-US" dirty="0" smtClean="0"/>
-              <a:t>数据</a:t>
-            </a:r>
-            <a:endParaRPr lang="en-US" altLang="zh-CN" dirty="0" smtClean="0"/>
-          </a:p>
-          <a:p>
-            <a:r>
-              <a:rPr lang="zh-CN" altLang="en-US" dirty="0" smtClean="0"/>
-              <a:t>而</a:t>
-            </a:r>
-            <a:r>
-              <a:rPr lang="zh-CN" altLang="en-US" dirty="0"/>
-              <a:t>原子操作则能够进行并发控制，确保多个存在竞争关系的线程顺序执行。</a:t>
-            </a:r>
-            <a:endParaRPr lang="en-US" altLang="zh-CN" dirty="0" smtClean="0"/>
-          </a:p>
-          <a:p>
-            <a:r>
-              <a:rPr lang="en-US" altLang="zh-CN" dirty="0" err="1" smtClean="0"/>
-              <a:t>js</a:t>
-            </a:r>
-            <a:r>
-              <a:rPr lang="zh-CN" altLang="en-US" dirty="0" smtClean="0"/>
-              <a:t>多线程</a:t>
-            </a:r>
-            <a:r>
-              <a:rPr lang="en-US" altLang="zh-CN" dirty="0"/>
-              <a:t>web worker</a:t>
-            </a:r>
-            <a:r>
-              <a:rPr lang="zh-CN" altLang="en-US" dirty="0" smtClean="0"/>
-              <a:t>  线程间不能</a:t>
-            </a:r>
-            <a:r>
-              <a:rPr lang="zh-CN" altLang="en-US" dirty="0"/>
-              <a:t>共享</a:t>
-            </a:r>
-            <a:r>
-              <a:rPr lang="zh-CN" altLang="en-US" dirty="0" smtClean="0"/>
-              <a:t>内存</a:t>
-            </a:r>
-            <a:endParaRPr lang="en-US" altLang="zh-CN" dirty="0" smtClean="0"/>
-          </a:p>
-          <a:p>
-            <a:r>
-              <a:rPr lang="zh-CN" altLang="en-US" dirty="0"/>
-              <a:t>可以更快地在</a:t>
-            </a:r>
-            <a:r>
-              <a:rPr lang="en-US" altLang="zh-CN" dirty="0"/>
-              <a:t>web worker</a:t>
-            </a:r>
-            <a:r>
-              <a:rPr lang="zh-CN" altLang="en-US" dirty="0"/>
-              <a:t>之间共享数据</a:t>
-            </a:r>
-          </a:p>
-          <a:p>
-            <a:r>
-              <a:rPr lang="en-US" altLang="zh-CN" dirty="0"/>
-              <a:t>web worker</a:t>
-            </a:r>
-            <a:r>
-              <a:rPr lang="zh-CN" altLang="en-US" dirty="0"/>
-              <a:t>之间的协调变得更加简单和快速</a:t>
-            </a:r>
-          </a:p>
-          <a:p>
-            <a:endParaRPr lang="en-US" altLang="zh-CN" dirty="0" smtClean="0"/>
-          </a:p>
-          <a:p>
-            <a:r>
-              <a:rPr lang="zh-CN" altLang="en-US" dirty="0" smtClean="0"/>
-              <a:t>参考：</a:t>
-            </a:r>
-            <a:endParaRPr lang="en-US" altLang="zh-CN" dirty="0" smtClean="0"/>
-          </a:p>
-          <a:p>
-            <a:r>
-              <a:rPr lang="en-US" altLang="zh-CN" b="1" dirty="0">
-                <a:hlinkClick r:id="rId2"/>
-              </a:rPr>
-              <a:t>ECMAScript 6 </a:t>
-            </a:r>
-            <a:r>
-              <a:rPr lang="zh-CN" altLang="en-US" b="1" dirty="0" smtClean="0">
-                <a:hlinkClick r:id="rId2"/>
-              </a:rPr>
-              <a:t>入门</a:t>
-            </a:r>
-            <a:endParaRPr lang="en-US" altLang="zh-CN" dirty="0" smtClean="0"/>
-          </a:p>
-          <a:p>
-            <a:r>
-              <a:rPr lang="en-US" altLang="zh-CN" dirty="0" err="1" smtClean="0">
-                <a:hlinkClick r:id="rId3"/>
-              </a:rPr>
-              <a:t>Segmentfault</a:t>
-            </a:r>
-            <a:endParaRPr lang="en-US" altLang="zh-CN" dirty="0" smtClean="0"/>
-          </a:p>
-          <a:p>
-            <a:r>
-              <a:rPr lang="en-US" altLang="zh-CN" b="1" dirty="0">
-                <a:hlinkClick r:id="rId4"/>
-              </a:rPr>
-              <a:t>10</a:t>
-            </a:r>
-            <a:r>
-              <a:rPr lang="zh-CN" altLang="en-US" b="1" dirty="0">
-                <a:hlinkClick r:id="rId4"/>
-              </a:rPr>
-              <a:t>分钟学会</a:t>
-            </a:r>
-            <a:r>
-              <a:rPr lang="en-US" altLang="zh-CN" b="1" dirty="0">
-                <a:hlinkClick r:id="rId4"/>
-              </a:rPr>
-              <a:t>ES7+ES8-</a:t>
-            </a:r>
-            <a:r>
-              <a:rPr lang="zh-CN" altLang="en-US" b="1" dirty="0">
-                <a:hlinkClick r:id="rId4"/>
-              </a:rPr>
-              <a:t>缺乏</a:t>
-            </a:r>
-            <a:r>
-              <a:rPr lang="en-US" altLang="zh-CN" b="1" dirty="0" smtClean="0">
-                <a:hlinkClick r:id="rId4"/>
-              </a:rPr>
-              <a:t>decorator</a:t>
-            </a:r>
-            <a:endParaRPr lang="en-US" altLang="zh-CN" dirty="0"/>
-          </a:p>
-          <a:p>
-            <a:r>
-              <a:rPr lang="en-US" altLang="zh-CN" dirty="0" smtClean="0">
-                <a:hlinkClick r:id="rId5"/>
-              </a:rPr>
-              <a:t>Exploring </a:t>
-            </a:r>
-            <a:r>
-              <a:rPr lang="en-US" altLang="zh-CN" dirty="0">
-                <a:hlinkClick r:id="rId5"/>
-              </a:rPr>
-              <a:t>ES2016 and </a:t>
-            </a:r>
-            <a:r>
-              <a:rPr lang="en-US" altLang="zh-CN" dirty="0" smtClean="0">
-                <a:hlinkClick r:id="rId5"/>
-              </a:rPr>
-              <a:t>ES2017</a:t>
-            </a:r>
-            <a:endParaRPr lang="zh-CN" altLang="en-US" dirty="0"/>
+              <a:t>）</a:t>
+            </a:r>
           </a:p>
         </p:txBody>
       </p:sp>
     </p:spTree>
     <p:extLst>
       <p:ext uri="{BB962C8B-B14F-4D97-AF65-F5344CB8AC3E}">
-        <p14:creationId xmlns:p14="http://schemas.microsoft.com/office/powerpoint/2010/main" val="499694573"/>
+        <p14:creationId xmlns:p14="http://schemas.microsoft.com/office/powerpoint/2010/main" val="2257192083"/>
       </p:ext>
     </p:extLst>
   </p:cSld>
@@ -5758,6 +5780,214 @@
         </p:nvSpPr>
         <p:spPr>
           <a:xfrm>
+            <a:off x="1371600" y="293915"/>
+            <a:ext cx="9601200" cy="785948"/>
+          </a:xfrm>
+        </p:spPr>
+        <p:txBody>
+          <a:bodyPr>
+            <a:normAutofit/>
+          </a:bodyPr>
+          <a:lstStyle/>
+          <a:p>
+            <a:r>
+              <a:rPr lang="en-US" altLang="zh-CN" dirty="0" smtClean="0"/>
+              <a:t>ES2017</a:t>
+            </a:r>
+            <a:endParaRPr lang="zh-CN" altLang="en-US" dirty="0"/>
+          </a:p>
+        </p:txBody>
+      </p:sp>
+      <p:sp>
+        <p:nvSpPr>
+          <p:cNvPr id="3" name="内容占位符 2"/>
+          <p:cNvSpPr>
+            <a:spLocks noGrp="1"/>
+          </p:cNvSpPr>
+          <p:nvPr>
+            <p:ph idx="1"/>
+          </p:nvPr>
+        </p:nvSpPr>
+        <p:spPr>
+          <a:xfrm>
+            <a:off x="1371600" y="1306285"/>
+            <a:ext cx="9601200" cy="5233851"/>
+          </a:xfrm>
+        </p:spPr>
+        <p:txBody>
+          <a:bodyPr>
+            <a:normAutofit/>
+          </a:bodyPr>
+          <a:lstStyle/>
+          <a:p>
+            <a:r>
+              <a:rPr lang="zh-CN" altLang="en-US" dirty="0"/>
+              <a:t>共享内存和</a:t>
+            </a:r>
+            <a:r>
+              <a:rPr lang="zh-CN" altLang="en-US" dirty="0" smtClean="0"/>
+              <a:t>原子</a:t>
+            </a:r>
+            <a:endParaRPr lang="en-US" altLang="zh-CN" dirty="0" smtClean="0"/>
+          </a:p>
+          <a:p>
+            <a:endParaRPr lang="en-US" altLang="zh-CN" dirty="0" smtClean="0"/>
+          </a:p>
+          <a:p>
+            <a:r>
+              <a:rPr lang="zh-CN" altLang="en-US" dirty="0" smtClean="0"/>
+              <a:t>新</a:t>
+            </a:r>
+            <a:r>
+              <a:rPr lang="zh-CN" altLang="en-US" dirty="0"/>
+              <a:t>的构造函数</a:t>
+            </a:r>
+            <a:r>
+              <a:rPr lang="en-US" altLang="zh-CN" dirty="0" err="1"/>
+              <a:t>SharedArrayBuffer</a:t>
+            </a:r>
+            <a:r>
+              <a:rPr lang="zh-CN" altLang="en-US" dirty="0"/>
+              <a:t>、具有辅助函数的命名空间对象</a:t>
+            </a:r>
+            <a:r>
+              <a:rPr lang="en-US" altLang="zh-CN" dirty="0"/>
+              <a:t>Atomics</a:t>
+            </a:r>
+          </a:p>
+          <a:p>
+            <a:r>
+              <a:rPr lang="zh-CN" altLang="en-US" dirty="0" smtClean="0"/>
+              <a:t>共享</a:t>
+            </a:r>
+            <a:r>
+              <a:rPr lang="zh-CN" altLang="en-US" dirty="0"/>
+              <a:t>内存允许多个线程并发读写</a:t>
+            </a:r>
+            <a:r>
+              <a:rPr lang="zh-CN" altLang="en-US" dirty="0" smtClean="0"/>
+              <a:t>数据</a:t>
+            </a:r>
+            <a:endParaRPr lang="en-US" altLang="zh-CN" dirty="0" smtClean="0"/>
+          </a:p>
+          <a:p>
+            <a:r>
+              <a:rPr lang="zh-CN" altLang="en-US" dirty="0" smtClean="0"/>
+              <a:t>而</a:t>
+            </a:r>
+            <a:r>
+              <a:rPr lang="zh-CN" altLang="en-US" dirty="0"/>
+              <a:t>原子操作则能够进行并发控制，确保多个存在竞争关系的线程顺序执行。</a:t>
+            </a:r>
+            <a:endParaRPr lang="en-US" altLang="zh-CN" dirty="0" smtClean="0"/>
+          </a:p>
+          <a:p>
+            <a:r>
+              <a:rPr lang="en-US" altLang="zh-CN" dirty="0" err="1" smtClean="0"/>
+              <a:t>js</a:t>
+            </a:r>
+            <a:r>
+              <a:rPr lang="zh-CN" altLang="en-US" dirty="0" smtClean="0"/>
+              <a:t>多线程</a:t>
+            </a:r>
+            <a:r>
+              <a:rPr lang="en-US" altLang="zh-CN" dirty="0"/>
+              <a:t>web worker</a:t>
+            </a:r>
+            <a:r>
+              <a:rPr lang="zh-CN" altLang="en-US" dirty="0" smtClean="0"/>
+              <a:t>  线程间不能</a:t>
+            </a:r>
+            <a:r>
+              <a:rPr lang="zh-CN" altLang="en-US" dirty="0"/>
+              <a:t>共享</a:t>
+            </a:r>
+            <a:r>
+              <a:rPr lang="zh-CN" altLang="en-US" dirty="0" smtClean="0"/>
+              <a:t>内存</a:t>
+            </a:r>
+            <a:endParaRPr lang="en-US" altLang="zh-CN" dirty="0" smtClean="0"/>
+          </a:p>
+          <a:p>
+            <a:r>
+              <a:rPr lang="zh-CN" altLang="en-US" dirty="0"/>
+              <a:t>可以更快地在</a:t>
+            </a:r>
+            <a:r>
+              <a:rPr lang="en-US" altLang="zh-CN" dirty="0"/>
+              <a:t>web worker</a:t>
+            </a:r>
+            <a:r>
+              <a:rPr lang="zh-CN" altLang="en-US" dirty="0"/>
+              <a:t>之间共享数据</a:t>
+            </a:r>
+          </a:p>
+          <a:p>
+            <a:r>
+              <a:rPr lang="en-US" altLang="zh-CN" dirty="0"/>
+              <a:t>web worker</a:t>
+            </a:r>
+            <a:r>
+              <a:rPr lang="zh-CN" altLang="en-US" dirty="0"/>
+              <a:t>之间的协调变得更加简单和</a:t>
+            </a:r>
+            <a:r>
+              <a:rPr lang="zh-CN" altLang="en-US" dirty="0" smtClean="0"/>
+              <a:t>快速</a:t>
+            </a:r>
+            <a:endParaRPr lang="zh-CN" altLang="en-US" dirty="0"/>
+          </a:p>
+        </p:txBody>
+      </p:sp>
+    </p:spTree>
+    <p:extLst>
+      <p:ext uri="{BB962C8B-B14F-4D97-AF65-F5344CB8AC3E}">
+        <p14:creationId xmlns:p14="http://schemas.microsoft.com/office/powerpoint/2010/main" val="499694573"/>
+      </p:ext>
+    </p:extLst>
+  </p:cSld>
+  <p:clrMapOvr>
+    <a:masterClrMapping/>
+  </p:clrMapOvr>
+  <p:timing>
+    <p:tnLst>
+      <p:par>
+        <p:cTn id="1" dur="indefinite" restart="never" nodeType="tmRoot"/>
+      </p:par>
+    </p:tnLst>
+  </p:timing>
+</p:sld>
+</file>
+
+<file path=ppt/slides/slide17.xml><?xml version="1.0" encoding="utf-8"?>
+<p:sld xmlns:a="http://schemas.openxmlformats.org/drawingml/2006/main" xmlns:r="http://schemas.openxmlformats.org/officeDocument/2006/relationships" xmlns:p="http://schemas.openxmlformats.org/presentationml/2006/main">
+  <p:cSld>
+    <p:spTree>
+      <p:nvGrpSpPr>
+        <p:cNvPr id="1" name=""/>
+        <p:cNvGrpSpPr/>
+        <p:nvPr/>
+      </p:nvGrpSpPr>
+      <p:grpSpPr>
+        <a:xfrm>
+          <a:off x="0" y="0"/>
+          <a:ext cx="0" cy="0"/>
+          <a:chOff x="0" y="0"/>
+          <a:chExt cx="0" cy="0"/>
+        </a:xfrm>
+      </p:grpSpPr>
+      <p:sp>
+        <p:nvSpPr>
+          <p:cNvPr id="2" name="标题 1"/>
+          <p:cNvSpPr>
+            <a:spLocks noGrp="1"/>
+          </p:cNvSpPr>
+          <p:nvPr>
+            <p:ph type="title"/>
+          </p:nvPr>
+        </p:nvSpPr>
+        <p:spPr>
+          <a:xfrm>
             <a:off x="1371600" y="302623"/>
             <a:ext cx="9601200" cy="820783"/>
           </a:xfrm>
@@ -6019,7 +6249,7 @@
 </p:sld>
 </file>
 
-<file path=ppt/slides/slide17.xml><?xml version="1.0" encoding="utf-8"?>
+<file path=ppt/slides/slide18.xml><?xml version="1.0" encoding="utf-8"?>
 <p:sld xmlns:a="http://schemas.openxmlformats.org/drawingml/2006/main" xmlns:r="http://schemas.openxmlformats.org/officeDocument/2006/relationships" xmlns:p="http://schemas.openxmlformats.org/presentationml/2006/main">
   <p:cSld>
     <p:spTree>
@@ -6424,7 +6654,393 @@
 </p:sld>
 </file>
 
-<file path=ppt/slides/slide18.xml><?xml version="1.0" encoding="utf-8"?>
+<file path=ppt/slides/slide19.xml><?xml version="1.0" encoding="utf-8"?>
+<p:sld xmlns:a="http://schemas.openxmlformats.org/drawingml/2006/main" xmlns:r="http://schemas.openxmlformats.org/officeDocument/2006/relationships" xmlns:p="http://schemas.openxmlformats.org/presentationml/2006/main">
+  <p:cSld>
+    <p:spTree>
+      <p:nvGrpSpPr>
+        <p:cNvPr id="1" name=""/>
+        <p:cNvGrpSpPr/>
+        <p:nvPr/>
+      </p:nvGrpSpPr>
+      <p:grpSpPr>
+        <a:xfrm>
+          <a:off x="0" y="0"/>
+          <a:ext cx="0" cy="0"/>
+          <a:chOff x="0" y="0"/>
+          <a:chExt cx="0" cy="0"/>
+        </a:xfrm>
+      </p:grpSpPr>
+      <p:sp>
+        <p:nvSpPr>
+          <p:cNvPr id="2" name="标题 1"/>
+          <p:cNvSpPr>
+            <a:spLocks noGrp="1"/>
+          </p:cNvSpPr>
+          <p:nvPr>
+            <p:ph type="title"/>
+          </p:nvPr>
+        </p:nvSpPr>
+        <p:spPr>
+          <a:xfrm>
+            <a:off x="1371600" y="302623"/>
+            <a:ext cx="9601200" cy="820783"/>
+          </a:xfrm>
+        </p:spPr>
+        <p:txBody>
+          <a:bodyPr>
+            <a:normAutofit/>
+          </a:bodyPr>
+          <a:lstStyle/>
+          <a:p>
+            <a:r>
+              <a:rPr lang="zh-CN" altLang="en-US" dirty="0" smtClean="0"/>
+              <a:t>参考</a:t>
+            </a:r>
+            <a:endParaRPr lang="zh-CN" altLang="en-US" dirty="0"/>
+          </a:p>
+        </p:txBody>
+      </p:sp>
+      <p:sp>
+        <p:nvSpPr>
+          <p:cNvPr id="3" name="内容占位符 2"/>
+          <p:cNvSpPr>
+            <a:spLocks noGrp="1"/>
+          </p:cNvSpPr>
+          <p:nvPr>
+            <p:ph idx="1"/>
+          </p:nvPr>
+        </p:nvSpPr>
+        <p:spPr>
+          <a:xfrm>
+            <a:off x="1371599" y="1123407"/>
+            <a:ext cx="10036629" cy="5669280"/>
+          </a:xfrm>
+        </p:spPr>
+        <p:txBody>
+          <a:bodyPr>
+            <a:normAutofit/>
+          </a:bodyPr>
+          <a:lstStyle/>
+          <a:p>
+            <a:endParaRPr lang="en-US" altLang="zh-CN" sz="1600" b="1" dirty="0" smtClean="0">
+              <a:hlinkClick r:id="rId2"/>
+            </a:endParaRPr>
+          </a:p>
+          <a:p>
+            <a:endParaRPr lang="en-US" altLang="zh-CN" sz="1600" b="1" dirty="0">
+              <a:hlinkClick r:id="rId2"/>
+            </a:endParaRPr>
+          </a:p>
+          <a:p>
+            <a:endParaRPr lang="en-US" altLang="zh-CN" sz="1600" b="1" dirty="0" smtClean="0">
+              <a:hlinkClick r:id="rId2"/>
+            </a:endParaRPr>
+          </a:p>
+          <a:p>
+            <a:endParaRPr lang="en-US" altLang="zh-CN" sz="1600" b="1" dirty="0">
+              <a:hlinkClick r:id="rId2"/>
+            </a:endParaRPr>
+          </a:p>
+          <a:p>
+            <a:endParaRPr lang="en-US" altLang="zh-CN" sz="1600" b="1" dirty="0" smtClean="0">
+              <a:hlinkClick r:id="rId2"/>
+            </a:endParaRPr>
+          </a:p>
+          <a:p>
+            <a:pPr marL="0" indent="0">
+              <a:buNone/>
+            </a:pPr>
+            <a:endParaRPr lang="en-US" altLang="zh-CN" sz="1600" b="1" dirty="0">
+              <a:hlinkClick r:id="rId2"/>
+            </a:endParaRPr>
+          </a:p>
+          <a:p>
+            <a:r>
+              <a:rPr lang="en-US" altLang="zh-CN" sz="2400" b="1" dirty="0" smtClean="0">
+                <a:hlinkClick r:id="rId2"/>
+              </a:rPr>
+              <a:t>ECMAScript </a:t>
+            </a:r>
+            <a:r>
+              <a:rPr lang="en-US" altLang="zh-CN" sz="2400" b="1" dirty="0">
+                <a:hlinkClick r:id="rId2"/>
+              </a:rPr>
+              <a:t>6 </a:t>
+            </a:r>
+            <a:r>
+              <a:rPr lang="zh-CN" altLang="en-US" sz="2400" b="1" dirty="0">
+                <a:hlinkClick r:id="rId2"/>
+              </a:rPr>
+              <a:t>入门</a:t>
+            </a:r>
+            <a:endParaRPr lang="en-US" altLang="zh-CN" sz="2400" dirty="0"/>
+          </a:p>
+          <a:p>
+            <a:r>
+              <a:rPr lang="en-US" altLang="zh-CN" sz="2400" dirty="0" err="1">
+                <a:hlinkClick r:id="rId3"/>
+              </a:rPr>
+              <a:t>Segmentfault</a:t>
+            </a:r>
+            <a:endParaRPr lang="en-US" altLang="zh-CN" sz="2400" dirty="0"/>
+          </a:p>
+          <a:p>
+            <a:r>
+              <a:rPr lang="en-US" altLang="zh-CN" sz="2400" b="1" dirty="0">
+                <a:hlinkClick r:id="rId4"/>
+              </a:rPr>
+              <a:t>10</a:t>
+            </a:r>
+            <a:r>
+              <a:rPr lang="zh-CN" altLang="en-US" sz="2400" b="1" dirty="0">
+                <a:hlinkClick r:id="rId4"/>
+              </a:rPr>
+              <a:t>分钟学会</a:t>
+            </a:r>
+            <a:r>
+              <a:rPr lang="en-US" altLang="zh-CN" sz="2400" b="1" dirty="0">
+                <a:hlinkClick r:id="rId4"/>
+              </a:rPr>
+              <a:t>ES7+ES8-</a:t>
+            </a:r>
+            <a:r>
+              <a:rPr lang="zh-CN" altLang="en-US" sz="2400" b="1" dirty="0">
+                <a:hlinkClick r:id="rId4"/>
+              </a:rPr>
+              <a:t>缺乏</a:t>
+            </a:r>
+            <a:r>
+              <a:rPr lang="en-US" altLang="zh-CN" sz="2400" b="1" dirty="0">
+                <a:hlinkClick r:id="rId4"/>
+              </a:rPr>
+              <a:t>decorator</a:t>
+            </a:r>
+            <a:endParaRPr lang="en-US" altLang="zh-CN" sz="2400" dirty="0"/>
+          </a:p>
+          <a:p>
+            <a:r>
+              <a:rPr lang="en-US" altLang="zh-CN" sz="2400" dirty="0">
+                <a:hlinkClick r:id="rId5"/>
+              </a:rPr>
+              <a:t>Exploring ES2016 and ES2017</a:t>
+            </a:r>
+            <a:endParaRPr lang="zh-CN" altLang="en-US" sz="2400" dirty="0"/>
+          </a:p>
+          <a:p>
+            <a:endParaRPr lang="zh-CN" altLang="en-US" sz="1600" dirty="0"/>
+          </a:p>
+        </p:txBody>
+      </p:sp>
+    </p:spTree>
+    <p:extLst>
+      <p:ext uri="{BB962C8B-B14F-4D97-AF65-F5344CB8AC3E}">
+        <p14:creationId xmlns:p14="http://schemas.microsoft.com/office/powerpoint/2010/main" val="3695215230"/>
+      </p:ext>
+    </p:extLst>
+  </p:cSld>
+  <p:clrMapOvr>
+    <a:masterClrMapping/>
+  </p:clrMapOvr>
+  <p:timing>
+    <p:tnLst>
+      <p:par>
+        <p:cTn id="1" dur="indefinite" restart="never" nodeType="tmRoot"/>
+      </p:par>
+    </p:tnLst>
+  </p:timing>
+</p:sld>
+</file>
+
+<file path=ppt/slides/slide2.xml><?xml version="1.0" encoding="utf-8"?>
+<p:sld xmlns:a="http://schemas.openxmlformats.org/drawingml/2006/main" xmlns:r="http://schemas.openxmlformats.org/officeDocument/2006/relationships" xmlns:p="http://schemas.openxmlformats.org/presentationml/2006/main">
+  <p:cSld>
+    <p:spTree>
+      <p:nvGrpSpPr>
+        <p:cNvPr id="1" name=""/>
+        <p:cNvGrpSpPr/>
+        <p:nvPr/>
+      </p:nvGrpSpPr>
+      <p:grpSpPr>
+        <a:xfrm>
+          <a:off x="0" y="0"/>
+          <a:ext cx="0" cy="0"/>
+          <a:chOff x="0" y="0"/>
+          <a:chExt cx="0" cy="0"/>
+        </a:xfrm>
+      </p:grpSpPr>
+      <p:sp>
+        <p:nvSpPr>
+          <p:cNvPr id="2" name="标题 1"/>
+          <p:cNvSpPr>
+            <a:spLocks noGrp="1"/>
+          </p:cNvSpPr>
+          <p:nvPr>
+            <p:ph type="title"/>
+          </p:nvPr>
+        </p:nvSpPr>
+        <p:spPr>
+          <a:xfrm>
+            <a:off x="1371600" y="302623"/>
+            <a:ext cx="9601200" cy="820783"/>
+          </a:xfrm>
+        </p:spPr>
+        <p:txBody>
+          <a:bodyPr>
+            <a:normAutofit/>
+          </a:bodyPr>
+          <a:lstStyle/>
+          <a:p>
+            <a:r>
+              <a:rPr lang="en-US" altLang="zh-CN" dirty="0" smtClean="0"/>
+              <a:t>ES2015</a:t>
+            </a:r>
+            <a:endParaRPr lang="zh-CN" altLang="en-US" dirty="0"/>
+          </a:p>
+        </p:txBody>
+      </p:sp>
+      <p:sp>
+        <p:nvSpPr>
+          <p:cNvPr id="3" name="内容占位符 2"/>
+          <p:cNvSpPr>
+            <a:spLocks noGrp="1"/>
+          </p:cNvSpPr>
+          <p:nvPr>
+            <p:ph idx="1"/>
+          </p:nvPr>
+        </p:nvSpPr>
+        <p:spPr>
+          <a:xfrm>
+            <a:off x="1371600" y="1375954"/>
+            <a:ext cx="9601200" cy="4491446"/>
+          </a:xfrm>
+        </p:spPr>
+        <p:txBody>
+          <a:bodyPr>
+            <a:normAutofit/>
+          </a:bodyPr>
+          <a:lstStyle/>
+          <a:p>
+            <a:r>
+              <a:rPr lang="en-US" altLang="zh-CN" dirty="0" smtClean="0"/>
+              <a:t>let/</a:t>
+            </a:r>
+            <a:r>
+              <a:rPr lang="en-US" altLang="zh-CN" dirty="0" err="1" smtClean="0"/>
+              <a:t>const</a:t>
+            </a:r>
+            <a:endParaRPr lang="en-US" altLang="zh-CN" dirty="0" smtClean="0"/>
+          </a:p>
+          <a:p>
+            <a:r>
+              <a:rPr lang="zh-CN" altLang="en-US" dirty="0"/>
+              <a:t>箭头</a:t>
+            </a:r>
+            <a:r>
+              <a:rPr lang="zh-CN" altLang="en-US" dirty="0" smtClean="0"/>
+              <a:t>函数</a:t>
+            </a:r>
+            <a:endParaRPr lang="en-US" altLang="zh-CN" dirty="0" smtClean="0"/>
+          </a:p>
+          <a:p>
+            <a:r>
+              <a:rPr lang="zh-CN" altLang="en-US" dirty="0"/>
+              <a:t>模板</a:t>
+            </a:r>
+            <a:r>
+              <a:rPr lang="zh-CN" altLang="en-US" dirty="0" smtClean="0"/>
+              <a:t>字符串</a:t>
+            </a:r>
+            <a:endParaRPr lang="en-US" altLang="zh-CN" dirty="0" smtClean="0"/>
+          </a:p>
+          <a:p>
+            <a:r>
+              <a:rPr lang="zh-CN" altLang="en-US" dirty="0"/>
+              <a:t>解</a:t>
+            </a:r>
+            <a:r>
+              <a:rPr lang="zh-CN" altLang="en-US" dirty="0" smtClean="0"/>
+              <a:t>构赋值</a:t>
+            </a:r>
+            <a:endParaRPr lang="en-US" altLang="zh-CN" dirty="0" smtClean="0"/>
+          </a:p>
+          <a:p>
+            <a:r>
+              <a:rPr lang="zh-CN" altLang="en-US" dirty="0"/>
+              <a:t>展开运算符</a:t>
+            </a:r>
+            <a:r>
+              <a:rPr lang="en-US" altLang="zh-CN" dirty="0" smtClean="0"/>
+              <a:t>...</a:t>
+            </a:r>
+          </a:p>
+          <a:p>
+            <a:r>
+              <a:rPr lang="en-US" altLang="zh-CN" dirty="0" smtClean="0"/>
+              <a:t>Promise</a:t>
+            </a:r>
+          </a:p>
+          <a:p>
+            <a:r>
+              <a:rPr lang="zh-CN" altLang="en-US" dirty="0" smtClean="0"/>
+              <a:t>模块化</a:t>
+            </a:r>
+            <a:endParaRPr lang="en-US" altLang="zh-CN" dirty="0" smtClean="0"/>
+          </a:p>
+          <a:p>
+            <a:r>
+              <a:rPr lang="zh-CN" altLang="en-US" dirty="0"/>
+              <a:t>对象与</a:t>
+            </a:r>
+            <a:r>
+              <a:rPr lang="en-US" altLang="zh-CN" dirty="0" smtClean="0"/>
+              <a:t>Class</a:t>
+            </a:r>
+          </a:p>
+          <a:p>
+            <a:r>
+              <a:rPr lang="en-US" altLang="zh-CN" dirty="0" smtClean="0"/>
+              <a:t>Symbol</a:t>
+            </a:r>
+          </a:p>
+          <a:p>
+            <a:r>
+              <a:rPr lang="en-US" altLang="zh-CN" dirty="0"/>
+              <a:t>Set</a:t>
+            </a:r>
+            <a:r>
+              <a:rPr lang="zh-CN" altLang="en-US" dirty="0"/>
+              <a:t>和</a:t>
+            </a:r>
+            <a:r>
+              <a:rPr lang="en-US" altLang="zh-CN" dirty="0"/>
+              <a:t>Map</a:t>
+            </a:r>
+            <a:endParaRPr lang="zh-CN" altLang="en-US" dirty="0"/>
+          </a:p>
+        </p:txBody>
+      </p:sp>
+    </p:spTree>
+    <p:extLst>
+      <p:ext uri="{BB962C8B-B14F-4D97-AF65-F5344CB8AC3E}">
+        <p14:creationId xmlns:p14="http://schemas.microsoft.com/office/powerpoint/2010/main" val="1340019500"/>
+      </p:ext>
+    </p:extLst>
+  </p:cSld>
+  <p:clrMapOvr>
+    <a:masterClrMapping/>
+  </p:clrMapOvr>
+  <p:timing>
+    <p:tnLst>
+      <p:par>
+        <p:cTn id="1" dur="indefinite" restart="never" nodeType="tmRoot"/>
+      </p:par>
+    </p:tnLst>
+  </p:timing>
+</p:sld>
+</file>
+
+<file path=ppt/slides/slide20.xml><?xml version="1.0" encoding="utf-8"?>
 <p:sld xmlns:a="http://schemas.openxmlformats.org/drawingml/2006/main" xmlns:r="http://schemas.openxmlformats.org/officeDocument/2006/relationships" xmlns:p="http://schemas.openxmlformats.org/presentationml/2006/main">
   <p:cSld>
     <p:spTree>
@@ -6649,194 +7265,6 @@
 </p:sld>
 </file>
 
-<file path=ppt/slides/slide2.xml><?xml version="1.0" encoding="utf-8"?>
-<p:sld xmlns:a="http://schemas.openxmlformats.org/drawingml/2006/main" xmlns:r="http://schemas.openxmlformats.org/officeDocument/2006/relationships" xmlns:p="http://schemas.openxmlformats.org/presentationml/2006/main">
-  <p:cSld>
-    <p:spTree>
-      <p:nvGrpSpPr>
-        <p:cNvPr id="1" name=""/>
-        <p:cNvGrpSpPr/>
-        <p:nvPr/>
-      </p:nvGrpSpPr>
-      <p:grpSpPr>
-        <a:xfrm>
-          <a:off x="0" y="0"/>
-          <a:ext cx="0" cy="0"/>
-          <a:chOff x="0" y="0"/>
-          <a:chExt cx="0" cy="0"/>
-        </a:xfrm>
-      </p:grpSpPr>
-      <p:sp>
-        <p:nvSpPr>
-          <p:cNvPr id="2" name="标题 1"/>
-          <p:cNvSpPr>
-            <a:spLocks noGrp="1"/>
-          </p:cNvSpPr>
-          <p:nvPr>
-            <p:ph type="title"/>
-          </p:nvPr>
-        </p:nvSpPr>
-        <p:spPr>
-          <a:xfrm>
-            <a:off x="1371600" y="302623"/>
-            <a:ext cx="9601200" cy="820783"/>
-          </a:xfrm>
-        </p:spPr>
-        <p:txBody>
-          <a:bodyPr>
-            <a:normAutofit/>
-          </a:bodyPr>
-          <a:lstStyle/>
-          <a:p>
-            <a:r>
-              <a:rPr lang="en-US" altLang="zh-CN" dirty="0" smtClean="0"/>
-              <a:t>ES2015</a:t>
-            </a:r>
-            <a:endParaRPr lang="zh-CN" altLang="en-US" dirty="0"/>
-          </a:p>
-        </p:txBody>
-      </p:sp>
-      <p:sp>
-        <p:nvSpPr>
-          <p:cNvPr id="3" name="内容占位符 2"/>
-          <p:cNvSpPr>
-            <a:spLocks noGrp="1"/>
-          </p:cNvSpPr>
-          <p:nvPr>
-            <p:ph idx="1"/>
-          </p:nvPr>
-        </p:nvSpPr>
-        <p:spPr>
-          <a:xfrm>
-            <a:off x="1371600" y="1375954"/>
-            <a:ext cx="9601200" cy="4491446"/>
-          </a:xfrm>
-        </p:spPr>
-        <p:txBody>
-          <a:bodyPr>
-            <a:normAutofit/>
-          </a:bodyPr>
-          <a:lstStyle/>
-          <a:p>
-            <a:r>
-              <a:rPr lang="en-US" altLang="zh-CN" dirty="0" smtClean="0"/>
-              <a:t>let/</a:t>
-            </a:r>
-            <a:r>
-              <a:rPr lang="en-US" altLang="zh-CN" dirty="0" err="1" smtClean="0"/>
-              <a:t>const</a:t>
-            </a:r>
-            <a:endParaRPr lang="en-US" altLang="zh-CN" dirty="0" smtClean="0"/>
-          </a:p>
-          <a:p>
-            <a:r>
-              <a:rPr lang="zh-CN" altLang="en-US" dirty="0"/>
-              <a:t>箭头</a:t>
-            </a:r>
-            <a:r>
-              <a:rPr lang="zh-CN" altLang="en-US" dirty="0" smtClean="0"/>
-              <a:t>函数</a:t>
-            </a:r>
-            <a:endParaRPr lang="en-US" altLang="zh-CN" dirty="0" smtClean="0"/>
-          </a:p>
-          <a:p>
-            <a:r>
-              <a:rPr lang="zh-CN" altLang="en-US" dirty="0"/>
-              <a:t>模板</a:t>
-            </a:r>
-            <a:r>
-              <a:rPr lang="zh-CN" altLang="en-US" dirty="0" smtClean="0"/>
-              <a:t>字符串</a:t>
-            </a:r>
-            <a:endParaRPr lang="en-US" altLang="zh-CN" dirty="0" smtClean="0"/>
-          </a:p>
-          <a:p>
-            <a:r>
-              <a:rPr lang="zh-CN" altLang="en-US" dirty="0"/>
-              <a:t>解</a:t>
-            </a:r>
-            <a:r>
-              <a:rPr lang="zh-CN" altLang="en-US" dirty="0" smtClean="0"/>
-              <a:t>构赋值</a:t>
-            </a:r>
-            <a:endParaRPr lang="en-US" altLang="zh-CN" dirty="0" smtClean="0"/>
-          </a:p>
-          <a:p>
-            <a:r>
-              <a:rPr lang="zh-CN" altLang="en-US" dirty="0"/>
-              <a:t>展开运算符</a:t>
-            </a:r>
-            <a:r>
-              <a:rPr lang="en-US" altLang="zh-CN" dirty="0" smtClean="0"/>
-              <a:t>...</a:t>
-            </a:r>
-          </a:p>
-          <a:p>
-            <a:r>
-              <a:rPr lang="en-US" altLang="zh-CN" dirty="0" smtClean="0"/>
-              <a:t>Promise</a:t>
-            </a:r>
-          </a:p>
-          <a:p>
-            <a:r>
-              <a:rPr lang="zh-CN" altLang="en-US" dirty="0" smtClean="0"/>
-              <a:t>模块化</a:t>
-            </a:r>
-            <a:endParaRPr lang="en-US" altLang="zh-CN" dirty="0" smtClean="0"/>
-          </a:p>
-          <a:p>
-            <a:r>
-              <a:rPr lang="zh-CN" altLang="en-US" dirty="0"/>
-              <a:t>对象与</a:t>
-            </a:r>
-            <a:r>
-              <a:rPr lang="en-US" altLang="zh-CN" dirty="0" smtClean="0"/>
-              <a:t>Class</a:t>
-            </a:r>
-          </a:p>
-          <a:p>
-            <a:r>
-              <a:rPr lang="en-US" altLang="zh-CN" dirty="0" smtClean="0"/>
-              <a:t>Symbol</a:t>
-            </a:r>
-          </a:p>
-          <a:p>
-            <a:r>
-              <a:rPr lang="en-US" altLang="zh-CN" dirty="0"/>
-              <a:t>Set</a:t>
-            </a:r>
-            <a:r>
-              <a:rPr lang="zh-CN" altLang="en-US" dirty="0"/>
-              <a:t>和</a:t>
-            </a:r>
-            <a:r>
-              <a:rPr lang="en-US" altLang="zh-CN" dirty="0"/>
-              <a:t>Map</a:t>
-            </a:r>
-            <a:endParaRPr lang="zh-CN" altLang="en-US" dirty="0"/>
-          </a:p>
-        </p:txBody>
-      </p:sp>
-    </p:spTree>
-    <p:extLst>
-      <p:ext uri="{BB962C8B-B14F-4D97-AF65-F5344CB8AC3E}">
-        <p14:creationId xmlns:p14="http://schemas.microsoft.com/office/powerpoint/2010/main" val="1340019500"/>
-      </p:ext>
-    </p:extLst>
-  </p:cSld>
-  <p:clrMapOvr>
-    <a:masterClrMapping/>
-  </p:clrMapOvr>
-  <p:timing>
-    <p:tnLst>
-      <p:par>
-        <p:cTn id="1" dur="indefinite" restart="never" nodeType="tmRoot"/>
-      </p:par>
-    </p:tnLst>
-  </p:timing>
-</p:sld>
-</file>
-
 <file path=ppt/slides/slide3.xml><?xml version="1.0" encoding="utf-8"?>
 <p:sld xmlns:a="http://schemas.openxmlformats.org/drawingml/2006/main" xmlns:r="http://schemas.openxmlformats.org/officeDocument/2006/relationships" xmlns:p="http://schemas.openxmlformats.org/presentationml/2006/main">
   <p:cSld>
@@ -7119,11 +7547,7 @@
             </a:r>
             <a:r>
               <a:rPr lang="zh-CN" altLang="en-US" sz="1400" dirty="0"/>
-              <a:t>重复定义的话，后面的会覆盖前面的，并不会报</a:t>
-            </a:r>
-            <a:r>
-              <a:rPr lang="zh-CN" altLang="en-US" sz="1400" dirty="0"/>
-              <a:t>错</a:t>
+              <a:t>重复定义的话，后面的会覆盖前面的，并不会报错</a:t>
             </a:r>
             <a:endParaRPr lang="en-US" altLang="zh-CN" sz="1400" dirty="0"/>
           </a:p>
@@ -7472,7 +7896,6 @@
               <a:rPr lang="en-US" altLang="zh-CN" sz="1400" dirty="0"/>
               <a:t>let {length} = 'hello'; // length = 5;</a:t>
             </a:r>
-            <a:endParaRPr lang="en-US" altLang="zh-CN" sz="1400" dirty="0"/>
           </a:p>
           <a:p>
             <a:pPr lvl="1"/>
@@ -7671,11 +8094,7 @@
             </a:r>
             <a:r>
               <a:rPr lang="da-DK" altLang="zh-CN" sz="1400" dirty="0"/>
-              <a:t>// </a:t>
-            </a:r>
-            <a:r>
-              <a:rPr lang="da-DK" altLang="zh-CN" sz="1400" dirty="0"/>
-              <a:t>foo </a:t>
+              <a:t>// foo </a:t>
             </a:r>
             <a:r>
               <a:rPr lang="da-DK" altLang="zh-CN" sz="1400" dirty="0" smtClean="0"/>
@@ -8743,11 +9162,7 @@
             </a:pPr>
             <a:r>
               <a:rPr lang="en-US" altLang="zh-CN" sz="1400" i="1" dirty="0"/>
-              <a:t>require</a:t>
-            </a:r>
-            <a:r>
-              <a:rPr lang="en-US" altLang="zh-CN" sz="1400" i="1" dirty="0"/>
-              <a:t> : </a:t>
+              <a:t>require : </a:t>
             </a:r>
             <a:r>
               <a:rPr lang="zh-CN" altLang="en-US" sz="1400" i="1" dirty="0"/>
@@ -8808,11 +9223,7 @@
             </a:pPr>
             <a:r>
               <a:rPr lang="zh-CN" altLang="en-US" sz="1400" i="1" dirty="0"/>
-              <a:t>浏览器端模块化开发的</a:t>
-            </a:r>
-            <a:r>
-              <a:rPr lang="zh-CN" altLang="en-US" sz="1400" i="1" dirty="0"/>
-              <a:t>规范</a:t>
+              <a:t>浏览器端模块化开发的规范</a:t>
             </a:r>
             <a:r>
               <a:rPr lang="en-US" altLang="zh-CN" sz="1400" i="1" dirty="0"/>
@@ -8826,6 +9237,15 @@
               <a:rPr lang="en-US" altLang="zh-CN" sz="1400" i="1" dirty="0"/>
               <a:t> </a:t>
             </a:r>
+          </a:p>
+          <a:p>
+            <a:pPr marL="987552" lvl="2" indent="0">
+              <a:buNone/>
+            </a:pPr>
+            <a:r>
+              <a:rPr lang="zh-CN" altLang="en-US" sz="1400" i="1" dirty="0"/>
+              <a:t>异步加载，不阻塞页面的加载，能并行加载多个模块</a:t>
+            </a:r>
             <a:endParaRPr lang="en-US" altLang="zh-CN" sz="1400" i="1" dirty="0"/>
           </a:p>
           <a:p>
@@ -8834,33 +9254,7 @@
             </a:pPr>
             <a:r>
               <a:rPr lang="zh-CN" altLang="en-US" sz="1400" i="1" dirty="0"/>
-              <a:t>异步</a:t>
-            </a:r>
-            <a:r>
-              <a:rPr lang="zh-CN" altLang="en-US" sz="1400" i="1" dirty="0"/>
-              <a:t>加载，不阻塞页面的加载，能并行加载多个</a:t>
-            </a:r>
-            <a:r>
-              <a:rPr lang="zh-CN" altLang="en-US" sz="1400" i="1" dirty="0"/>
-              <a:t>模块</a:t>
-            </a:r>
-            <a:endParaRPr lang="en-US" altLang="zh-CN" sz="1400" i="1" dirty="0"/>
-          </a:p>
-          <a:p>
-            <a:pPr marL="987552" lvl="2" indent="0">
-              <a:buNone/>
-            </a:pPr>
-            <a:r>
-              <a:rPr lang="zh-CN" altLang="en-US" sz="1400" i="1" dirty="0"/>
-              <a:t>不能</a:t>
-            </a:r>
-            <a:r>
-              <a:rPr lang="zh-CN" altLang="en-US" sz="1400" i="1" dirty="0"/>
-              <a:t>按需加载，必须提前加载所需</a:t>
-            </a:r>
-            <a:r>
-              <a:rPr lang="zh-CN" altLang="en-US" sz="1400" i="1" dirty="0"/>
-              <a:t>依赖</a:t>
+              <a:t>不能按需加载，必须提前加载所需依赖</a:t>
             </a:r>
             <a:endParaRPr lang="en-US" altLang="zh-CN" sz="1400" i="1" dirty="0"/>
           </a:p>
@@ -8881,11 +9275,7 @@
             </a:pPr>
             <a:r>
               <a:rPr lang="zh-CN" altLang="en-US" sz="1400" i="1" dirty="0"/>
-              <a:t>按需</a:t>
-            </a:r>
-            <a:r>
-              <a:rPr lang="zh-CN" altLang="en-US" sz="1400" i="1" dirty="0"/>
-              <a:t>加载</a:t>
+              <a:t>按需加载</a:t>
             </a:r>
             <a:r>
               <a:rPr lang="en-US" altLang="zh-CN" sz="1400" i="1" dirty="0"/>

--- a/source/ppt/ES6.pptx
+++ b/source/ppt/ES6.pptx
@@ -8,23 +8,26 @@
     <p:sldId id="256" r:id="rId2"/>
     <p:sldId id="263" r:id="rId3"/>
     <p:sldId id="264" r:id="rId4"/>
-    <p:sldId id="265" r:id="rId5"/>
-    <p:sldId id="266" r:id="rId6"/>
-    <p:sldId id="267" r:id="rId7"/>
-    <p:sldId id="273" r:id="rId8"/>
-    <p:sldId id="268" r:id="rId9"/>
-    <p:sldId id="272" r:id="rId10"/>
-    <p:sldId id="269" r:id="rId11"/>
-    <p:sldId id="271" r:id="rId12"/>
-    <p:sldId id="279" r:id="rId13"/>
-    <p:sldId id="270" r:id="rId14"/>
-    <p:sldId id="274" r:id="rId15"/>
-    <p:sldId id="275" r:id="rId16"/>
-    <p:sldId id="276" r:id="rId17"/>
-    <p:sldId id="277" r:id="rId18"/>
-    <p:sldId id="278" r:id="rId19"/>
-    <p:sldId id="280" r:id="rId20"/>
-    <p:sldId id="261" r:id="rId21"/>
+    <p:sldId id="281" r:id="rId5"/>
+    <p:sldId id="265" r:id="rId6"/>
+    <p:sldId id="266" r:id="rId7"/>
+    <p:sldId id="267" r:id="rId8"/>
+    <p:sldId id="273" r:id="rId9"/>
+    <p:sldId id="268" r:id="rId10"/>
+    <p:sldId id="272" r:id="rId11"/>
+    <p:sldId id="269" r:id="rId12"/>
+    <p:sldId id="271" r:id="rId13"/>
+    <p:sldId id="282" r:id="rId14"/>
+    <p:sldId id="279" r:id="rId15"/>
+    <p:sldId id="283" r:id="rId16"/>
+    <p:sldId id="270" r:id="rId17"/>
+    <p:sldId id="274" r:id="rId18"/>
+    <p:sldId id="275" r:id="rId19"/>
+    <p:sldId id="276" r:id="rId20"/>
+    <p:sldId id="277" r:id="rId21"/>
+    <p:sldId id="278" r:id="rId22"/>
+    <p:sldId id="280" r:id="rId23"/>
+    <p:sldId id="261" r:id="rId24"/>
   </p:sldIdLst>
   <p:sldSz cx="12192000" cy="6858000"/>
   <p:notesSz cx="6858000" cy="9144000"/>
@@ -3994,70 +3997,39 @@
           </a:xfrm>
         </p:spPr>
         <p:txBody>
-          <a:bodyPr>
-            <a:normAutofit/>
-          </a:bodyPr>
+          <a:bodyPr/>
           <a:lstStyle/>
           <a:p>
             <a:r>
+              <a:rPr lang="zh-CN" altLang="en-US" dirty="0" smtClean="0"/>
+              <a:t>模块化</a:t>
+            </a:r>
+            <a:endParaRPr lang="en-US" altLang="zh-CN" dirty="0" smtClean="0"/>
+          </a:p>
+          <a:p>
+            <a:pPr lvl="1"/>
+            <a:r>
+              <a:rPr lang="en-US" altLang="zh-CN" dirty="0" smtClean="0"/>
+              <a:t>Import  export</a:t>
+            </a:r>
+          </a:p>
+          <a:p>
+            <a:pPr lvl="1"/>
+            <a:r>
+              <a:rPr lang="en-US" altLang="zh-CN" dirty="0" smtClean="0"/>
+              <a:t>export</a:t>
+            </a:r>
+            <a:r>
+              <a:rPr lang="zh-CN" altLang="en-US" dirty="0"/>
+              <a:t>、</a:t>
+            </a:r>
+            <a:r>
               <a:rPr lang="en-US" altLang="zh-CN" dirty="0"/>
-              <a:t>Symbol</a:t>
-            </a:r>
-            <a:endParaRPr lang="en-US" altLang="zh-CN" dirty="0" smtClean="0"/>
-          </a:p>
-          <a:p>
-            <a:pPr lvl="1"/>
+              <a:t>import</a:t>
+            </a:r>
             <a:r>
               <a:rPr lang="zh-CN" altLang="en-US" dirty="0"/>
-              <a:t>一种新的原始数据类型</a:t>
-            </a:r>
-            <a:r>
-              <a:rPr lang="en-US" altLang="zh-CN" dirty="0"/>
-              <a:t>Symbol</a:t>
-            </a:r>
-            <a:r>
-              <a:rPr lang="zh-CN" altLang="en-US" dirty="0"/>
-              <a:t>，表示独一无二的</a:t>
-            </a:r>
-            <a:r>
-              <a:rPr lang="zh-CN" altLang="en-US" dirty="0" smtClean="0"/>
-              <a:t>值</a:t>
-            </a:r>
-            <a:endParaRPr lang="en-US" altLang="zh-CN" dirty="0" smtClean="0"/>
-          </a:p>
-          <a:p>
-            <a:pPr lvl="1"/>
-            <a:r>
-              <a:rPr lang="zh-CN" altLang="en-US" dirty="0"/>
-              <a:t>通过</a:t>
-            </a:r>
-            <a:r>
-              <a:rPr lang="en-US" altLang="zh-CN" dirty="0"/>
-              <a:t>Symbol</a:t>
-            </a:r>
-            <a:r>
-              <a:rPr lang="zh-CN" altLang="en-US" dirty="0"/>
-              <a:t>函数</a:t>
-            </a:r>
-            <a:r>
-              <a:rPr lang="zh-CN" altLang="en-US" dirty="0" smtClean="0"/>
-              <a:t>生成，</a:t>
-            </a:r>
-            <a:r>
-              <a:rPr lang="en-US" altLang="zh-CN" dirty="0"/>
-              <a:t>Symbol</a:t>
-            </a:r>
-            <a:r>
-              <a:rPr lang="zh-CN" altLang="en-US" dirty="0"/>
-              <a:t>函数前不能使用</a:t>
-            </a:r>
-            <a:r>
-              <a:rPr lang="en-US" altLang="zh-CN" dirty="0"/>
-              <a:t>new</a:t>
-            </a:r>
-            <a:r>
-              <a:rPr lang="zh-CN" altLang="en-US" dirty="0"/>
-              <a:t>命令，否则会报</a:t>
+              <a:t>命令可以出现在模块的任何位置，但是必须处于模块顶层。如果处于块级作用域内，就会报</a:t>
             </a:r>
             <a:r>
               <a:rPr lang="zh-CN" altLang="en-US" dirty="0" smtClean="0"/>
@@ -4066,160 +4038,137 @@
             <a:endParaRPr lang="en-US" altLang="zh-CN" dirty="0" smtClean="0"/>
           </a:p>
           <a:p>
-            <a:pPr marL="987552" lvl="2" indent="0">
-              <a:buNone/>
-            </a:pPr>
-            <a:r>
-              <a:rPr lang="en-US" altLang="zh-CN" sz="1400" i="1" dirty="0" smtClean="0"/>
-              <a:t>let </a:t>
-            </a:r>
-            <a:r>
-              <a:rPr lang="en-US" altLang="zh-CN" sz="1400" i="1" dirty="0"/>
-              <a:t>s1 = Symbol('foo');</a:t>
-            </a:r>
-          </a:p>
-          <a:p>
-            <a:pPr marL="987552" lvl="2" indent="0">
-              <a:buNone/>
-            </a:pPr>
-            <a:r>
-              <a:rPr lang="en-US" altLang="zh-CN" sz="1400" i="1" dirty="0"/>
-              <a:t>let s2 = Symbol('foo');</a:t>
-            </a:r>
-          </a:p>
-          <a:p>
-            <a:pPr marL="987552" lvl="2" indent="0">
-              <a:buNone/>
-            </a:pPr>
-            <a:r>
-              <a:rPr lang="en-US" altLang="zh-CN" sz="1400" i="1" dirty="0"/>
-              <a:t>s1 === s2 // false</a:t>
-            </a:r>
-          </a:p>
-          <a:p>
             <a:pPr lvl="1"/>
             <a:r>
+              <a:rPr lang="zh-CN" altLang="en-US" i="0" dirty="0"/>
+              <a:t>静态加载，编译时输出接口（</a:t>
+            </a:r>
+            <a:r>
+              <a:rPr lang="en-US" altLang="zh-CN" i="0" dirty="0" err="1"/>
+              <a:t>CommonJS</a:t>
+            </a:r>
+            <a:r>
               <a:rPr lang="en-US" altLang="zh-CN" i="0" dirty="0"/>
-              <a:t>Symbol </a:t>
+              <a:t> </a:t>
             </a:r>
             <a:r>
               <a:rPr lang="zh-CN" altLang="en-US" i="0" dirty="0"/>
-              <a:t>值也可以转为布尔值，但是不能转为数值</a:t>
+              <a:t>模块是运行时加载</a:t>
             </a:r>
             <a:r>
               <a:rPr lang="zh-CN" altLang="en-US" i="0" dirty="0" smtClean="0"/>
-              <a:t>。</a:t>
+              <a:t>）</a:t>
+            </a:r>
+            <a:endParaRPr lang="en-US" altLang="zh-CN" dirty="0" smtClean="0"/>
+          </a:p>
+          <a:p>
+            <a:pPr lvl="1"/>
+            <a:r>
+              <a:rPr lang="zh-CN" altLang="en-US" i="0" dirty="0"/>
+              <a:t>输</a:t>
+            </a:r>
+            <a:r>
+              <a:rPr lang="zh-CN" altLang="en-US" dirty="0" smtClean="0"/>
+              <a:t>出</a:t>
+            </a:r>
+            <a:r>
+              <a:rPr lang="zh-CN" altLang="en-US" dirty="0"/>
+              <a:t>的是值的</a:t>
+            </a:r>
+            <a:r>
+              <a:rPr lang="zh-CN" altLang="en-US" dirty="0" smtClean="0"/>
+              <a:t>引用，</a:t>
+            </a:r>
+            <a:r>
+              <a:rPr lang="zh-CN" altLang="en-US" i="0" dirty="0"/>
+              <a:t>可以取到模块内部实时的</a:t>
+            </a:r>
+            <a:r>
+              <a:rPr lang="zh-CN" altLang="en-US" i="0" dirty="0" smtClean="0"/>
+              <a:t>值</a:t>
             </a:r>
             <a:endParaRPr lang="en-US" altLang="zh-CN" i="0" dirty="0" smtClean="0"/>
           </a:p>
           <a:p>
             <a:pPr lvl="1"/>
             <a:r>
-              <a:rPr lang="en-US" altLang="zh-CN" i="0" dirty="0" err="1" smtClean="0"/>
-              <a:t>Symbol.for</a:t>
-            </a:r>
-            <a:r>
-              <a:rPr lang="en-US" altLang="zh-CN" i="0" dirty="0" smtClean="0"/>
-              <a:t>()</a:t>
-            </a:r>
-          </a:p>
-          <a:p>
-            <a:pPr marL="987552" lvl="2" indent="0">
-              <a:lnSpc>
-                <a:spcPct val="104000"/>
-              </a:lnSpc>
-              <a:buNone/>
-            </a:pPr>
-            <a:r>
-              <a:rPr lang="zh-CN" altLang="en-US" sz="1400" i="1" dirty="0"/>
-              <a:t>它接受一个字符串作为参数，然后搜索有没有以该参数作为名称的 </a:t>
-            </a:r>
-            <a:r>
-              <a:rPr lang="en-US" altLang="zh-CN" sz="1400" i="1" dirty="0"/>
-              <a:t>Symbol </a:t>
-            </a:r>
-            <a:r>
-              <a:rPr lang="zh-CN" altLang="en-US" sz="1400" i="1" dirty="0"/>
-              <a:t>值。如果有，就返回这个 </a:t>
-            </a:r>
-            <a:r>
-              <a:rPr lang="en-US" altLang="zh-CN" sz="1400" i="1" dirty="0"/>
-              <a:t>Symbol </a:t>
-            </a:r>
-            <a:r>
-              <a:rPr lang="zh-CN" altLang="en-US" sz="1400" i="1" dirty="0"/>
-              <a:t>值，否则就新建并返回一个以该字符串为名称的 </a:t>
-            </a:r>
-            <a:r>
-              <a:rPr lang="en-US" altLang="zh-CN" sz="1400" i="1" dirty="0"/>
-              <a:t>Symbol </a:t>
-            </a:r>
-            <a:r>
-              <a:rPr lang="zh-CN" altLang="en-US" sz="1400" i="1" dirty="0"/>
-              <a:t>值。</a:t>
-            </a:r>
-            <a:endParaRPr lang="en-US" altLang="zh-CN" sz="1400" i="1" dirty="0"/>
-          </a:p>
-          <a:p>
-            <a:pPr marL="987552" lvl="2" indent="0">
-              <a:buNone/>
-            </a:pPr>
-            <a:r>
-              <a:rPr lang="en-US" altLang="zh-CN" sz="1400" i="1" dirty="0"/>
-              <a:t>let s1 = </a:t>
-            </a:r>
-            <a:r>
-              <a:rPr lang="en-US" altLang="zh-CN" sz="1400" i="1" dirty="0" err="1"/>
-              <a:t>Symbol.for</a:t>
-            </a:r>
-            <a:r>
-              <a:rPr lang="en-US" altLang="zh-CN" sz="1400" i="1" dirty="0"/>
-              <a:t>('foo');</a:t>
-            </a:r>
-          </a:p>
-          <a:p>
-            <a:pPr marL="987552" lvl="2" indent="0">
-              <a:buNone/>
-            </a:pPr>
-            <a:r>
-              <a:rPr lang="en-US" altLang="zh-CN" sz="1400" i="1" dirty="0"/>
-              <a:t>let s2 = </a:t>
-            </a:r>
-            <a:r>
-              <a:rPr lang="en-US" altLang="zh-CN" sz="1400" i="1" dirty="0" err="1"/>
-              <a:t>Symbol.for</a:t>
-            </a:r>
-            <a:r>
-              <a:rPr lang="en-US" altLang="zh-CN" sz="1400" i="1" dirty="0"/>
-              <a:t>('foo');</a:t>
-            </a:r>
-          </a:p>
-          <a:p>
-            <a:pPr marL="987552" lvl="2" indent="0">
-              <a:buNone/>
-            </a:pPr>
-            <a:r>
-              <a:rPr lang="en-US" altLang="zh-CN" sz="1400" i="1" dirty="0"/>
-              <a:t>s1 === s2 // true</a:t>
-            </a:r>
-          </a:p>
-          <a:p>
-            <a:pPr lvl="2"/>
-            <a:endParaRPr lang="en-US" altLang="zh-CN" i="0" dirty="0"/>
+              <a:rPr lang="en-US" altLang="zh-CN" i="0" dirty="0" err="1"/>
+              <a:t>CommonJS</a:t>
+            </a:r>
+            <a:r>
+              <a:rPr lang="en-US" altLang="zh-CN" i="0" dirty="0"/>
+              <a:t> </a:t>
+            </a:r>
+            <a:r>
+              <a:rPr lang="zh-CN" altLang="en-US" i="0" dirty="0" smtClean="0"/>
+              <a:t>输出</a:t>
+            </a:r>
+            <a:r>
+              <a:rPr lang="zh-CN" altLang="en-US" i="0" dirty="0"/>
+              <a:t>的</a:t>
+            </a:r>
+            <a:r>
+              <a:rPr lang="zh-CN" altLang="en-US" i="0" dirty="0" smtClean="0"/>
+              <a:t>是</a:t>
+            </a:r>
+            <a:r>
+              <a:rPr lang="zh-CN" altLang="en-US" i="0" dirty="0"/>
+              <a:t>值的</a:t>
+            </a:r>
+            <a:r>
+              <a:rPr lang="zh-CN" altLang="en-US" i="0" dirty="0" smtClean="0"/>
+              <a:t>拷贝，不会动态</a:t>
+            </a:r>
+            <a:r>
+              <a:rPr lang="zh-CN" altLang="en-US" i="0" dirty="0" smtClean="0"/>
+              <a:t>更新</a:t>
+            </a:r>
+            <a:endParaRPr lang="en-US" altLang="zh-CN" i="0" dirty="0" smtClean="0"/>
+          </a:p>
+          <a:p>
+            <a:pPr lvl="1"/>
+            <a:r>
+              <a:rPr lang="zh-CN" altLang="en-US" i="0" dirty="0" smtClean="0"/>
+              <a:t>支持引入一个模块的部分接口</a:t>
+            </a:r>
+            <a:endParaRPr lang="en-US" altLang="zh-CN" dirty="0" smtClean="0"/>
           </a:p>
           <a:p>
             <a:endParaRPr lang="en-US" altLang="zh-CN" dirty="0"/>
           </a:p>
           <a:p>
-            <a:pPr lvl="2"/>
-            <a:endParaRPr lang="en-US" altLang="zh-CN" dirty="0"/>
-          </a:p>
-        </p:txBody>
-      </p:sp>
+            <a:endParaRPr lang="zh-CN" altLang="en-US" dirty="0"/>
+          </a:p>
+        </p:txBody>
+      </p:sp>
+      <p:pic>
+        <p:nvPicPr>
+          <p:cNvPr id="6" name="图片 5"/>
+          <p:cNvPicPr>
+            <a:picLocks noChangeAspect="1"/>
+          </p:cNvPicPr>
+          <p:nvPr/>
+        </p:nvPicPr>
+        <p:blipFill>
+          <a:blip r:embed="rId2"/>
+          <a:stretch>
+            <a:fillRect/>
+          </a:stretch>
+        </p:blipFill>
+        <p:spPr>
+          <a:xfrm>
+            <a:off x="1371600" y="4546779"/>
+            <a:ext cx="7141184" cy="1816987"/>
+          </a:xfrm>
+          <a:prstGeom prst="rect">
+            <a:avLst/>
+          </a:prstGeom>
+        </p:spPr>
+      </p:pic>
     </p:spTree>
     <p:extLst>
       <p:ext uri="{BB962C8B-B14F-4D97-AF65-F5344CB8AC3E}">
-        <p14:creationId xmlns:p14="http://schemas.microsoft.com/office/powerpoint/2010/main" val="304235331"/>
+        <p14:creationId xmlns:p14="http://schemas.microsoft.com/office/powerpoint/2010/main" val="946219581"/>
       </p:ext>
     </p:extLst>
   </p:cSld>
@@ -4306,33 +4255,82 @@
           <a:lstStyle/>
           <a:p>
             <a:r>
-              <a:rPr lang="en-US" altLang="zh-CN" dirty="0" smtClean="0"/>
-              <a:t>Set</a:t>
-            </a:r>
+              <a:rPr lang="en-US" altLang="zh-CN" dirty="0"/>
+              <a:t>Symbol</a:t>
+            </a:r>
+            <a:endParaRPr lang="en-US" altLang="zh-CN" dirty="0" smtClean="0"/>
           </a:p>
           <a:p>
             <a:pPr lvl="1"/>
             <a:r>
-              <a:rPr lang="zh-CN" altLang="en-US" i="0" dirty="0" smtClean="0"/>
-              <a:t>类似于数组，但是成员的值都是唯一的，没有重复的值。</a:t>
-            </a:r>
-            <a:endParaRPr lang="en-US" altLang="zh-CN" i="0" dirty="0" smtClean="0"/>
+              <a:rPr lang="zh-CN" altLang="en-US" dirty="0"/>
+              <a:t>一种新的原始数据类型</a:t>
+            </a:r>
+            <a:r>
+              <a:rPr lang="en-US" altLang="zh-CN" dirty="0"/>
+              <a:t>Symbol</a:t>
+            </a:r>
+            <a:r>
+              <a:rPr lang="zh-CN" altLang="en-US" dirty="0"/>
+              <a:t>，表示独一无二的</a:t>
+            </a:r>
+            <a:r>
+              <a:rPr lang="zh-CN" altLang="en-US" dirty="0" smtClean="0"/>
+              <a:t>值</a:t>
+            </a:r>
+            <a:endParaRPr lang="en-US" altLang="zh-CN" dirty="0" smtClean="0"/>
+          </a:p>
+          <a:p>
+            <a:pPr lvl="1"/>
+            <a:r>
+              <a:rPr lang="zh-CN" altLang="en-US" dirty="0"/>
+              <a:t>通过</a:t>
+            </a:r>
+            <a:r>
+              <a:rPr lang="en-US" altLang="zh-CN" dirty="0"/>
+              <a:t>Symbol</a:t>
+            </a:r>
+            <a:r>
+              <a:rPr lang="zh-CN" altLang="en-US" dirty="0"/>
+              <a:t>函数</a:t>
+            </a:r>
+            <a:r>
+              <a:rPr lang="zh-CN" altLang="en-US" dirty="0" smtClean="0"/>
+              <a:t>生成，</a:t>
+            </a:r>
+            <a:r>
+              <a:rPr lang="en-US" altLang="zh-CN" dirty="0"/>
+              <a:t>Symbol</a:t>
+            </a:r>
+            <a:r>
+              <a:rPr lang="zh-CN" altLang="en-US" dirty="0"/>
+              <a:t>函数前不能使用</a:t>
+            </a:r>
+            <a:r>
+              <a:rPr lang="en-US" altLang="zh-CN" dirty="0"/>
+              <a:t>new</a:t>
+            </a:r>
+            <a:r>
+              <a:rPr lang="zh-CN" altLang="en-US" dirty="0"/>
+              <a:t>命令，否则会报</a:t>
+            </a:r>
+            <a:r>
+              <a:rPr lang="zh-CN" altLang="en-US" dirty="0" smtClean="0"/>
+              <a:t>错</a:t>
+            </a:r>
+            <a:endParaRPr lang="en-US" altLang="zh-CN" dirty="0" smtClean="0"/>
           </a:p>
           <a:p>
             <a:pPr marL="987552" lvl="2" indent="0">
               <a:buNone/>
             </a:pPr>
             <a:r>
-              <a:rPr lang="en-US" altLang="zh-CN" sz="1400" i="1" dirty="0" err="1" smtClean="0"/>
-              <a:t>const</a:t>
-            </a:r>
-            <a:r>
               <a:rPr lang="en-US" altLang="zh-CN" sz="1400" i="1" dirty="0" smtClean="0"/>
-              <a:t> </a:t>
+              <a:t>let </a:t>
             </a:r>
             <a:r>
               <a:rPr lang="en-US" altLang="zh-CN" sz="1400" i="1" dirty="0"/>
-              <a:t>s = new Set([1, 2, 3, 3, 3, 3]);</a:t>
+              <a:t>s1 = Symbol('foo');</a:t>
             </a:r>
           </a:p>
           <a:p>
@@ -4340,12 +4338,8 @@
               <a:buNone/>
             </a:pPr>
             <a:r>
-              <a:rPr lang="en-US" altLang="zh-CN" sz="1400" i="1" dirty="0" smtClean="0"/>
-              <a:t>[... </a:t>
-            </a:r>
-            <a:r>
               <a:rPr lang="en-US" altLang="zh-CN" sz="1400" i="1" dirty="0"/>
-              <a:t>s];  // [1,2,3]</a:t>
+              <a:t>let s2 = Symbol('foo');</a:t>
             </a:r>
           </a:p>
           <a:p>
@@ -4353,70 +4347,19 @@
               <a:buNone/>
             </a:pPr>
             <a:r>
-              <a:rPr lang="en-US" altLang="zh-CN" sz="1400" i="1" dirty="0" err="1" smtClean="0"/>
-              <a:t>s.size</a:t>
-            </a:r>
-            <a:r>
               <a:rPr lang="en-US" altLang="zh-CN" sz="1400" i="1" dirty="0"/>
-              <a:t>; // 3</a:t>
+              <a:t>s1 === s2 // false</a:t>
             </a:r>
           </a:p>
           <a:p>
             <a:pPr lvl="1"/>
             <a:r>
-              <a:rPr lang="en-US" altLang="zh-CN" dirty="0"/>
-              <a:t>Set </a:t>
-            </a:r>
-            <a:r>
-              <a:rPr lang="zh-CN" altLang="en-US" dirty="0"/>
-              <a:t>内部，两个</a:t>
-            </a:r>
-            <a:r>
-              <a:rPr lang="en-US" altLang="zh-CN" dirty="0" err="1"/>
-              <a:t>NaN</a:t>
-            </a:r>
-            <a:r>
-              <a:rPr lang="zh-CN" altLang="en-US" dirty="0"/>
-              <a:t>是相等</a:t>
-            </a:r>
-            <a:endParaRPr lang="en-US" altLang="zh-CN" dirty="0" smtClean="0"/>
-          </a:p>
-          <a:p>
-            <a:r>
-              <a:rPr lang="en-US" altLang="zh-CN" dirty="0" err="1" smtClean="0"/>
-              <a:t>WeetSet</a:t>
-            </a:r>
-            <a:endParaRPr lang="en-US" altLang="zh-CN" dirty="0" smtClean="0"/>
-          </a:p>
-          <a:p>
-            <a:pPr lvl="1"/>
+              <a:rPr lang="en-US" altLang="zh-CN" i="0" dirty="0"/>
+              <a:t>Symbol </a:t>
+            </a:r>
             <a:r>
               <a:rPr lang="zh-CN" altLang="en-US" i="0" dirty="0"/>
-              <a:t>类似于对象</a:t>
-            </a:r>
-            <a:r>
-              <a:rPr lang="zh-CN" altLang="en-US" i="0" dirty="0" smtClean="0"/>
-              <a:t>，</a:t>
-            </a:r>
-            <a:r>
-              <a:rPr lang="zh-CN" altLang="en-US" i="0" dirty="0"/>
-              <a:t>也是</a:t>
-            </a:r>
-            <a:r>
-              <a:rPr lang="zh-CN" altLang="en-US" dirty="0" smtClean="0"/>
-              <a:t>键</a:t>
-            </a:r>
-            <a:r>
-              <a:rPr lang="zh-CN" altLang="en-US" dirty="0"/>
-              <a:t>值对的</a:t>
-            </a:r>
-            <a:r>
-              <a:rPr lang="zh-CN" altLang="en-US" dirty="0" smtClean="0"/>
-              <a:t>集合</a:t>
-            </a:r>
-            <a:r>
-              <a:rPr lang="zh-CN" altLang="en-US" i="0" dirty="0"/>
-              <a:t>，各种类型的值（包括对象）都可以当作键</a:t>
+              <a:t>值也可以转为布尔值，但是不能转为数值</a:t>
             </a:r>
             <a:r>
               <a:rPr lang="zh-CN" altLang="en-US" i="0" dirty="0" smtClean="0"/>
@@ -4427,136 +4370,111 @@
           <a:p>
             <a:pPr lvl="1"/>
             <a:r>
-              <a:rPr lang="zh-CN" altLang="en-US" i="0" dirty="0"/>
-              <a:t>对同一个对象的引用，</a:t>
-            </a:r>
-            <a:r>
-              <a:rPr lang="en-US" altLang="zh-CN" i="0" dirty="0"/>
-              <a:t>Map </a:t>
-            </a:r>
-            <a:r>
-              <a:rPr lang="zh-CN" altLang="en-US" i="0" dirty="0"/>
-              <a:t>结构才将其视为同一个</a:t>
-            </a:r>
-            <a:r>
-              <a:rPr lang="zh-CN" altLang="en-US" i="0" dirty="0" smtClean="0"/>
-              <a:t>键</a:t>
-            </a:r>
-            <a:endParaRPr lang="en-US" altLang="zh-CN" i="0" dirty="0" smtClean="0"/>
+              <a:rPr lang="en-US" altLang="zh-CN" i="0" dirty="0" err="1" smtClean="0"/>
+              <a:t>Symbol.for</a:t>
+            </a:r>
+            <a:r>
+              <a:rPr lang="en-US" altLang="zh-CN" i="0" dirty="0" smtClean="0"/>
+              <a:t>()</a:t>
+            </a:r>
           </a:p>
           <a:p>
             <a:pPr marL="987552" lvl="2" indent="0">
-              <a:buNone/>
-            </a:pPr>
+              <a:lnSpc>
+                <a:spcPct val="104000"/>
+              </a:lnSpc>
+              <a:buNone/>
+            </a:pPr>
+            <a:r>
+              <a:rPr lang="zh-CN" altLang="en-US" sz="1400" i="1" dirty="0"/>
+              <a:t>它接受一个字符串作为参数，然后搜索有没有以该参数作为名称的 </a:t>
+            </a:r>
+            <a:r>
+              <a:rPr lang="en-US" altLang="zh-CN" sz="1400" i="1" dirty="0"/>
+              <a:t>Symbol </a:t>
+            </a:r>
+            <a:r>
+              <a:rPr lang="zh-CN" altLang="en-US" sz="1400" i="1" dirty="0"/>
+              <a:t>值。如果有，就返回这个 </a:t>
+            </a:r>
+            <a:r>
+              <a:rPr lang="en-US" altLang="zh-CN" sz="1400" i="1" dirty="0"/>
+              <a:t>Symbol </a:t>
+            </a:r>
+            <a:r>
+              <a:rPr lang="zh-CN" altLang="en-US" sz="1400" i="1" dirty="0"/>
+              <a:t>值，否则就新建并返回一个以该字符串为名称的 </a:t>
+            </a:r>
+            <a:r>
+              <a:rPr lang="en-US" altLang="zh-CN" sz="1400" i="1" dirty="0"/>
+              <a:t>Symbol </a:t>
+            </a:r>
+            <a:r>
+              <a:rPr lang="zh-CN" altLang="en-US" sz="1400" i="1" dirty="0"/>
+              <a:t>值。</a:t>
+            </a:r>
+            <a:endParaRPr lang="en-US" altLang="zh-CN" sz="1400" i="1" dirty="0"/>
+          </a:p>
+          <a:p>
+            <a:pPr marL="987552" lvl="2" indent="0">
+              <a:buNone/>
+            </a:pPr>
+            <a:r>
+              <a:rPr lang="en-US" altLang="zh-CN" sz="1400" i="1" dirty="0"/>
+              <a:t>let s1 = </a:t>
+            </a:r>
             <a:r>
               <a:rPr lang="en-US" altLang="zh-CN" sz="1400" i="1" dirty="0" err="1"/>
-              <a:t>const</a:t>
+              <a:t>Symbol.for</a:t>
             </a:r>
             <a:r>
               <a:rPr lang="en-US" altLang="zh-CN" sz="1400" i="1" dirty="0"/>
-              <a:t> map = new Map([['name', </a:t>
-            </a:r>
-            <a:r>
-              <a:rPr lang="en-US" altLang="zh-CN" sz="1400" i="1" dirty="0" smtClean="0"/>
-              <a:t>‘tony'], [‘age', 18]]);</a:t>
-            </a:r>
-            <a:endParaRPr lang="en-US" altLang="zh-CN" sz="1400" i="1" dirty="0"/>
+              <a:t>('foo');</a:t>
+            </a:r>
           </a:p>
           <a:p>
             <a:pPr marL="987552" lvl="2" indent="0">
               <a:buNone/>
             </a:pPr>
             <a:r>
+              <a:rPr lang="en-US" altLang="zh-CN" sz="1400" i="1" dirty="0"/>
+              <a:t>let s2 = </a:t>
+            </a:r>
+            <a:r>
               <a:rPr lang="en-US" altLang="zh-CN" sz="1400" i="1" dirty="0" err="1"/>
-              <a:t>map.set</a:t>
-            </a:r>
-            <a:r>
-              <a:rPr lang="en-US" altLang="zh-CN" sz="1400" i="1" dirty="0" smtClean="0"/>
-              <a:t>([], 123);</a:t>
-            </a:r>
-            <a:endParaRPr lang="en-US" altLang="zh-CN" sz="1400" i="1" dirty="0"/>
+              <a:t>Symbol.for</a:t>
+            </a:r>
+            <a:r>
+              <a:rPr lang="en-US" altLang="zh-CN" sz="1400" i="1" dirty="0"/>
+              <a:t>('foo');</a:t>
+            </a:r>
           </a:p>
           <a:p>
             <a:pPr marL="987552" lvl="2" indent="0">
               <a:buNone/>
             </a:pPr>
             <a:r>
-              <a:rPr lang="en-US" altLang="zh-CN" sz="1400" i="1" dirty="0" err="1"/>
-              <a:t>map.get</a:t>
-            </a:r>
-            <a:r>
-              <a:rPr lang="en-US" altLang="zh-CN" sz="1400" i="1" dirty="0" smtClean="0"/>
-              <a:t>([]) </a:t>
-            </a:r>
-            <a:r>
               <a:rPr lang="en-US" altLang="zh-CN" sz="1400" i="1" dirty="0"/>
-              <a:t>// undefined</a:t>
-            </a:r>
-          </a:p>
-          <a:p>
-            <a:pPr lvl="1"/>
-            <a:endParaRPr lang="en-US" altLang="zh-CN" dirty="0" smtClean="0"/>
+              <a:t>s1 === s2 // true</a:t>
+            </a:r>
+          </a:p>
+          <a:p>
+            <a:pPr lvl="2"/>
+            <a:endParaRPr lang="en-US" altLang="zh-CN" i="0" dirty="0"/>
           </a:p>
           <a:p>
             <a:endParaRPr lang="en-US" altLang="zh-CN" dirty="0"/>
           </a:p>
           <a:p>
-            <a:endParaRPr lang="zh-CN" altLang="en-US" dirty="0"/>
-          </a:p>
-        </p:txBody>
-      </p:sp>
-      <p:pic>
-        <p:nvPicPr>
-          <p:cNvPr id="7" name="图片 6"/>
-          <p:cNvPicPr>
-            <a:picLocks noChangeAspect="1"/>
-          </p:cNvPicPr>
-          <p:nvPr/>
-        </p:nvPicPr>
-        <p:blipFill>
-          <a:blip r:embed="rId2"/>
-          <a:stretch>
-            <a:fillRect/>
-          </a:stretch>
-        </p:blipFill>
-        <p:spPr>
-          <a:xfrm>
-            <a:off x="5721736" y="2179376"/>
-            <a:ext cx="1906972" cy="1564695"/>
-          </a:xfrm>
-          <a:prstGeom prst="rect">
-            <a:avLst/>
-          </a:prstGeom>
-        </p:spPr>
-      </p:pic>
-      <p:pic>
-        <p:nvPicPr>
-          <p:cNvPr id="8" name="图片 7"/>
-          <p:cNvPicPr>
-            <a:picLocks noChangeAspect="1"/>
-          </p:cNvPicPr>
-          <p:nvPr/>
-        </p:nvPicPr>
-        <p:blipFill>
-          <a:blip r:embed="rId3"/>
-          <a:stretch>
-            <a:fillRect/>
-          </a:stretch>
-        </p:blipFill>
-        <p:spPr>
-          <a:xfrm>
-            <a:off x="8421522" y="2179375"/>
-            <a:ext cx="1610751" cy="1565163"/>
-          </a:xfrm>
-          <a:prstGeom prst="rect">
-            <a:avLst/>
-          </a:prstGeom>
-        </p:spPr>
-      </p:pic>
+            <a:pPr lvl="2"/>
+            <a:endParaRPr lang="en-US" altLang="zh-CN" dirty="0"/>
+          </a:p>
+        </p:txBody>
+      </p:sp>
     </p:spTree>
     <p:extLst>
       <p:ext uri="{BB962C8B-B14F-4D97-AF65-F5344CB8AC3E}">
-        <p14:creationId xmlns:p14="http://schemas.microsoft.com/office/powerpoint/2010/main" val="1350062012"/>
+        <p14:creationId xmlns:p14="http://schemas.microsoft.com/office/powerpoint/2010/main" val="304235331"/>
       </p:ext>
     </p:extLst>
   </p:cSld>
@@ -4633,7 +4551,7 @@
         <p:spPr>
           <a:xfrm>
             <a:off x="1371600" y="1375954"/>
-            <a:ext cx="9601200" cy="4491446"/>
+            <a:ext cx="9601200" cy="5230908"/>
           </a:xfrm>
         </p:spPr>
         <p:txBody>
@@ -4643,8 +4561,16 @@
           <a:lstStyle/>
           <a:p>
             <a:r>
-              <a:rPr lang="en-US" altLang="zh-CN" dirty="0"/>
-              <a:t>Map</a:t>
+              <a:rPr lang="en-US" altLang="zh-CN" dirty="0" smtClean="0"/>
+              <a:t>Set</a:t>
+            </a:r>
+            <a:r>
+              <a:rPr lang="zh-CN" altLang="en-US" dirty="0"/>
+              <a:t>无</a:t>
+            </a:r>
+            <a:r>
+              <a:rPr lang="zh-CN" altLang="en-US" dirty="0" smtClean="0"/>
+              <a:t>序集合</a:t>
             </a:r>
             <a:endParaRPr lang="en-US" altLang="zh-CN" dirty="0" smtClean="0"/>
           </a:p>
@@ -4715,124 +4641,171 @@
             </a:r>
             <a:r>
               <a:rPr lang="zh-CN" altLang="en-US" dirty="0"/>
-              <a:t>是相等</a:t>
+              <a:t>是</a:t>
+            </a:r>
+            <a:r>
+              <a:rPr lang="zh-CN" altLang="en-US" dirty="0" smtClean="0"/>
+              <a:t>相等</a:t>
             </a:r>
             <a:endParaRPr lang="en-US" altLang="zh-CN" dirty="0" smtClean="0"/>
           </a:p>
           <a:p>
-            <a:r>
-              <a:rPr lang="en-US" altLang="zh-CN" dirty="0" err="1" smtClean="0"/>
-              <a:t>WeetMap</a:t>
+            <a:pPr lvl="1"/>
+            <a:r>
+              <a:rPr lang="zh-CN" altLang="en-US" dirty="0" smtClean="0"/>
+              <a:t>方法：</a:t>
             </a:r>
             <a:endParaRPr lang="en-US" altLang="zh-CN" dirty="0" smtClean="0"/>
           </a:p>
           <a:p>
-            <a:pPr lvl="1"/>
-            <a:r>
-              <a:rPr lang="zh-CN" altLang="en-US" i="0" dirty="0"/>
-              <a:t>类似于对象</a:t>
-            </a:r>
-            <a:r>
-              <a:rPr lang="zh-CN" altLang="en-US" i="0" dirty="0" smtClean="0"/>
-              <a:t>，</a:t>
-            </a:r>
-            <a:r>
-              <a:rPr lang="zh-CN" altLang="en-US" i="0" dirty="0"/>
-              <a:t>也是</a:t>
-            </a:r>
-            <a:r>
-              <a:rPr lang="zh-CN" altLang="en-US" dirty="0" smtClean="0"/>
-              <a:t>键</a:t>
-            </a:r>
-            <a:r>
-              <a:rPr lang="zh-CN" altLang="en-US" dirty="0"/>
-              <a:t>值对的</a:t>
-            </a:r>
-            <a:r>
-              <a:rPr lang="zh-CN" altLang="en-US" dirty="0" smtClean="0"/>
-              <a:t>集合</a:t>
-            </a:r>
-            <a:r>
-              <a:rPr lang="zh-CN" altLang="en-US" i="0" dirty="0"/>
-              <a:t>，各种类型的值（包括对象）都可以当作键</a:t>
-            </a:r>
-            <a:r>
-              <a:rPr lang="zh-CN" altLang="en-US" i="0" dirty="0" smtClean="0"/>
+            <a:pPr marL="987552" lvl="2" indent="0">
+              <a:buNone/>
+            </a:pPr>
+            <a:r>
+              <a:rPr lang="en-US" altLang="zh-CN" sz="1400" i="1" dirty="0"/>
+              <a:t>add(value)</a:t>
+            </a:r>
+            <a:r>
+              <a:rPr lang="zh-CN" altLang="en-US" sz="1400" i="1" dirty="0"/>
+              <a:t>：添加某个值，返回</a:t>
+            </a:r>
+            <a:r>
+              <a:rPr lang="en-US" altLang="zh-CN" sz="1400" i="1" dirty="0"/>
+              <a:t>Set</a:t>
+            </a:r>
+            <a:r>
+              <a:rPr lang="zh-CN" altLang="en-US" sz="1400" i="1" dirty="0"/>
+              <a:t>结构本身。</a:t>
+            </a:r>
+          </a:p>
+          <a:p>
+            <a:pPr marL="987552" lvl="2" indent="0">
+              <a:buNone/>
+            </a:pPr>
+            <a:r>
+              <a:rPr lang="en-US" altLang="zh-CN" sz="1400" i="1" dirty="0"/>
+              <a:t>delete(value)</a:t>
+            </a:r>
+            <a:r>
+              <a:rPr lang="zh-CN" altLang="en-US" sz="1400" i="1" dirty="0"/>
+              <a:t>：删除某个值，返回一个布尔值，表示删除是否成功。</a:t>
+            </a:r>
+          </a:p>
+          <a:p>
+            <a:pPr marL="987552" lvl="2" indent="0">
+              <a:buNone/>
+            </a:pPr>
+            <a:r>
+              <a:rPr lang="en-US" altLang="zh-CN" sz="1400" i="1" dirty="0"/>
+              <a:t>has(value)</a:t>
+            </a:r>
+            <a:r>
+              <a:rPr lang="zh-CN" altLang="en-US" sz="1400" i="1" dirty="0"/>
+              <a:t>：返回一个布尔值，表示该值是否为</a:t>
+            </a:r>
+            <a:r>
+              <a:rPr lang="en-US" altLang="zh-CN" sz="1400" i="1" dirty="0"/>
+              <a:t>Set</a:t>
+            </a:r>
+            <a:r>
+              <a:rPr lang="zh-CN" altLang="en-US" sz="1400" i="1" dirty="0"/>
+              <a:t>的成员。</a:t>
+            </a:r>
+          </a:p>
+          <a:p>
+            <a:pPr marL="987552" lvl="2" indent="0">
+              <a:buNone/>
+            </a:pPr>
+            <a:r>
+              <a:rPr lang="en-US" altLang="zh-CN" sz="1400" i="1" dirty="0"/>
+              <a:t>clear()</a:t>
+            </a:r>
+            <a:r>
+              <a:rPr lang="zh-CN" altLang="en-US" sz="1400" i="1" dirty="0"/>
+              <a:t>：清除所有成员，没有返回值</a:t>
+            </a:r>
+            <a:r>
+              <a:rPr lang="zh-CN" altLang="en-US" sz="1400" i="1" dirty="0" smtClean="0"/>
               <a:t>。</a:t>
             </a:r>
-            <a:endParaRPr lang="en-US" altLang="zh-CN" i="0" dirty="0" smtClean="0"/>
-          </a:p>
-          <a:p>
-            <a:pPr lvl="1"/>
-            <a:r>
-              <a:rPr lang="zh-CN" altLang="en-US" i="0" dirty="0"/>
-              <a:t>对同一个对象的引用，</a:t>
-            </a:r>
-            <a:r>
-              <a:rPr lang="en-US" altLang="zh-CN" i="0" dirty="0"/>
-              <a:t>Map </a:t>
-            </a:r>
-            <a:r>
-              <a:rPr lang="zh-CN" altLang="en-US" i="0" dirty="0"/>
-              <a:t>结构才将其视为同一个</a:t>
-            </a:r>
-            <a:r>
-              <a:rPr lang="zh-CN" altLang="en-US" i="0" dirty="0" smtClean="0"/>
-              <a:t>键</a:t>
-            </a:r>
-            <a:endParaRPr lang="en-US" altLang="zh-CN" i="0" dirty="0" smtClean="0"/>
+            <a:endParaRPr lang="en-US" altLang="zh-CN" sz="1400" i="1" dirty="0" smtClean="0"/>
           </a:p>
           <a:p>
             <a:pPr marL="987552" lvl="2" indent="0">
               <a:buNone/>
             </a:pPr>
             <a:r>
+              <a:rPr lang="zh-CN" altLang="en-US" sz="1400" i="1" dirty="0"/>
+              <a:t>遍历</a:t>
+            </a:r>
+            <a:endParaRPr lang="en-US" altLang="zh-CN" sz="1400" i="1" dirty="0" smtClean="0"/>
+          </a:p>
+          <a:p>
+            <a:pPr marL="987552" lvl="2" indent="0">
+              <a:buNone/>
+            </a:pPr>
+            <a:r>
+              <a:rPr lang="en-US" altLang="zh-CN" sz="1400" i="1" dirty="0"/>
+              <a:t>keys()</a:t>
+            </a:r>
+            <a:r>
+              <a:rPr lang="zh-CN" altLang="en-US" sz="1400" i="1" dirty="0"/>
+              <a:t>：返回键名的遍历器</a:t>
+            </a:r>
+          </a:p>
+          <a:p>
+            <a:pPr marL="987552" lvl="2" indent="0">
+              <a:buNone/>
+            </a:pPr>
+            <a:r>
+              <a:rPr lang="en-US" altLang="zh-CN" sz="1400" i="1" dirty="0"/>
+              <a:t>values()</a:t>
+            </a:r>
+            <a:r>
+              <a:rPr lang="zh-CN" altLang="en-US" sz="1400" i="1" dirty="0"/>
+              <a:t>：返回键值的遍历器</a:t>
+            </a:r>
+          </a:p>
+          <a:p>
+            <a:pPr marL="987552" lvl="2" indent="0">
+              <a:buNone/>
+            </a:pPr>
+            <a:r>
+              <a:rPr lang="en-US" altLang="zh-CN" sz="1400" i="1" dirty="0"/>
+              <a:t>entries()</a:t>
+            </a:r>
+            <a:r>
+              <a:rPr lang="zh-CN" altLang="en-US" sz="1400" i="1" dirty="0"/>
+              <a:t>：返回键值对的遍历器</a:t>
+            </a:r>
+          </a:p>
+          <a:p>
+            <a:pPr marL="987552" lvl="2" indent="0">
+              <a:buNone/>
+            </a:pPr>
+            <a:r>
               <a:rPr lang="en-US" altLang="zh-CN" sz="1400" i="1" dirty="0" err="1"/>
-              <a:t>const</a:t>
+              <a:t>forEach</a:t>
             </a:r>
             <a:r>
               <a:rPr lang="en-US" altLang="zh-CN" sz="1400" i="1" dirty="0"/>
-              <a:t> map = new Map([['name', </a:t>
-            </a:r>
-            <a:r>
-              <a:rPr lang="en-US" altLang="zh-CN" sz="1400" i="1" dirty="0" smtClean="0"/>
-              <a:t>‘tony'], [‘age', 18]]);</a:t>
-            </a:r>
-            <a:endParaRPr lang="en-US" altLang="zh-CN" sz="1400" i="1" dirty="0"/>
+              <a:t>()</a:t>
+            </a:r>
+            <a:r>
+              <a:rPr lang="zh-CN" altLang="en-US" sz="1400" i="1" dirty="0"/>
+              <a:t>：使用回调函数遍历每个成员</a:t>
+            </a:r>
           </a:p>
           <a:p>
             <a:pPr marL="987552" lvl="2" indent="0">
               <a:buNone/>
             </a:pPr>
-            <a:r>
-              <a:rPr lang="en-US" altLang="zh-CN" sz="1400" i="1" dirty="0" err="1"/>
-              <a:t>map.set</a:t>
-            </a:r>
-            <a:r>
-              <a:rPr lang="en-US" altLang="zh-CN" sz="1400" i="1" dirty="0" smtClean="0"/>
-              <a:t>([], 123);</a:t>
-            </a:r>
-            <a:endParaRPr lang="en-US" altLang="zh-CN" sz="1400" i="1" dirty="0"/>
-          </a:p>
-          <a:p>
-            <a:pPr marL="987552" lvl="2" indent="0">
-              <a:buNone/>
-            </a:pPr>
-            <a:r>
-              <a:rPr lang="en-US" altLang="zh-CN" sz="1400" i="1" dirty="0" err="1"/>
-              <a:t>map.get</a:t>
-            </a:r>
-            <a:r>
-              <a:rPr lang="en-US" altLang="zh-CN" sz="1400" i="1" dirty="0" smtClean="0"/>
-              <a:t>([]) </a:t>
-            </a:r>
-            <a:r>
-              <a:rPr lang="en-US" altLang="zh-CN" sz="1400" i="1" dirty="0"/>
-              <a:t>// undefined</a:t>
-            </a:r>
-          </a:p>
-          <a:p>
-            <a:pPr lvl="1"/>
+            <a:endParaRPr lang="zh-CN" altLang="en-US" sz="1400" i="1" dirty="0"/>
+          </a:p>
+          <a:p>
+            <a:pPr marL="530352" lvl="1" indent="0">
+              <a:buNone/>
+            </a:pPr>
             <a:endParaRPr lang="en-US" altLang="zh-CN" dirty="0" smtClean="0"/>
           </a:p>
           <a:p>
@@ -4843,58 +4816,10 @@
           </a:p>
         </p:txBody>
       </p:sp>
-      <p:pic>
-        <p:nvPicPr>
-          <p:cNvPr id="7" name="图片 6"/>
-          <p:cNvPicPr>
-            <a:picLocks noChangeAspect="1"/>
-          </p:cNvPicPr>
-          <p:nvPr/>
-        </p:nvPicPr>
-        <p:blipFill>
-          <a:blip r:embed="rId2"/>
-          <a:stretch>
-            <a:fillRect/>
-          </a:stretch>
-        </p:blipFill>
-        <p:spPr>
-          <a:xfrm>
-            <a:off x="5721736" y="2179376"/>
-            <a:ext cx="1906972" cy="1564695"/>
-          </a:xfrm>
-          <a:prstGeom prst="rect">
-            <a:avLst/>
-          </a:prstGeom>
-        </p:spPr>
-      </p:pic>
-      <p:pic>
-        <p:nvPicPr>
-          <p:cNvPr id="8" name="图片 7"/>
-          <p:cNvPicPr>
-            <a:picLocks noChangeAspect="1"/>
-          </p:cNvPicPr>
-          <p:nvPr/>
-        </p:nvPicPr>
-        <p:blipFill>
-          <a:blip r:embed="rId3"/>
-          <a:stretch>
-            <a:fillRect/>
-          </a:stretch>
-        </p:blipFill>
-        <p:spPr>
-          <a:xfrm>
-            <a:off x="8421522" y="2179375"/>
-            <a:ext cx="1610751" cy="1565163"/>
-          </a:xfrm>
-          <a:prstGeom prst="rect">
-            <a:avLst/>
-          </a:prstGeom>
-        </p:spPr>
-      </p:pic>
     </p:spTree>
     <p:extLst>
       <p:ext uri="{BB962C8B-B14F-4D97-AF65-F5344CB8AC3E}">
-        <p14:creationId xmlns:p14="http://schemas.microsoft.com/office/powerpoint/2010/main" val="1718963971"/>
+        <p14:creationId xmlns:p14="http://schemas.microsoft.com/office/powerpoint/2010/main" val="1350062012"/>
       </p:ext>
     </p:extLst>
   </p:cSld>
@@ -4975,215 +4900,85 @@
           </a:xfrm>
         </p:spPr>
         <p:txBody>
-          <a:bodyPr/>
+          <a:bodyPr>
+            <a:normAutofit/>
+          </a:bodyPr>
           <a:lstStyle/>
           <a:p>
             <a:r>
+              <a:rPr lang="en-US" altLang="zh-CN" dirty="0" err="1" smtClean="0"/>
+              <a:t>WeakSet</a:t>
+            </a:r>
+            <a:endParaRPr lang="en-US" altLang="zh-CN" dirty="0" smtClean="0"/>
+          </a:p>
+          <a:p>
+            <a:pPr lvl="1"/>
+            <a:r>
+              <a:rPr lang="en-US" altLang="zh-CN" dirty="0"/>
+              <a:t>Set </a:t>
+            </a:r>
+            <a:r>
               <a:rPr lang="zh-CN" altLang="en-US" dirty="0" smtClean="0"/>
-              <a:t>数组的扩展</a:t>
+              <a:t>的升级版</a:t>
+            </a:r>
+            <a:r>
+              <a:rPr lang="zh-CN" altLang="en-US" i="0" dirty="0" smtClean="0"/>
+              <a:t>。</a:t>
+            </a:r>
+            <a:endParaRPr lang="en-US" altLang="zh-CN" i="0" dirty="0" smtClean="0"/>
+          </a:p>
+          <a:p>
+            <a:pPr lvl="1"/>
+            <a:r>
+              <a:rPr lang="en-US" altLang="zh-CN" dirty="0" err="1" smtClean="0"/>
+              <a:t>WeakSet</a:t>
+            </a:r>
+            <a:r>
+              <a:rPr lang="zh-CN" altLang="en-US" dirty="0" smtClean="0"/>
+              <a:t>不能包含值类型元素</a:t>
             </a:r>
             <a:endParaRPr lang="en-US" altLang="zh-CN" dirty="0" smtClean="0"/>
           </a:p>
           <a:p>
             <a:pPr lvl="1"/>
             <a:r>
-              <a:rPr lang="en-US" altLang="zh-CN" i="0" dirty="0" smtClean="0"/>
-              <a:t>find() </a:t>
-            </a:r>
-            <a:r>
-              <a:rPr lang="zh-CN" altLang="en-US" i="0" dirty="0" smtClean="0"/>
-              <a:t>和</a:t>
+              <a:rPr lang="en-US" altLang="zh-CN" dirty="0" err="1" smtClean="0"/>
+              <a:t>WeakSet</a:t>
+            </a:r>
+            <a:r>
+              <a:rPr lang="zh-CN" altLang="en-US" dirty="0" smtClean="0"/>
+              <a:t>不能包含无引用的对象</a:t>
+            </a:r>
+            <a:endParaRPr lang="en-US" altLang="zh-CN" dirty="0" smtClean="0"/>
+          </a:p>
+          <a:p>
+            <a:pPr lvl="1"/>
+            <a:r>
+              <a:rPr lang="en-US" altLang="zh-CN" i="0" dirty="0" err="1" smtClean="0"/>
+              <a:t>WeakSet</a:t>
             </a:r>
             <a:r>
               <a:rPr lang="en-US" altLang="zh-CN" i="0" dirty="0" smtClean="0"/>
               <a:t> </a:t>
             </a:r>
             <a:r>
-              <a:rPr lang="en-US" altLang="zh-CN" dirty="0" err="1" smtClean="0"/>
-              <a:t>findIndex</a:t>
-            </a:r>
+              <a:rPr lang="zh-CN" altLang="en-US" i="0" dirty="0" smtClean="0"/>
+              <a:t>没有</a:t>
+            </a:r>
+            <a:r>
+              <a:rPr lang="en-US" altLang="zh-CN" i="0" dirty="0" smtClean="0"/>
+              <a:t>size</a:t>
+            </a:r>
+            <a:endParaRPr lang="en-US" altLang="zh-CN" i="0" dirty="0" smtClean="0"/>
+          </a:p>
+          <a:p>
+            <a:pPr marL="530352" lvl="1" indent="0">
+              <a:buNone/>
+            </a:pPr>
             <a:r>
               <a:rPr lang="en-US" altLang="zh-CN" dirty="0" smtClean="0"/>
-              <a:t>()</a:t>
-            </a:r>
-          </a:p>
-          <a:p>
-            <a:pPr marL="987552" lvl="2" indent="0">
-              <a:buNone/>
-            </a:pPr>
-            <a:r>
-              <a:rPr lang="en-US" altLang="zh-CN" sz="1400" i="1" dirty="0" err="1"/>
-              <a:t>arr.find</a:t>
-            </a:r>
-            <a:r>
-              <a:rPr lang="en-US" altLang="zh-CN" sz="1400" i="1" dirty="0"/>
-              <a:t>(function(value, index, </a:t>
-            </a:r>
-            <a:r>
-              <a:rPr lang="en-US" altLang="zh-CN" sz="1400" i="1" dirty="0" err="1"/>
-              <a:t>arr</a:t>
-            </a:r>
-            <a:r>
-              <a:rPr lang="en-US" altLang="zh-CN" sz="1400" i="1" dirty="0"/>
-              <a:t>){}</a:t>
-            </a:r>
-          </a:p>
-          <a:p>
-            <a:pPr marL="987552" lvl="2" indent="0">
-              <a:buNone/>
-            </a:pPr>
-            <a:r>
-              <a:rPr lang="zh-CN" altLang="en-US" sz="1400" i="1" dirty="0"/>
-              <a:t>这两个方法都可以发现</a:t>
-            </a:r>
-            <a:r>
-              <a:rPr lang="en-US" altLang="zh-CN" sz="1400" i="1" dirty="0" err="1"/>
-              <a:t>NaN</a:t>
-            </a:r>
-            <a:endParaRPr lang="en-US" altLang="zh-CN" sz="1400" i="1" dirty="0"/>
-          </a:p>
-          <a:p>
-            <a:pPr marL="987552" lvl="2" indent="0">
-              <a:buNone/>
-            </a:pPr>
-            <a:r>
-              <a:rPr lang="en-US" altLang="zh-CN" sz="1400" i="1" dirty="0" smtClean="0"/>
-              <a:t>//</a:t>
-            </a:r>
-            <a:r>
-              <a:rPr lang="zh-CN" altLang="en-US" sz="1400" i="1" dirty="0"/>
-              <a:t>数组去重</a:t>
-            </a:r>
-          </a:p>
-          <a:p>
-            <a:pPr marL="987552" lvl="2" indent="0">
-              <a:buNone/>
-            </a:pPr>
-            <a:r>
-              <a:rPr lang="en-US" altLang="zh-CN" sz="1400" i="1" dirty="0"/>
-              <a:t>[...new Set(array)]</a:t>
-            </a:r>
-          </a:p>
-          <a:p>
-            <a:pPr lvl="1"/>
-            <a:r>
-              <a:rPr lang="en-US" altLang="zh-CN" dirty="0" smtClean="0"/>
-              <a:t>from()</a:t>
-            </a:r>
-            <a:r>
-              <a:rPr lang="zh-CN" altLang="en-US" dirty="0" smtClean="0"/>
-              <a:t>和</a:t>
-            </a:r>
-            <a:r>
-              <a:rPr lang="en-US" altLang="zh-CN" dirty="0" smtClean="0"/>
-              <a:t>of()</a:t>
-            </a:r>
-          </a:p>
-          <a:p>
-            <a:pPr marL="987552" lvl="2" indent="0">
-              <a:buNone/>
-            </a:pPr>
-            <a:r>
-              <a:rPr lang="en-US" altLang="zh-CN" sz="1400" i="1" dirty="0" err="1"/>
-              <a:t>Array.from</a:t>
-            </a:r>
-            <a:r>
-              <a:rPr lang="zh-CN" altLang="en-US" sz="1400" i="1" dirty="0"/>
-              <a:t>方法用于将两类对象转为真正的数组：类似数组的对象（</a:t>
-            </a:r>
-            <a:r>
-              <a:rPr lang="en-US" altLang="zh-CN" sz="1400" i="1" dirty="0"/>
-              <a:t>array-like object</a:t>
-            </a:r>
-            <a:r>
-              <a:rPr lang="zh-CN" altLang="en-US" sz="1400" i="1" dirty="0"/>
-              <a:t>）和可遍历（</a:t>
-            </a:r>
-            <a:r>
-              <a:rPr lang="en-US" altLang="zh-CN" sz="1400" i="1" dirty="0" err="1"/>
-              <a:t>iterable</a:t>
-            </a:r>
-            <a:r>
-              <a:rPr lang="zh-CN" altLang="en-US" sz="1400" i="1" dirty="0"/>
-              <a:t>）的对象（包括 </a:t>
-            </a:r>
-            <a:r>
-              <a:rPr lang="en-US" altLang="zh-CN" sz="1400" i="1" dirty="0"/>
-              <a:t>ES6 </a:t>
-            </a:r>
-            <a:r>
-              <a:rPr lang="zh-CN" altLang="en-US" sz="1400" i="1" dirty="0"/>
-              <a:t>新增的数据结构 </a:t>
-            </a:r>
-            <a:r>
-              <a:rPr lang="en-US" altLang="zh-CN" sz="1400" i="1" dirty="0"/>
-              <a:t>Set </a:t>
-            </a:r>
-            <a:r>
-              <a:rPr lang="zh-CN" altLang="en-US" sz="1400" i="1" dirty="0"/>
-              <a:t>和 </a:t>
-            </a:r>
-            <a:r>
-              <a:rPr lang="en-US" altLang="zh-CN" sz="1400" i="1" dirty="0"/>
-              <a:t>Map</a:t>
-            </a:r>
-            <a:r>
-              <a:rPr lang="zh-CN" altLang="en-US" sz="1400" i="1" dirty="0"/>
-              <a:t>）。</a:t>
-            </a:r>
-            <a:endParaRPr lang="en-US" altLang="zh-CN" sz="1400" i="1" dirty="0"/>
-          </a:p>
-          <a:p>
-            <a:pPr marL="987552" lvl="2" indent="0">
-              <a:buNone/>
-            </a:pPr>
-            <a:r>
-              <a:rPr lang="en-US" altLang="zh-CN" sz="1400" i="1" dirty="0" err="1"/>
-              <a:t>Array.from</a:t>
-            </a:r>
-            <a:r>
-              <a:rPr lang="en-US" altLang="zh-CN" sz="1400" i="1" dirty="0"/>
-              <a:t>(new Set(array</a:t>
-            </a:r>
-            <a:r>
-              <a:rPr lang="en-US" altLang="zh-CN" sz="1400" i="1" dirty="0" smtClean="0"/>
-              <a:t>));  // </a:t>
-            </a:r>
-            <a:r>
-              <a:rPr lang="zh-CN" altLang="en-US" sz="1400" i="1" dirty="0" smtClean="0"/>
-              <a:t>数组去重</a:t>
-            </a:r>
-            <a:endParaRPr lang="en-US" altLang="zh-CN" sz="1400" i="1" dirty="0"/>
-          </a:p>
-          <a:p>
-            <a:pPr marL="987552" lvl="2" indent="0">
-              <a:buNone/>
-            </a:pPr>
-            <a:r>
-              <a:rPr lang="en-US" altLang="zh-CN" sz="1400" i="1" dirty="0" err="1"/>
-              <a:t>Array.of</a:t>
-            </a:r>
-            <a:r>
-              <a:rPr lang="zh-CN" altLang="en-US" sz="1400" i="1" dirty="0"/>
-              <a:t>方法用于将一组值，转换为数组。</a:t>
-            </a:r>
-            <a:endParaRPr lang="en-US" altLang="zh-CN" sz="1400" i="1" dirty="0"/>
-          </a:p>
-          <a:p>
-            <a:pPr marL="987552" lvl="2" indent="0">
-              <a:buNone/>
-            </a:pPr>
-            <a:r>
-              <a:rPr lang="en-US" altLang="zh-CN" sz="1400" i="1" dirty="0" err="1"/>
-              <a:t>Array.of</a:t>
-            </a:r>
-            <a:r>
-              <a:rPr lang="en-US" altLang="zh-CN" sz="1400" i="1" dirty="0"/>
-              <a:t>(3, 11, 8) // [3,11,8]</a:t>
-            </a:r>
-          </a:p>
-          <a:p>
-            <a:pPr lvl="1"/>
+              <a:t>	</a:t>
+            </a:r>
             <a:endParaRPr lang="en-US" altLang="zh-CN" dirty="0" smtClean="0"/>
           </a:p>
           <a:p>
@@ -5194,10 +4989,34 @@
           </a:p>
         </p:txBody>
       </p:sp>
+      <p:pic>
+        <p:nvPicPr>
+          <p:cNvPr id="9" name="图片 8"/>
+          <p:cNvPicPr>
+            <a:picLocks noChangeAspect="1"/>
+          </p:cNvPicPr>
+          <p:nvPr/>
+        </p:nvPicPr>
+        <p:blipFill>
+          <a:blip r:embed="rId2"/>
+          <a:stretch>
+            <a:fillRect/>
+          </a:stretch>
+        </p:blipFill>
+        <p:spPr>
+          <a:xfrm>
+            <a:off x="6958028" y="1285801"/>
+            <a:ext cx="4967807" cy="5575283"/>
+          </a:xfrm>
+          <a:prstGeom prst="rect">
+            <a:avLst/>
+          </a:prstGeom>
+        </p:spPr>
+      </p:pic>
     </p:spTree>
     <p:extLst>
       <p:ext uri="{BB962C8B-B14F-4D97-AF65-F5344CB8AC3E}">
-        <p14:creationId xmlns:p14="http://schemas.microsoft.com/office/powerpoint/2010/main" val="3078372191"/>
+        <p14:creationId xmlns:p14="http://schemas.microsoft.com/office/powerpoint/2010/main" val="2626546662"/>
       </p:ext>
     </p:extLst>
   </p:cSld>
@@ -5243,17 +5062,19 @@
         </p:nvSpPr>
         <p:spPr>
           <a:xfrm>
-            <a:off x="1371600" y="302622"/>
-            <a:ext cx="9601200" cy="1485900"/>
+            <a:off x="1371600" y="302623"/>
+            <a:ext cx="9601200" cy="820783"/>
           </a:xfrm>
         </p:spPr>
         <p:txBody>
-          <a:bodyPr/>
+          <a:bodyPr>
+            <a:normAutofit/>
+          </a:bodyPr>
           <a:lstStyle/>
           <a:p>
             <a:r>
               <a:rPr lang="en-US" altLang="zh-CN" dirty="0" smtClean="0"/>
-              <a:t>ES2016</a:t>
+              <a:t>ES2015</a:t>
             </a:r>
             <a:endParaRPr lang="zh-CN" altLang="en-US" dirty="0"/>
           </a:p>
@@ -5271,300 +5092,482 @@
         </p:nvSpPr>
         <p:spPr>
           <a:xfrm>
-            <a:off x="1371600" y="1410789"/>
-            <a:ext cx="9601200" cy="4850674"/>
+            <a:off x="1371600" y="1375954"/>
+            <a:ext cx="9601200" cy="5482046"/>
           </a:xfrm>
         </p:spPr>
         <p:txBody>
           <a:bodyPr>
-            <a:normAutofit fontScale="92500" lnSpcReduction="10000"/>
+            <a:normAutofit fontScale="85000" lnSpcReduction="20000"/>
           </a:bodyPr>
           <a:lstStyle/>
           <a:p>
             <a:r>
-              <a:rPr lang="en-US" altLang="zh-CN" dirty="0" err="1" smtClean="0">
-                <a:hlinkClick r:id="rId2"/>
-              </a:rPr>
-              <a:t>Array.prototype.includes</a:t>
+              <a:rPr lang="en-US" altLang="zh-CN" dirty="0" smtClean="0"/>
+              <a:t>Map</a:t>
+            </a:r>
+            <a:r>
+              <a:rPr lang="zh-CN" altLang="en-US" dirty="0" smtClean="0"/>
+              <a:t>映射类型</a:t>
             </a:r>
             <a:endParaRPr lang="en-US" altLang="zh-CN" dirty="0" smtClean="0"/>
           </a:p>
           <a:p>
-            <a:pPr marL="530352" lvl="1" indent="0">
-              <a:buNone/>
-            </a:pPr>
+            <a:pPr lvl="1"/>
+            <a:r>
+              <a:rPr lang="zh-CN" altLang="en-US" i="0" dirty="0"/>
+              <a:t>类似于对象，也是</a:t>
+            </a:r>
+            <a:r>
+              <a:rPr lang="zh-CN" altLang="en-US" dirty="0"/>
+              <a:t>键值对的集合</a:t>
+            </a:r>
+            <a:r>
+              <a:rPr lang="zh-CN" altLang="en-US" i="0" dirty="0"/>
+              <a:t>，各种类型的值（包括对象）都可以当作键。</a:t>
+            </a:r>
+            <a:endParaRPr lang="en-US" altLang="zh-CN" i="0" dirty="0"/>
+          </a:p>
+          <a:p>
+            <a:pPr lvl="1"/>
+            <a:r>
+              <a:rPr lang="zh-CN" altLang="en-US" i="0" dirty="0"/>
+              <a:t>对同一个对象的引用，</a:t>
+            </a:r>
+            <a:r>
+              <a:rPr lang="en-US" altLang="zh-CN" i="0" dirty="0"/>
+              <a:t>Map </a:t>
+            </a:r>
+            <a:r>
+              <a:rPr lang="zh-CN" altLang="en-US" i="0" dirty="0"/>
+              <a:t>结构才将其视为同一个</a:t>
+            </a:r>
+            <a:r>
+              <a:rPr lang="zh-CN" altLang="en-US" i="0" dirty="0" smtClean="0"/>
+              <a:t>键</a:t>
+            </a:r>
+            <a:endParaRPr lang="en-US" altLang="zh-CN" i="0" dirty="0" smtClean="0"/>
+          </a:p>
+          <a:p>
+            <a:pPr lvl="1"/>
+            <a:r>
+              <a:rPr lang="en-US" altLang="zh-CN" i="0" dirty="0" smtClean="0"/>
+              <a:t>n</a:t>
+            </a:r>
+            <a:r>
+              <a:rPr lang="en-US" altLang="zh-CN" i="0" dirty="0" smtClean="0"/>
+              <a:t>ew Map(</a:t>
+            </a:r>
+            <a:r>
+              <a:rPr lang="en-US" altLang="zh-CN" i="0" dirty="0" err="1" smtClean="0"/>
+              <a:t>arr</a:t>
+            </a:r>
+            <a:r>
+              <a:rPr lang="en-US" altLang="zh-CN" i="0" dirty="0" smtClean="0"/>
+              <a:t>)</a:t>
+            </a:r>
+            <a:r>
+              <a:rPr lang="zh-CN" altLang="en-US" i="0" dirty="0" smtClean="0"/>
+              <a:t>传入的数组二元</a:t>
+            </a:r>
+            <a:r>
+              <a:rPr lang="en-US" altLang="zh-CN" i="0" dirty="0" err="1" smtClean="0"/>
+              <a:t>arr</a:t>
+            </a:r>
+            <a:r>
+              <a:rPr lang="zh-CN" altLang="en-US" i="0" dirty="0" smtClean="0"/>
+              <a:t>；</a:t>
+            </a:r>
+            <a:r>
+              <a:rPr lang="en-US" altLang="zh-CN" i="0" dirty="0" err="1" smtClean="0"/>
+              <a:t>arr</a:t>
+            </a:r>
+            <a:r>
+              <a:rPr lang="zh-CN" altLang="en-US" i="0" dirty="0" smtClean="0"/>
+              <a:t>中相同的键按照先进先出原则处理</a:t>
+            </a:r>
+            <a:r>
+              <a:rPr lang="zh-CN" altLang="en-US" i="0" dirty="0" smtClean="0"/>
+              <a:t>。</a:t>
+            </a:r>
+            <a:endParaRPr lang="en-US" altLang="zh-CN" i="0" dirty="0" smtClean="0"/>
+          </a:p>
+          <a:p>
+            <a:pPr marL="987552" lvl="2" indent="0">
+              <a:buNone/>
+            </a:pPr>
+            <a:r>
+              <a:rPr lang="en-US" altLang="zh-CN" sz="1400" i="1" dirty="0" err="1"/>
+              <a:t>const</a:t>
+            </a:r>
+            <a:r>
+              <a:rPr lang="en-US" altLang="zh-CN" sz="1400" i="1" dirty="0"/>
+              <a:t> map = new Map([[</a:t>
+            </a:r>
+            <a:r>
+              <a:rPr lang="en-US" altLang="zh-CN" sz="1400" i="1" dirty="0" err="1"/>
+              <a:t>NaN</a:t>
+            </a:r>
+            <a:r>
+              <a:rPr lang="en-US" altLang="zh-CN" sz="1400" i="1" dirty="0"/>
+              <a:t>, 1], [</a:t>
+            </a:r>
+            <a:r>
+              <a:rPr lang="en-US" altLang="zh-CN" sz="1400" i="1" dirty="0" err="1"/>
+              <a:t>NaN</a:t>
+            </a:r>
+            <a:r>
+              <a:rPr lang="en-US" altLang="zh-CN" sz="1400" i="1" dirty="0"/>
+              <a:t>, 2], [a, 1], [{}, 2], [a, 3</a:t>
+            </a:r>
+            <a:r>
+              <a:rPr lang="en-US" altLang="zh-CN" sz="1400" i="1" dirty="0" smtClean="0"/>
+              <a:t>]]);</a:t>
+            </a:r>
+            <a:endParaRPr lang="en-US" altLang="zh-CN" sz="1400" i="1" dirty="0" smtClean="0"/>
+          </a:p>
+          <a:p>
+            <a:pPr lvl="1"/>
+            <a:r>
+              <a:rPr lang="en-US" altLang="zh-CN" dirty="0" smtClean="0"/>
+              <a:t>Map </a:t>
+            </a:r>
             <a:r>
               <a:rPr lang="zh-CN" altLang="en-US" dirty="0" smtClean="0"/>
-              <a:t>查找一个值在不在数组中，在返回</a:t>
-            </a:r>
-            <a:r>
-              <a:rPr lang="en-US" altLang="zh-CN" dirty="0" smtClean="0"/>
+              <a:t>内部，两个</a:t>
+            </a:r>
+            <a:r>
+              <a:rPr lang="en-US" altLang="zh-CN" dirty="0" err="1" smtClean="0"/>
+              <a:t>NaN</a:t>
+            </a:r>
+            <a:r>
+              <a:rPr lang="zh-CN" altLang="en-US" dirty="0" smtClean="0"/>
+              <a:t>是相等</a:t>
+            </a:r>
+            <a:endParaRPr lang="en-US" altLang="zh-CN" dirty="0" smtClean="0"/>
+          </a:p>
+          <a:p>
+            <a:pPr lvl="1"/>
+            <a:r>
+              <a:rPr lang="zh-CN" altLang="en-US" dirty="0" smtClean="0"/>
+              <a:t>方法：</a:t>
+            </a:r>
+            <a:endParaRPr lang="en-US" altLang="zh-CN" dirty="0" smtClean="0"/>
+          </a:p>
+          <a:p>
+            <a:pPr marL="987552" lvl="2" indent="0">
+              <a:lnSpc>
+                <a:spcPct val="114000"/>
+              </a:lnSpc>
+              <a:buNone/>
+            </a:pPr>
+            <a:r>
+              <a:rPr lang="en-US" altLang="zh-CN" sz="1900" i="1" dirty="0" smtClean="0"/>
+              <a:t>size</a:t>
+            </a:r>
+            <a:r>
+              <a:rPr lang="zh-CN" altLang="en-US" sz="1900" i="1" dirty="0"/>
+              <a:t>属性</a:t>
+            </a:r>
+            <a:endParaRPr lang="en-US" altLang="zh-CN" sz="1900" i="1" dirty="0"/>
+          </a:p>
+          <a:p>
+            <a:pPr marL="987552" lvl="2" indent="0">
+              <a:lnSpc>
+                <a:spcPct val="114000"/>
+              </a:lnSpc>
+              <a:buNone/>
+            </a:pPr>
+            <a:r>
+              <a:rPr lang="en-US" altLang="zh-CN" sz="1900" i="1" dirty="0"/>
+              <a:t>set(key, value</a:t>
+            </a:r>
+            <a:r>
+              <a:rPr lang="en-US" altLang="zh-CN" sz="1900" i="1" dirty="0"/>
+              <a:t>)</a:t>
+            </a:r>
+            <a:r>
+              <a:rPr lang="zh-CN" altLang="en-US" sz="1900" i="1" dirty="0"/>
+              <a:t>：</a:t>
+            </a:r>
+            <a:r>
+              <a:rPr lang="zh-CN" altLang="en-US" sz="1900" i="1" dirty="0"/>
+              <a:t>设置键名</a:t>
+            </a:r>
+            <a:r>
+              <a:rPr lang="en-US" altLang="zh-CN" sz="1900" i="1" dirty="0"/>
+              <a:t>key</a:t>
+            </a:r>
+            <a:r>
+              <a:rPr lang="zh-CN" altLang="en-US" sz="1900" i="1" dirty="0"/>
+              <a:t>对应的键值为</a:t>
+            </a:r>
+            <a:r>
+              <a:rPr lang="en-US" altLang="zh-CN" sz="1900" i="1" dirty="0"/>
+              <a:t>value</a:t>
+            </a:r>
+            <a:r>
+              <a:rPr lang="zh-CN" altLang="en-US" sz="1900" i="1" dirty="0" smtClean="0"/>
+              <a:t>，返回</a:t>
+            </a:r>
+            <a:r>
+              <a:rPr lang="zh-CN" altLang="en-US" sz="1900" i="1" dirty="0"/>
+              <a:t>整个 </a:t>
+            </a:r>
+            <a:r>
+              <a:rPr lang="en-US" altLang="zh-CN" sz="1900" i="1" dirty="0"/>
+              <a:t>Map </a:t>
+            </a:r>
+            <a:r>
+              <a:rPr lang="zh-CN" altLang="en-US" sz="1900" i="1" dirty="0"/>
+              <a:t>结构。</a:t>
+            </a:r>
+            <a:endParaRPr lang="en-US" altLang="zh-CN" sz="1900" i="1" dirty="0"/>
+          </a:p>
+          <a:p>
+            <a:pPr marL="987552" lvl="2" indent="0">
+              <a:lnSpc>
+                <a:spcPct val="114000"/>
+              </a:lnSpc>
+              <a:buNone/>
+            </a:pPr>
+            <a:r>
+              <a:rPr lang="en-US" altLang="zh-CN" sz="1900" i="1" dirty="0"/>
+              <a:t>get(key)</a:t>
+            </a:r>
+            <a:r>
+              <a:rPr lang="zh-CN" altLang="en-US" sz="1900" i="1" dirty="0"/>
+              <a:t>：</a:t>
+            </a:r>
+            <a:r>
+              <a:rPr lang="zh-CN" altLang="en-US" sz="1900" i="1" dirty="0"/>
+              <a:t>读取</a:t>
+            </a:r>
+            <a:r>
+              <a:rPr lang="en-US" altLang="zh-CN" sz="1900" i="1" dirty="0"/>
+              <a:t>key</a:t>
+            </a:r>
+            <a:r>
+              <a:rPr lang="zh-CN" altLang="en-US" sz="1900" i="1" dirty="0"/>
+              <a:t>对应的键值</a:t>
+            </a:r>
+            <a:r>
+              <a:rPr lang="zh-CN" altLang="en-US" sz="1900" i="1" dirty="0"/>
+              <a:t>。</a:t>
+            </a:r>
+            <a:endParaRPr lang="zh-CN" altLang="en-US" sz="1900" i="1" dirty="0"/>
+          </a:p>
+          <a:p>
+            <a:pPr marL="987552" lvl="2" indent="0">
+              <a:lnSpc>
+                <a:spcPct val="114000"/>
+              </a:lnSpc>
+              <a:buNone/>
+            </a:pPr>
+            <a:r>
+              <a:rPr lang="en-US" altLang="zh-CN" sz="1900" i="1" dirty="0" smtClean="0"/>
+              <a:t>has(key)</a:t>
+            </a:r>
+            <a:r>
+              <a:rPr lang="zh-CN" altLang="en-US" sz="1900" i="1" dirty="0" smtClean="0"/>
+              <a:t>：返回一个布尔值，表示某个键是否在当前 </a:t>
+            </a:r>
+            <a:r>
+              <a:rPr lang="en-US" altLang="zh-CN" sz="1900" i="1" dirty="0" smtClean="0"/>
+              <a:t>Map </a:t>
+            </a:r>
+            <a:r>
+              <a:rPr lang="zh-CN" altLang="en-US" sz="1900" i="1" dirty="0" smtClean="0"/>
+              <a:t>对象之中。</a:t>
+            </a:r>
+          </a:p>
+          <a:p>
+            <a:pPr marL="987552" lvl="2" indent="0">
+              <a:lnSpc>
+                <a:spcPct val="114000"/>
+              </a:lnSpc>
+              <a:buNone/>
+            </a:pPr>
+            <a:r>
+              <a:rPr lang="en-US" altLang="zh-CN" sz="1900" i="1" dirty="0" smtClean="0"/>
+              <a:t>delete(key</a:t>
+            </a:r>
+            <a:r>
+              <a:rPr lang="en-US" altLang="zh-CN" sz="1900" i="1" dirty="0"/>
+              <a:t>)</a:t>
+            </a:r>
+            <a:r>
+              <a:rPr lang="zh-CN" altLang="en-US" sz="1900" i="1" dirty="0"/>
+              <a:t>：</a:t>
+            </a:r>
+            <a:r>
+              <a:rPr lang="zh-CN" altLang="en-US" sz="1900" i="1" dirty="0"/>
+              <a:t>删除某个键，返回</a:t>
+            </a:r>
+            <a:r>
+              <a:rPr lang="en-US" altLang="zh-CN" sz="1900" i="1" dirty="0"/>
               <a:t>true</a:t>
             </a:r>
             <a:r>
-              <a:rPr lang="zh-CN" altLang="en-US" dirty="0" smtClean="0"/>
-              <a:t>，否则返回</a:t>
-            </a:r>
-            <a:r>
-              <a:rPr lang="en-US" altLang="zh-CN" dirty="0" smtClean="0"/>
+              <a:rPr lang="zh-CN" altLang="en-US" sz="1900" i="1" dirty="0" smtClean="0"/>
+              <a:t>。删除</a:t>
+            </a:r>
+            <a:r>
+              <a:rPr lang="zh-CN" altLang="en-US" sz="1900" i="1" dirty="0"/>
+              <a:t>失败，返回</a:t>
+            </a:r>
+            <a:r>
+              <a:rPr lang="en-US" altLang="zh-CN" sz="1900" i="1" dirty="0"/>
               <a:t>false</a:t>
             </a:r>
             <a:r>
-              <a:rPr lang="zh-CN" altLang="en-US" dirty="0" smtClean="0"/>
+              <a:rPr lang="zh-CN" altLang="en-US" sz="1900" i="1" dirty="0"/>
               <a:t>。</a:t>
             </a:r>
+            <a:endParaRPr lang="zh-CN" altLang="en-US" sz="1900" i="1" dirty="0"/>
+          </a:p>
+          <a:p>
+            <a:pPr marL="987552" lvl="2" indent="0">
+              <a:lnSpc>
+                <a:spcPct val="114000"/>
+              </a:lnSpc>
+              <a:buNone/>
+            </a:pPr>
+            <a:r>
+              <a:rPr lang="en-US" altLang="zh-CN" sz="1900" i="1" dirty="0"/>
+              <a:t>clear()</a:t>
+            </a:r>
+            <a:r>
+              <a:rPr lang="zh-CN" altLang="en-US" sz="1900" i="1" dirty="0"/>
+              <a:t>：清除所有成员，没有返回值</a:t>
+            </a:r>
+            <a:r>
+              <a:rPr lang="zh-CN" altLang="en-US" sz="1900" i="1" dirty="0"/>
+              <a:t>。</a:t>
+            </a:r>
+            <a:endParaRPr lang="en-US" altLang="zh-CN" sz="1900" i="1" dirty="0"/>
+          </a:p>
+          <a:p>
+            <a:pPr marL="987552" lvl="2" indent="0">
+              <a:lnSpc>
+                <a:spcPct val="114000"/>
+              </a:lnSpc>
+              <a:buNone/>
+            </a:pPr>
+            <a:r>
+              <a:rPr lang="zh-CN" altLang="en-US" sz="1900" i="1" dirty="0" smtClean="0"/>
+              <a:t>遍历</a:t>
+            </a:r>
+            <a:endParaRPr lang="en-US" altLang="zh-CN" sz="1900" i="1" dirty="0" smtClean="0"/>
+          </a:p>
+          <a:p>
+            <a:pPr marL="987552" lvl="2" indent="0">
+              <a:lnSpc>
+                <a:spcPct val="114000"/>
+              </a:lnSpc>
+              <a:buNone/>
+            </a:pPr>
+            <a:r>
+              <a:rPr lang="en-US" altLang="zh-CN" sz="1900" i="1" dirty="0" smtClean="0"/>
+              <a:t>keys()</a:t>
+            </a:r>
+            <a:r>
+              <a:rPr lang="zh-CN" altLang="en-US" sz="1900" i="1" dirty="0" smtClean="0"/>
+              <a:t>：返回键名的遍历器</a:t>
+            </a:r>
+          </a:p>
+          <a:p>
+            <a:pPr marL="987552" lvl="2" indent="0">
+              <a:lnSpc>
+                <a:spcPct val="114000"/>
+              </a:lnSpc>
+              <a:buNone/>
+            </a:pPr>
+            <a:r>
+              <a:rPr lang="en-US" altLang="zh-CN" sz="1900" i="1" dirty="0" smtClean="0"/>
+              <a:t>values()</a:t>
+            </a:r>
+            <a:r>
+              <a:rPr lang="zh-CN" altLang="en-US" sz="1900" i="1" dirty="0" smtClean="0"/>
+              <a:t>：返回键值的遍历器</a:t>
+            </a:r>
+          </a:p>
+          <a:p>
+            <a:pPr marL="987552" lvl="2" indent="0">
+              <a:lnSpc>
+                <a:spcPct val="114000"/>
+              </a:lnSpc>
+              <a:buNone/>
+            </a:pPr>
+            <a:r>
+              <a:rPr lang="en-US" altLang="zh-CN" sz="1900" i="1" dirty="0" smtClean="0"/>
+              <a:t>entries()</a:t>
+            </a:r>
+            <a:r>
+              <a:rPr lang="zh-CN" altLang="en-US" sz="1900" i="1" dirty="0" smtClean="0"/>
+              <a:t>：返回键值对的遍历器</a:t>
+            </a:r>
+          </a:p>
+          <a:p>
+            <a:pPr marL="987552" lvl="2" indent="0">
+              <a:lnSpc>
+                <a:spcPct val="114000"/>
+              </a:lnSpc>
+              <a:buNone/>
+            </a:pPr>
+            <a:r>
+              <a:rPr lang="en-US" altLang="zh-CN" sz="1900" i="1" dirty="0" err="1" smtClean="0"/>
+              <a:t>forEach</a:t>
+            </a:r>
+            <a:r>
+              <a:rPr lang="en-US" altLang="zh-CN" sz="1900" i="1" dirty="0" smtClean="0"/>
+              <a:t>()</a:t>
+            </a:r>
+            <a:r>
+              <a:rPr lang="zh-CN" altLang="en-US" sz="1900" i="1" dirty="0" smtClean="0"/>
+              <a:t>：遍历每个成员</a:t>
+            </a:r>
+          </a:p>
+          <a:p>
+            <a:pPr lvl="1"/>
             <a:endParaRPr lang="en-US" altLang="zh-CN" dirty="0" smtClean="0"/>
           </a:p>
           <a:p>
-            <a:pPr marL="530352" lvl="1" indent="0">
-              <a:buNone/>
-            </a:pPr>
-            <a:r>
-              <a:rPr lang="zh-CN" altLang="en-US" dirty="0" smtClean="0"/>
-              <a:t>用法</a:t>
-            </a:r>
-            <a:r>
-              <a:rPr lang="zh-CN" altLang="en-US" dirty="0"/>
-              <a:t>：</a:t>
-            </a:r>
-          </a:p>
-          <a:p>
-            <a:pPr marL="530352" lvl="1" indent="0">
-              <a:buNone/>
-            </a:pPr>
-            <a:r>
-              <a:rPr lang="en-US" altLang="zh-CN" dirty="0" err="1" smtClean="0"/>
-              <a:t>arr.includes</a:t>
-            </a:r>
-            <a:r>
-              <a:rPr lang="en-US" altLang="zh-CN" dirty="0" smtClean="0"/>
-              <a:t>(</a:t>
-            </a:r>
-            <a:r>
-              <a:rPr lang="en-US" altLang="zh-CN" dirty="0" err="1" smtClean="0"/>
-              <a:t>searchElement</a:t>
-            </a:r>
-            <a:r>
-              <a:rPr lang="en-US" altLang="zh-CN" dirty="0"/>
-              <a:t>)</a:t>
-            </a:r>
-          </a:p>
-          <a:p>
-            <a:pPr marL="530352" lvl="1" indent="0">
-              <a:buNone/>
-            </a:pPr>
-            <a:r>
-              <a:rPr lang="en-US" altLang="zh-CN" dirty="0" err="1" smtClean="0"/>
-              <a:t>arr.includes</a:t>
-            </a:r>
-            <a:r>
-              <a:rPr lang="en-US" altLang="zh-CN" dirty="0" smtClean="0"/>
-              <a:t>(</a:t>
-            </a:r>
-            <a:r>
-              <a:rPr lang="en-US" altLang="zh-CN" dirty="0" err="1" smtClean="0"/>
-              <a:t>searchElement</a:t>
-            </a:r>
-            <a:r>
-              <a:rPr lang="en-US" altLang="zh-CN" dirty="0"/>
-              <a:t>, </a:t>
-            </a:r>
-            <a:r>
-              <a:rPr lang="en-US" altLang="zh-CN" dirty="0" err="1"/>
-              <a:t>fromIndex</a:t>
-            </a:r>
-            <a:r>
-              <a:rPr lang="en-US" altLang="zh-CN" dirty="0" smtClean="0"/>
-              <a:t>)</a:t>
-            </a:r>
-          </a:p>
-          <a:p>
-            <a:pPr marL="530352" lvl="1" indent="0">
-              <a:buNone/>
-            </a:pPr>
-            <a:endParaRPr lang="en-US" altLang="zh-CN" dirty="0" smtClean="0"/>
-          </a:p>
-          <a:p>
-            <a:pPr marL="530352" lvl="1" indent="0">
-              <a:buNone/>
-            </a:pPr>
-            <a:r>
-              <a:rPr lang="en-US" altLang="zh-CN" dirty="0" smtClean="0"/>
-              <a:t>includes</a:t>
-            </a:r>
-            <a:r>
-              <a:rPr lang="zh-CN" altLang="en-US" dirty="0" smtClean="0"/>
-              <a:t>基本上和</a:t>
-            </a:r>
-            <a:r>
-              <a:rPr lang="en-US" altLang="zh-CN" dirty="0" err="1" smtClean="0"/>
-              <a:t>indexOf</a:t>
-            </a:r>
-            <a:r>
-              <a:rPr lang="zh-CN" altLang="en-US" dirty="0" smtClean="0"/>
-              <a:t>一样</a:t>
-            </a:r>
-            <a:r>
-              <a:rPr lang="zh-CN" altLang="en-US" dirty="0"/>
-              <a:t>，区别在于对</a:t>
-            </a:r>
-            <a:r>
-              <a:rPr lang="en-US" altLang="zh-CN" dirty="0" err="1"/>
-              <a:t>NaN</a:t>
-            </a:r>
-            <a:r>
-              <a:rPr lang="zh-CN" altLang="en-US" dirty="0"/>
-              <a:t>的处理</a:t>
-            </a:r>
-            <a:r>
-              <a:rPr lang="zh-CN" altLang="en-US" dirty="0" smtClean="0"/>
-              <a:t>。</a:t>
-            </a:r>
-            <a:endParaRPr lang="en-US" altLang="zh-CN" dirty="0" smtClean="0"/>
-          </a:p>
-          <a:p>
-            <a:pPr marL="530352" lvl="1" indent="0">
-              <a:buNone/>
-            </a:pPr>
-            <a:r>
-              <a:rPr lang="en-US" altLang="zh-CN" dirty="0"/>
-              <a:t>let arr2 = [1, 2, </a:t>
-            </a:r>
-            <a:r>
-              <a:rPr lang="en-US" altLang="zh-CN" dirty="0" err="1"/>
-              <a:t>NaN</a:t>
-            </a:r>
-            <a:r>
-              <a:rPr lang="en-US" altLang="zh-CN" dirty="0"/>
-              <a:t>];</a:t>
-            </a:r>
-          </a:p>
-          <a:p>
-            <a:pPr marL="530352" lvl="1" indent="0">
-              <a:buNone/>
-            </a:pPr>
-            <a:r>
-              <a:rPr lang="en-US" altLang="zh-CN" dirty="0"/>
-              <a:t>arr2.indexOf(</a:t>
-            </a:r>
-            <a:r>
-              <a:rPr lang="en-US" altLang="zh-CN" dirty="0" err="1"/>
-              <a:t>NaN</a:t>
-            </a:r>
-            <a:r>
-              <a:rPr lang="en-US" altLang="zh-CN" dirty="0"/>
-              <a:t>)        </a:t>
-            </a:r>
-            <a:r>
-              <a:rPr lang="en-US" altLang="zh-CN" dirty="0" smtClean="0"/>
-              <a:t>// -</a:t>
-            </a:r>
-            <a:r>
-              <a:rPr lang="en-US" altLang="zh-CN" dirty="0"/>
-              <a:t>1</a:t>
-            </a:r>
-          </a:p>
-          <a:p>
-            <a:pPr marL="530352" lvl="1" indent="0">
-              <a:buNone/>
-            </a:pPr>
-            <a:r>
-              <a:rPr lang="en-US" altLang="zh-CN" dirty="0"/>
-              <a:t>arr2.includes(</a:t>
-            </a:r>
-            <a:r>
-              <a:rPr lang="en-US" altLang="zh-CN" dirty="0" err="1"/>
-              <a:t>NaN</a:t>
-            </a:r>
-            <a:r>
-              <a:rPr lang="en-US" altLang="zh-CN" dirty="0"/>
-              <a:t>)       </a:t>
-            </a:r>
-            <a:r>
-              <a:rPr lang="en-US" altLang="zh-CN" dirty="0" smtClean="0"/>
-              <a:t>// true</a:t>
-            </a:r>
-          </a:p>
-          <a:p>
-            <a:r>
-              <a:rPr lang="en-US" altLang="zh-CN" dirty="0" smtClean="0">
-                <a:hlinkClick r:id="rId3"/>
-              </a:rPr>
-              <a:t>Exponentiation Operator(</a:t>
-            </a:r>
-            <a:r>
-              <a:rPr lang="zh-CN" altLang="en-US" dirty="0" smtClean="0">
-                <a:hlinkClick r:id="rId3"/>
-              </a:rPr>
-              <a:t>求冥运算</a:t>
-            </a:r>
-            <a:r>
-              <a:rPr lang="en-US" altLang="zh-CN" dirty="0" smtClean="0">
-                <a:hlinkClick r:id="rId3"/>
-              </a:rPr>
-              <a:t>)</a:t>
-            </a:r>
-            <a:endParaRPr lang="en-US" altLang="zh-CN" dirty="0" smtClean="0"/>
-          </a:p>
-          <a:p>
-            <a:pPr marL="530352" lvl="1" indent="0">
-              <a:lnSpc>
-                <a:spcPct val="104000"/>
-              </a:lnSpc>
-              <a:buNone/>
-            </a:pPr>
-            <a:r>
-              <a:rPr lang="en-US" altLang="zh-CN" dirty="0"/>
-              <a:t>2 ** 3  // 8</a:t>
-            </a:r>
-          </a:p>
-          <a:p>
-            <a:pPr marL="530352" lvl="1" indent="0">
-              <a:lnSpc>
-                <a:spcPct val="104000"/>
-              </a:lnSpc>
-              <a:buNone/>
-            </a:pPr>
-            <a:r>
-              <a:rPr lang="en-US" altLang="zh-CN" dirty="0"/>
-              <a:t>// </a:t>
-            </a:r>
-            <a:r>
-              <a:rPr lang="zh-CN" altLang="en-US" dirty="0"/>
-              <a:t>效果同</a:t>
-            </a:r>
-          </a:p>
-          <a:p>
-            <a:pPr marL="530352" lvl="1" indent="0">
-              <a:lnSpc>
-                <a:spcPct val="104000"/>
-              </a:lnSpc>
-              <a:buNone/>
-            </a:pPr>
-            <a:r>
-              <a:rPr lang="en-US" altLang="zh-CN" dirty="0" err="1"/>
-              <a:t>Math.pow</a:t>
-            </a:r>
-            <a:r>
-              <a:rPr lang="en-US" altLang="zh-CN" dirty="0"/>
-              <a:t>(2, 3) </a:t>
-            </a:r>
-            <a:r>
-              <a:rPr lang="en-US" altLang="zh-CN" dirty="0" smtClean="0"/>
-              <a:t> // </a:t>
-            </a:r>
-            <a:r>
-              <a:rPr lang="en-US" altLang="zh-CN" dirty="0"/>
-              <a:t>8</a:t>
-            </a:r>
+            <a:endParaRPr lang="en-US" altLang="zh-CN" dirty="0"/>
+          </a:p>
+          <a:p>
             <a:endParaRPr lang="zh-CN" altLang="en-US" dirty="0"/>
           </a:p>
         </p:txBody>
       </p:sp>
+      <p:pic>
+        <p:nvPicPr>
+          <p:cNvPr id="5" name="图片 4"/>
+          <p:cNvPicPr>
+            <a:picLocks noChangeAspect="1"/>
+          </p:cNvPicPr>
+          <p:nvPr/>
+        </p:nvPicPr>
+        <p:blipFill>
+          <a:blip r:embed="rId2"/>
+          <a:stretch>
+            <a:fillRect/>
+          </a:stretch>
+        </p:blipFill>
+        <p:spPr>
+          <a:xfrm>
+            <a:off x="7687238" y="4505619"/>
+            <a:ext cx="4504762" cy="2352381"/>
+          </a:xfrm>
+          <a:prstGeom prst="rect">
+            <a:avLst/>
+          </a:prstGeom>
+        </p:spPr>
+      </p:pic>
     </p:spTree>
     <p:extLst>
       <p:ext uri="{BB962C8B-B14F-4D97-AF65-F5344CB8AC3E}">
-        <p14:creationId xmlns:p14="http://schemas.microsoft.com/office/powerpoint/2010/main" val="3501288086"/>
+        <p14:creationId xmlns:p14="http://schemas.microsoft.com/office/powerpoint/2010/main" val="1718963971"/>
       </p:ext>
     </p:extLst>
   </p:cSld>
@@ -5610,17 +5613,19 @@
         </p:nvSpPr>
         <p:spPr>
           <a:xfrm>
-            <a:off x="1371600" y="302624"/>
-            <a:ext cx="9601200" cy="1485900"/>
+            <a:off x="1371600" y="302623"/>
+            <a:ext cx="9601200" cy="820783"/>
           </a:xfrm>
         </p:spPr>
         <p:txBody>
-          <a:bodyPr/>
+          <a:bodyPr>
+            <a:normAutofit/>
+          </a:bodyPr>
           <a:lstStyle/>
           <a:p>
             <a:r>
               <a:rPr lang="en-US" altLang="zh-CN" dirty="0" smtClean="0"/>
-              <a:t>ES2017</a:t>
+              <a:t>ES2015</a:t>
             </a:r>
             <a:endParaRPr lang="zh-CN" altLang="en-US" dirty="0"/>
           </a:p>
@@ -5638,103 +5643,117 @@
         </p:nvSpPr>
         <p:spPr>
           <a:xfrm>
-            <a:off x="1371600" y="1367246"/>
-            <a:ext cx="9601200" cy="4500154"/>
+            <a:off x="1371600" y="1375954"/>
+            <a:ext cx="9601200" cy="4491446"/>
           </a:xfrm>
         </p:spPr>
         <p:txBody>
-          <a:bodyPr/>
+          <a:bodyPr>
+            <a:normAutofit/>
+          </a:bodyPr>
           <a:lstStyle/>
           <a:p>
             <a:r>
+              <a:rPr lang="en-US" altLang="zh-CN" dirty="0" err="1" smtClean="0"/>
+              <a:t>WeakMap</a:t>
+            </a:r>
+            <a:endParaRPr lang="en-US" altLang="zh-CN" dirty="0" smtClean="0"/>
+          </a:p>
+          <a:p>
+            <a:pPr lvl="1"/>
+            <a:r>
+              <a:rPr lang="en-US" altLang="zh-CN" dirty="0" err="1" smtClean="0"/>
+              <a:t>weakMap</a:t>
+            </a:r>
+            <a:r>
               <a:rPr lang="zh-CN" altLang="en-US" dirty="0" smtClean="0"/>
-              <a:t>异步函数</a:t>
-            </a:r>
-            <a:r>
-              <a:rPr lang="zh-CN" altLang="en-US" dirty="0"/>
-              <a:t>（</a:t>
-            </a:r>
-            <a:r>
-              <a:rPr lang="en-US" altLang="zh-CN" dirty="0" err="1"/>
-              <a:t>Async</a:t>
-            </a:r>
-            <a:r>
-              <a:rPr lang="en-US" altLang="zh-CN" dirty="0"/>
-              <a:t> Functions</a:t>
-            </a:r>
-            <a:r>
-              <a:rPr lang="zh-CN" altLang="en-US" dirty="0" smtClean="0"/>
-              <a:t>）</a:t>
+              <a:t>的键会检查变量引用，只要其中任意一个引用被解除，该键值对就会被删除</a:t>
             </a:r>
             <a:endParaRPr lang="en-US" altLang="zh-CN" dirty="0" smtClean="0"/>
           </a:p>
           <a:p>
-            <a:r>
-              <a:rPr lang="zh-CN" altLang="en-US" dirty="0"/>
-              <a:t>共享内存和</a:t>
-            </a:r>
-            <a:r>
-              <a:rPr lang="zh-CN" altLang="en-US" dirty="0" smtClean="0"/>
-              <a:t>原子</a:t>
-            </a:r>
+            <a:pPr lvl="1"/>
+            <a:r>
+              <a:rPr lang="en-US" altLang="zh-CN" i="0" dirty="0" err="1" smtClean="0"/>
+              <a:t>WeakMap</a:t>
+            </a:r>
+            <a:r>
+              <a:rPr lang="en-US" altLang="zh-CN" i="0" dirty="0" smtClean="0"/>
+              <a:t> </a:t>
+            </a:r>
+            <a:r>
+              <a:rPr lang="zh-CN" altLang="en-US" i="0" dirty="0"/>
+              <a:t>没有</a:t>
+            </a:r>
+            <a:r>
+              <a:rPr lang="en-US" altLang="zh-CN" i="0" dirty="0"/>
+              <a:t>size</a:t>
+            </a:r>
+          </a:p>
+          <a:p>
+            <a:pPr lvl="1"/>
             <a:endParaRPr lang="en-US" altLang="zh-CN" dirty="0" smtClean="0"/>
           </a:p>
           <a:p>
-            <a:r>
-              <a:rPr lang="en-US" altLang="zh-CN" dirty="0" err="1" smtClean="0"/>
-              <a:t>Object.values</a:t>
-            </a:r>
-            <a:r>
-              <a:rPr lang="en-US" altLang="zh-CN" dirty="0" smtClean="0"/>
-              <a:t>/</a:t>
-            </a:r>
-            <a:r>
-              <a:rPr lang="en-US" altLang="zh-CN" dirty="0" err="1" smtClean="0"/>
-              <a:t>Object.entries</a:t>
-            </a:r>
-            <a:endParaRPr lang="en-US" altLang="zh-CN" dirty="0" smtClean="0"/>
-          </a:p>
-          <a:p>
-            <a:r>
-              <a:rPr lang="en-US" altLang="zh-CN" dirty="0"/>
-              <a:t>String padding(</a:t>
-            </a:r>
-            <a:r>
-              <a:rPr lang="zh-CN" altLang="en-US" dirty="0"/>
-              <a:t>字符串填充</a:t>
-            </a:r>
-            <a:r>
-              <a:rPr lang="en-US" altLang="zh-CN" dirty="0" smtClean="0"/>
-              <a:t>)</a:t>
-            </a:r>
-          </a:p>
-          <a:p>
-            <a:r>
-              <a:rPr lang="en-US" altLang="zh-CN" dirty="0" err="1" smtClean="0"/>
-              <a:t>Object.getOwnPropertyDescriptors</a:t>
-            </a:r>
-            <a:endParaRPr lang="en-US" altLang="zh-CN" dirty="0" smtClean="0"/>
-          </a:p>
-          <a:p>
-            <a:r>
-              <a:rPr lang="zh-CN" altLang="en-US" dirty="0"/>
-              <a:t>函数参数列表和调用中的尾逗号（</a:t>
-            </a:r>
-            <a:r>
-              <a:rPr lang="en-US" altLang="zh-CN" dirty="0"/>
-              <a:t>Trailing commas</a:t>
-            </a:r>
-            <a:r>
-              <a:rPr lang="zh-CN" altLang="en-US" dirty="0"/>
-              <a:t>）</a:t>
-            </a:r>
-          </a:p>
-        </p:txBody>
-      </p:sp>
+            <a:endParaRPr lang="en-US" altLang="zh-CN" dirty="0"/>
+          </a:p>
+          <a:p>
+            <a:endParaRPr lang="zh-CN" altLang="en-US" dirty="0"/>
+          </a:p>
+        </p:txBody>
+      </p:sp>
+      <p:pic>
+        <p:nvPicPr>
+          <p:cNvPr id="5" name="图片 4"/>
+          <p:cNvPicPr>
+            <a:picLocks noChangeAspect="1"/>
+          </p:cNvPicPr>
+          <p:nvPr/>
+        </p:nvPicPr>
+        <p:blipFill>
+          <a:blip r:embed="rId2"/>
+          <a:stretch>
+            <a:fillRect/>
+          </a:stretch>
+        </p:blipFill>
+        <p:spPr>
+          <a:xfrm>
+            <a:off x="1576553" y="2735541"/>
+            <a:ext cx="4479199" cy="4116020"/>
+          </a:xfrm>
+          <a:prstGeom prst="rect">
+            <a:avLst/>
+          </a:prstGeom>
+        </p:spPr>
+      </p:pic>
+      <p:pic>
+        <p:nvPicPr>
+          <p:cNvPr id="6" name="图片 5"/>
+          <p:cNvPicPr>
+            <a:picLocks noChangeAspect="1"/>
+          </p:cNvPicPr>
+          <p:nvPr/>
+        </p:nvPicPr>
+        <p:blipFill>
+          <a:blip r:embed="rId3"/>
+          <a:stretch>
+            <a:fillRect/>
+          </a:stretch>
+        </p:blipFill>
+        <p:spPr>
+          <a:xfrm>
+            <a:off x="6312473" y="2722662"/>
+            <a:ext cx="3758923" cy="4116020"/>
+          </a:xfrm>
+          <a:prstGeom prst="rect">
+            <a:avLst/>
+          </a:prstGeom>
+        </p:spPr>
+      </p:pic>
     </p:spTree>
     <p:extLst>
       <p:ext uri="{BB962C8B-B14F-4D97-AF65-F5344CB8AC3E}">
-        <p14:creationId xmlns:p14="http://schemas.microsoft.com/office/powerpoint/2010/main" val="2257192083"/>
+        <p14:creationId xmlns:p14="http://schemas.microsoft.com/office/powerpoint/2010/main" val="2326576260"/>
       </p:ext>
     </p:extLst>
   </p:cSld>
@@ -5780,8 +5799,8 @@
         </p:nvSpPr>
         <p:spPr>
           <a:xfrm>
-            <a:off x="1371600" y="293915"/>
-            <a:ext cx="9601200" cy="785948"/>
+            <a:off x="1371600" y="302623"/>
+            <a:ext cx="9601200" cy="820783"/>
           </a:xfrm>
         </p:spPr>
         <p:txBody>
@@ -5792,7 +5811,7 @@
           <a:p>
             <a:r>
               <a:rPr lang="en-US" altLang="zh-CN" dirty="0" smtClean="0"/>
-              <a:t>ES2017</a:t>
+              <a:t>ES2015</a:t>
             </a:r>
             <a:endParaRPr lang="zh-CN" altLang="en-US" dirty="0"/>
           </a:p>
@@ -5810,131 +5829,226 @@
         </p:nvSpPr>
         <p:spPr>
           <a:xfrm>
-            <a:off x="1371600" y="1306285"/>
-            <a:ext cx="9601200" cy="5233851"/>
+            <a:off x="1371600" y="1375954"/>
+            <a:ext cx="9601200" cy="5230908"/>
           </a:xfrm>
         </p:spPr>
         <p:txBody>
-          <a:bodyPr>
-            <a:normAutofit/>
-          </a:bodyPr>
+          <a:bodyPr/>
           <a:lstStyle/>
           <a:p>
             <a:r>
-              <a:rPr lang="zh-CN" altLang="en-US" dirty="0"/>
-              <a:t>共享内存和</a:t>
-            </a:r>
-            <a:r>
               <a:rPr lang="zh-CN" altLang="en-US" dirty="0" smtClean="0"/>
-              <a:t>原子</a:t>
+              <a:t>数组的扩展</a:t>
             </a:r>
             <a:endParaRPr lang="en-US" altLang="zh-CN" dirty="0" smtClean="0"/>
           </a:p>
           <a:p>
+            <a:pPr lvl="1"/>
+            <a:r>
+              <a:rPr lang="en-US" altLang="zh-CN" i="0" dirty="0" smtClean="0"/>
+              <a:t>find() </a:t>
+            </a:r>
+            <a:r>
+              <a:rPr lang="zh-CN" altLang="en-US" i="0" dirty="0" smtClean="0"/>
+              <a:t>和</a:t>
+            </a:r>
+            <a:r>
+              <a:rPr lang="en-US" altLang="zh-CN" i="0" dirty="0" smtClean="0"/>
+              <a:t> </a:t>
+            </a:r>
+            <a:r>
+              <a:rPr lang="en-US" altLang="zh-CN" dirty="0" err="1" smtClean="0"/>
+              <a:t>findIndex</a:t>
+            </a:r>
+            <a:r>
+              <a:rPr lang="en-US" altLang="zh-CN" dirty="0" smtClean="0"/>
+              <a:t>()</a:t>
+            </a:r>
+          </a:p>
+          <a:p>
+            <a:pPr marL="987552" lvl="2" indent="0">
+              <a:buNone/>
+            </a:pPr>
+            <a:r>
+              <a:rPr lang="en-US" altLang="zh-CN" sz="1400" i="1" dirty="0" err="1"/>
+              <a:t>arr.find</a:t>
+            </a:r>
+            <a:r>
+              <a:rPr lang="en-US" altLang="zh-CN" sz="1400" i="1" dirty="0"/>
+              <a:t>(function(value, index, </a:t>
+            </a:r>
+            <a:r>
+              <a:rPr lang="en-US" altLang="zh-CN" sz="1400" i="1" dirty="0" err="1"/>
+              <a:t>arr</a:t>
+            </a:r>
+            <a:r>
+              <a:rPr lang="en-US" altLang="zh-CN" sz="1400" i="1" dirty="0"/>
+              <a:t>){}</a:t>
+            </a:r>
+          </a:p>
+          <a:p>
+            <a:pPr marL="987552" lvl="2" indent="0">
+              <a:buNone/>
+            </a:pPr>
+            <a:r>
+              <a:rPr lang="zh-CN" altLang="en-US" sz="1400" i="1" dirty="0"/>
+              <a:t>这两个方法都可以发现</a:t>
+            </a:r>
+            <a:r>
+              <a:rPr lang="en-US" altLang="zh-CN" sz="1400" i="1" dirty="0" err="1"/>
+              <a:t>NaN</a:t>
+            </a:r>
+            <a:endParaRPr lang="en-US" altLang="zh-CN" sz="1400" i="1" dirty="0"/>
+          </a:p>
+          <a:p>
+            <a:pPr marL="987552" lvl="2" indent="0">
+              <a:buNone/>
+            </a:pPr>
+            <a:r>
+              <a:rPr lang="en-US" altLang="zh-CN" sz="1400" i="1" dirty="0" smtClean="0"/>
+              <a:t>//</a:t>
+            </a:r>
+            <a:r>
+              <a:rPr lang="zh-CN" altLang="en-US" sz="1400" i="1" dirty="0"/>
+              <a:t>数组去重</a:t>
+            </a:r>
+          </a:p>
+          <a:p>
+            <a:pPr marL="987552" lvl="2" indent="0">
+              <a:buNone/>
+            </a:pPr>
+            <a:r>
+              <a:rPr lang="en-US" altLang="zh-CN" sz="1400" i="1" dirty="0"/>
+              <a:t>[...new Set(array)]</a:t>
+            </a:r>
+          </a:p>
+          <a:p>
+            <a:pPr lvl="1"/>
+            <a:r>
+              <a:rPr lang="en-US" altLang="zh-CN" dirty="0" smtClean="0"/>
+              <a:t>from()</a:t>
+            </a:r>
+            <a:r>
+              <a:rPr lang="zh-CN" altLang="en-US" dirty="0" smtClean="0"/>
+              <a:t>和</a:t>
+            </a:r>
+            <a:r>
+              <a:rPr lang="en-US" altLang="zh-CN" dirty="0" smtClean="0"/>
+              <a:t>of()</a:t>
+            </a:r>
+          </a:p>
+          <a:p>
+            <a:pPr marL="987552" lvl="2" indent="0">
+              <a:buNone/>
+            </a:pPr>
+            <a:r>
+              <a:rPr lang="en-US" altLang="zh-CN" sz="1400" i="1" dirty="0" err="1"/>
+              <a:t>Array.from</a:t>
+            </a:r>
+            <a:r>
+              <a:rPr lang="zh-CN" altLang="en-US" sz="1400" i="1" dirty="0"/>
+              <a:t>方法用于将两类对象转为真正的数组：类似数组的对象（</a:t>
+            </a:r>
+            <a:r>
+              <a:rPr lang="en-US" altLang="zh-CN" sz="1400" i="1" dirty="0"/>
+              <a:t>array-like object</a:t>
+            </a:r>
+            <a:r>
+              <a:rPr lang="zh-CN" altLang="en-US" sz="1400" i="1" dirty="0"/>
+              <a:t>）和可遍历（</a:t>
+            </a:r>
+            <a:r>
+              <a:rPr lang="en-US" altLang="zh-CN" sz="1400" i="1" dirty="0" err="1"/>
+              <a:t>iterable</a:t>
+            </a:r>
+            <a:r>
+              <a:rPr lang="zh-CN" altLang="en-US" sz="1400" i="1" dirty="0"/>
+              <a:t>）的对象（包括 </a:t>
+            </a:r>
+            <a:r>
+              <a:rPr lang="en-US" altLang="zh-CN" sz="1400" i="1" dirty="0"/>
+              <a:t>ES6 </a:t>
+            </a:r>
+            <a:r>
+              <a:rPr lang="zh-CN" altLang="en-US" sz="1400" i="1" dirty="0"/>
+              <a:t>新增的数据结构 </a:t>
+            </a:r>
+            <a:r>
+              <a:rPr lang="en-US" altLang="zh-CN" sz="1400" i="1" dirty="0"/>
+              <a:t>Set </a:t>
+            </a:r>
+            <a:r>
+              <a:rPr lang="zh-CN" altLang="en-US" sz="1400" i="1" dirty="0"/>
+              <a:t>和 </a:t>
+            </a:r>
+            <a:r>
+              <a:rPr lang="en-US" altLang="zh-CN" sz="1400" i="1" dirty="0"/>
+              <a:t>Map</a:t>
+            </a:r>
+            <a:r>
+              <a:rPr lang="zh-CN" altLang="en-US" sz="1400" i="1" dirty="0"/>
+              <a:t>）。</a:t>
+            </a:r>
+            <a:endParaRPr lang="en-US" altLang="zh-CN" sz="1400" i="1" dirty="0"/>
+          </a:p>
+          <a:p>
+            <a:pPr marL="987552" lvl="2" indent="0">
+              <a:buNone/>
+            </a:pPr>
+            <a:r>
+              <a:rPr lang="en-US" altLang="zh-CN" sz="1400" i="1" dirty="0" err="1"/>
+              <a:t>Array.from</a:t>
+            </a:r>
+            <a:r>
+              <a:rPr lang="en-US" altLang="zh-CN" sz="1400" i="1" dirty="0"/>
+              <a:t>(new Set(array</a:t>
+            </a:r>
+            <a:r>
+              <a:rPr lang="en-US" altLang="zh-CN" sz="1400" i="1" dirty="0" smtClean="0"/>
+              <a:t>));  // </a:t>
+            </a:r>
+            <a:r>
+              <a:rPr lang="zh-CN" altLang="en-US" sz="1400" i="1" dirty="0" smtClean="0"/>
+              <a:t>数组去重</a:t>
+            </a:r>
+            <a:endParaRPr lang="en-US" altLang="zh-CN" sz="1400" i="1" dirty="0"/>
+          </a:p>
+          <a:p>
+            <a:pPr marL="987552" lvl="2" indent="0">
+              <a:buNone/>
+            </a:pPr>
+            <a:r>
+              <a:rPr lang="en-US" altLang="zh-CN" sz="1400" i="1" dirty="0" err="1"/>
+              <a:t>Array.of</a:t>
+            </a:r>
+            <a:r>
+              <a:rPr lang="zh-CN" altLang="en-US" sz="1400" i="1" dirty="0"/>
+              <a:t>方法用于将一组值，转换为数组。</a:t>
+            </a:r>
+            <a:endParaRPr lang="en-US" altLang="zh-CN" sz="1400" i="1" dirty="0"/>
+          </a:p>
+          <a:p>
+            <a:pPr marL="987552" lvl="2" indent="0">
+              <a:buNone/>
+            </a:pPr>
+            <a:r>
+              <a:rPr lang="en-US" altLang="zh-CN" sz="1400" i="1" dirty="0" err="1"/>
+              <a:t>Array.of</a:t>
+            </a:r>
+            <a:r>
+              <a:rPr lang="en-US" altLang="zh-CN" sz="1400" i="1" dirty="0"/>
+              <a:t>(3, 11, 8) // [3,11,8]</a:t>
+            </a:r>
+          </a:p>
+          <a:p>
+            <a:pPr lvl="1"/>
             <a:endParaRPr lang="en-US" altLang="zh-CN" dirty="0" smtClean="0"/>
           </a:p>
           <a:p>
-            <a:r>
-              <a:rPr lang="zh-CN" altLang="en-US" dirty="0" smtClean="0"/>
-              <a:t>新</a:t>
-            </a:r>
-            <a:r>
-              <a:rPr lang="zh-CN" altLang="en-US" dirty="0"/>
-              <a:t>的构造函数</a:t>
-            </a:r>
-            <a:r>
-              <a:rPr lang="en-US" altLang="zh-CN" dirty="0" err="1"/>
-              <a:t>SharedArrayBuffer</a:t>
-            </a:r>
-            <a:r>
-              <a:rPr lang="zh-CN" altLang="en-US" dirty="0"/>
-              <a:t>、具有辅助函数的命名空间对象</a:t>
-            </a:r>
-            <a:r>
-              <a:rPr lang="en-US" altLang="zh-CN" dirty="0"/>
-              <a:t>Atomics</a:t>
-            </a:r>
-          </a:p>
-          <a:p>
-            <a:r>
-              <a:rPr lang="zh-CN" altLang="en-US" dirty="0" smtClean="0"/>
-              <a:t>共享</a:t>
-            </a:r>
-            <a:r>
-              <a:rPr lang="zh-CN" altLang="en-US" dirty="0"/>
-              <a:t>内存允许多个线程并发读写</a:t>
-            </a:r>
-            <a:r>
-              <a:rPr lang="zh-CN" altLang="en-US" dirty="0" smtClean="0"/>
-              <a:t>数据</a:t>
-            </a:r>
-            <a:endParaRPr lang="en-US" altLang="zh-CN" dirty="0" smtClean="0"/>
-          </a:p>
-          <a:p>
-            <a:r>
-              <a:rPr lang="zh-CN" altLang="en-US" dirty="0" smtClean="0"/>
-              <a:t>而</a:t>
-            </a:r>
-            <a:r>
-              <a:rPr lang="zh-CN" altLang="en-US" dirty="0"/>
-              <a:t>原子操作则能够进行并发控制，确保多个存在竞争关系的线程顺序执行。</a:t>
-            </a:r>
-            <a:endParaRPr lang="en-US" altLang="zh-CN" dirty="0" smtClean="0"/>
-          </a:p>
-          <a:p>
-            <a:r>
-              <a:rPr lang="en-US" altLang="zh-CN" dirty="0" err="1" smtClean="0"/>
-              <a:t>js</a:t>
-            </a:r>
-            <a:r>
-              <a:rPr lang="zh-CN" altLang="en-US" dirty="0" smtClean="0"/>
-              <a:t>多线程</a:t>
-            </a:r>
-            <a:r>
-              <a:rPr lang="en-US" altLang="zh-CN" dirty="0"/>
-              <a:t>web worker</a:t>
-            </a:r>
-            <a:r>
-              <a:rPr lang="zh-CN" altLang="en-US" dirty="0" smtClean="0"/>
-              <a:t>  线程间不能</a:t>
-            </a:r>
-            <a:r>
-              <a:rPr lang="zh-CN" altLang="en-US" dirty="0"/>
-              <a:t>共享</a:t>
-            </a:r>
-            <a:r>
-              <a:rPr lang="zh-CN" altLang="en-US" dirty="0" smtClean="0"/>
-              <a:t>内存</a:t>
-            </a:r>
-            <a:endParaRPr lang="en-US" altLang="zh-CN" dirty="0" smtClean="0"/>
-          </a:p>
-          <a:p>
-            <a:r>
-              <a:rPr lang="zh-CN" altLang="en-US" dirty="0"/>
-              <a:t>可以更快地在</a:t>
-            </a:r>
-            <a:r>
-              <a:rPr lang="en-US" altLang="zh-CN" dirty="0"/>
-              <a:t>web worker</a:t>
-            </a:r>
-            <a:r>
-              <a:rPr lang="zh-CN" altLang="en-US" dirty="0"/>
-              <a:t>之间共享数据</a:t>
-            </a:r>
-          </a:p>
-          <a:p>
-            <a:r>
-              <a:rPr lang="en-US" altLang="zh-CN" dirty="0"/>
-              <a:t>web worker</a:t>
-            </a:r>
-            <a:r>
-              <a:rPr lang="zh-CN" altLang="en-US" dirty="0"/>
-              <a:t>之间的协调变得更加简单和</a:t>
-            </a:r>
-            <a:r>
-              <a:rPr lang="zh-CN" altLang="en-US" dirty="0" smtClean="0"/>
-              <a:t>快速</a:t>
-            </a:r>
+            <a:endParaRPr lang="en-US" altLang="zh-CN" dirty="0"/>
+          </a:p>
+          <a:p>
             <a:endParaRPr lang="zh-CN" altLang="en-US" dirty="0"/>
           </a:p>
         </p:txBody>
@@ -5942,7 +6056,7 @@
     </p:spTree>
     <p:extLst>
       <p:ext uri="{BB962C8B-B14F-4D97-AF65-F5344CB8AC3E}">
-        <p14:creationId xmlns:p14="http://schemas.microsoft.com/office/powerpoint/2010/main" val="499694573"/>
+        <p14:creationId xmlns:p14="http://schemas.microsoft.com/office/powerpoint/2010/main" val="3078372191"/>
       </p:ext>
     </p:extLst>
   </p:cSld>
@@ -5988,6 +6102,939 @@
         </p:nvSpPr>
         <p:spPr>
           <a:xfrm>
+            <a:off x="1371600" y="302622"/>
+            <a:ext cx="9601200" cy="1485900"/>
+          </a:xfrm>
+        </p:spPr>
+        <p:txBody>
+          <a:bodyPr/>
+          <a:lstStyle/>
+          <a:p>
+            <a:r>
+              <a:rPr lang="en-US" altLang="zh-CN" dirty="0" smtClean="0"/>
+              <a:t>ES2016</a:t>
+            </a:r>
+            <a:endParaRPr lang="zh-CN" altLang="en-US" dirty="0"/>
+          </a:p>
+        </p:txBody>
+      </p:sp>
+      <p:sp>
+        <p:nvSpPr>
+          <p:cNvPr id="3" name="内容占位符 2"/>
+          <p:cNvSpPr>
+            <a:spLocks noGrp="1"/>
+          </p:cNvSpPr>
+          <p:nvPr>
+            <p:ph idx="1"/>
+          </p:nvPr>
+        </p:nvSpPr>
+        <p:spPr>
+          <a:xfrm>
+            <a:off x="1371600" y="1410789"/>
+            <a:ext cx="9601200" cy="4850674"/>
+          </a:xfrm>
+        </p:spPr>
+        <p:txBody>
+          <a:bodyPr>
+            <a:normAutofit fontScale="92500" lnSpcReduction="10000"/>
+          </a:bodyPr>
+          <a:lstStyle/>
+          <a:p>
+            <a:r>
+              <a:rPr lang="en-US" altLang="zh-CN" dirty="0" err="1" smtClean="0">
+                <a:hlinkClick r:id="rId2"/>
+              </a:rPr>
+              <a:t>Array.prototype.includes</a:t>
+            </a:r>
+            <a:endParaRPr lang="en-US" altLang="zh-CN" dirty="0" smtClean="0"/>
+          </a:p>
+          <a:p>
+            <a:pPr marL="530352" lvl="1" indent="0">
+              <a:buNone/>
+            </a:pPr>
+            <a:r>
+              <a:rPr lang="zh-CN" altLang="en-US" dirty="0" smtClean="0"/>
+              <a:t>查找一个值在不在数组中，在返回</a:t>
+            </a:r>
+            <a:r>
+              <a:rPr lang="en-US" altLang="zh-CN" dirty="0" smtClean="0"/>
+              <a:t>true</a:t>
+            </a:r>
+            <a:r>
+              <a:rPr lang="zh-CN" altLang="en-US" dirty="0" smtClean="0"/>
+              <a:t>，否则返回</a:t>
+            </a:r>
+            <a:r>
+              <a:rPr lang="en-US" altLang="zh-CN" dirty="0" smtClean="0"/>
+              <a:t>false</a:t>
+            </a:r>
+            <a:r>
+              <a:rPr lang="zh-CN" altLang="en-US" dirty="0" smtClean="0"/>
+              <a:t>。</a:t>
+            </a:r>
+            <a:endParaRPr lang="en-US" altLang="zh-CN" dirty="0" smtClean="0"/>
+          </a:p>
+          <a:p>
+            <a:pPr marL="530352" lvl="1" indent="0">
+              <a:buNone/>
+            </a:pPr>
+            <a:r>
+              <a:rPr lang="zh-CN" altLang="en-US" dirty="0" smtClean="0"/>
+              <a:t>用法</a:t>
+            </a:r>
+            <a:r>
+              <a:rPr lang="zh-CN" altLang="en-US" dirty="0"/>
+              <a:t>：</a:t>
+            </a:r>
+          </a:p>
+          <a:p>
+            <a:pPr marL="530352" lvl="1" indent="0">
+              <a:buNone/>
+            </a:pPr>
+            <a:r>
+              <a:rPr lang="en-US" altLang="zh-CN" dirty="0" err="1" smtClean="0"/>
+              <a:t>arr.includes</a:t>
+            </a:r>
+            <a:r>
+              <a:rPr lang="en-US" altLang="zh-CN" dirty="0" smtClean="0"/>
+              <a:t>(</a:t>
+            </a:r>
+            <a:r>
+              <a:rPr lang="en-US" altLang="zh-CN" dirty="0" err="1" smtClean="0"/>
+              <a:t>searchElement</a:t>
+            </a:r>
+            <a:r>
+              <a:rPr lang="en-US" altLang="zh-CN" dirty="0"/>
+              <a:t>)</a:t>
+            </a:r>
+          </a:p>
+          <a:p>
+            <a:pPr marL="530352" lvl="1" indent="0">
+              <a:buNone/>
+            </a:pPr>
+            <a:r>
+              <a:rPr lang="en-US" altLang="zh-CN" dirty="0" err="1" smtClean="0"/>
+              <a:t>arr.includes</a:t>
+            </a:r>
+            <a:r>
+              <a:rPr lang="en-US" altLang="zh-CN" dirty="0" smtClean="0"/>
+              <a:t>(</a:t>
+            </a:r>
+            <a:r>
+              <a:rPr lang="en-US" altLang="zh-CN" dirty="0" err="1" smtClean="0"/>
+              <a:t>searchElement</a:t>
+            </a:r>
+            <a:r>
+              <a:rPr lang="en-US" altLang="zh-CN" dirty="0"/>
+              <a:t>, </a:t>
+            </a:r>
+            <a:r>
+              <a:rPr lang="en-US" altLang="zh-CN" dirty="0" err="1"/>
+              <a:t>fromIndex</a:t>
+            </a:r>
+            <a:r>
+              <a:rPr lang="en-US" altLang="zh-CN" dirty="0" smtClean="0"/>
+              <a:t>)</a:t>
+            </a:r>
+          </a:p>
+          <a:p>
+            <a:pPr marL="530352" lvl="1" indent="0">
+              <a:buNone/>
+            </a:pPr>
+            <a:endParaRPr lang="en-US" altLang="zh-CN" dirty="0" smtClean="0"/>
+          </a:p>
+          <a:p>
+            <a:pPr marL="530352" lvl="1" indent="0">
+              <a:buNone/>
+            </a:pPr>
+            <a:r>
+              <a:rPr lang="en-US" altLang="zh-CN" dirty="0" smtClean="0"/>
+              <a:t>includes</a:t>
+            </a:r>
+            <a:r>
+              <a:rPr lang="zh-CN" altLang="en-US" dirty="0" smtClean="0"/>
+              <a:t>基本上和</a:t>
+            </a:r>
+            <a:r>
+              <a:rPr lang="en-US" altLang="zh-CN" dirty="0" err="1" smtClean="0"/>
+              <a:t>indexOf</a:t>
+            </a:r>
+            <a:r>
+              <a:rPr lang="zh-CN" altLang="en-US" dirty="0" smtClean="0"/>
+              <a:t>一样</a:t>
+            </a:r>
+            <a:r>
+              <a:rPr lang="zh-CN" altLang="en-US" dirty="0"/>
+              <a:t>，区别在于对</a:t>
+            </a:r>
+            <a:r>
+              <a:rPr lang="en-US" altLang="zh-CN" dirty="0" err="1"/>
+              <a:t>NaN</a:t>
+            </a:r>
+            <a:r>
+              <a:rPr lang="zh-CN" altLang="en-US" dirty="0"/>
+              <a:t>的处理</a:t>
+            </a:r>
+            <a:r>
+              <a:rPr lang="zh-CN" altLang="en-US" dirty="0" smtClean="0"/>
+              <a:t>。</a:t>
+            </a:r>
+            <a:endParaRPr lang="en-US" altLang="zh-CN" dirty="0" smtClean="0"/>
+          </a:p>
+          <a:p>
+            <a:pPr marL="530352" lvl="1" indent="0">
+              <a:buNone/>
+            </a:pPr>
+            <a:r>
+              <a:rPr lang="en-US" altLang="zh-CN" dirty="0"/>
+              <a:t>let arr2 = [1, 2, </a:t>
+            </a:r>
+            <a:r>
+              <a:rPr lang="en-US" altLang="zh-CN" dirty="0" err="1"/>
+              <a:t>NaN</a:t>
+            </a:r>
+            <a:r>
+              <a:rPr lang="en-US" altLang="zh-CN" dirty="0"/>
+              <a:t>];</a:t>
+            </a:r>
+          </a:p>
+          <a:p>
+            <a:pPr marL="530352" lvl="1" indent="0">
+              <a:buNone/>
+            </a:pPr>
+            <a:r>
+              <a:rPr lang="en-US" altLang="zh-CN" dirty="0"/>
+              <a:t>arr2.indexOf(</a:t>
+            </a:r>
+            <a:r>
+              <a:rPr lang="en-US" altLang="zh-CN" dirty="0" err="1"/>
+              <a:t>NaN</a:t>
+            </a:r>
+            <a:r>
+              <a:rPr lang="en-US" altLang="zh-CN" dirty="0"/>
+              <a:t>)        </a:t>
+            </a:r>
+            <a:r>
+              <a:rPr lang="en-US" altLang="zh-CN" dirty="0" smtClean="0"/>
+              <a:t>// -</a:t>
+            </a:r>
+            <a:r>
+              <a:rPr lang="en-US" altLang="zh-CN" dirty="0"/>
+              <a:t>1</a:t>
+            </a:r>
+          </a:p>
+          <a:p>
+            <a:pPr marL="530352" lvl="1" indent="0">
+              <a:buNone/>
+            </a:pPr>
+            <a:r>
+              <a:rPr lang="en-US" altLang="zh-CN" dirty="0"/>
+              <a:t>arr2.includes(</a:t>
+            </a:r>
+            <a:r>
+              <a:rPr lang="en-US" altLang="zh-CN" dirty="0" err="1"/>
+              <a:t>NaN</a:t>
+            </a:r>
+            <a:r>
+              <a:rPr lang="en-US" altLang="zh-CN" dirty="0"/>
+              <a:t>)       </a:t>
+            </a:r>
+            <a:r>
+              <a:rPr lang="en-US" altLang="zh-CN" dirty="0" smtClean="0"/>
+              <a:t>// true</a:t>
+            </a:r>
+          </a:p>
+          <a:p>
+            <a:r>
+              <a:rPr lang="en-US" altLang="zh-CN" dirty="0" smtClean="0">
+                <a:hlinkClick r:id="rId3"/>
+              </a:rPr>
+              <a:t>Exponentiation Operator(</a:t>
+            </a:r>
+            <a:r>
+              <a:rPr lang="zh-CN" altLang="en-US" dirty="0" smtClean="0">
+                <a:hlinkClick r:id="rId3"/>
+              </a:rPr>
+              <a:t>求冥运算</a:t>
+            </a:r>
+            <a:r>
+              <a:rPr lang="en-US" altLang="zh-CN" dirty="0" smtClean="0">
+                <a:hlinkClick r:id="rId3"/>
+              </a:rPr>
+              <a:t>)</a:t>
+            </a:r>
+            <a:endParaRPr lang="en-US" altLang="zh-CN" dirty="0" smtClean="0"/>
+          </a:p>
+          <a:p>
+            <a:pPr marL="530352" lvl="1" indent="0">
+              <a:lnSpc>
+                <a:spcPct val="104000"/>
+              </a:lnSpc>
+              <a:buNone/>
+            </a:pPr>
+            <a:r>
+              <a:rPr lang="en-US" altLang="zh-CN" dirty="0"/>
+              <a:t>2 ** 3  // 8</a:t>
+            </a:r>
+          </a:p>
+          <a:p>
+            <a:pPr marL="530352" lvl="1" indent="0">
+              <a:lnSpc>
+                <a:spcPct val="104000"/>
+              </a:lnSpc>
+              <a:buNone/>
+            </a:pPr>
+            <a:r>
+              <a:rPr lang="en-US" altLang="zh-CN" dirty="0"/>
+              <a:t>// </a:t>
+            </a:r>
+            <a:r>
+              <a:rPr lang="zh-CN" altLang="en-US" dirty="0"/>
+              <a:t>效果同</a:t>
+            </a:r>
+          </a:p>
+          <a:p>
+            <a:pPr marL="530352" lvl="1" indent="0">
+              <a:lnSpc>
+                <a:spcPct val="104000"/>
+              </a:lnSpc>
+              <a:buNone/>
+            </a:pPr>
+            <a:r>
+              <a:rPr lang="en-US" altLang="zh-CN" dirty="0" err="1"/>
+              <a:t>Math.pow</a:t>
+            </a:r>
+            <a:r>
+              <a:rPr lang="en-US" altLang="zh-CN" dirty="0"/>
+              <a:t>(2, 3) </a:t>
+            </a:r>
+            <a:r>
+              <a:rPr lang="en-US" altLang="zh-CN" dirty="0" smtClean="0"/>
+              <a:t> // </a:t>
+            </a:r>
+            <a:r>
+              <a:rPr lang="en-US" altLang="zh-CN" dirty="0"/>
+              <a:t>8</a:t>
+            </a:r>
+            <a:endParaRPr lang="zh-CN" altLang="en-US" dirty="0"/>
+          </a:p>
+        </p:txBody>
+      </p:sp>
+    </p:spTree>
+    <p:extLst>
+      <p:ext uri="{BB962C8B-B14F-4D97-AF65-F5344CB8AC3E}">
+        <p14:creationId xmlns:p14="http://schemas.microsoft.com/office/powerpoint/2010/main" val="3501288086"/>
+      </p:ext>
+    </p:extLst>
+  </p:cSld>
+  <p:clrMapOvr>
+    <a:masterClrMapping/>
+  </p:clrMapOvr>
+  <p:timing>
+    <p:tnLst>
+      <p:par>
+        <p:cTn id="1" dur="indefinite" restart="never" nodeType="tmRoot"/>
+      </p:par>
+    </p:tnLst>
+  </p:timing>
+</p:sld>
+</file>
+
+<file path=ppt/slides/slide18.xml><?xml version="1.0" encoding="utf-8"?>
+<p:sld xmlns:a="http://schemas.openxmlformats.org/drawingml/2006/main" xmlns:r="http://schemas.openxmlformats.org/officeDocument/2006/relationships" xmlns:p="http://schemas.openxmlformats.org/presentationml/2006/main">
+  <p:cSld>
+    <p:spTree>
+      <p:nvGrpSpPr>
+        <p:cNvPr id="1" name=""/>
+        <p:cNvGrpSpPr/>
+        <p:nvPr/>
+      </p:nvGrpSpPr>
+      <p:grpSpPr>
+        <a:xfrm>
+          <a:off x="0" y="0"/>
+          <a:ext cx="0" cy="0"/>
+          <a:chOff x="0" y="0"/>
+          <a:chExt cx="0" cy="0"/>
+        </a:xfrm>
+      </p:grpSpPr>
+      <p:sp>
+        <p:nvSpPr>
+          <p:cNvPr id="2" name="标题 1"/>
+          <p:cNvSpPr>
+            <a:spLocks noGrp="1"/>
+          </p:cNvSpPr>
+          <p:nvPr>
+            <p:ph type="title"/>
+          </p:nvPr>
+        </p:nvSpPr>
+        <p:spPr>
+          <a:xfrm>
+            <a:off x="1371600" y="302624"/>
+            <a:ext cx="9601200" cy="1485900"/>
+          </a:xfrm>
+        </p:spPr>
+        <p:txBody>
+          <a:bodyPr/>
+          <a:lstStyle/>
+          <a:p>
+            <a:r>
+              <a:rPr lang="en-US" altLang="zh-CN" dirty="0" smtClean="0"/>
+              <a:t>ES2017</a:t>
+            </a:r>
+            <a:endParaRPr lang="zh-CN" altLang="en-US" dirty="0"/>
+          </a:p>
+        </p:txBody>
+      </p:sp>
+      <p:sp>
+        <p:nvSpPr>
+          <p:cNvPr id="3" name="内容占位符 2"/>
+          <p:cNvSpPr>
+            <a:spLocks noGrp="1"/>
+          </p:cNvSpPr>
+          <p:nvPr>
+            <p:ph idx="1"/>
+          </p:nvPr>
+        </p:nvSpPr>
+        <p:spPr>
+          <a:xfrm>
+            <a:off x="1371600" y="1367246"/>
+            <a:ext cx="9601200" cy="4500154"/>
+          </a:xfrm>
+        </p:spPr>
+        <p:txBody>
+          <a:bodyPr/>
+          <a:lstStyle/>
+          <a:p>
+            <a:r>
+              <a:rPr lang="zh-CN" altLang="en-US" dirty="0" smtClean="0"/>
+              <a:t>异步函数</a:t>
+            </a:r>
+            <a:r>
+              <a:rPr lang="zh-CN" altLang="en-US" dirty="0"/>
+              <a:t>（</a:t>
+            </a:r>
+            <a:r>
+              <a:rPr lang="en-US" altLang="zh-CN" dirty="0" err="1"/>
+              <a:t>Async</a:t>
+            </a:r>
+            <a:r>
+              <a:rPr lang="en-US" altLang="zh-CN" dirty="0"/>
+              <a:t> Functions</a:t>
+            </a:r>
+            <a:r>
+              <a:rPr lang="zh-CN" altLang="en-US" dirty="0" smtClean="0"/>
+              <a:t>）</a:t>
+            </a:r>
+            <a:endParaRPr lang="en-US" altLang="zh-CN" dirty="0" smtClean="0"/>
+          </a:p>
+          <a:p>
+            <a:r>
+              <a:rPr lang="zh-CN" altLang="en-US" dirty="0"/>
+              <a:t>共享内存和</a:t>
+            </a:r>
+            <a:r>
+              <a:rPr lang="zh-CN" altLang="en-US" dirty="0" smtClean="0"/>
+              <a:t>原子</a:t>
+            </a:r>
+            <a:endParaRPr lang="en-US" altLang="zh-CN" dirty="0" smtClean="0"/>
+          </a:p>
+          <a:p>
+            <a:r>
+              <a:rPr lang="en-US" altLang="zh-CN" dirty="0" err="1" smtClean="0"/>
+              <a:t>Object.values</a:t>
+            </a:r>
+            <a:r>
+              <a:rPr lang="en-US" altLang="zh-CN" dirty="0" smtClean="0"/>
+              <a:t>/</a:t>
+            </a:r>
+            <a:r>
+              <a:rPr lang="en-US" altLang="zh-CN" dirty="0" err="1" smtClean="0"/>
+              <a:t>Object.entries</a:t>
+            </a:r>
+            <a:endParaRPr lang="en-US" altLang="zh-CN" dirty="0" smtClean="0"/>
+          </a:p>
+          <a:p>
+            <a:r>
+              <a:rPr lang="en-US" altLang="zh-CN" dirty="0"/>
+              <a:t>String padding(</a:t>
+            </a:r>
+            <a:r>
+              <a:rPr lang="zh-CN" altLang="en-US" dirty="0"/>
+              <a:t>字符串填充</a:t>
+            </a:r>
+            <a:r>
+              <a:rPr lang="en-US" altLang="zh-CN" dirty="0" smtClean="0"/>
+              <a:t>)</a:t>
+            </a:r>
+          </a:p>
+          <a:p>
+            <a:r>
+              <a:rPr lang="en-US" altLang="zh-CN" dirty="0" err="1" smtClean="0"/>
+              <a:t>Object.getOwnPropertyDescriptors</a:t>
+            </a:r>
+            <a:endParaRPr lang="en-US" altLang="zh-CN" dirty="0" smtClean="0"/>
+          </a:p>
+          <a:p>
+            <a:r>
+              <a:rPr lang="zh-CN" altLang="en-US" dirty="0"/>
+              <a:t>函数参数列表和调用中的尾逗号（</a:t>
+            </a:r>
+            <a:r>
+              <a:rPr lang="en-US" altLang="zh-CN" dirty="0"/>
+              <a:t>Trailing commas</a:t>
+            </a:r>
+            <a:r>
+              <a:rPr lang="zh-CN" altLang="en-US" dirty="0"/>
+              <a:t>）</a:t>
+            </a:r>
+          </a:p>
+        </p:txBody>
+      </p:sp>
+    </p:spTree>
+    <p:extLst>
+      <p:ext uri="{BB962C8B-B14F-4D97-AF65-F5344CB8AC3E}">
+        <p14:creationId xmlns:p14="http://schemas.microsoft.com/office/powerpoint/2010/main" val="2257192083"/>
+      </p:ext>
+    </p:extLst>
+  </p:cSld>
+  <p:clrMapOvr>
+    <a:masterClrMapping/>
+  </p:clrMapOvr>
+  <p:timing>
+    <p:tnLst>
+      <p:par>
+        <p:cTn id="1" dur="indefinite" restart="never" nodeType="tmRoot"/>
+      </p:par>
+    </p:tnLst>
+  </p:timing>
+</p:sld>
+</file>
+
+<file path=ppt/slides/slide19.xml><?xml version="1.0" encoding="utf-8"?>
+<p:sld xmlns:a="http://schemas.openxmlformats.org/drawingml/2006/main" xmlns:r="http://schemas.openxmlformats.org/officeDocument/2006/relationships" xmlns:p="http://schemas.openxmlformats.org/presentationml/2006/main">
+  <p:cSld>
+    <p:spTree>
+      <p:nvGrpSpPr>
+        <p:cNvPr id="1" name=""/>
+        <p:cNvGrpSpPr/>
+        <p:nvPr/>
+      </p:nvGrpSpPr>
+      <p:grpSpPr>
+        <a:xfrm>
+          <a:off x="0" y="0"/>
+          <a:ext cx="0" cy="0"/>
+          <a:chOff x="0" y="0"/>
+          <a:chExt cx="0" cy="0"/>
+        </a:xfrm>
+      </p:grpSpPr>
+      <p:sp>
+        <p:nvSpPr>
+          <p:cNvPr id="2" name="标题 1"/>
+          <p:cNvSpPr>
+            <a:spLocks noGrp="1"/>
+          </p:cNvSpPr>
+          <p:nvPr>
+            <p:ph type="title"/>
+          </p:nvPr>
+        </p:nvSpPr>
+        <p:spPr>
+          <a:xfrm>
+            <a:off x="1371600" y="293915"/>
+            <a:ext cx="9601200" cy="785948"/>
+          </a:xfrm>
+        </p:spPr>
+        <p:txBody>
+          <a:bodyPr>
+            <a:normAutofit/>
+          </a:bodyPr>
+          <a:lstStyle/>
+          <a:p>
+            <a:r>
+              <a:rPr lang="en-US" altLang="zh-CN" dirty="0" smtClean="0"/>
+              <a:t>ES2017</a:t>
+            </a:r>
+            <a:endParaRPr lang="zh-CN" altLang="en-US" dirty="0"/>
+          </a:p>
+        </p:txBody>
+      </p:sp>
+      <p:sp>
+        <p:nvSpPr>
+          <p:cNvPr id="3" name="内容占位符 2"/>
+          <p:cNvSpPr>
+            <a:spLocks noGrp="1"/>
+          </p:cNvSpPr>
+          <p:nvPr>
+            <p:ph idx="1"/>
+          </p:nvPr>
+        </p:nvSpPr>
+        <p:spPr>
+          <a:xfrm>
+            <a:off x="1371600" y="1306285"/>
+            <a:ext cx="9601200" cy="5233851"/>
+          </a:xfrm>
+        </p:spPr>
+        <p:txBody>
+          <a:bodyPr>
+            <a:normAutofit/>
+          </a:bodyPr>
+          <a:lstStyle/>
+          <a:p>
+            <a:r>
+              <a:rPr lang="zh-CN" altLang="en-US" dirty="0"/>
+              <a:t>共享内存和</a:t>
+            </a:r>
+            <a:r>
+              <a:rPr lang="zh-CN" altLang="en-US" dirty="0" smtClean="0"/>
+              <a:t>原子</a:t>
+            </a:r>
+            <a:endParaRPr lang="en-US" altLang="zh-CN" dirty="0" smtClean="0"/>
+          </a:p>
+          <a:p>
+            <a:endParaRPr lang="en-US" altLang="zh-CN" dirty="0" smtClean="0"/>
+          </a:p>
+          <a:p>
+            <a:r>
+              <a:rPr lang="zh-CN" altLang="en-US" dirty="0" smtClean="0"/>
+              <a:t>新</a:t>
+            </a:r>
+            <a:r>
+              <a:rPr lang="zh-CN" altLang="en-US" dirty="0"/>
+              <a:t>的构造函数</a:t>
+            </a:r>
+            <a:r>
+              <a:rPr lang="en-US" altLang="zh-CN" dirty="0" err="1"/>
+              <a:t>SharedArrayBuffer</a:t>
+            </a:r>
+            <a:r>
+              <a:rPr lang="zh-CN" altLang="en-US" dirty="0"/>
+              <a:t>、具有辅助函数的命名空间对象</a:t>
+            </a:r>
+            <a:r>
+              <a:rPr lang="en-US" altLang="zh-CN" dirty="0"/>
+              <a:t>Atomics</a:t>
+            </a:r>
+          </a:p>
+          <a:p>
+            <a:r>
+              <a:rPr lang="zh-CN" altLang="en-US" dirty="0" smtClean="0"/>
+              <a:t>共享</a:t>
+            </a:r>
+            <a:r>
+              <a:rPr lang="zh-CN" altLang="en-US" dirty="0"/>
+              <a:t>内存允许多个线程并发读写</a:t>
+            </a:r>
+            <a:r>
+              <a:rPr lang="zh-CN" altLang="en-US" dirty="0" smtClean="0"/>
+              <a:t>数据</a:t>
+            </a:r>
+            <a:endParaRPr lang="en-US" altLang="zh-CN" dirty="0" smtClean="0"/>
+          </a:p>
+          <a:p>
+            <a:r>
+              <a:rPr lang="zh-CN" altLang="en-US" dirty="0" smtClean="0"/>
+              <a:t>而</a:t>
+            </a:r>
+            <a:r>
+              <a:rPr lang="zh-CN" altLang="en-US" dirty="0"/>
+              <a:t>原子操作则能够进行并发控制，确保多个存在竞争关系的线程顺序执行。</a:t>
+            </a:r>
+            <a:endParaRPr lang="en-US" altLang="zh-CN" dirty="0" smtClean="0"/>
+          </a:p>
+          <a:p>
+            <a:r>
+              <a:rPr lang="en-US" altLang="zh-CN" dirty="0" err="1" smtClean="0"/>
+              <a:t>js</a:t>
+            </a:r>
+            <a:r>
+              <a:rPr lang="zh-CN" altLang="en-US" dirty="0" smtClean="0"/>
+              <a:t>多线程</a:t>
+            </a:r>
+            <a:r>
+              <a:rPr lang="en-US" altLang="zh-CN" dirty="0"/>
+              <a:t>web worker</a:t>
+            </a:r>
+            <a:r>
+              <a:rPr lang="zh-CN" altLang="en-US" dirty="0" smtClean="0"/>
+              <a:t>  线程间不能</a:t>
+            </a:r>
+            <a:r>
+              <a:rPr lang="zh-CN" altLang="en-US" dirty="0"/>
+              <a:t>共享</a:t>
+            </a:r>
+            <a:r>
+              <a:rPr lang="zh-CN" altLang="en-US" dirty="0" smtClean="0"/>
+              <a:t>内存</a:t>
+            </a:r>
+            <a:endParaRPr lang="en-US" altLang="zh-CN" dirty="0" smtClean="0"/>
+          </a:p>
+          <a:p>
+            <a:r>
+              <a:rPr lang="zh-CN" altLang="en-US" dirty="0"/>
+              <a:t>可以更快地在</a:t>
+            </a:r>
+            <a:r>
+              <a:rPr lang="en-US" altLang="zh-CN" dirty="0"/>
+              <a:t>web worker</a:t>
+            </a:r>
+            <a:r>
+              <a:rPr lang="zh-CN" altLang="en-US" dirty="0"/>
+              <a:t>之间共享数据</a:t>
+            </a:r>
+          </a:p>
+          <a:p>
+            <a:r>
+              <a:rPr lang="en-US" altLang="zh-CN" dirty="0"/>
+              <a:t>web worker</a:t>
+            </a:r>
+            <a:r>
+              <a:rPr lang="zh-CN" altLang="en-US" dirty="0"/>
+              <a:t>之间的协调变得更加简单和</a:t>
+            </a:r>
+            <a:r>
+              <a:rPr lang="zh-CN" altLang="en-US" dirty="0" smtClean="0"/>
+              <a:t>快速</a:t>
+            </a:r>
+            <a:endParaRPr lang="zh-CN" altLang="en-US" dirty="0"/>
+          </a:p>
+        </p:txBody>
+      </p:sp>
+    </p:spTree>
+    <p:extLst>
+      <p:ext uri="{BB962C8B-B14F-4D97-AF65-F5344CB8AC3E}">
+        <p14:creationId xmlns:p14="http://schemas.microsoft.com/office/powerpoint/2010/main" val="499694573"/>
+      </p:ext>
+    </p:extLst>
+  </p:cSld>
+  <p:clrMapOvr>
+    <a:masterClrMapping/>
+  </p:clrMapOvr>
+  <p:timing>
+    <p:tnLst>
+      <p:par>
+        <p:cTn id="1" dur="indefinite" restart="never" nodeType="tmRoot"/>
+      </p:par>
+    </p:tnLst>
+  </p:timing>
+</p:sld>
+</file>
+
+<file path=ppt/slides/slide2.xml><?xml version="1.0" encoding="utf-8"?>
+<p:sld xmlns:a="http://schemas.openxmlformats.org/drawingml/2006/main" xmlns:r="http://schemas.openxmlformats.org/officeDocument/2006/relationships" xmlns:p="http://schemas.openxmlformats.org/presentationml/2006/main">
+  <p:cSld>
+    <p:spTree>
+      <p:nvGrpSpPr>
+        <p:cNvPr id="1" name=""/>
+        <p:cNvGrpSpPr/>
+        <p:nvPr/>
+      </p:nvGrpSpPr>
+      <p:grpSpPr>
+        <a:xfrm>
+          <a:off x="0" y="0"/>
+          <a:ext cx="0" cy="0"/>
+          <a:chOff x="0" y="0"/>
+          <a:chExt cx="0" cy="0"/>
+        </a:xfrm>
+      </p:grpSpPr>
+      <p:sp>
+        <p:nvSpPr>
+          <p:cNvPr id="2" name="标题 1"/>
+          <p:cNvSpPr>
+            <a:spLocks noGrp="1"/>
+          </p:cNvSpPr>
+          <p:nvPr>
+            <p:ph type="title"/>
+          </p:nvPr>
+        </p:nvSpPr>
+        <p:spPr>
+          <a:xfrm>
+            <a:off x="1371600" y="302623"/>
+            <a:ext cx="9601200" cy="820783"/>
+          </a:xfrm>
+        </p:spPr>
+        <p:txBody>
+          <a:bodyPr>
+            <a:normAutofit/>
+          </a:bodyPr>
+          <a:lstStyle/>
+          <a:p>
+            <a:r>
+              <a:rPr lang="en-US" altLang="zh-CN" dirty="0" smtClean="0"/>
+              <a:t>ES2015</a:t>
+            </a:r>
+            <a:endParaRPr lang="zh-CN" altLang="en-US" dirty="0"/>
+          </a:p>
+        </p:txBody>
+      </p:sp>
+      <p:sp>
+        <p:nvSpPr>
+          <p:cNvPr id="3" name="内容占位符 2"/>
+          <p:cNvSpPr>
+            <a:spLocks noGrp="1"/>
+          </p:cNvSpPr>
+          <p:nvPr>
+            <p:ph idx="1"/>
+          </p:nvPr>
+        </p:nvSpPr>
+        <p:spPr>
+          <a:xfrm>
+            <a:off x="1371600" y="1375954"/>
+            <a:ext cx="9601200" cy="4491446"/>
+          </a:xfrm>
+        </p:spPr>
+        <p:txBody>
+          <a:bodyPr>
+            <a:normAutofit/>
+          </a:bodyPr>
+          <a:lstStyle/>
+          <a:p>
+            <a:r>
+              <a:rPr lang="en-US" altLang="zh-CN" dirty="0" smtClean="0"/>
+              <a:t>let/</a:t>
+            </a:r>
+            <a:r>
+              <a:rPr lang="en-US" altLang="zh-CN" dirty="0" err="1" smtClean="0"/>
+              <a:t>const</a:t>
+            </a:r>
+            <a:endParaRPr lang="en-US" altLang="zh-CN" dirty="0" smtClean="0"/>
+          </a:p>
+          <a:p>
+            <a:r>
+              <a:rPr lang="zh-CN" altLang="en-US" dirty="0"/>
+              <a:t>箭头</a:t>
+            </a:r>
+            <a:r>
+              <a:rPr lang="zh-CN" altLang="en-US" dirty="0" smtClean="0"/>
+              <a:t>函数</a:t>
+            </a:r>
+            <a:endParaRPr lang="en-US" altLang="zh-CN" dirty="0" smtClean="0"/>
+          </a:p>
+          <a:p>
+            <a:r>
+              <a:rPr lang="zh-CN" altLang="en-US" dirty="0"/>
+              <a:t>模板</a:t>
+            </a:r>
+            <a:r>
+              <a:rPr lang="zh-CN" altLang="en-US" dirty="0" smtClean="0"/>
+              <a:t>字符串</a:t>
+            </a:r>
+            <a:endParaRPr lang="en-US" altLang="zh-CN" dirty="0" smtClean="0"/>
+          </a:p>
+          <a:p>
+            <a:r>
+              <a:rPr lang="zh-CN" altLang="en-US" dirty="0"/>
+              <a:t>解</a:t>
+            </a:r>
+            <a:r>
+              <a:rPr lang="zh-CN" altLang="en-US" dirty="0" smtClean="0"/>
+              <a:t>构赋值</a:t>
+            </a:r>
+            <a:endParaRPr lang="en-US" altLang="zh-CN" dirty="0" smtClean="0"/>
+          </a:p>
+          <a:p>
+            <a:r>
+              <a:rPr lang="zh-CN" altLang="en-US" dirty="0"/>
+              <a:t>展开运算符</a:t>
+            </a:r>
+            <a:r>
+              <a:rPr lang="en-US" altLang="zh-CN" dirty="0" smtClean="0"/>
+              <a:t>...</a:t>
+            </a:r>
+          </a:p>
+          <a:p>
+            <a:r>
+              <a:rPr lang="en-US" altLang="zh-CN" dirty="0" smtClean="0"/>
+              <a:t>Promise</a:t>
+            </a:r>
+          </a:p>
+          <a:p>
+            <a:r>
+              <a:rPr lang="zh-CN" altLang="en-US" dirty="0" smtClean="0"/>
+              <a:t>模块化</a:t>
+            </a:r>
+            <a:endParaRPr lang="en-US" altLang="zh-CN" dirty="0" smtClean="0"/>
+          </a:p>
+          <a:p>
+            <a:r>
+              <a:rPr lang="zh-CN" altLang="en-US" dirty="0"/>
+              <a:t>对象与</a:t>
+            </a:r>
+            <a:r>
+              <a:rPr lang="en-US" altLang="zh-CN" dirty="0" smtClean="0"/>
+              <a:t>Class</a:t>
+            </a:r>
+          </a:p>
+          <a:p>
+            <a:r>
+              <a:rPr lang="en-US" altLang="zh-CN" dirty="0" smtClean="0"/>
+              <a:t>Symbol</a:t>
+            </a:r>
+          </a:p>
+          <a:p>
+            <a:r>
+              <a:rPr lang="en-US" altLang="zh-CN" dirty="0"/>
+              <a:t>Set</a:t>
+            </a:r>
+            <a:r>
+              <a:rPr lang="zh-CN" altLang="en-US" dirty="0"/>
+              <a:t>和</a:t>
+            </a:r>
+            <a:r>
+              <a:rPr lang="en-US" altLang="zh-CN" dirty="0"/>
+              <a:t>Map</a:t>
+            </a:r>
+            <a:endParaRPr lang="zh-CN" altLang="en-US" dirty="0"/>
+          </a:p>
+        </p:txBody>
+      </p:sp>
+    </p:spTree>
+    <p:extLst>
+      <p:ext uri="{BB962C8B-B14F-4D97-AF65-F5344CB8AC3E}">
+        <p14:creationId xmlns:p14="http://schemas.microsoft.com/office/powerpoint/2010/main" val="1340019500"/>
+      </p:ext>
+    </p:extLst>
+  </p:cSld>
+  <p:clrMapOvr>
+    <a:masterClrMapping/>
+  </p:clrMapOvr>
+  <p:timing>
+    <p:tnLst>
+      <p:par>
+        <p:cTn id="1" dur="indefinite" restart="never" nodeType="tmRoot"/>
+      </p:par>
+    </p:tnLst>
+  </p:timing>
+</p:sld>
+</file>
+
+<file path=ppt/slides/slide20.xml><?xml version="1.0" encoding="utf-8"?>
+<p:sld xmlns:a="http://schemas.openxmlformats.org/drawingml/2006/main" xmlns:r="http://schemas.openxmlformats.org/officeDocument/2006/relationships" xmlns:p="http://schemas.openxmlformats.org/presentationml/2006/main">
+  <p:cSld>
+    <p:spTree>
+      <p:nvGrpSpPr>
+        <p:cNvPr id="1" name=""/>
+        <p:cNvGrpSpPr/>
+        <p:nvPr/>
+      </p:nvGrpSpPr>
+      <p:grpSpPr>
+        <a:xfrm>
+          <a:off x="0" y="0"/>
+          <a:ext cx="0" cy="0"/>
+          <a:chOff x="0" y="0"/>
+          <a:chExt cx="0" cy="0"/>
+        </a:xfrm>
+      </p:grpSpPr>
+      <p:sp>
+        <p:nvSpPr>
+          <p:cNvPr id="2" name="标题 1"/>
+          <p:cNvSpPr>
+            <a:spLocks noGrp="1"/>
+          </p:cNvSpPr>
+          <p:nvPr>
+            <p:ph type="title"/>
+          </p:nvPr>
+        </p:nvSpPr>
+        <p:spPr>
+          <a:xfrm>
             <a:off x="1371600" y="302623"/>
             <a:ext cx="9601200" cy="820783"/>
           </a:xfrm>
@@ -6249,7 +7296,7 @@
 </p:sld>
 </file>
 
-<file path=ppt/slides/slide18.xml><?xml version="1.0" encoding="utf-8"?>
+<file path=ppt/slides/slide21.xml><?xml version="1.0" encoding="utf-8"?>
 <p:sld xmlns:a="http://schemas.openxmlformats.org/drawingml/2006/main" xmlns:r="http://schemas.openxmlformats.org/officeDocument/2006/relationships" xmlns:p="http://schemas.openxmlformats.org/presentationml/2006/main">
   <p:cSld>
     <p:spTree>
@@ -6654,7 +7701,7 @@
 </p:sld>
 </file>
 
-<file path=ppt/slides/slide19.xml><?xml version="1.0" encoding="utf-8"?>
+<file path=ppt/slides/slide22.xml><?xml version="1.0" encoding="utf-8"?>
 <p:sld xmlns:a="http://schemas.openxmlformats.org/drawingml/2006/main" xmlns:r="http://schemas.openxmlformats.org/officeDocument/2006/relationships" xmlns:p="http://schemas.openxmlformats.org/presentationml/2006/main">
   <p:cSld>
     <p:spTree>
@@ -6852,195 +7899,7 @@
 </p:sld>
 </file>
 
-<file path=ppt/slides/slide2.xml><?xml version="1.0" encoding="utf-8"?>
-<p:sld xmlns:a="http://schemas.openxmlformats.org/drawingml/2006/main" xmlns:r="http://schemas.openxmlformats.org/officeDocument/2006/relationships" xmlns:p="http://schemas.openxmlformats.org/presentationml/2006/main">
-  <p:cSld>
-    <p:spTree>
-      <p:nvGrpSpPr>
-        <p:cNvPr id="1" name=""/>
-        <p:cNvGrpSpPr/>
-        <p:nvPr/>
-      </p:nvGrpSpPr>
-      <p:grpSpPr>
-        <a:xfrm>
-          <a:off x="0" y="0"/>
-          <a:ext cx="0" cy="0"/>
-          <a:chOff x="0" y="0"/>
-          <a:chExt cx="0" cy="0"/>
-        </a:xfrm>
-      </p:grpSpPr>
-      <p:sp>
-        <p:nvSpPr>
-          <p:cNvPr id="2" name="标题 1"/>
-          <p:cNvSpPr>
-            <a:spLocks noGrp="1"/>
-          </p:cNvSpPr>
-          <p:nvPr>
-            <p:ph type="title"/>
-          </p:nvPr>
-        </p:nvSpPr>
-        <p:spPr>
-          <a:xfrm>
-            <a:off x="1371600" y="302623"/>
-            <a:ext cx="9601200" cy="820783"/>
-          </a:xfrm>
-        </p:spPr>
-        <p:txBody>
-          <a:bodyPr>
-            <a:normAutofit/>
-          </a:bodyPr>
-          <a:lstStyle/>
-          <a:p>
-            <a:r>
-              <a:rPr lang="en-US" altLang="zh-CN" dirty="0" smtClean="0"/>
-              <a:t>ES2015</a:t>
-            </a:r>
-            <a:endParaRPr lang="zh-CN" altLang="en-US" dirty="0"/>
-          </a:p>
-        </p:txBody>
-      </p:sp>
-      <p:sp>
-        <p:nvSpPr>
-          <p:cNvPr id="3" name="内容占位符 2"/>
-          <p:cNvSpPr>
-            <a:spLocks noGrp="1"/>
-          </p:cNvSpPr>
-          <p:nvPr>
-            <p:ph idx="1"/>
-          </p:nvPr>
-        </p:nvSpPr>
-        <p:spPr>
-          <a:xfrm>
-            <a:off x="1371600" y="1375954"/>
-            <a:ext cx="9601200" cy="4491446"/>
-          </a:xfrm>
-        </p:spPr>
-        <p:txBody>
-          <a:bodyPr>
-            <a:normAutofit/>
-          </a:bodyPr>
-          <a:lstStyle/>
-          <a:p>
-            <a:r>
-              <a:rPr lang="en-US" altLang="zh-CN" dirty="0" smtClean="0"/>
-              <a:t>let/</a:t>
-            </a:r>
-            <a:r>
-              <a:rPr lang="en-US" altLang="zh-CN" dirty="0" err="1" smtClean="0"/>
-              <a:t>const</a:t>
-            </a:r>
-            <a:endParaRPr lang="en-US" altLang="zh-CN" dirty="0" smtClean="0"/>
-          </a:p>
-          <a:p>
-            <a:r>
-              <a:rPr lang="zh-CN" altLang="en-US" dirty="0"/>
-              <a:t>箭头</a:t>
-            </a:r>
-            <a:r>
-              <a:rPr lang="zh-CN" altLang="en-US" dirty="0" smtClean="0"/>
-              <a:t>函数</a:t>
-            </a:r>
-            <a:endParaRPr lang="en-US" altLang="zh-CN" dirty="0" smtClean="0"/>
-          </a:p>
-          <a:p>
-            <a:r>
-              <a:rPr lang="zh-CN" altLang="en-US" dirty="0"/>
-              <a:t>模板</a:t>
-            </a:r>
-            <a:r>
-              <a:rPr lang="zh-CN" altLang="en-US" dirty="0" smtClean="0"/>
-              <a:t>字符串</a:t>
-            </a:r>
-            <a:endParaRPr lang="en-US" altLang="zh-CN" dirty="0" smtClean="0"/>
-          </a:p>
-          <a:p>
-            <a:r>
-              <a:rPr lang="zh-CN" altLang="en-US" dirty="0"/>
-              <a:t>解</a:t>
-            </a:r>
-            <a:r>
-              <a:rPr lang="zh-CN" altLang="en-US" dirty="0" smtClean="0"/>
-              <a:t>构赋值</a:t>
-            </a:r>
-            <a:endParaRPr lang="en-US" altLang="zh-CN" dirty="0" smtClean="0"/>
-          </a:p>
-          <a:p>
-            <a:r>
-              <a:rPr lang="zh-CN" altLang="en-US" dirty="0"/>
-              <a:t>展开运算符</a:t>
-            </a:r>
-            <a:r>
-              <a:rPr lang="en-US" altLang="zh-CN" dirty="0" smtClean="0"/>
-              <a:t>...</a:t>
-            </a:r>
-          </a:p>
-          <a:p>
-            <a:r>
-              <a:rPr lang="en-US" altLang="zh-CN" dirty="0" smtClean="0"/>
-              <a:t>Promise</a:t>
-            </a:r>
-          </a:p>
-          <a:p>
-            <a:r>
-              <a:rPr lang="zh-CN" altLang="en-US" dirty="0" smtClean="0"/>
-              <a:t>模块化</a:t>
-            </a:r>
-            <a:endParaRPr lang="en-US" altLang="zh-CN" dirty="0" smtClean="0"/>
-          </a:p>
-          <a:p>
-            <a:r>
-              <a:rPr lang="zh-CN" altLang="en-US" dirty="0"/>
-              <a:t>对象与</a:t>
-            </a:r>
-            <a:r>
-              <a:rPr lang="en-US" altLang="zh-CN" dirty="0" smtClean="0"/>
-              <a:t>Class</a:t>
-            </a:r>
-          </a:p>
-          <a:p>
-            <a:r>
-              <a:rPr lang="en-US" altLang="zh-CN" dirty="0" smtClean="0"/>
-              <a:t>Symbol</a:t>
-            </a:r>
-          </a:p>
-          <a:p>
-            <a:r>
-              <a:rPr lang="en-US" altLang="zh-CN" dirty="0"/>
-              <a:t>Set</a:t>
-            </a:r>
-            <a:r>
-              <a:rPr lang="zh-CN" altLang="en-US" dirty="0"/>
-              <a:t>和</a:t>
-            </a:r>
-            <a:r>
-              <a:rPr lang="en-US" altLang="zh-CN" dirty="0"/>
-              <a:t>Map</a:t>
-            </a:r>
-            <a:endParaRPr lang="zh-CN" altLang="en-US" dirty="0"/>
-          </a:p>
-        </p:txBody>
-      </p:sp>
-    </p:spTree>
-    <p:extLst>
-      <p:ext uri="{BB962C8B-B14F-4D97-AF65-F5344CB8AC3E}">
-        <p14:creationId xmlns:p14="http://schemas.microsoft.com/office/powerpoint/2010/main" val="1340019500"/>
-      </p:ext>
-    </p:extLst>
-  </p:cSld>
-  <p:clrMapOvr>
-    <a:masterClrMapping/>
-  </p:clrMapOvr>
-  <p:timing>
-    <p:tnLst>
-      <p:par>
-        <p:cTn id="1" dur="indefinite" restart="never" nodeType="tmRoot"/>
-      </p:par>
-    </p:tnLst>
-  </p:timing>
-</p:sld>
-</file>
-
-<file path=ppt/slides/slide20.xml><?xml version="1.0" encoding="utf-8"?>
+<file path=ppt/slides/slide23.xml><?xml version="1.0" encoding="utf-8"?>
 <p:sld xmlns:a="http://schemas.openxmlformats.org/drawingml/2006/main" xmlns:r="http://schemas.openxmlformats.org/officeDocument/2006/relationships" xmlns:p="http://schemas.openxmlformats.org/presentationml/2006/main">
   <p:cSld>
     <p:spTree>
@@ -7336,15 +8195,7 @@
           <a:p>
             <a:r>
               <a:rPr lang="en-US" altLang="zh-CN" dirty="0" smtClean="0"/>
-              <a:t>let/</a:t>
-            </a:r>
-            <a:r>
-              <a:rPr lang="en-US" altLang="zh-CN" dirty="0" err="1" smtClean="0"/>
-              <a:t>const</a:t>
-            </a:r>
-            <a:r>
-              <a:rPr lang="en-US" altLang="zh-CN" dirty="0" smtClean="0"/>
-              <a:t> </a:t>
+              <a:t>Let &amp; </a:t>
             </a:r>
             <a:r>
               <a:rPr lang="en-US" altLang="zh-CN" dirty="0" err="1" smtClean="0"/>
@@ -7435,12 +8286,8 @@
           <a:p>
             <a:pPr lvl="1"/>
             <a:r>
-              <a:rPr lang="zh-CN" altLang="en-US" dirty="0"/>
-              <a:t>声明</a:t>
-            </a:r>
-            <a:r>
               <a:rPr lang="zh-CN" altLang="en-US" dirty="0" smtClean="0"/>
-              <a:t>提升</a:t>
+              <a:t>声明是否提升</a:t>
             </a:r>
             <a:endParaRPr lang="en-US" altLang="zh-CN" dirty="0" smtClean="0"/>
           </a:p>
@@ -7564,66 +8411,13 @@
             </a:r>
             <a:r>
               <a:rPr lang="zh-CN" altLang="en-US" sz="1400" dirty="0"/>
-              <a:t>重复定义的话会报错</a:t>
+              <a:t>重复定义的话会报</a:t>
+            </a:r>
+            <a:r>
+              <a:rPr lang="zh-CN" altLang="en-US" sz="1400" dirty="0" smtClean="0"/>
+              <a:t>错</a:t>
             </a:r>
             <a:endParaRPr lang="en-US" altLang="zh-CN" sz="1400" dirty="0"/>
-          </a:p>
-          <a:p>
-            <a:pPr marL="530352" lvl="1" indent="0">
-              <a:buNone/>
-            </a:pPr>
-            <a:r>
-              <a:rPr lang="en-US" altLang="zh-CN" dirty="0" err="1" smtClean="0"/>
-              <a:t>const</a:t>
-            </a:r>
-            <a:r>
-              <a:rPr lang="zh-CN" altLang="en-US" dirty="0" smtClean="0"/>
-              <a:t>和</a:t>
-            </a:r>
-            <a:r>
-              <a:rPr lang="en-US" altLang="zh-CN" dirty="0"/>
-              <a:t>let</a:t>
-            </a:r>
-            <a:r>
-              <a:rPr lang="zh-CN" altLang="en-US" dirty="0"/>
-              <a:t>差不多，不允许重复赋值</a:t>
-            </a:r>
-            <a:r>
-              <a:rPr lang="zh-CN" altLang="en-US" dirty="0" smtClean="0"/>
-              <a:t>。给</a:t>
-            </a:r>
-            <a:r>
-              <a:rPr lang="en-US" altLang="zh-CN" dirty="0" err="1"/>
-              <a:t>const</a:t>
-            </a:r>
-            <a:r>
-              <a:rPr lang="zh-CN" altLang="en-US" dirty="0"/>
-              <a:t>声明的变量重新赋值的时候会报错</a:t>
-            </a:r>
-            <a:r>
-              <a:rPr lang="zh-CN" altLang="en-US" dirty="0" smtClean="0"/>
-              <a:t>。</a:t>
-            </a:r>
-            <a:r>
-              <a:rPr lang="en-US" altLang="zh-CN" dirty="0" err="1"/>
-              <a:t>const</a:t>
-            </a:r>
-            <a:r>
-              <a:rPr lang="zh-CN" altLang="en-US" dirty="0"/>
-              <a:t>声明的引用型变量，可以改变</a:t>
-            </a:r>
-            <a:r>
-              <a:rPr lang="zh-CN" altLang="en-US" dirty="0" smtClean="0"/>
-              <a:t>其属性值，不能更改</a:t>
-            </a:r>
-            <a:r>
-              <a:rPr lang="zh-CN" altLang="en-US" dirty="0"/>
-              <a:t>该变量在内存中的地址。</a:t>
-            </a:r>
-            <a:endParaRPr lang="en-US" altLang="zh-CN" dirty="0"/>
-          </a:p>
-          <a:p>
-            <a:endParaRPr lang="en-US" altLang="zh-CN" dirty="0" smtClean="0"/>
           </a:p>
         </p:txBody>
       </p:sp>
@@ -7730,214 +8524,340 @@
         </p:nvSpPr>
         <p:spPr>
           <a:xfrm>
-            <a:off x="1371600" y="1375954"/>
-            <a:ext cx="9601200" cy="4491446"/>
+            <a:off x="1371600" y="1375953"/>
+            <a:ext cx="9601200" cy="5482047"/>
           </a:xfrm>
         </p:spPr>
         <p:txBody>
           <a:bodyPr>
-            <a:normAutofit fontScale="92500" lnSpcReduction="10000"/>
+            <a:normAutofit/>
           </a:bodyPr>
           <a:lstStyle/>
           <a:p>
             <a:r>
+              <a:rPr lang="en-US" altLang="zh-CN" dirty="0" err="1" smtClean="0"/>
+              <a:t>const</a:t>
+            </a:r>
+            <a:endParaRPr lang="en-US" altLang="zh-CN" dirty="0" smtClean="0"/>
+          </a:p>
+          <a:p>
+            <a:pPr marL="530352" lvl="1" indent="0">
+              <a:buNone/>
+            </a:pPr>
+            <a:r>
+              <a:rPr lang="en-US" altLang="zh-CN" dirty="0" err="1" smtClean="0"/>
+              <a:t>const</a:t>
+            </a:r>
+            <a:r>
               <a:rPr lang="zh-CN" altLang="en-US" dirty="0" smtClean="0"/>
-              <a:t>解构赋值</a:t>
+              <a:t>和</a:t>
+            </a:r>
+            <a:r>
+              <a:rPr lang="en-US" altLang="zh-CN" dirty="0"/>
+              <a:t>let</a:t>
+            </a:r>
+            <a:r>
+              <a:rPr lang="zh-CN" altLang="en-US" dirty="0" smtClean="0"/>
+              <a:t>差不多。</a:t>
             </a:r>
             <a:endParaRPr lang="en-US" altLang="zh-CN" dirty="0" smtClean="0"/>
           </a:p>
           <a:p>
-            <a:pPr lvl="1"/>
+            <a:pPr marL="530352" lvl="1" indent="0">
+              <a:buNone/>
+            </a:pPr>
+            <a:r>
+              <a:rPr lang="en-US" altLang="zh-CN" dirty="0" err="1" smtClean="0"/>
+              <a:t>const</a:t>
+            </a:r>
             <a:r>
               <a:rPr lang="zh-CN" altLang="en-US" dirty="0"/>
-              <a:t>数组的解构是按顺序</a:t>
-            </a:r>
+              <a:t>声明的引用型变量，可以改变</a:t>
+            </a:r>
+            <a:r>
+              <a:rPr lang="zh-CN" altLang="en-US" dirty="0" smtClean="0"/>
+              <a:t>其属性值，不能更改</a:t>
+            </a:r>
+            <a:r>
+              <a:rPr lang="zh-CN" altLang="en-US" dirty="0"/>
+              <a:t>该变量在内存中的地址。</a:t>
+            </a:r>
+            <a:endParaRPr lang="en-US" altLang="zh-CN" dirty="0"/>
           </a:p>
           <a:p>
             <a:pPr marL="1444752" lvl="3" indent="0">
+              <a:lnSpc>
+                <a:spcPct val="104000"/>
+              </a:lnSpc>
+              <a:buNone/>
+            </a:pPr>
+            <a:r>
+              <a:rPr lang="en-US" altLang="zh-CN" sz="1600" dirty="0" err="1"/>
+              <a:t>Object.deepFreeze</a:t>
+            </a:r>
+            <a:r>
+              <a:rPr lang="en-US" altLang="zh-CN" sz="1600" dirty="0"/>
+              <a:t> = function(</a:t>
+            </a:r>
+            <a:r>
+              <a:rPr lang="en-US" altLang="zh-CN" sz="1600" dirty="0" err="1"/>
+              <a:t>obj</a:t>
+            </a:r>
+            <a:r>
+              <a:rPr lang="en-US" altLang="zh-CN" sz="1600" dirty="0"/>
+              <a:t>) {</a:t>
+            </a:r>
+          </a:p>
+          <a:p>
+            <a:pPr marL="1901952" lvl="4" indent="0">
+              <a:lnSpc>
+                <a:spcPct val="104000"/>
+              </a:lnSpc>
+              <a:buNone/>
+            </a:pPr>
+            <a:r>
+              <a:rPr lang="en-US" altLang="zh-CN" sz="1400" dirty="0"/>
+              <a:t>let </a:t>
+            </a:r>
+            <a:r>
+              <a:rPr lang="en-US" altLang="zh-CN" sz="1400" dirty="0" err="1"/>
+              <a:t>propNames</a:t>
+            </a:r>
+            <a:r>
+              <a:rPr lang="en-US" altLang="zh-CN" sz="1400" dirty="0"/>
+              <a:t> = </a:t>
+            </a:r>
+            <a:r>
+              <a:rPr lang="en-US" altLang="zh-CN" sz="1400" dirty="0" err="1"/>
+              <a:t>Object.getOwnPropertyNames</a:t>
+            </a:r>
+            <a:r>
+              <a:rPr lang="en-US" altLang="zh-CN" sz="1400" dirty="0"/>
+              <a:t>(</a:t>
+            </a:r>
+            <a:r>
+              <a:rPr lang="en-US" altLang="zh-CN" sz="1400" dirty="0" err="1"/>
+              <a:t>obj</a:t>
+            </a:r>
+            <a:r>
+              <a:rPr lang="en-US" altLang="zh-CN" sz="1400" dirty="0"/>
+              <a:t>);</a:t>
+            </a:r>
+          </a:p>
+          <a:p>
+            <a:pPr marL="1901952" lvl="4" indent="0">
+              <a:lnSpc>
+                <a:spcPct val="104000"/>
+              </a:lnSpc>
+              <a:buNone/>
+            </a:pPr>
+            <a:r>
+              <a:rPr lang="en-US" altLang="zh-CN" sz="1400" dirty="0" err="1"/>
+              <a:t>propNames.forEach</a:t>
+            </a:r>
+            <a:r>
+              <a:rPr lang="en-US" altLang="zh-CN" sz="1400" dirty="0"/>
+              <a:t>(name =&gt; {</a:t>
+            </a:r>
+          </a:p>
+          <a:p>
+            <a:pPr marL="2359152" lvl="5" indent="0">
+              <a:lnSpc>
+                <a:spcPct val="104000"/>
+              </a:lnSpc>
+              <a:buNone/>
+            </a:pPr>
+            <a:r>
+              <a:rPr lang="en-US" altLang="zh-CN" sz="1400" dirty="0"/>
+              <a:t>if (</a:t>
+            </a:r>
+            <a:r>
+              <a:rPr lang="en-US" altLang="zh-CN" sz="1400" dirty="0" err="1"/>
+              <a:t>typeof</a:t>
+            </a:r>
+            <a:r>
+              <a:rPr lang="en-US" altLang="zh-CN" sz="1400" dirty="0"/>
+              <a:t> </a:t>
+            </a:r>
+            <a:r>
+              <a:rPr lang="en-US" altLang="zh-CN" sz="1400" dirty="0" err="1"/>
+              <a:t>obj</a:t>
+            </a:r>
+            <a:r>
+              <a:rPr lang="en-US" altLang="zh-CN" sz="1400" dirty="0"/>
+              <a:t>[name] == 'object' &amp;&amp; </a:t>
+            </a:r>
+            <a:r>
+              <a:rPr lang="en-US" altLang="zh-CN" sz="1400" dirty="0" err="1"/>
+              <a:t>obj</a:t>
+            </a:r>
+            <a:r>
+              <a:rPr lang="en-US" altLang="zh-CN" sz="1400" dirty="0"/>
+              <a:t>[name] !== null) {</a:t>
+            </a:r>
+          </a:p>
+          <a:p>
+            <a:pPr marL="2359152" lvl="5" indent="0">
+              <a:lnSpc>
+                <a:spcPct val="104000"/>
+              </a:lnSpc>
               <a:buNone/>
             </a:pPr>
             <a:r>
               <a:rPr lang="en-US" altLang="zh-CN" sz="1400" dirty="0" smtClean="0"/>
-              <a:t>let </a:t>
+              <a:t>	</a:t>
+            </a:r>
+            <a:r>
+              <a:rPr lang="en-US" altLang="zh-CN" sz="1400" dirty="0" err="1" smtClean="0"/>
+              <a:t>Object.deepFreeze</a:t>
+            </a:r>
+            <a:r>
+              <a:rPr lang="en-US" altLang="zh-CN" sz="1400" dirty="0" smtClean="0"/>
+              <a:t>(</a:t>
+            </a:r>
+            <a:r>
+              <a:rPr lang="en-US" altLang="zh-CN" sz="1400" dirty="0" err="1" smtClean="0"/>
+              <a:t>obj</a:t>
+            </a:r>
+            <a:r>
+              <a:rPr lang="en-US" altLang="zh-CN" sz="1400" dirty="0" smtClean="0"/>
+              <a:t>[name</a:t>
             </a:r>
             <a:r>
               <a:rPr lang="en-US" altLang="zh-CN" sz="1400" dirty="0"/>
-              <a:t>[a, b, ] = [1, 2, 3];   // a = 1, b = 2</a:t>
-            </a:r>
-          </a:p>
-          <a:p>
-            <a:pPr lvl="1"/>
-            <a:r>
-              <a:rPr lang="zh-CN" altLang="en-US" dirty="0"/>
-              <a:t>对象的解构是变量名要和属性名</a:t>
-            </a:r>
-            <a:r>
-              <a:rPr lang="zh-CN" altLang="en-US" dirty="0" smtClean="0"/>
-              <a:t>一致</a:t>
-            </a:r>
-            <a:endParaRPr lang="en-US" altLang="zh-CN" dirty="0" smtClean="0"/>
+              <a:t>]);</a:t>
+            </a:r>
+          </a:p>
+          <a:p>
+            <a:pPr marL="2359152" lvl="5" indent="0">
+              <a:lnSpc>
+                <a:spcPct val="104000"/>
+              </a:lnSpc>
+              <a:buNone/>
+            </a:pPr>
+            <a:r>
+              <a:rPr lang="en-US" altLang="zh-CN" sz="1400" dirty="0"/>
+              <a:t>}</a:t>
+            </a:r>
+          </a:p>
+          <a:p>
+            <a:pPr marL="1901952" lvl="4" indent="0">
+              <a:lnSpc>
+                <a:spcPct val="104000"/>
+              </a:lnSpc>
+              <a:buNone/>
+            </a:pPr>
+            <a:r>
+              <a:rPr lang="en-US" altLang="zh-CN" sz="1400" dirty="0"/>
+              <a:t>})</a:t>
+            </a:r>
+          </a:p>
+          <a:p>
+            <a:pPr marL="1901952" lvl="4" indent="0">
+              <a:lnSpc>
+                <a:spcPct val="104000"/>
+              </a:lnSpc>
+              <a:buNone/>
+            </a:pPr>
+            <a:r>
+              <a:rPr lang="en-US" altLang="zh-CN" sz="1400" dirty="0"/>
+              <a:t>return </a:t>
+            </a:r>
+            <a:r>
+              <a:rPr lang="en-US" altLang="zh-CN" sz="1400" dirty="0" err="1"/>
+              <a:t>Object.freeze</a:t>
+            </a:r>
+            <a:r>
+              <a:rPr lang="en-US" altLang="zh-CN" sz="1400" dirty="0"/>
+              <a:t>(</a:t>
+            </a:r>
+            <a:r>
+              <a:rPr lang="en-US" altLang="zh-CN" sz="1400" dirty="0" err="1"/>
+              <a:t>obj</a:t>
+            </a:r>
+            <a:r>
+              <a:rPr lang="en-US" altLang="zh-CN" sz="1400" dirty="0"/>
+              <a:t>);</a:t>
+            </a:r>
           </a:p>
           <a:p>
             <a:pPr marL="1444752" lvl="3" indent="0">
-              <a:buNone/>
-            </a:pPr>
-            <a:r>
-              <a:rPr lang="en-US" altLang="zh-CN" sz="1400" dirty="0" smtClean="0"/>
-              <a:t>let </a:t>
-            </a:r>
+              <a:lnSpc>
+                <a:spcPct val="104000"/>
+              </a:lnSpc>
+              <a:buNone/>
+            </a:pPr>
+            <a:r>
+              <a:rPr lang="en-US" altLang="zh-CN" sz="1600" dirty="0"/>
+              <a:t>}</a:t>
+            </a:r>
+          </a:p>
+          <a:p>
+            <a:pPr marL="1444752" lvl="3" indent="0">
+              <a:lnSpc>
+                <a:spcPct val="104000"/>
+              </a:lnSpc>
+              <a:buNone/>
+            </a:pPr>
+            <a:r>
+              <a:rPr lang="en-US" altLang="zh-CN" sz="1600" dirty="0" err="1"/>
+              <a:t>const</a:t>
+            </a:r>
+            <a:r>
+              <a:rPr lang="en-US" altLang="zh-CN" sz="1600" dirty="0"/>
+              <a:t> obj1 = </a:t>
+            </a:r>
+            <a:r>
+              <a:rPr lang="en-US" altLang="zh-CN" sz="1600" dirty="0" err="1"/>
+              <a:t>Object.deepFreeze</a:t>
+            </a:r>
+            <a:r>
+              <a:rPr lang="en-US" altLang="zh-CN" sz="1600" dirty="0"/>
+              <a:t>({</a:t>
+            </a:r>
+          </a:p>
+          <a:p>
+            <a:pPr marL="1901952" lvl="4" indent="0">
+              <a:lnSpc>
+                <a:spcPct val="104000"/>
+              </a:lnSpc>
+              <a:buNone/>
+            </a:pPr>
             <a:r>
               <a:rPr lang="en-US" altLang="zh-CN" sz="1400" dirty="0"/>
-              <a:t>{name, job, country} = {name: 'tony', job: '</a:t>
-            </a:r>
-            <a:r>
-              <a:rPr lang="en-US" altLang="zh-CN" sz="1400" dirty="0" err="1"/>
-              <a:t>fe</a:t>
-            </a:r>
+              <a:t>a: {},</a:t>
+            </a:r>
+          </a:p>
+          <a:p>
+            <a:pPr marL="1901952" lvl="4" indent="0">
+              <a:lnSpc>
+                <a:spcPct val="104000"/>
+              </a:lnSpc>
+              <a:buNone/>
+            </a:pPr>
             <a:r>
               <a:rPr lang="en-US" altLang="zh-CN" sz="1400" dirty="0"/>
-              <a:t>', city: '</a:t>
-            </a:r>
-            <a:r>
-              <a:rPr lang="zh-CN" altLang="en-US" sz="1400" dirty="0"/>
-              <a:t>上海</a:t>
-            </a:r>
-            <a:r>
-              <a:rPr lang="en-US" altLang="zh-CN" sz="1400" dirty="0"/>
-              <a:t>'};</a:t>
+              <a:t>b: 123</a:t>
             </a:r>
           </a:p>
           <a:p>
             <a:pPr marL="1444752" lvl="3" indent="0">
-              <a:buNone/>
-            </a:pPr>
-            <a:r>
-              <a:rPr lang="en-US" altLang="zh-CN" sz="1400" dirty="0" smtClean="0"/>
-              <a:t> </a:t>
-            </a:r>
-            <a:r>
-              <a:rPr lang="en-US" altLang="zh-CN" sz="1400" dirty="0"/>
-              <a:t>// name = 'tony', job = '</a:t>
-            </a:r>
-            <a:r>
-              <a:rPr lang="en-US" altLang="zh-CN" sz="1400" dirty="0" err="1"/>
-              <a:t>fe</a:t>
-            </a:r>
-            <a:r>
-              <a:rPr lang="en-US" altLang="zh-CN" sz="1400" dirty="0"/>
-              <a:t>', country = undefined</a:t>
-            </a:r>
-          </a:p>
-          <a:p>
-            <a:pPr lvl="1"/>
-            <a:r>
-              <a:rPr lang="zh-CN" altLang="en-US" dirty="0"/>
-              <a:t>解构可以给默认值，只有被赋的值</a:t>
-            </a:r>
-            <a:r>
-              <a:rPr lang="en-US" altLang="zh-CN" dirty="0"/>
-              <a:t>===undefined</a:t>
-            </a:r>
-            <a:r>
-              <a:rPr lang="zh-CN" altLang="en-US" dirty="0"/>
-              <a:t>时，才取默认</a:t>
-            </a:r>
-            <a:r>
-              <a:rPr lang="zh-CN" altLang="en-US" dirty="0" smtClean="0"/>
-              <a:t>值</a:t>
-            </a:r>
-            <a:endParaRPr lang="en-US" altLang="zh-CN" dirty="0" smtClean="0"/>
-          </a:p>
-          <a:p>
-            <a:pPr marL="1444752" lvl="3" indent="0">
-              <a:buNone/>
-            </a:pPr>
-            <a:r>
-              <a:rPr lang="en-US" altLang="zh-CN" sz="1400" dirty="0" smtClean="0"/>
-              <a:t>let [c = true] = [];    // c = true;</a:t>
-            </a:r>
-          </a:p>
-          <a:p>
-            <a:pPr marL="1444752" lvl="3" indent="0">
-              <a:buNone/>
-            </a:pPr>
-            <a:r>
-              <a:rPr lang="en-US" altLang="zh-CN" sz="1400" dirty="0" smtClean="0"/>
-              <a:t>let </a:t>
-            </a:r>
-            <a:r>
-              <a:rPr lang="en-US" altLang="zh-CN" sz="1400" dirty="0"/>
-              <a:t>[d = true] = [0];   // d = 0;</a:t>
-            </a:r>
-            <a:endParaRPr lang="zh-CN" altLang="en-US" sz="1400" dirty="0"/>
-          </a:p>
-          <a:p>
-            <a:pPr lvl="1"/>
-            <a:r>
-              <a:rPr lang="zh-CN" altLang="en-US" dirty="0"/>
-              <a:t>字符串也可以解构赋值。此时，字符串被转换成了一个类似数组的对象。</a:t>
-            </a:r>
-            <a:endParaRPr lang="en-US" altLang="zh-CN" dirty="0"/>
-          </a:p>
-          <a:p>
-            <a:pPr marL="1444752" lvl="3" indent="0">
-              <a:buNone/>
-            </a:pPr>
-            <a:r>
-              <a:rPr lang="en-US" altLang="zh-CN" sz="1400" dirty="0"/>
-              <a:t>let [a, b] = 'hello';   // a = 'h', b = 'e'</a:t>
-            </a:r>
-          </a:p>
-          <a:p>
-            <a:pPr marL="1444752" lvl="3" indent="0">
-              <a:buNone/>
-            </a:pPr>
-            <a:r>
-              <a:rPr lang="en-US" altLang="zh-CN" sz="1400" dirty="0"/>
-              <a:t>let {length} = 'hello'; // length = 5;</a:t>
-            </a:r>
-          </a:p>
-          <a:p>
-            <a:pPr lvl="1"/>
-            <a:r>
-              <a:rPr lang="zh-CN" altLang="en-US" dirty="0"/>
-              <a:t>数值和布尔值，解构赋值时，则会先转为对象。</a:t>
-            </a:r>
-          </a:p>
-          <a:p>
-            <a:pPr lvl="1"/>
-            <a:r>
-              <a:rPr lang="zh-CN" altLang="en-US" dirty="0"/>
-              <a:t>解构赋值的规则是，只要等号右边的值不是对象或数组，就先将其转为对象。由于</a:t>
-            </a:r>
-            <a:r>
-              <a:rPr lang="en-US" altLang="zh-CN" dirty="0"/>
-              <a:t>undefined</a:t>
-            </a:r>
-            <a:r>
-              <a:rPr lang="zh-CN" altLang="en-US" dirty="0"/>
-              <a:t>和</a:t>
-            </a:r>
-            <a:r>
-              <a:rPr lang="en-US" altLang="zh-CN" dirty="0"/>
-              <a:t>null</a:t>
-            </a:r>
-            <a:r>
-              <a:rPr lang="zh-CN" altLang="en-US" dirty="0"/>
-              <a:t>无法转为对象，所以对它们进行解构赋值，都会报错</a:t>
-            </a:r>
-            <a:r>
-              <a:rPr lang="zh-CN" altLang="en-US" dirty="0" smtClean="0"/>
-              <a:t>。</a:t>
-            </a:r>
-            <a:endParaRPr lang="zh-CN" altLang="en-US" dirty="0"/>
+              <a:lnSpc>
+                <a:spcPct val="104000"/>
+              </a:lnSpc>
+              <a:buNone/>
+            </a:pPr>
+            <a:r>
+              <a:rPr lang="en-US" altLang="zh-CN" sz="1600" dirty="0"/>
+              <a:t>});</a:t>
+            </a:r>
           </a:p>
         </p:txBody>
       </p:sp>
     </p:spTree>
     <p:extLst>
       <p:ext uri="{BB962C8B-B14F-4D97-AF65-F5344CB8AC3E}">
-        <p14:creationId xmlns:p14="http://schemas.microsoft.com/office/powerpoint/2010/main" val="2144485103"/>
+        <p14:creationId xmlns:p14="http://schemas.microsoft.com/office/powerpoint/2010/main" val="2731167661"/>
       </p:ext>
     </p:extLst>
   </p:cSld>
@@ -8014,301 +8934,213 @@
         <p:spPr>
           <a:xfrm>
             <a:off x="1371600" y="1375954"/>
-            <a:ext cx="9601200" cy="5294812"/>
+            <a:ext cx="9601200" cy="4491446"/>
           </a:xfrm>
         </p:spPr>
         <p:txBody>
           <a:bodyPr>
-            <a:normAutofit/>
+            <a:normAutofit fontScale="92500" lnSpcReduction="10000"/>
           </a:bodyPr>
           <a:lstStyle/>
           <a:p>
             <a:r>
               <a:rPr lang="zh-CN" altLang="en-US" dirty="0" smtClean="0"/>
-              <a:t>扩展运算符</a:t>
-            </a:r>
-            <a:r>
-              <a:rPr lang="en-US" altLang="zh-CN" dirty="0" smtClean="0"/>
-              <a:t>...</a:t>
-            </a:r>
+              <a:t>解构赋值</a:t>
+            </a:r>
+            <a:endParaRPr lang="en-US" altLang="zh-CN" dirty="0" smtClean="0"/>
           </a:p>
           <a:p>
             <a:pPr lvl="1"/>
             <a:r>
               <a:rPr lang="zh-CN" altLang="en-US" dirty="0"/>
-              <a:t>后面跟数组，是把数组打散</a:t>
+              <a:t>数组的解构是按顺序</a:t>
+            </a:r>
+          </a:p>
+          <a:p>
+            <a:pPr marL="1444752" lvl="3" indent="0">
+              <a:buNone/>
+            </a:pPr>
+            <a:r>
+              <a:rPr lang="en-US" altLang="zh-CN" sz="1400" dirty="0" smtClean="0"/>
+              <a:t>let </a:t>
+            </a:r>
+            <a:r>
+              <a:rPr lang="en-US" altLang="zh-CN" sz="1400" dirty="0"/>
+              <a:t>[a, b, ] = [1, 2, 3];   // a = 1, b = 2</a:t>
+            </a:r>
+          </a:p>
+          <a:p>
+            <a:pPr lvl="1"/>
+            <a:r>
+              <a:rPr lang="zh-CN" altLang="en-US" dirty="0"/>
+              <a:t>对象的解构是变量名要和属性名</a:t>
+            </a:r>
+            <a:r>
+              <a:rPr lang="zh-CN" altLang="en-US" dirty="0" smtClean="0"/>
+              <a:t>一致</a:t>
+            </a:r>
+            <a:endParaRPr lang="en-US" altLang="zh-CN" dirty="0" smtClean="0"/>
+          </a:p>
+          <a:p>
+            <a:pPr marL="1444752" lvl="3" indent="0">
+              <a:buNone/>
+            </a:pPr>
+            <a:r>
+              <a:rPr lang="en-US" altLang="zh-CN" sz="1400" dirty="0" smtClean="0"/>
+              <a:t>let </a:t>
+            </a:r>
+            <a:r>
+              <a:rPr lang="en-US" altLang="zh-CN" sz="1400" dirty="0"/>
+              <a:t>{name, job, country} = {name: 'tony', job: '</a:t>
+            </a:r>
+            <a:r>
+              <a:rPr lang="en-US" altLang="zh-CN" sz="1400" dirty="0" err="1"/>
+              <a:t>fe</a:t>
+            </a:r>
+            <a:r>
+              <a:rPr lang="en-US" altLang="zh-CN" sz="1400" dirty="0"/>
+              <a:t>', city: '</a:t>
+            </a:r>
+            <a:r>
+              <a:rPr lang="zh-CN" altLang="en-US" sz="1400" dirty="0"/>
+              <a:t>上海</a:t>
+            </a:r>
+            <a:r>
+              <a:rPr lang="en-US" altLang="zh-CN" sz="1400" dirty="0"/>
+              <a:t>'};</a:t>
+            </a:r>
+          </a:p>
+          <a:p>
+            <a:pPr marL="1444752" lvl="3" indent="0">
+              <a:buNone/>
+            </a:pPr>
+            <a:r>
+              <a:rPr lang="en-US" altLang="zh-CN" sz="1400" dirty="0" smtClean="0"/>
+              <a:t> </a:t>
+            </a:r>
+            <a:r>
+              <a:rPr lang="en-US" altLang="zh-CN" sz="1400" dirty="0"/>
+              <a:t>// name = 'tony', job = '</a:t>
+            </a:r>
+            <a:r>
+              <a:rPr lang="en-US" altLang="zh-CN" sz="1400" dirty="0" err="1"/>
+              <a:t>fe</a:t>
+            </a:r>
+            <a:r>
+              <a:rPr lang="en-US" altLang="zh-CN" sz="1400" dirty="0"/>
+              <a:t>', country = undefined</a:t>
+            </a:r>
+          </a:p>
+          <a:p>
+            <a:pPr lvl="1"/>
+            <a:r>
+              <a:rPr lang="zh-CN" altLang="en-US" dirty="0"/>
+              <a:t>解构可以给默认值，只有被赋的值</a:t>
+            </a:r>
+            <a:r>
+              <a:rPr lang="en-US" altLang="zh-CN" dirty="0"/>
+              <a:t>===undefined</a:t>
+            </a:r>
+            <a:r>
+              <a:rPr lang="zh-CN" altLang="en-US" dirty="0"/>
+              <a:t>时，才取默认</a:t>
+            </a:r>
+            <a:r>
+              <a:rPr lang="zh-CN" altLang="en-US" dirty="0" smtClean="0"/>
+              <a:t>值</a:t>
+            </a:r>
+            <a:endParaRPr lang="en-US" altLang="zh-CN" dirty="0" smtClean="0"/>
+          </a:p>
+          <a:p>
+            <a:pPr marL="1444752" lvl="3" indent="0">
+              <a:buNone/>
+            </a:pPr>
+            <a:r>
+              <a:rPr lang="en-US" altLang="zh-CN" sz="1400" dirty="0" smtClean="0"/>
+              <a:t>let [c = true] = [];    // c = true;</a:t>
+            </a:r>
+          </a:p>
+          <a:p>
+            <a:pPr marL="1444752" lvl="3" indent="0">
+              <a:buNone/>
+            </a:pPr>
+            <a:r>
+              <a:rPr lang="en-US" altLang="zh-CN" sz="1400" dirty="0" smtClean="0"/>
+              <a:t>let </a:t>
+            </a:r>
+            <a:r>
+              <a:rPr lang="en-US" altLang="zh-CN" sz="1400" dirty="0"/>
+              <a:t>[d = true] = [0];   // d = 0;</a:t>
+            </a:r>
+            <a:endParaRPr lang="zh-CN" altLang="en-US" sz="1400" dirty="0"/>
+          </a:p>
+          <a:p>
+            <a:pPr lvl="1"/>
+            <a:r>
+              <a:rPr lang="zh-CN" altLang="en-US" dirty="0"/>
+              <a:t>字符串也可以解构赋值。此时，字符串被转换成了一个类似数组的对象。</a:t>
+            </a:r>
+            <a:endParaRPr lang="en-US" altLang="zh-CN" dirty="0"/>
+          </a:p>
+          <a:p>
+            <a:pPr marL="1444752" lvl="3" indent="0">
+              <a:buNone/>
+            </a:pPr>
+            <a:r>
+              <a:rPr lang="en-US" altLang="zh-CN" sz="1400" dirty="0"/>
+              <a:t>let [a, b] = 'hello';   // a = 'h', b = 'e'</a:t>
+            </a:r>
+          </a:p>
+          <a:p>
+            <a:pPr marL="1444752" lvl="3" indent="0">
+              <a:buNone/>
+            </a:pPr>
+            <a:r>
+              <a:rPr lang="en-US" altLang="zh-CN" sz="1400" dirty="0"/>
+              <a:t>let {length} = 'hello'; // length = 5;</a:t>
+            </a:r>
+          </a:p>
+          <a:p>
+            <a:pPr lvl="1"/>
+            <a:r>
+              <a:rPr lang="zh-CN" altLang="en-US" dirty="0"/>
+              <a:t>数值和布尔值，解构赋值时，则会先转为对象。</a:t>
+            </a:r>
+          </a:p>
+          <a:p>
+            <a:pPr lvl="1"/>
+            <a:r>
+              <a:rPr lang="zh-CN" altLang="en-US" dirty="0"/>
+              <a:t>解构赋值的规则是，只要等号右边的值不是对象或数组，就先将其转为对象。由于</a:t>
+            </a:r>
+            <a:r>
+              <a:rPr lang="en-US" altLang="zh-CN" dirty="0"/>
+              <a:t>undefined</a:t>
+            </a:r>
+            <a:r>
+              <a:rPr lang="zh-CN" altLang="en-US" dirty="0"/>
+              <a:t>和</a:t>
+            </a:r>
+            <a:r>
+              <a:rPr lang="en-US" altLang="zh-CN" dirty="0"/>
+              <a:t>null</a:t>
+            </a:r>
+            <a:r>
+              <a:rPr lang="zh-CN" altLang="en-US" dirty="0"/>
+              <a:t>无法转为对象，所以对它们进行解构赋值，都会报错</a:t>
             </a:r>
             <a:r>
               <a:rPr lang="zh-CN" altLang="en-US" dirty="0" smtClean="0"/>
               <a:t>。</a:t>
             </a:r>
-            <a:endParaRPr lang="en-US" altLang="zh-CN" dirty="0" smtClean="0"/>
-          </a:p>
-          <a:p>
-            <a:pPr marL="1444752" lvl="3" indent="0">
-              <a:lnSpc>
-                <a:spcPct val="84000"/>
-              </a:lnSpc>
-              <a:buNone/>
-            </a:pPr>
-            <a:r>
-              <a:rPr lang="da-DK" altLang="zh-CN" sz="1400" dirty="0"/>
-              <a:t>let arr1 = [1, 2, 3];</a:t>
-            </a:r>
-          </a:p>
-          <a:p>
-            <a:pPr marL="1444752" lvl="3" indent="0">
-              <a:lnSpc>
-                <a:spcPct val="84000"/>
-              </a:lnSpc>
-              <a:buNone/>
-            </a:pPr>
-            <a:r>
-              <a:rPr lang="da-DK" altLang="zh-CN" sz="1400" dirty="0"/>
-              <a:t>let arr2 = [...arr1, 4, 5]; // arr2 = [1, 2, 3, 4, 5</a:t>
-            </a:r>
-            <a:r>
-              <a:rPr lang="da-DK" altLang="zh-CN" sz="1400" dirty="0" smtClean="0"/>
-              <a:t>];   []</a:t>
-            </a:r>
-            <a:r>
-              <a:rPr lang="zh-CN" altLang="en-US" sz="1400" dirty="0" smtClean="0"/>
-              <a:t>内取的是数组的值</a:t>
-            </a:r>
-            <a:endParaRPr lang="da-DK" altLang="zh-CN" sz="1400" dirty="0"/>
-          </a:p>
-          <a:p>
-            <a:pPr marL="1444752" lvl="3" indent="0">
-              <a:lnSpc>
-                <a:spcPct val="84000"/>
-              </a:lnSpc>
-              <a:buNone/>
-            </a:pPr>
-            <a:r>
-              <a:rPr lang="da-DK" altLang="zh-CN" sz="1400" dirty="0"/>
-              <a:t>let foo = </a:t>
-            </a:r>
-            <a:r>
-              <a:rPr lang="da-DK" altLang="zh-CN" sz="1400" dirty="0" smtClean="0"/>
-              <a:t>{...arr1 };  </a:t>
-            </a:r>
-            <a:r>
-              <a:rPr lang="da-DK" altLang="zh-CN" sz="1400" dirty="0"/>
-              <a:t>// foo </a:t>
-            </a:r>
-            <a:r>
-              <a:rPr lang="da-DK" altLang="zh-CN" sz="1400" dirty="0" smtClean="0"/>
-              <a:t>= {0: 1, 1: 2, 2: 3};         {}</a:t>
-            </a:r>
-            <a:r>
-              <a:rPr lang="zh-CN" altLang="en-US" sz="1400" dirty="0" smtClean="0"/>
-              <a:t>内取的</a:t>
-            </a:r>
-            <a:r>
-              <a:rPr lang="zh-CN" altLang="en-US" sz="1400" dirty="0"/>
-              <a:t>是数组</a:t>
-            </a:r>
-            <a:r>
-              <a:rPr lang="zh-CN" altLang="en-US" sz="1400" dirty="0" smtClean="0"/>
-              <a:t>的键值对</a:t>
-            </a:r>
-            <a:endParaRPr lang="en-US" altLang="zh-CN" sz="1400" dirty="0"/>
-          </a:p>
-          <a:p>
-            <a:pPr lvl="1"/>
-            <a:r>
-              <a:rPr lang="zh-CN" altLang="en-US" dirty="0"/>
-              <a:t>后面</a:t>
-            </a:r>
-            <a:r>
-              <a:rPr lang="zh-CN" altLang="en-US" dirty="0" smtClean="0"/>
-              <a:t>跟变量</a:t>
-            </a:r>
-            <a:endParaRPr lang="en-US" altLang="zh-CN" dirty="0" smtClean="0"/>
-          </a:p>
-          <a:p>
-            <a:pPr marL="1444752" lvl="3" indent="0">
-              <a:lnSpc>
-                <a:spcPct val="84000"/>
-              </a:lnSpc>
-              <a:buNone/>
-            </a:pPr>
-            <a:r>
-              <a:rPr lang="en-US" altLang="zh-CN" sz="1400" dirty="0"/>
-              <a:t>function fun(a, b, ...c){}</a:t>
-            </a:r>
-          </a:p>
-          <a:p>
-            <a:pPr marL="1444752" lvl="3" indent="0">
-              <a:lnSpc>
-                <a:spcPct val="84000"/>
-              </a:lnSpc>
-              <a:buNone/>
-            </a:pPr>
-            <a:r>
-              <a:rPr lang="en-US" altLang="zh-CN" sz="1400" dirty="0"/>
-              <a:t>fun(1, 2, 3, 4, 5); // c = [3, 4, 5</a:t>
-            </a:r>
-            <a:r>
-              <a:rPr lang="en-US" altLang="zh-CN" sz="1400" dirty="0" smtClean="0"/>
-              <a:t>];</a:t>
-            </a:r>
-          </a:p>
-          <a:p>
-            <a:pPr marL="1444752" lvl="3" indent="0">
-              <a:lnSpc>
-                <a:spcPct val="84000"/>
-              </a:lnSpc>
-              <a:buNone/>
-            </a:pPr>
-            <a:r>
-              <a:rPr lang="en-US" altLang="zh-CN" sz="1400" dirty="0" err="1"/>
-              <a:t>const</a:t>
-            </a:r>
-            <a:r>
-              <a:rPr lang="en-US" altLang="zh-CN" sz="1400" dirty="0"/>
-              <a:t> [first, ...rest] = [1, 2, 3, 4, 5</a:t>
-            </a:r>
-            <a:r>
-              <a:rPr lang="en-US" altLang="zh-CN" sz="1400" dirty="0" smtClean="0"/>
-              <a:t>];    // </a:t>
-            </a:r>
-            <a:r>
-              <a:rPr lang="en-US" altLang="zh-CN" sz="1400" dirty="0"/>
-              <a:t>first </a:t>
-            </a:r>
-            <a:r>
-              <a:rPr lang="en-US" altLang="zh-CN" sz="1400" dirty="0" smtClean="0"/>
-              <a:t>= 1,</a:t>
-            </a:r>
-            <a:r>
-              <a:rPr lang="en-US" altLang="zh-CN" sz="1400" dirty="0"/>
-              <a:t> </a:t>
-            </a:r>
-            <a:r>
-              <a:rPr lang="en-US" altLang="zh-CN" sz="1400" dirty="0" smtClean="0"/>
-              <a:t> rest  </a:t>
-            </a:r>
-            <a:r>
-              <a:rPr lang="en-US" altLang="zh-CN" sz="1400" dirty="0"/>
-              <a:t>=</a:t>
-            </a:r>
-            <a:r>
-              <a:rPr lang="en-US" altLang="zh-CN" sz="1400" dirty="0" smtClean="0"/>
-              <a:t> </a:t>
-            </a:r>
-            <a:r>
-              <a:rPr lang="en-US" altLang="zh-CN" sz="1400" dirty="0"/>
-              <a:t>[2, 3, 4, 5]</a:t>
-            </a:r>
-          </a:p>
-          <a:p>
-            <a:pPr marL="1444752" lvl="3" indent="0">
-              <a:lnSpc>
-                <a:spcPct val="84000"/>
-              </a:lnSpc>
-              <a:buNone/>
-            </a:pPr>
-            <a:endParaRPr lang="en-US" altLang="zh-CN" sz="1400" dirty="0" smtClean="0"/>
-          </a:p>
-          <a:p>
-            <a:pPr marL="1444752" lvl="3" indent="0">
-              <a:lnSpc>
-                <a:spcPct val="84000"/>
-              </a:lnSpc>
-              <a:buNone/>
-            </a:pPr>
-            <a:r>
-              <a:rPr lang="en-US" altLang="zh-CN" sz="1400" dirty="0" smtClean="0"/>
-              <a:t>function </a:t>
-            </a:r>
-            <a:r>
-              <a:rPr lang="en-US" altLang="zh-CN" sz="1400" dirty="0"/>
-              <a:t>push(array, ...items) {</a:t>
-            </a:r>
-          </a:p>
-          <a:p>
-            <a:pPr marL="1444752" lvl="3" indent="0">
-              <a:lnSpc>
-                <a:spcPct val="84000"/>
-              </a:lnSpc>
-              <a:buNone/>
-            </a:pPr>
-            <a:r>
-              <a:rPr lang="en-US" altLang="zh-CN" sz="1400" dirty="0"/>
-              <a:t>  </a:t>
-            </a:r>
-            <a:r>
-              <a:rPr lang="en-US" altLang="zh-CN" sz="1400" dirty="0" err="1"/>
-              <a:t>array.push</a:t>
-            </a:r>
-            <a:r>
-              <a:rPr lang="en-US" altLang="zh-CN" sz="1400" dirty="0"/>
-              <a:t>(...items);</a:t>
-            </a:r>
-          </a:p>
-          <a:p>
-            <a:pPr marL="1444752" lvl="3" indent="0">
-              <a:lnSpc>
-                <a:spcPct val="84000"/>
-              </a:lnSpc>
-              <a:buNone/>
-            </a:pPr>
-            <a:r>
-              <a:rPr lang="en-US" altLang="zh-CN" sz="1400" dirty="0" smtClean="0"/>
-              <a:t>}</a:t>
-            </a:r>
-          </a:p>
-          <a:p>
-            <a:pPr marL="1444752" lvl="3" indent="0">
-              <a:lnSpc>
-                <a:spcPct val="84000"/>
-              </a:lnSpc>
-              <a:buNone/>
-            </a:pPr>
-            <a:endParaRPr lang="en-US" altLang="zh-CN" sz="1400" dirty="0"/>
-          </a:p>
-          <a:p>
-            <a:pPr marL="987552" lvl="2" indent="0">
-              <a:buNone/>
-            </a:pPr>
-            <a:r>
-              <a:rPr lang="en-US" altLang="zh-CN" dirty="0"/>
-              <a:t>// </a:t>
-            </a:r>
-            <a:r>
-              <a:rPr lang="zh-CN" altLang="en-US" dirty="0" smtClean="0"/>
-              <a:t>数组去重</a:t>
-            </a:r>
             <a:endParaRPr lang="zh-CN" altLang="en-US" dirty="0"/>
-          </a:p>
-          <a:p>
-            <a:pPr marL="987552" lvl="2" indent="0">
-              <a:buNone/>
-            </a:pPr>
-            <a:r>
-              <a:rPr lang="en-US" altLang="zh-CN" dirty="0"/>
-              <a:t>[...new Set(array)]</a:t>
-            </a:r>
-          </a:p>
-          <a:p>
-            <a:pPr marL="1444752" lvl="3" indent="0">
-              <a:lnSpc>
-                <a:spcPct val="84000"/>
-              </a:lnSpc>
-              <a:buNone/>
-            </a:pPr>
-            <a:endParaRPr lang="en-US" altLang="zh-CN" sz="1400" dirty="0"/>
-          </a:p>
-          <a:p>
-            <a:endParaRPr lang="en-US" altLang="zh-CN" sz="1800" dirty="0" smtClean="0"/>
           </a:p>
         </p:txBody>
       </p:sp>
     </p:spTree>
     <p:extLst>
       <p:ext uri="{BB962C8B-B14F-4D97-AF65-F5344CB8AC3E}">
-        <p14:creationId xmlns:p14="http://schemas.microsoft.com/office/powerpoint/2010/main" val="2270166195"/>
+        <p14:creationId xmlns:p14="http://schemas.microsoft.com/office/powerpoint/2010/main" val="2144485103"/>
       </p:ext>
     </p:extLst>
   </p:cSld>
@@ -8385,7 +9217,7 @@
         <p:spPr>
           <a:xfrm>
             <a:off x="1371600" y="1375954"/>
-            <a:ext cx="9601200" cy="4491446"/>
+            <a:ext cx="9601200" cy="5294812"/>
           </a:xfrm>
         </p:spPr>
         <p:txBody>
@@ -8395,95 +9227,23 @@
           <a:lstStyle/>
           <a:p>
             <a:r>
+              <a:rPr lang="zh-CN" altLang="en-US" dirty="0" smtClean="0"/>
+              <a:t>扩展运算符</a:t>
+            </a:r>
+            <a:r>
               <a:rPr lang="en-US" altLang="zh-CN" dirty="0" smtClean="0"/>
-              <a:t>Promise</a:t>
+              <a:t>...</a:t>
             </a:r>
           </a:p>
           <a:p>
             <a:pPr lvl="1"/>
             <a:r>
               <a:rPr lang="zh-CN" altLang="en-US" dirty="0"/>
-              <a:t>有三种状态，</a:t>
-            </a:r>
-            <a:r>
-              <a:rPr lang="en-US" altLang="zh-CN" dirty="0"/>
-              <a:t>pending(</a:t>
-            </a:r>
-            <a:r>
-              <a:rPr lang="zh-CN" altLang="en-US" dirty="0"/>
-              <a:t>进行中</a:t>
-            </a:r>
-            <a:r>
-              <a:rPr lang="en-US" altLang="zh-CN" dirty="0"/>
-              <a:t>)</a:t>
-            </a:r>
-            <a:r>
-              <a:rPr lang="zh-CN" altLang="en-US" dirty="0"/>
-              <a:t>、</a:t>
-            </a:r>
-            <a:r>
-              <a:rPr lang="en-US" altLang="zh-CN" dirty="0"/>
-              <a:t>fulfilled(</a:t>
-            </a:r>
-            <a:r>
-              <a:rPr lang="zh-CN" altLang="en-US" dirty="0"/>
-              <a:t>已完成</a:t>
-            </a:r>
-            <a:r>
-              <a:rPr lang="en-US" altLang="zh-CN" dirty="0"/>
-              <a:t>)</a:t>
-            </a:r>
-            <a:r>
-              <a:rPr lang="zh-CN" altLang="en-US" dirty="0"/>
-              <a:t>、 </a:t>
-            </a:r>
-            <a:r>
-              <a:rPr lang="en-US" altLang="zh-CN" dirty="0"/>
-              <a:t>rejected(</a:t>
-            </a:r>
-            <a:r>
-              <a:rPr lang="zh-CN" altLang="en-US" dirty="0"/>
-              <a:t>已失败</a:t>
-            </a:r>
-            <a:r>
-              <a:rPr lang="en-US" altLang="zh-CN" dirty="0"/>
-              <a:t>)</a:t>
+              <a:t>后面跟数组，是把数组打散</a:t>
             </a:r>
             <a:r>
               <a:rPr lang="zh-CN" altLang="en-US" dirty="0" smtClean="0"/>
               <a:t>。</a:t>
-            </a:r>
-            <a:endParaRPr lang="en-US" altLang="zh-CN" dirty="0" smtClean="0"/>
-          </a:p>
-          <a:p>
-            <a:pPr lvl="1"/>
-            <a:r>
-              <a:rPr lang="zh-CN" altLang="en-US" dirty="0"/>
-              <a:t>状态的改变只能是从</a:t>
-            </a:r>
-            <a:r>
-              <a:rPr lang="en-US" altLang="zh-CN" dirty="0"/>
-              <a:t>pending --&gt; fulfilled</a:t>
-            </a:r>
-            <a:r>
-              <a:rPr lang="zh-CN" altLang="en-US" dirty="0"/>
-              <a:t>或者 </a:t>
-            </a:r>
-            <a:r>
-              <a:rPr lang="en-US" altLang="zh-CN" dirty="0"/>
-              <a:t>pending --&gt; rejected</a:t>
-            </a:r>
-            <a:r>
-              <a:rPr lang="zh-CN" altLang="en-US" dirty="0"/>
-              <a:t>。</a:t>
-            </a:r>
-            <a:endParaRPr lang="en-US" altLang="zh-CN" dirty="0"/>
-          </a:p>
-          <a:p>
-            <a:pPr lvl="1"/>
-            <a:r>
-              <a:rPr lang="en-US" altLang="zh-CN" dirty="0" err="1" smtClean="0"/>
-              <a:t>Promise.all</a:t>
             </a:r>
             <a:endParaRPr lang="en-US" altLang="zh-CN" dirty="0" smtClean="0"/>
           </a:p>
@@ -8495,28 +9255,8 @@
               <a:buNone/>
             </a:pPr>
             <a:r>
-              <a:rPr lang="en-US" altLang="zh-CN" sz="1400" dirty="0"/>
-              <a:t>// p1 p2 p3 </a:t>
-            </a:r>
-            <a:r>
-              <a:rPr lang="zh-CN" altLang="en-US" sz="1400" dirty="0"/>
-              <a:t>是</a:t>
-            </a:r>
-            <a:r>
-              <a:rPr lang="en-US" altLang="zh-CN" sz="1400" dirty="0"/>
-              <a:t>3</a:t>
-            </a:r>
-            <a:r>
-              <a:rPr lang="zh-CN" altLang="en-US" sz="1400" dirty="0"/>
-              <a:t>个</a:t>
-            </a:r>
-            <a:r>
-              <a:rPr lang="en-US" altLang="zh-CN" sz="1400" dirty="0"/>
-              <a:t>Promise</a:t>
-            </a:r>
-            <a:r>
-              <a:rPr lang="zh-CN" altLang="en-US" sz="1400" dirty="0"/>
-              <a:t>实例</a:t>
+              <a:rPr lang="da-DK" altLang="zh-CN" sz="1400" dirty="0"/>
+              <a:t>let arr1 = [1, 2, 3];</a:t>
             </a:r>
           </a:p>
           <a:p>
@@ -8527,17 +9267,18 @@
               <a:buNone/>
             </a:pPr>
             <a:r>
-              <a:rPr lang="en-US" altLang="zh-CN" sz="1400" dirty="0"/>
-              <a:t>let p = </a:t>
-            </a:r>
-            <a:r>
-              <a:rPr lang="en-US" altLang="zh-CN" sz="1400" dirty="0" err="1"/>
-              <a:t>Promise.all</a:t>
-            </a:r>
-            <a:r>
-              <a:rPr lang="en-US" altLang="zh-CN" sz="1400" dirty="0"/>
-              <a:t>([p1, p2, p3]).then(results =&gt; {</a:t>
-            </a:r>
+              <a:rPr lang="da-DK" altLang="zh-CN" sz="1400" dirty="0"/>
+              <a:t>let arr2 = [...arr1, 4, 5]; // arr2 = [1, 2, 3, 4, 5</a:t>
+            </a:r>
+            <a:r>
+              <a:rPr lang="da-DK" altLang="zh-CN" sz="1400" dirty="0" smtClean="0"/>
+              <a:t>];   []</a:t>
+            </a:r>
+            <a:r>
+              <a:rPr lang="zh-CN" altLang="en-US" sz="1400" dirty="0" smtClean="0"/>
+              <a:t>内取的是数组的值</a:t>
+            </a:r>
+            <a:endParaRPr lang="da-DK" altLang="zh-CN" sz="1400" dirty="0"/>
           </a:p>
           <a:p>
             <a:pPr marL="1444752" lvl="3" indent="0">
@@ -8547,17 +9288,46 @@
               <a:buNone/>
             </a:pPr>
             <a:r>
-              <a:rPr lang="en-US" altLang="zh-CN" sz="1400" dirty="0"/>
-              <a:t>    // </a:t>
+              <a:rPr lang="da-DK" altLang="zh-CN" sz="1400" dirty="0"/>
+              <a:t>let foo = </a:t>
+            </a:r>
+            <a:r>
+              <a:rPr lang="da-DK" altLang="zh-CN" sz="1400" dirty="0" smtClean="0"/>
+              <a:t>{...arr1 };  </a:t>
+            </a:r>
+            <a:r>
+              <a:rPr lang="da-DK" altLang="zh-CN" sz="1400" dirty="0"/>
+              <a:t>// foo </a:t>
+            </a:r>
+            <a:r>
+              <a:rPr lang="da-DK" altLang="zh-CN" sz="1400" dirty="0" smtClean="0"/>
+              <a:t>= {0: 1, 1: 2, 2: 3};         {}</a:t>
             </a:r>
             <a:r>
               <a:rPr lang="zh-CN" altLang="en-US" sz="1400" dirty="0" smtClean="0"/>
-              <a:t>所有的都</a:t>
+              <a:t>内取的</a:t>
             </a:r>
             <a:r>
               <a:rPr lang="zh-CN" altLang="en-US" sz="1400" dirty="0"/>
-              <a:t>为已完成状态时执行</a:t>
-            </a:r>
+              <a:t>是数组</a:t>
+            </a:r>
+            <a:r>
+              <a:rPr lang="zh-CN" altLang="en-US" sz="1400" dirty="0" smtClean="0"/>
+              <a:t>的键值对</a:t>
+            </a:r>
+            <a:endParaRPr lang="en-US" altLang="zh-CN" sz="1400" dirty="0"/>
+          </a:p>
+          <a:p>
+            <a:pPr lvl="1"/>
+            <a:r>
+              <a:rPr lang="zh-CN" altLang="en-US" dirty="0"/>
+              <a:t>后面</a:t>
+            </a:r>
+            <a:r>
+              <a:rPr lang="zh-CN" altLang="en-US" dirty="0" smtClean="0"/>
+              <a:t>跟变量</a:t>
+            </a:r>
+            <a:endParaRPr lang="en-US" altLang="zh-CN" dirty="0" smtClean="0"/>
           </a:p>
           <a:p>
             <a:pPr marL="1444752" lvl="3" indent="0">
@@ -8568,7 +9338,7 @@
             </a:pPr>
             <a:r>
               <a:rPr lang="en-US" altLang="zh-CN" sz="1400" dirty="0"/>
-              <a:t>}).catch(errors =&gt; {</a:t>
+              <a:t>function fun(a, b, ...c){}</a:t>
             </a:r>
           </a:p>
           <a:p>
@@ -8580,15 +9350,11 @@
             </a:pPr>
             <a:r>
               <a:rPr lang="en-US" altLang="zh-CN" sz="1400" dirty="0"/>
-              <a:t>    // </a:t>
-            </a:r>
-            <a:r>
-              <a:rPr lang="zh-CN" altLang="en-US" sz="1400" dirty="0" smtClean="0"/>
-              <a:t>只要</a:t>
-            </a:r>
-            <a:r>
-              <a:rPr lang="zh-CN" altLang="en-US" sz="1400" dirty="0"/>
-              <a:t>有一个已失败状态时执行</a:t>
+              <a:t>fun(1, 2, 3, 4, 5); // c = [3, 4, 5</a:t>
+            </a:r>
+            <a:r>
+              <a:rPr lang="en-US" altLang="zh-CN" sz="1400" dirty="0" smtClean="0"/>
+              <a:t>];</a:t>
             </a:r>
           </a:p>
           <a:p>
@@ -8599,17 +9365,45 @@
               <a:buNone/>
             </a:pPr>
             <a:r>
+              <a:rPr lang="en-US" altLang="zh-CN" sz="1400" dirty="0" err="1"/>
+              <a:t>const</a:t>
+            </a:r>
+            <a:r>
               <a:rPr lang="en-US" altLang="zh-CN" sz="1400" dirty="0"/>
-              <a:t>});</a:t>
-            </a:r>
-          </a:p>
-          <a:p>
-            <a:pPr lvl="1"/>
-            <a:r>
-              <a:rPr lang="en-US" altLang="zh-CN" dirty="0" err="1" smtClean="0"/>
-              <a:t>Promise.race</a:t>
-            </a:r>
-            <a:endParaRPr lang="en-US" altLang="zh-CN" dirty="0" smtClean="0"/>
+              <a:t> [first, ...rest] = [1, 2, 3, 4, 5</a:t>
+            </a:r>
+            <a:r>
+              <a:rPr lang="en-US" altLang="zh-CN" sz="1400" dirty="0" smtClean="0"/>
+              <a:t>];    // </a:t>
+            </a:r>
+            <a:r>
+              <a:rPr lang="en-US" altLang="zh-CN" sz="1400" dirty="0"/>
+              <a:t>first </a:t>
+            </a:r>
+            <a:r>
+              <a:rPr lang="en-US" altLang="zh-CN" sz="1400" dirty="0" smtClean="0"/>
+              <a:t>= 1,</a:t>
+            </a:r>
+            <a:r>
+              <a:rPr lang="en-US" altLang="zh-CN" sz="1400" dirty="0"/>
+              <a:t> </a:t>
+            </a:r>
+            <a:r>
+              <a:rPr lang="en-US" altLang="zh-CN" sz="1400" dirty="0" smtClean="0"/>
+              <a:t> rest  </a:t>
+            </a:r>
+            <a:r>
+              <a:rPr lang="en-US" altLang="zh-CN" sz="1400" dirty="0"/>
+              <a:t>=</a:t>
+            </a:r>
+            <a:r>
+              <a:rPr lang="en-US" altLang="zh-CN" sz="1400" dirty="0" smtClean="0"/>
+              <a:t> </a:t>
+            </a:r>
+            <a:r>
+              <a:rPr lang="en-US" altLang="zh-CN" sz="1400" dirty="0"/>
+              <a:t>[2, 3, 4, 5]</a:t>
+            </a:r>
           </a:p>
           <a:p>
             <a:pPr marL="1444752" lvl="3" indent="0">
@@ -8618,34 +9412,106 @@
               </a:lnSpc>
               <a:buNone/>
             </a:pPr>
-            <a:r>
-              <a:rPr lang="zh-CN" altLang="en-US" sz="1400" dirty="0"/>
-              <a:t>跟</a:t>
+            <a:endParaRPr lang="en-US" altLang="zh-CN" sz="1400" dirty="0" smtClean="0"/>
+          </a:p>
+          <a:p>
+            <a:pPr marL="1444752" lvl="3" indent="0">
+              <a:lnSpc>
+                <a:spcPct val="84000"/>
+              </a:lnSpc>
+              <a:buNone/>
+            </a:pPr>
+            <a:r>
+              <a:rPr lang="en-US" altLang="zh-CN" sz="1400" dirty="0" smtClean="0"/>
+              <a:t>function </a:t>
+            </a:r>
+            <a:r>
+              <a:rPr lang="en-US" altLang="zh-CN" sz="1400" dirty="0"/>
+              <a:t>push(array, ...items) {</a:t>
+            </a:r>
+          </a:p>
+          <a:p>
+            <a:pPr marL="1444752" lvl="3" indent="0">
+              <a:lnSpc>
+                <a:spcPct val="84000"/>
+              </a:lnSpc>
+              <a:buNone/>
+            </a:pPr>
+            <a:r>
+              <a:rPr lang="en-US" altLang="zh-CN" sz="1400" dirty="0"/>
+              <a:t>  </a:t>
             </a:r>
             <a:r>
               <a:rPr lang="en-US" altLang="zh-CN" sz="1400" dirty="0" err="1"/>
-              <a:t>Promise.all</a:t>
-            </a:r>
-            <a:r>
-              <a:rPr lang="zh-CN" altLang="en-US" sz="1400" dirty="0"/>
-              <a:t>类似，只要有一个为已完成状态，整个都是已完成。</a:t>
-            </a:r>
+              <a:t>array.push</a:t>
+            </a:r>
+            <a:r>
+              <a:rPr lang="en-US" altLang="zh-CN" sz="1400" dirty="0"/>
+              <a:t>(...items);</a:t>
+            </a:r>
+          </a:p>
+          <a:p>
+            <a:pPr marL="1444752" lvl="3" indent="0">
+              <a:lnSpc>
+                <a:spcPct val="84000"/>
+              </a:lnSpc>
+              <a:buNone/>
+            </a:pPr>
+            <a:r>
+              <a:rPr lang="en-US" altLang="zh-CN" sz="1400" dirty="0" smtClean="0"/>
+              <a:t>}</a:t>
+            </a:r>
+          </a:p>
+          <a:p>
+            <a:pPr marL="1444752" lvl="3" indent="0">
+              <a:lnSpc>
+                <a:spcPct val="84000"/>
+              </a:lnSpc>
+              <a:buNone/>
+            </a:pPr>
             <a:endParaRPr lang="en-US" altLang="zh-CN" sz="1400" dirty="0"/>
           </a:p>
           <a:p>
-            <a:pPr lvl="1"/>
-            <a:endParaRPr lang="en-US" altLang="zh-CN" dirty="0"/>
-          </a:p>
-          <a:p>
-            <a:pPr lvl="1"/>
-            <a:endParaRPr lang="en-US" altLang="zh-CN" dirty="0" smtClean="0"/>
+            <a:pPr marL="987552" lvl="2" indent="0">
+              <a:buNone/>
+            </a:pPr>
+            <a:r>
+              <a:rPr lang="en-US" altLang="zh-CN" dirty="0"/>
+              <a:t>// </a:t>
+            </a:r>
+            <a:r>
+              <a:rPr lang="zh-CN" altLang="en-US" dirty="0" smtClean="0"/>
+              <a:t>数组去重</a:t>
+            </a:r>
+            <a:endParaRPr lang="zh-CN" altLang="en-US" dirty="0"/>
+          </a:p>
+          <a:p>
+            <a:pPr marL="987552" lvl="2" indent="0">
+              <a:buNone/>
+            </a:pPr>
+            <a:r>
+              <a:rPr lang="en-US" altLang="zh-CN" dirty="0"/>
+              <a:t>[...new Set(array)]</a:t>
+            </a:r>
+          </a:p>
+          <a:p>
+            <a:pPr marL="1444752" lvl="3" indent="0">
+              <a:lnSpc>
+                <a:spcPct val="84000"/>
+              </a:lnSpc>
+              <a:buNone/>
+            </a:pPr>
+            <a:endParaRPr lang="en-US" altLang="zh-CN" sz="1400" dirty="0"/>
+          </a:p>
+          <a:p>
+            <a:endParaRPr lang="en-US" altLang="zh-CN" sz="1800" dirty="0" smtClean="0"/>
           </a:p>
         </p:txBody>
       </p:sp>
     </p:spTree>
     <p:extLst>
       <p:ext uri="{BB962C8B-B14F-4D97-AF65-F5344CB8AC3E}">
-        <p14:creationId xmlns:p14="http://schemas.microsoft.com/office/powerpoint/2010/main" val="222614232"/>
+        <p14:creationId xmlns:p14="http://schemas.microsoft.com/office/powerpoint/2010/main" val="2270166195"/>
       </p:ext>
     </p:extLst>
   </p:cSld>
@@ -8722,7 +9588,7 @@
         <p:spPr>
           <a:xfrm>
             <a:off x="1371600" y="1375954"/>
-            <a:ext cx="9601200" cy="5050972"/>
+            <a:ext cx="9601200" cy="4491446"/>
           </a:xfrm>
         </p:spPr>
         <p:txBody>
@@ -8733,281 +9599,241 @@
           <a:p>
             <a:r>
               <a:rPr lang="en-US" altLang="zh-CN" dirty="0" smtClean="0"/>
-              <a:t>Class</a:t>
-            </a:r>
-          </a:p>
-          <a:p>
-            <a:pPr marL="987552" lvl="2" indent="0">
-              <a:buNone/>
-            </a:pPr>
-            <a:r>
-              <a:rPr lang="en-US" altLang="zh-CN" sz="1400" i="1" dirty="0"/>
-              <a:t>class </a:t>
-            </a:r>
-            <a:r>
-              <a:rPr lang="en-US" altLang="zh-CN" sz="1400" i="1" dirty="0" smtClean="0"/>
-              <a:t>City </a:t>
-            </a:r>
-            <a:r>
-              <a:rPr lang="en-US" altLang="zh-CN" sz="1400" i="1" dirty="0"/>
-              <a:t>{</a:t>
-            </a:r>
+              <a:t>Promise</a:t>
+            </a:r>
+          </a:p>
+          <a:p>
+            <a:pPr lvl="1"/>
+            <a:r>
+              <a:rPr lang="zh-CN" altLang="en-US" dirty="0"/>
+              <a:t>有三种状态，</a:t>
+            </a:r>
+            <a:r>
+              <a:rPr lang="en-US" altLang="zh-CN" dirty="0"/>
+              <a:t>pending(</a:t>
+            </a:r>
+            <a:r>
+              <a:rPr lang="zh-CN" altLang="en-US" dirty="0"/>
+              <a:t>进行中</a:t>
+            </a:r>
+            <a:r>
+              <a:rPr lang="en-US" altLang="zh-CN" dirty="0"/>
+              <a:t>)</a:t>
+            </a:r>
+            <a:r>
+              <a:rPr lang="zh-CN" altLang="en-US" dirty="0"/>
+              <a:t>、</a:t>
+            </a:r>
+            <a:r>
+              <a:rPr lang="en-US" altLang="zh-CN" dirty="0"/>
+              <a:t>fulfilled(</a:t>
+            </a:r>
+            <a:r>
+              <a:rPr lang="zh-CN" altLang="en-US" dirty="0"/>
+              <a:t>已完成</a:t>
+            </a:r>
+            <a:r>
+              <a:rPr lang="en-US" altLang="zh-CN" dirty="0"/>
+              <a:t>)</a:t>
+            </a:r>
+            <a:r>
+              <a:rPr lang="zh-CN" altLang="en-US" dirty="0"/>
+              <a:t>、 </a:t>
+            </a:r>
+            <a:r>
+              <a:rPr lang="en-US" altLang="zh-CN" dirty="0"/>
+              <a:t>rejected(</a:t>
+            </a:r>
+            <a:r>
+              <a:rPr lang="zh-CN" altLang="en-US" dirty="0"/>
+              <a:t>已失败</a:t>
+            </a:r>
+            <a:r>
+              <a:rPr lang="en-US" altLang="zh-CN" dirty="0"/>
+              <a:t>)</a:t>
+            </a:r>
+            <a:r>
+              <a:rPr lang="zh-CN" altLang="en-US" dirty="0" smtClean="0"/>
+              <a:t>。</a:t>
+            </a:r>
+            <a:endParaRPr lang="en-US" altLang="zh-CN" dirty="0" smtClean="0"/>
+          </a:p>
+          <a:p>
+            <a:pPr lvl="1"/>
+            <a:r>
+              <a:rPr lang="zh-CN" altLang="en-US" dirty="0"/>
+              <a:t>状态的改变只能是从</a:t>
+            </a:r>
+            <a:r>
+              <a:rPr lang="en-US" altLang="zh-CN" dirty="0"/>
+              <a:t>pending --&gt; fulfilled</a:t>
+            </a:r>
+            <a:r>
+              <a:rPr lang="zh-CN" altLang="en-US" dirty="0"/>
+              <a:t>或者 </a:t>
+            </a:r>
+            <a:r>
+              <a:rPr lang="en-US" altLang="zh-CN" dirty="0"/>
+              <a:t>pending --&gt; rejected</a:t>
+            </a:r>
+            <a:r>
+              <a:rPr lang="zh-CN" altLang="en-US" dirty="0"/>
+              <a:t>。</a:t>
+            </a:r>
+            <a:endParaRPr lang="en-US" altLang="zh-CN" dirty="0"/>
+          </a:p>
+          <a:p>
+            <a:pPr lvl="1"/>
+            <a:r>
+              <a:rPr lang="en-US" altLang="zh-CN" dirty="0" err="1" smtClean="0"/>
+              <a:t>Promise.all</a:t>
+            </a:r>
+            <a:endParaRPr lang="en-US" altLang="zh-CN" dirty="0" smtClean="0"/>
           </a:p>
           <a:p>
             <a:pPr marL="1444752" lvl="3" indent="0">
-              <a:buNone/>
-            </a:pPr>
-            <a:r>
-              <a:rPr lang="en-US" altLang="zh-CN" sz="1400" i="1" dirty="0"/>
-              <a:t>  </a:t>
-            </a:r>
-            <a:r>
-              <a:rPr lang="en-US" altLang="zh-CN" sz="1400" i="1" dirty="0" smtClean="0"/>
-              <a:t>constructor(city) {</a:t>
+              <a:lnSpc>
+                <a:spcPct val="84000"/>
+              </a:lnSpc>
+              <a:buNone/>
+            </a:pPr>
+            <a:r>
+              <a:rPr lang="en-US" altLang="zh-CN" sz="1400" dirty="0"/>
+              <a:t>// p1 p2 p3 </a:t>
+            </a:r>
+            <a:r>
+              <a:rPr lang="zh-CN" altLang="en-US" sz="1400" dirty="0"/>
+              <a:t>是</a:t>
+            </a:r>
+            <a:r>
+              <a:rPr lang="en-US" altLang="zh-CN" sz="1400" dirty="0"/>
+              <a:t>3</a:t>
+            </a:r>
+            <a:r>
+              <a:rPr lang="zh-CN" altLang="en-US" sz="1400" dirty="0"/>
+              <a:t>个</a:t>
+            </a:r>
+            <a:r>
+              <a:rPr lang="en-US" altLang="zh-CN" sz="1400" dirty="0"/>
+              <a:t>Promise</a:t>
+            </a:r>
+            <a:r>
+              <a:rPr lang="zh-CN" altLang="en-US" sz="1400" dirty="0"/>
+              <a:t>实例</a:t>
             </a:r>
           </a:p>
           <a:p>
             <a:pPr marL="1444752" lvl="3" indent="0">
-              <a:buNone/>
-            </a:pPr>
-            <a:r>
-              <a:rPr lang="en-US" altLang="zh-CN" sz="1400" i="1" dirty="0" smtClean="0"/>
-              <a:t>     </a:t>
-            </a:r>
-            <a:r>
-              <a:rPr lang="en-US" altLang="zh-CN" sz="1400" i="1" dirty="0" err="1" smtClean="0"/>
-              <a:t>this.</a:t>
-            </a:r>
-            <a:r>
-              <a:rPr lang="en-US" altLang="zh-CN" sz="1400" dirty="0" err="1" smtClean="0"/>
-              <a:t>city</a:t>
-            </a:r>
-            <a:r>
-              <a:rPr lang="en-US" altLang="zh-CN" sz="1400" dirty="0" smtClean="0"/>
-              <a:t> </a:t>
-            </a:r>
-            <a:r>
-              <a:rPr lang="en-US" altLang="zh-CN" sz="1400" i="1" dirty="0" smtClean="0"/>
-              <a:t>= </a:t>
-            </a:r>
+              <a:lnSpc>
+                <a:spcPct val="84000"/>
+              </a:lnSpc>
+              <a:buNone/>
+            </a:pPr>
             <a:r>
               <a:rPr lang="en-US" altLang="zh-CN" sz="1400" dirty="0"/>
-              <a:t>city</a:t>
-            </a:r>
-            <a:r>
-              <a:rPr lang="en-US" altLang="zh-CN" sz="1400" dirty="0" smtClean="0"/>
-              <a:t>;</a:t>
-            </a:r>
-            <a:endParaRPr lang="en-US" altLang="zh-CN" sz="1400" i="1" dirty="0" smtClean="0"/>
+              <a:t>let p = </a:t>
+            </a:r>
+            <a:r>
+              <a:rPr lang="en-US" altLang="zh-CN" sz="1400" dirty="0" err="1"/>
+              <a:t>Promise.all</a:t>
+            </a:r>
+            <a:r>
+              <a:rPr lang="en-US" altLang="zh-CN" sz="1400" dirty="0"/>
+              <a:t>([p1, p2, p3]).then(results =&gt; {</a:t>
+            </a:r>
           </a:p>
           <a:p>
             <a:pPr marL="1444752" lvl="3" indent="0">
-              <a:buNone/>
-            </a:pPr>
-            <a:r>
-              <a:rPr lang="en-US" altLang="zh-CN" sz="1400" i="1" dirty="0" smtClean="0"/>
-              <a:t>  }</a:t>
+              <a:lnSpc>
+                <a:spcPct val="84000"/>
+              </a:lnSpc>
+              <a:buNone/>
+            </a:pPr>
+            <a:r>
+              <a:rPr lang="en-US" altLang="zh-CN" sz="1400" dirty="0"/>
+              <a:t>    // </a:t>
+            </a:r>
+            <a:r>
+              <a:rPr lang="zh-CN" altLang="en-US" sz="1400" dirty="0" smtClean="0"/>
+              <a:t>所有的都</a:t>
+            </a:r>
+            <a:r>
+              <a:rPr lang="zh-CN" altLang="en-US" sz="1400" dirty="0"/>
+              <a:t>为已完成状态时执行</a:t>
             </a:r>
           </a:p>
           <a:p>
             <a:pPr marL="1444752" lvl="3" indent="0">
-              <a:buNone/>
-            </a:pPr>
-            <a:r>
-              <a:rPr lang="en-US" altLang="zh-CN" sz="1400" i="1" dirty="0" smtClean="0"/>
-              <a:t>  </a:t>
-            </a:r>
-            <a:r>
-              <a:rPr lang="en-US" altLang="zh-CN" sz="1400" i="1" dirty="0" err="1" smtClean="0"/>
-              <a:t>sayHello</a:t>
-            </a:r>
-            <a:r>
-              <a:rPr lang="en-US" altLang="zh-CN" sz="1400" i="1" dirty="0" smtClean="0"/>
-              <a:t>() {</a:t>
+              <a:lnSpc>
+                <a:spcPct val="84000"/>
+              </a:lnSpc>
+              <a:buNone/>
+            </a:pPr>
+            <a:r>
+              <a:rPr lang="en-US" altLang="zh-CN" sz="1400" dirty="0"/>
+              <a:t>}).catch(errors =&gt; {</a:t>
             </a:r>
           </a:p>
           <a:p>
             <a:pPr marL="1444752" lvl="3" indent="0">
-              <a:buNone/>
-            </a:pPr>
-            <a:r>
-              <a:rPr lang="en-US" altLang="zh-CN" sz="1400" i="1" dirty="0" smtClean="0"/>
-              <a:t>    return `hello,</a:t>
+              <a:lnSpc>
+                <a:spcPct val="84000"/>
+              </a:lnSpc>
+              <a:buNone/>
+            </a:pPr>
+            <a:r>
+              <a:rPr lang="en-US" altLang="zh-CN" sz="1400" dirty="0"/>
+              <a:t>    // </a:t>
             </a:r>
             <a:r>
               <a:rPr lang="zh-CN" altLang="en-US" sz="1400" dirty="0" smtClean="0"/>
-              <a:t>欢迎来到</a:t>
-            </a:r>
-            <a:r>
-              <a:rPr lang="en-US" altLang="zh-CN" sz="1400" i="1" dirty="0" smtClean="0"/>
-              <a:t>${</a:t>
-            </a:r>
-            <a:r>
-              <a:rPr lang="zh-CN" altLang="en-US" sz="1400" i="1" dirty="0" smtClean="0"/>
-              <a:t> </a:t>
-            </a:r>
-            <a:r>
-              <a:rPr lang="en-US" altLang="zh-CN" sz="1400" i="1" dirty="0" smtClean="0"/>
-              <a:t>this. </a:t>
-            </a:r>
+              <a:t>只要</a:t>
+            </a:r>
+            <a:r>
+              <a:rPr lang="zh-CN" altLang="en-US" sz="1400" dirty="0"/>
+              <a:t>有一个已失败状态时执行</a:t>
+            </a:r>
+          </a:p>
+          <a:p>
+            <a:pPr marL="1444752" lvl="3" indent="0">
+              <a:lnSpc>
+                <a:spcPct val="84000"/>
+              </a:lnSpc>
+              <a:buNone/>
+            </a:pPr>
             <a:r>
               <a:rPr lang="en-US" altLang="zh-CN" sz="1400" dirty="0"/>
-              <a:t>city</a:t>
-            </a:r>
-            <a:r>
-              <a:rPr lang="en-US" altLang="zh-CN" sz="1400" i="1" dirty="0" smtClean="0"/>
-              <a:t>}</a:t>
-            </a:r>
-            <a:r>
-              <a:rPr lang="zh-CN" altLang="en-US" sz="1400" i="1" dirty="0" smtClean="0"/>
-              <a:t>。</a:t>
-            </a:r>
-            <a:r>
-              <a:rPr lang="en-US" altLang="zh-CN" sz="1400" i="1" dirty="0" smtClean="0"/>
-              <a:t> </a:t>
-            </a:r>
-            <a:r>
-              <a:rPr lang="en-US" altLang="zh-CN" sz="1400" dirty="0" smtClean="0"/>
-              <a:t>`</a:t>
-            </a:r>
-            <a:r>
-              <a:rPr lang="en-US" altLang="zh-CN" sz="1400" i="1" dirty="0" smtClean="0"/>
-              <a:t>;</a:t>
-            </a:r>
+              <a:t>});</a:t>
+            </a:r>
+          </a:p>
+          <a:p>
+            <a:pPr lvl="1"/>
+            <a:r>
+              <a:rPr lang="en-US" altLang="zh-CN" dirty="0" err="1" smtClean="0"/>
+              <a:t>Promise.race</a:t>
+            </a:r>
+            <a:endParaRPr lang="en-US" altLang="zh-CN" dirty="0" smtClean="0"/>
           </a:p>
           <a:p>
             <a:pPr marL="1444752" lvl="3" indent="0">
-              <a:buNone/>
-            </a:pPr>
-            <a:r>
-              <a:rPr lang="en-US" altLang="zh-CN" sz="1400" i="1" dirty="0" smtClean="0"/>
-              <a:t>  }</a:t>
-            </a:r>
-          </a:p>
-          <a:p>
-            <a:pPr marL="987552" lvl="2" indent="0">
-              <a:buNone/>
-            </a:pPr>
-            <a:r>
-              <a:rPr lang="en-US" altLang="zh-CN" sz="1400" i="1" dirty="0" smtClean="0"/>
-              <a:t>}</a:t>
-            </a:r>
-          </a:p>
-          <a:p>
-            <a:pPr marL="987552" lvl="2" indent="0">
-              <a:buNone/>
-            </a:pPr>
-            <a:r>
-              <a:rPr lang="en-US" altLang="zh-CN" sz="1400" i="1" dirty="0" smtClean="0"/>
-              <a:t>class </a:t>
-            </a:r>
-            <a:r>
-              <a:rPr lang="en-US" altLang="zh-CN" sz="1400" i="1" dirty="0"/>
-              <a:t>People</a:t>
-            </a:r>
-            <a:r>
-              <a:rPr lang="en-US" altLang="zh-CN" sz="1400" i="1" dirty="0" smtClean="0"/>
-              <a:t> extends </a:t>
-            </a:r>
-            <a:r>
-              <a:rPr lang="en-US" altLang="zh-CN" sz="1400" i="1" dirty="0"/>
-              <a:t>City</a:t>
-            </a:r>
-            <a:r>
-              <a:rPr lang="en-US" altLang="zh-CN" sz="1400" i="1" dirty="0" smtClean="0"/>
-              <a:t> {</a:t>
-            </a:r>
-          </a:p>
-          <a:p>
-            <a:pPr marL="987552" lvl="2" indent="0">
-              <a:buNone/>
-            </a:pPr>
-            <a:r>
-              <a:rPr lang="en-US" altLang="zh-CN" sz="1400" i="1" dirty="0"/>
-              <a:t> </a:t>
-            </a:r>
-            <a:r>
-              <a:rPr lang="en-US" altLang="zh-CN" sz="1400" i="1" dirty="0" smtClean="0"/>
-              <a:t>          constructor(city, name, age) {</a:t>
-            </a:r>
-          </a:p>
-          <a:p>
-            <a:pPr marL="987552" lvl="2" indent="0">
-              <a:buNone/>
-            </a:pPr>
-            <a:r>
-              <a:rPr lang="en-US" altLang="zh-CN" sz="1400" i="1" dirty="0"/>
-              <a:t> </a:t>
-            </a:r>
-            <a:r>
-              <a:rPr lang="en-US" altLang="zh-CN" sz="1400" i="1" dirty="0" smtClean="0"/>
-              <a:t>             super(city);</a:t>
-            </a:r>
-          </a:p>
-          <a:p>
-            <a:pPr marL="987552" lvl="2" indent="0">
-              <a:buNone/>
-            </a:pPr>
-            <a:r>
-              <a:rPr lang="en-US" altLang="zh-CN" sz="1400" i="1" dirty="0"/>
-              <a:t> </a:t>
-            </a:r>
-            <a:r>
-              <a:rPr lang="en-US" altLang="zh-CN" sz="1400" i="1" dirty="0" smtClean="0"/>
-              <a:t>             this.name = name;</a:t>
-            </a:r>
-          </a:p>
-          <a:p>
-            <a:pPr marL="987552" lvl="2" indent="0">
-              <a:buNone/>
-            </a:pPr>
-            <a:r>
-              <a:rPr lang="en-US" altLang="zh-CN" sz="1400" i="1" dirty="0"/>
-              <a:t> </a:t>
-            </a:r>
-            <a:r>
-              <a:rPr lang="en-US" altLang="zh-CN" sz="1400" i="1" dirty="0" smtClean="0"/>
-              <a:t>             </a:t>
-            </a:r>
-            <a:r>
-              <a:rPr lang="en-US" altLang="zh-CN" sz="1400" i="1" dirty="0" err="1" smtClean="0"/>
-              <a:t>this.age</a:t>
-            </a:r>
-            <a:r>
-              <a:rPr lang="en-US" altLang="zh-CN" sz="1400" i="1" dirty="0" smtClean="0"/>
-              <a:t> = age;</a:t>
-            </a:r>
-          </a:p>
-          <a:p>
-            <a:pPr marL="987552" lvl="2" indent="0">
-              <a:buNone/>
-            </a:pPr>
-            <a:r>
-              <a:rPr lang="en-US" altLang="zh-CN" sz="1400" i="1" dirty="0"/>
-              <a:t> </a:t>
-            </a:r>
-            <a:r>
-              <a:rPr lang="en-US" altLang="zh-CN" sz="1400" i="1" dirty="0" smtClean="0"/>
-              <a:t>         }</a:t>
-            </a:r>
-            <a:endParaRPr lang="en-US" altLang="zh-CN" sz="1400" i="1" dirty="0"/>
-          </a:p>
-          <a:p>
-            <a:pPr marL="987552" lvl="2" indent="0">
-              <a:buNone/>
-            </a:pPr>
-            <a:r>
-              <a:rPr lang="en-US" altLang="zh-CN" sz="1400" i="1" dirty="0" smtClean="0"/>
-              <a:t>}</a:t>
-            </a:r>
-            <a:endParaRPr lang="en-US" altLang="zh-CN" sz="1400" i="1" dirty="0"/>
-          </a:p>
-          <a:p>
-            <a:pPr lvl="1"/>
-            <a:endParaRPr lang="en-US" altLang="zh-CN" dirty="0" smtClean="0"/>
-          </a:p>
-          <a:p>
-            <a:endParaRPr lang="en-US" altLang="zh-CN" dirty="0" smtClean="0"/>
+              <a:lnSpc>
+                <a:spcPct val="84000"/>
+              </a:lnSpc>
+              <a:buNone/>
+            </a:pPr>
+            <a:r>
+              <a:rPr lang="zh-CN" altLang="en-US" sz="1400" dirty="0"/>
+              <a:t>跟</a:t>
+            </a:r>
+            <a:r>
+              <a:rPr lang="en-US" altLang="zh-CN" sz="1400" dirty="0" err="1"/>
+              <a:t>Promise.all</a:t>
+            </a:r>
+            <a:r>
+              <a:rPr lang="zh-CN" altLang="en-US" sz="1400" dirty="0"/>
+              <a:t>类似，只要有一个为已完成状态，整个都是已完成。</a:t>
+            </a:r>
+            <a:endParaRPr lang="en-US" altLang="zh-CN" sz="1400" dirty="0"/>
           </a:p>
           <a:p>
             <a:pPr lvl="1"/>
@@ -9022,7 +9848,7 @@
     </p:spTree>
     <p:extLst>
       <p:ext uri="{BB962C8B-B14F-4D97-AF65-F5344CB8AC3E}">
-        <p14:creationId xmlns:p14="http://schemas.microsoft.com/office/powerpoint/2010/main" val="3661321647"/>
+        <p14:creationId xmlns:p14="http://schemas.microsoft.com/office/powerpoint/2010/main" val="222614232"/>
       </p:ext>
     </p:extLst>
   </p:cSld>
@@ -9099,7 +9925,7 @@
         <p:spPr>
           <a:xfrm>
             <a:off x="1371600" y="1375954"/>
-            <a:ext cx="9601200" cy="5355772"/>
+            <a:ext cx="9601200" cy="5050972"/>
           </a:xfrm>
         </p:spPr>
         <p:txBody>
@@ -9109,50 +9935,263 @@
           <a:lstStyle/>
           <a:p>
             <a:r>
-              <a:rPr lang="en-US" altLang="zh-CN" b="1" dirty="0" err="1"/>
-              <a:t>CommonJS</a:t>
-            </a:r>
-            <a:r>
-              <a:rPr lang="zh-CN" altLang="en-US" dirty="0" smtClean="0"/>
-              <a:t>和</a:t>
-            </a:r>
-            <a:r>
               <a:rPr lang="en-US" altLang="zh-CN" dirty="0" smtClean="0"/>
-              <a:t>AMD</a:t>
-            </a:r>
-            <a:r>
-              <a:rPr lang="zh-CN" altLang="en-US" dirty="0" smtClean="0"/>
-              <a:t>、</a:t>
-            </a:r>
-            <a:r>
-              <a:rPr lang="en-US" altLang="zh-CN" smtClean="0"/>
-              <a:t>CMD</a:t>
-            </a:r>
-            <a:endParaRPr lang="en-US" altLang="zh-CN" dirty="0" smtClean="0"/>
-          </a:p>
-          <a:p>
-            <a:pPr lvl="1"/>
-            <a:r>
-              <a:rPr lang="en-US" altLang="zh-CN" b="1" i="0" dirty="0" err="1" smtClean="0"/>
-              <a:t>CommonJS</a:t>
-            </a:r>
-            <a:endParaRPr lang="en-US" altLang="zh-CN" b="1" i="0" dirty="0"/>
+              <a:t>Class</a:t>
+            </a:r>
           </a:p>
           <a:p>
             <a:pPr marL="987552" lvl="2" indent="0">
               <a:buNone/>
             </a:pPr>
             <a:r>
-              <a:rPr lang="zh-CN" altLang="en-US" sz="1400" i="1" dirty="0"/>
-              <a:t>服务器端的</a:t>
-            </a:r>
-            <a:r>
               <a:rPr lang="en-US" altLang="zh-CN" sz="1400" i="1" dirty="0"/>
-              <a:t>node</a:t>
-            </a:r>
-            <a:r>
-              <a:rPr lang="zh-CN" altLang="en-US" sz="1400" i="1" dirty="0"/>
-              <a:t>的模块规范</a:t>
+              <a:t>class </a:t>
+            </a:r>
+            <a:r>
+              <a:rPr lang="en-US" altLang="zh-CN" sz="1400" i="1" dirty="0" smtClean="0"/>
+              <a:t>City </a:t>
+            </a:r>
+            <a:r>
+              <a:rPr lang="en-US" altLang="zh-CN" sz="1400" i="1" dirty="0"/>
+              <a:t>{</a:t>
+            </a:r>
+          </a:p>
+          <a:p>
+            <a:pPr marL="1444752" lvl="3" indent="0">
+              <a:buNone/>
+            </a:pPr>
+            <a:r>
+              <a:rPr lang="en-US" altLang="zh-CN" sz="1400" i="1" dirty="0"/>
+              <a:t>  </a:t>
+            </a:r>
+            <a:r>
+              <a:rPr lang="en-US" altLang="zh-CN" sz="1400" i="1" dirty="0" smtClean="0"/>
+              <a:t>constructor(city) {</a:t>
+            </a:r>
+          </a:p>
+          <a:p>
+            <a:pPr marL="1444752" lvl="3" indent="0">
+              <a:buNone/>
+            </a:pPr>
+            <a:r>
+              <a:rPr lang="en-US" altLang="zh-CN" sz="1400" i="1" dirty="0" smtClean="0"/>
+              <a:t>     </a:t>
+            </a:r>
+            <a:r>
+              <a:rPr lang="en-US" altLang="zh-CN" sz="1400" i="1" dirty="0" err="1" smtClean="0"/>
+              <a:t>this.</a:t>
+            </a:r>
+            <a:r>
+              <a:rPr lang="en-US" altLang="zh-CN" sz="1400" dirty="0" err="1" smtClean="0"/>
+              <a:t>city</a:t>
+            </a:r>
+            <a:r>
+              <a:rPr lang="en-US" altLang="zh-CN" sz="1400" dirty="0" smtClean="0"/>
+              <a:t> </a:t>
+            </a:r>
+            <a:r>
+              <a:rPr lang="en-US" altLang="zh-CN" sz="1400" i="1" dirty="0" smtClean="0"/>
+              <a:t>= </a:t>
+            </a:r>
+            <a:r>
+              <a:rPr lang="en-US" altLang="zh-CN" sz="1400" dirty="0"/>
+              <a:t>city</a:t>
+            </a:r>
+            <a:r>
+              <a:rPr lang="en-US" altLang="zh-CN" sz="1400" dirty="0" smtClean="0"/>
+              <a:t>;</a:t>
+            </a:r>
+            <a:endParaRPr lang="en-US" altLang="zh-CN" sz="1400" i="1" dirty="0" smtClean="0"/>
+          </a:p>
+          <a:p>
+            <a:pPr marL="1444752" lvl="3" indent="0">
+              <a:buNone/>
+            </a:pPr>
+            <a:r>
+              <a:rPr lang="en-US" altLang="zh-CN" sz="1400" i="1" dirty="0" smtClean="0"/>
+              <a:t>  }</a:t>
+            </a:r>
+          </a:p>
+          <a:p>
+            <a:pPr marL="1444752" lvl="3" indent="0">
+              <a:buNone/>
+            </a:pPr>
+            <a:r>
+              <a:rPr lang="en-US" altLang="zh-CN" sz="1400" i="1" dirty="0" smtClean="0"/>
+              <a:t>  </a:t>
+            </a:r>
+            <a:r>
+              <a:rPr lang="en-US" altLang="zh-CN" sz="1400" i="1" dirty="0" err="1" smtClean="0"/>
+              <a:t>sayHello</a:t>
+            </a:r>
+            <a:r>
+              <a:rPr lang="en-US" altLang="zh-CN" sz="1400" i="1" dirty="0" smtClean="0"/>
+              <a:t>() {</a:t>
+            </a:r>
+          </a:p>
+          <a:p>
+            <a:pPr marL="1444752" lvl="3" indent="0">
+              <a:buNone/>
+            </a:pPr>
+            <a:r>
+              <a:rPr lang="en-US" altLang="zh-CN" sz="1400" i="1" dirty="0" smtClean="0"/>
+              <a:t>    return `hello,</a:t>
+            </a:r>
+            <a:r>
+              <a:rPr lang="zh-CN" altLang="en-US" sz="1400" dirty="0" smtClean="0"/>
+              <a:t>欢迎来到</a:t>
+            </a:r>
+            <a:r>
+              <a:rPr lang="en-US" altLang="zh-CN" sz="1400" i="1" dirty="0" smtClean="0"/>
+              <a:t>${</a:t>
+            </a:r>
+            <a:r>
+              <a:rPr lang="zh-CN" altLang="en-US" sz="1400" i="1" dirty="0" smtClean="0"/>
+              <a:t> </a:t>
+            </a:r>
+            <a:r>
+              <a:rPr lang="en-US" altLang="zh-CN" sz="1400" i="1" dirty="0" smtClean="0"/>
+              <a:t>this. </a:t>
+            </a:r>
+            <a:r>
+              <a:rPr lang="en-US" altLang="zh-CN" sz="1400" dirty="0"/>
+              <a:t>city</a:t>
+            </a:r>
+            <a:r>
+              <a:rPr lang="en-US" altLang="zh-CN" sz="1400" i="1" dirty="0" smtClean="0"/>
+              <a:t>}</a:t>
+            </a:r>
+            <a:r>
+              <a:rPr lang="zh-CN" altLang="en-US" sz="1400" i="1" dirty="0" smtClean="0"/>
+              <a:t>。</a:t>
+            </a:r>
+            <a:r>
+              <a:rPr lang="en-US" altLang="zh-CN" sz="1400" i="1" dirty="0" smtClean="0"/>
+              <a:t> </a:t>
+            </a:r>
+            <a:r>
+              <a:rPr lang="en-US" altLang="zh-CN" sz="1400" dirty="0" smtClean="0"/>
+              <a:t>`</a:t>
+            </a:r>
+            <a:r>
+              <a:rPr lang="en-US" altLang="zh-CN" sz="1400" i="1" dirty="0" smtClean="0"/>
+              <a:t>;</a:t>
+            </a:r>
+          </a:p>
+          <a:p>
+            <a:pPr marL="1444752" lvl="3" indent="0">
+              <a:buNone/>
+            </a:pPr>
+            <a:r>
+              <a:rPr lang="en-US" altLang="zh-CN" sz="1400" i="1" dirty="0" smtClean="0"/>
+              <a:t>  }</a:t>
+            </a:r>
+          </a:p>
+          <a:p>
+            <a:pPr marL="987552" lvl="2" indent="0">
+              <a:buNone/>
+            </a:pPr>
+            <a:r>
+              <a:rPr lang="en-US" altLang="zh-CN" sz="1400" i="1" dirty="0" smtClean="0"/>
+              <a:t>}</a:t>
+            </a:r>
+          </a:p>
+          <a:p>
+            <a:pPr marL="987552" lvl="2" indent="0">
+              <a:buNone/>
+            </a:pPr>
+            <a:r>
+              <a:rPr lang="en-US" altLang="zh-CN" sz="1400" i="1" dirty="0" smtClean="0"/>
+              <a:t>class </a:t>
+            </a:r>
+            <a:r>
+              <a:rPr lang="en-US" altLang="zh-CN" sz="1400" i="1" dirty="0"/>
+              <a:t>People</a:t>
+            </a:r>
+            <a:r>
+              <a:rPr lang="en-US" altLang="zh-CN" sz="1400" i="1" dirty="0" smtClean="0"/>
+              <a:t> extends </a:t>
+            </a:r>
+            <a:r>
+              <a:rPr lang="en-US" altLang="zh-CN" sz="1400" i="1" dirty="0"/>
+              <a:t>City</a:t>
+            </a:r>
+            <a:r>
+              <a:rPr lang="en-US" altLang="zh-CN" sz="1400" i="1" dirty="0" smtClean="0"/>
+              <a:t> {</a:t>
+            </a:r>
+          </a:p>
+          <a:p>
+            <a:pPr marL="987552" lvl="2" indent="0">
+              <a:buNone/>
+            </a:pPr>
+            <a:r>
+              <a:rPr lang="en-US" altLang="zh-CN" sz="1400" i="1" dirty="0"/>
+              <a:t> </a:t>
+            </a:r>
+            <a:r>
+              <a:rPr lang="en-US" altLang="zh-CN" sz="1400" i="1" dirty="0" smtClean="0"/>
+              <a:t>          constructor(city, name, age) {</a:t>
+            </a:r>
+          </a:p>
+          <a:p>
+            <a:pPr marL="987552" lvl="2" indent="0">
+              <a:buNone/>
+            </a:pPr>
+            <a:r>
+              <a:rPr lang="en-US" altLang="zh-CN" sz="1400" i="1" dirty="0"/>
+              <a:t> </a:t>
+            </a:r>
+            <a:r>
+              <a:rPr lang="en-US" altLang="zh-CN" sz="1400" i="1" dirty="0" smtClean="0"/>
+              <a:t>             super(city);</a:t>
+            </a:r>
+          </a:p>
+          <a:p>
+            <a:pPr marL="987552" lvl="2" indent="0">
+              <a:buNone/>
+            </a:pPr>
+            <a:r>
+              <a:rPr lang="en-US" altLang="zh-CN" sz="1400" i="1" dirty="0"/>
+              <a:t> </a:t>
+            </a:r>
+            <a:r>
+              <a:rPr lang="en-US" altLang="zh-CN" sz="1400" i="1" dirty="0" smtClean="0"/>
+              <a:t>             this.name = name;</a:t>
+            </a:r>
+          </a:p>
+          <a:p>
+            <a:pPr marL="987552" lvl="2" indent="0">
+              <a:buNone/>
+            </a:pPr>
+            <a:r>
+              <a:rPr lang="en-US" altLang="zh-CN" sz="1400" i="1" dirty="0"/>
+              <a:t> </a:t>
+            </a:r>
+            <a:r>
+              <a:rPr lang="en-US" altLang="zh-CN" sz="1400" i="1" dirty="0" smtClean="0"/>
+              <a:t>             </a:t>
+            </a:r>
+            <a:r>
+              <a:rPr lang="en-US" altLang="zh-CN" sz="1400" i="1" dirty="0" err="1" smtClean="0"/>
+              <a:t>this.age</a:t>
+            </a:r>
+            <a:r>
+              <a:rPr lang="en-US" altLang="zh-CN" sz="1400" i="1" dirty="0" smtClean="0"/>
+              <a:t> = age;</a:t>
+            </a:r>
+          </a:p>
+          <a:p>
+            <a:pPr marL="987552" lvl="2" indent="0">
+              <a:buNone/>
+            </a:pPr>
+            <a:r>
+              <a:rPr lang="en-US" altLang="zh-CN" sz="1400" i="1" dirty="0"/>
+              <a:t> </a:t>
+            </a:r>
+            <a:r>
+              <a:rPr lang="en-US" altLang="zh-CN" sz="1400" i="1" dirty="0" smtClean="0"/>
+              <a:t>         }</a:t>
             </a:r>
             <a:endParaRPr lang="en-US" altLang="zh-CN" sz="1400" i="1" dirty="0"/>
           </a:p>
@@ -9161,150 +10200,32 @@
               <a:buNone/>
             </a:pPr>
             <a:r>
-              <a:rPr lang="en-US" altLang="zh-CN" sz="1400" i="1" dirty="0"/>
-              <a:t>require : </a:t>
-            </a:r>
-            <a:r>
-              <a:rPr lang="zh-CN" altLang="en-US" sz="1400" i="1" dirty="0"/>
-              <a:t>加载所要依赖的其他模块</a:t>
-            </a:r>
-            <a:br>
-              <a:rPr lang="zh-CN" altLang="en-US" sz="1400" i="1" dirty="0"/>
-            </a:br>
-            <a:r>
-              <a:rPr lang="en-US" altLang="zh-CN" sz="1400" i="1" dirty="0" err="1"/>
-              <a:t>module.exports</a:t>
-            </a:r>
-            <a:r>
-              <a:rPr lang="en-US" altLang="zh-CN" sz="1400" i="1" dirty="0"/>
-              <a:t> </a:t>
-            </a:r>
-            <a:r>
-              <a:rPr lang="zh-CN" altLang="en-US" sz="1400" i="1" dirty="0"/>
-              <a:t>或者</a:t>
-            </a:r>
-            <a:r>
-              <a:rPr lang="en-US" altLang="zh-CN" sz="1400" i="1" dirty="0"/>
-              <a:t>exports :</a:t>
-            </a:r>
-            <a:r>
-              <a:rPr lang="zh-CN" altLang="en-US" sz="1400" i="1" dirty="0"/>
-              <a:t>对外暴露的接口</a:t>
+              <a:rPr lang="en-US" altLang="zh-CN" sz="1400" i="1" dirty="0" smtClean="0"/>
+              <a:t>}</a:t>
             </a:r>
             <a:endParaRPr lang="en-US" altLang="zh-CN" sz="1400" i="1" dirty="0"/>
-          </a:p>
-          <a:p>
-            <a:pPr lvl="1"/>
-            <a:r>
-              <a:rPr lang="en-US" altLang="zh-CN" b="1" i="0" dirty="0"/>
-              <a:t>AMD</a:t>
-            </a:r>
-            <a:r>
-              <a:rPr lang="zh-CN" altLang="en-US" b="1" i="0" dirty="0" smtClean="0"/>
-              <a:t>规范</a:t>
-            </a:r>
-            <a:r>
-              <a:rPr lang="en-US" altLang="zh-CN" b="1" i="0" dirty="0" smtClean="0"/>
-              <a:t>(</a:t>
-            </a:r>
-            <a:r>
-              <a:rPr lang="en-US" altLang="zh-CN" i="0" dirty="0"/>
-              <a:t>Asynchronous  Module  </a:t>
-            </a:r>
-            <a:r>
-              <a:rPr lang="en-US" altLang="zh-CN" i="0" dirty="0" smtClean="0"/>
-              <a:t>Definition)</a:t>
-            </a:r>
-            <a:endParaRPr lang="zh-CN" altLang="en-US" b="1" i="0" dirty="0"/>
-          </a:p>
-          <a:p>
-            <a:pPr marL="987552" lvl="2" indent="0">
-              <a:buNone/>
-            </a:pPr>
-            <a:r>
-              <a:rPr lang="zh-CN" altLang="en-US" sz="1400" i="1" dirty="0"/>
-              <a:t>浏览器端模块化开发的规范</a:t>
-            </a:r>
-            <a:r>
-              <a:rPr lang="en-US" altLang="zh-CN" sz="1400" i="1" dirty="0"/>
-              <a:t>	</a:t>
-            </a:r>
-            <a:r>
-              <a:rPr lang="en-US" altLang="zh-CN" sz="1400" i="1" dirty="0" err="1"/>
-              <a:t>RequireJS</a:t>
-            </a:r>
-            <a:r>
-              <a:rPr lang="en-US" altLang="zh-CN" sz="1400" i="1" dirty="0"/>
-              <a:t> </a:t>
-            </a:r>
-          </a:p>
-          <a:p>
-            <a:pPr marL="987552" lvl="2" indent="0">
-              <a:buNone/>
-            </a:pPr>
-            <a:r>
-              <a:rPr lang="zh-CN" altLang="en-US" sz="1400" i="1" dirty="0"/>
-              <a:t>异步加载，不阻塞页面的加载，能并行加载多个模块</a:t>
-            </a:r>
-            <a:endParaRPr lang="en-US" altLang="zh-CN" sz="1400" i="1" dirty="0"/>
-          </a:p>
-          <a:p>
-            <a:pPr marL="987552" lvl="2" indent="0">
-              <a:buNone/>
-            </a:pPr>
-            <a:r>
-              <a:rPr lang="zh-CN" altLang="en-US" sz="1400" i="1" dirty="0"/>
-              <a:t>不能按需加载，必须提前加载所需依赖</a:t>
-            </a:r>
-            <a:endParaRPr lang="en-US" altLang="zh-CN" sz="1400" i="1" dirty="0"/>
-          </a:p>
-          <a:p>
-            <a:pPr lvl="1"/>
-            <a:r>
-              <a:rPr lang="en-US" altLang="zh-CN" b="1" i="0" dirty="0" smtClean="0"/>
-              <a:t>CMD</a:t>
-            </a:r>
-            <a:r>
-              <a:rPr lang="zh-CN" altLang="en-US" b="1" i="0" dirty="0"/>
-              <a:t>规范</a:t>
-            </a:r>
-          </a:p>
-          <a:p>
-            <a:pPr marL="987552" lvl="2" indent="0">
-              <a:buNone/>
-            </a:pPr>
-            <a:r>
-              <a:rPr lang="zh-CN" altLang="en-US" sz="1400" i="1" dirty="0"/>
-              <a:t>按需加载</a:t>
-            </a:r>
-            <a:r>
-              <a:rPr lang="en-US" altLang="zh-CN" sz="1400" i="1" dirty="0"/>
-              <a:t>	sea.js</a:t>
-            </a:r>
-          </a:p>
-          <a:p>
-            <a:pPr lvl="2"/>
-            <a:endParaRPr lang="en-US" altLang="zh-CN" dirty="0" smtClean="0"/>
           </a:p>
           <a:p>
             <a:pPr lvl="1"/>
             <a:endParaRPr lang="en-US" altLang="zh-CN" dirty="0" smtClean="0"/>
           </a:p>
           <a:p>
-            <a:pPr marL="0" indent="0">
-              <a:buNone/>
-            </a:pPr>
+            <a:endParaRPr lang="en-US" altLang="zh-CN" dirty="0" smtClean="0"/>
+          </a:p>
+          <a:p>
+            <a:pPr lvl="1"/>
             <a:endParaRPr lang="en-US" altLang="zh-CN" dirty="0"/>
           </a:p>
           <a:p>
-            <a:endParaRPr lang="zh-CN" altLang="en-US" dirty="0"/>
+            <a:pPr lvl="1"/>
+            <a:endParaRPr lang="en-US" altLang="zh-CN" dirty="0" smtClean="0"/>
           </a:p>
         </p:txBody>
       </p:sp>
     </p:spTree>
     <p:extLst>
       <p:ext uri="{BB962C8B-B14F-4D97-AF65-F5344CB8AC3E}">
-        <p14:creationId xmlns:p14="http://schemas.microsoft.com/office/powerpoint/2010/main" val="2158127093"/>
+        <p14:creationId xmlns:p14="http://schemas.microsoft.com/office/powerpoint/2010/main" val="3661321647"/>
       </p:ext>
     </p:extLst>
   </p:cSld>
@@ -9381,139 +10302,201 @@
         <p:spPr>
           <a:xfrm>
             <a:off x="1371600" y="1375954"/>
-            <a:ext cx="9601200" cy="4491446"/>
+            <a:ext cx="9601200" cy="5355772"/>
           </a:xfrm>
         </p:spPr>
         <p:txBody>
-          <a:bodyPr/>
+          <a:bodyPr>
+            <a:normAutofit/>
+          </a:bodyPr>
           <a:lstStyle/>
           <a:p>
             <a:r>
+              <a:rPr lang="en-US" altLang="zh-CN" b="1" dirty="0" err="1"/>
+              <a:t>CommonJS</a:t>
+            </a:r>
+            <a:r>
               <a:rPr lang="zh-CN" altLang="en-US" dirty="0" smtClean="0"/>
-              <a:t>模块化</a:t>
+              <a:t>和</a:t>
+            </a:r>
+            <a:r>
+              <a:rPr lang="en-US" altLang="zh-CN" dirty="0" smtClean="0"/>
+              <a:t>AMD</a:t>
+            </a:r>
+            <a:r>
+              <a:rPr lang="zh-CN" altLang="en-US" dirty="0" smtClean="0"/>
+              <a:t>、</a:t>
+            </a:r>
+            <a:r>
+              <a:rPr lang="en-US" altLang="zh-CN" smtClean="0"/>
+              <a:t>CMD</a:t>
             </a:r>
             <a:endParaRPr lang="en-US" altLang="zh-CN" dirty="0" smtClean="0"/>
           </a:p>
           <a:p>
             <a:pPr lvl="1"/>
             <a:r>
-              <a:rPr lang="en-US" altLang="zh-CN" dirty="0" smtClean="0"/>
-              <a:t>Import  export</a:t>
-            </a:r>
+              <a:rPr lang="en-US" altLang="zh-CN" b="1" i="0" dirty="0" err="1" smtClean="0"/>
+              <a:t>CommonJS</a:t>
+            </a:r>
+            <a:endParaRPr lang="en-US" altLang="zh-CN" b="1" i="0" dirty="0"/>
+          </a:p>
+          <a:p>
+            <a:pPr marL="987552" lvl="2" indent="0">
+              <a:buNone/>
+            </a:pPr>
+            <a:r>
+              <a:rPr lang="zh-CN" altLang="en-US" sz="1400" i="1" dirty="0"/>
+              <a:t>服务器端的</a:t>
+            </a:r>
+            <a:r>
+              <a:rPr lang="en-US" altLang="zh-CN" sz="1400" i="1" dirty="0"/>
+              <a:t>node</a:t>
+            </a:r>
+            <a:r>
+              <a:rPr lang="zh-CN" altLang="en-US" sz="1400" i="1" dirty="0"/>
+              <a:t>的模块规范</a:t>
+            </a:r>
+            <a:endParaRPr lang="en-US" altLang="zh-CN" sz="1400" i="1" dirty="0"/>
+          </a:p>
+          <a:p>
+            <a:pPr marL="987552" lvl="2" indent="0">
+              <a:buNone/>
+            </a:pPr>
+            <a:r>
+              <a:rPr lang="en-US" altLang="zh-CN" sz="1400" i="1" dirty="0"/>
+              <a:t>require : </a:t>
+            </a:r>
+            <a:r>
+              <a:rPr lang="zh-CN" altLang="en-US" sz="1400" i="1" dirty="0"/>
+              <a:t>加载所要依赖的其他模块</a:t>
+            </a:r>
+            <a:br>
+              <a:rPr lang="zh-CN" altLang="en-US" sz="1400" i="1" dirty="0"/>
+            </a:br>
+            <a:r>
+              <a:rPr lang="en-US" altLang="zh-CN" sz="1400" i="1" dirty="0" err="1"/>
+              <a:t>module.exports</a:t>
+            </a:r>
+            <a:r>
+              <a:rPr lang="en-US" altLang="zh-CN" sz="1400" i="1" dirty="0"/>
+              <a:t> </a:t>
+            </a:r>
+            <a:r>
+              <a:rPr lang="zh-CN" altLang="en-US" sz="1400" i="1" dirty="0"/>
+              <a:t>或者</a:t>
+            </a:r>
+            <a:r>
+              <a:rPr lang="en-US" altLang="zh-CN" sz="1400" i="1" dirty="0"/>
+              <a:t>exports :</a:t>
+            </a:r>
+            <a:r>
+              <a:rPr lang="zh-CN" altLang="en-US" sz="1400" i="1" dirty="0"/>
+              <a:t>对外暴露的接口</a:t>
+            </a:r>
+            <a:endParaRPr lang="en-US" altLang="zh-CN" sz="1400" i="1" dirty="0"/>
           </a:p>
           <a:p>
             <a:pPr lvl="1"/>
             <a:r>
-              <a:rPr lang="en-US" altLang="zh-CN" dirty="0" smtClean="0"/>
-              <a:t>export</a:t>
-            </a:r>
-            <a:r>
-              <a:rPr lang="zh-CN" altLang="en-US" dirty="0"/>
-              <a:t>、</a:t>
-            </a:r>
-            <a:r>
-              <a:rPr lang="en-US" altLang="zh-CN" dirty="0"/>
-              <a:t>import</a:t>
-            </a:r>
-            <a:r>
-              <a:rPr lang="zh-CN" altLang="en-US" dirty="0"/>
-              <a:t>命令可以出现在模块的任何位置，但是必须处于模块顶层。如果处于块级作用域内，就会报</a:t>
-            </a:r>
-            <a:r>
-              <a:rPr lang="zh-CN" altLang="en-US" dirty="0" smtClean="0"/>
-              <a:t>错</a:t>
-            </a:r>
+              <a:rPr lang="en-US" altLang="zh-CN" b="1" i="0" dirty="0"/>
+              <a:t>AMD</a:t>
+            </a:r>
+            <a:r>
+              <a:rPr lang="zh-CN" altLang="en-US" b="1" i="0" dirty="0" smtClean="0"/>
+              <a:t>规范</a:t>
+            </a:r>
+            <a:r>
+              <a:rPr lang="en-US" altLang="zh-CN" b="1" i="0" dirty="0" smtClean="0"/>
+              <a:t>(</a:t>
+            </a:r>
+            <a:r>
+              <a:rPr lang="en-US" altLang="zh-CN" i="0" dirty="0"/>
+              <a:t>Asynchronous  Module  </a:t>
+            </a:r>
+            <a:r>
+              <a:rPr lang="en-US" altLang="zh-CN" i="0" dirty="0" smtClean="0"/>
+              <a:t>Definition)</a:t>
+            </a:r>
+            <a:endParaRPr lang="zh-CN" altLang="en-US" b="1" i="0" dirty="0"/>
+          </a:p>
+          <a:p>
+            <a:pPr marL="987552" lvl="2" indent="0">
+              <a:buNone/>
+            </a:pPr>
+            <a:r>
+              <a:rPr lang="zh-CN" altLang="en-US" sz="1400" i="1" dirty="0"/>
+              <a:t>浏览器端模块化开发的规范</a:t>
+            </a:r>
+            <a:r>
+              <a:rPr lang="en-US" altLang="zh-CN" sz="1400" i="1" dirty="0"/>
+              <a:t>	</a:t>
+            </a:r>
+            <a:r>
+              <a:rPr lang="en-US" altLang="zh-CN" sz="1400" i="1" dirty="0" err="1"/>
+              <a:t>RequireJS</a:t>
+            </a:r>
+            <a:r>
+              <a:rPr lang="en-US" altLang="zh-CN" sz="1400" i="1" dirty="0"/>
+              <a:t> </a:t>
+            </a:r>
+          </a:p>
+          <a:p>
+            <a:pPr marL="987552" lvl="2" indent="0">
+              <a:buNone/>
+            </a:pPr>
+            <a:r>
+              <a:rPr lang="zh-CN" altLang="en-US" sz="1400" i="1" dirty="0"/>
+              <a:t>异步加载，不阻塞页面的加载，能并行加载多个模块</a:t>
+            </a:r>
+            <a:endParaRPr lang="en-US" altLang="zh-CN" sz="1400" i="1" dirty="0"/>
+          </a:p>
+          <a:p>
+            <a:pPr marL="987552" lvl="2" indent="0">
+              <a:buNone/>
+            </a:pPr>
+            <a:r>
+              <a:rPr lang="zh-CN" altLang="en-US" sz="1400" i="1" dirty="0"/>
+              <a:t>不能按需加载，必须提前加载所需依赖</a:t>
+            </a:r>
+            <a:endParaRPr lang="en-US" altLang="zh-CN" sz="1400" i="1" dirty="0"/>
+          </a:p>
+          <a:p>
+            <a:pPr lvl="1"/>
+            <a:r>
+              <a:rPr lang="en-US" altLang="zh-CN" b="1" i="0" dirty="0" smtClean="0"/>
+              <a:t>CMD</a:t>
+            </a:r>
+            <a:r>
+              <a:rPr lang="zh-CN" altLang="en-US" b="1" i="0" dirty="0"/>
+              <a:t>规范</a:t>
+            </a:r>
+          </a:p>
+          <a:p>
+            <a:pPr marL="987552" lvl="2" indent="0">
+              <a:buNone/>
+            </a:pPr>
+            <a:r>
+              <a:rPr lang="zh-CN" altLang="en-US" sz="1400" i="1" dirty="0"/>
+              <a:t>按需加载</a:t>
+            </a:r>
+            <a:r>
+              <a:rPr lang="en-US" altLang="zh-CN" sz="1400" i="1" dirty="0"/>
+              <a:t>	sea.js</a:t>
+            </a:r>
+          </a:p>
+          <a:p>
+            <a:pPr lvl="2"/>
             <a:endParaRPr lang="en-US" altLang="zh-CN" dirty="0" smtClean="0"/>
           </a:p>
           <a:p>
             <a:pPr lvl="1"/>
-            <a:r>
-              <a:rPr lang="zh-CN" altLang="en-US" i="0" dirty="0"/>
-              <a:t>静态加载，编译时输出接口（</a:t>
-            </a:r>
-            <a:r>
-              <a:rPr lang="en-US" altLang="zh-CN" i="0" dirty="0" err="1"/>
-              <a:t>CommonJS</a:t>
-            </a:r>
-            <a:r>
-              <a:rPr lang="en-US" altLang="zh-CN" i="0" dirty="0"/>
-              <a:t> </a:t>
-            </a:r>
-            <a:r>
-              <a:rPr lang="zh-CN" altLang="en-US" i="0" dirty="0"/>
-              <a:t>模块是运行时加载</a:t>
-            </a:r>
-            <a:r>
-              <a:rPr lang="zh-CN" altLang="en-US" i="0" dirty="0" smtClean="0"/>
-              <a:t>）</a:t>
-            </a:r>
             <a:endParaRPr lang="en-US" altLang="zh-CN" dirty="0" smtClean="0"/>
           </a:p>
           <a:p>
-            <a:pPr lvl="1"/>
-            <a:r>
-              <a:rPr lang="zh-CN" altLang="en-US" i="0" dirty="0"/>
-              <a:t>输</a:t>
-            </a:r>
-            <a:r>
-              <a:rPr lang="zh-CN" altLang="en-US" dirty="0" smtClean="0"/>
-              <a:t>出</a:t>
-            </a:r>
-            <a:r>
-              <a:rPr lang="zh-CN" altLang="en-US" dirty="0"/>
-              <a:t>的是值的</a:t>
-            </a:r>
-            <a:r>
-              <a:rPr lang="zh-CN" altLang="en-US" dirty="0" smtClean="0"/>
-              <a:t>引用，</a:t>
-            </a:r>
-            <a:r>
-              <a:rPr lang="zh-CN" altLang="en-US" i="0" dirty="0"/>
-              <a:t>可以取到模块内部实时的</a:t>
-            </a:r>
-            <a:r>
-              <a:rPr lang="zh-CN" altLang="en-US" i="0" dirty="0" smtClean="0"/>
-              <a:t>值</a:t>
-            </a:r>
-            <a:endParaRPr lang="en-US" altLang="zh-CN" i="0" dirty="0" smtClean="0"/>
-          </a:p>
-          <a:p>
-            <a:pPr lvl="1"/>
-            <a:r>
-              <a:rPr lang="en-US" altLang="zh-CN" i="0" dirty="0" err="1"/>
-              <a:t>CommonJS</a:t>
-            </a:r>
-            <a:r>
-              <a:rPr lang="en-US" altLang="zh-CN" i="0" dirty="0"/>
-              <a:t> </a:t>
-            </a:r>
-            <a:r>
-              <a:rPr lang="zh-CN" altLang="en-US" i="0" dirty="0" smtClean="0"/>
-              <a:t>输出</a:t>
-            </a:r>
-            <a:r>
-              <a:rPr lang="zh-CN" altLang="en-US" i="0" dirty="0"/>
-              <a:t>的</a:t>
-            </a:r>
-            <a:r>
-              <a:rPr lang="zh-CN" altLang="en-US" i="0" dirty="0" smtClean="0"/>
-              <a:t>是</a:t>
-            </a:r>
-            <a:r>
-              <a:rPr lang="zh-CN" altLang="en-US" i="0" dirty="0"/>
-              <a:t>值的</a:t>
-            </a:r>
-            <a:r>
-              <a:rPr lang="zh-CN" altLang="en-US" i="0" dirty="0" smtClean="0"/>
-              <a:t>拷贝，不会动态</a:t>
-            </a:r>
-            <a:r>
-              <a:rPr lang="zh-CN" altLang="en-US" i="0" dirty="0"/>
-              <a:t>更新</a:t>
-            </a:r>
-            <a:endParaRPr lang="en-US" altLang="zh-CN" dirty="0" smtClean="0"/>
-          </a:p>
-          <a:p>
+            <a:pPr marL="0" indent="0">
+              <a:buNone/>
+            </a:pPr>
             <a:endParaRPr lang="en-US" altLang="zh-CN" dirty="0"/>
           </a:p>
           <a:p>
@@ -9521,34 +10504,10 @@
           </a:p>
         </p:txBody>
       </p:sp>
-      <p:pic>
-        <p:nvPicPr>
-          <p:cNvPr id="6" name="图片 5"/>
-          <p:cNvPicPr>
-            <a:picLocks noChangeAspect="1"/>
-          </p:cNvPicPr>
-          <p:nvPr/>
-        </p:nvPicPr>
-        <p:blipFill>
-          <a:blip r:embed="rId2"/>
-          <a:stretch>
-            <a:fillRect/>
-          </a:stretch>
-        </p:blipFill>
-        <p:spPr>
-          <a:xfrm>
-            <a:off x="1217188" y="4147126"/>
-            <a:ext cx="10226535" cy="2602017"/>
-          </a:xfrm>
-          <a:prstGeom prst="rect">
-            <a:avLst/>
-          </a:prstGeom>
-        </p:spPr>
-      </p:pic>
     </p:spTree>
     <p:extLst>
       <p:ext uri="{BB962C8B-B14F-4D97-AF65-F5344CB8AC3E}">
-        <p14:creationId xmlns:p14="http://schemas.microsoft.com/office/powerpoint/2010/main" val="946219581"/>
+        <p14:creationId xmlns:p14="http://schemas.microsoft.com/office/powerpoint/2010/main" val="2158127093"/>
       </p:ext>
     </p:extLst>
   </p:cSld>

--- a/source/ppt/ES6.pptx
+++ b/source/ppt/ES6.pptx
@@ -303,7 +303,7 @@
           <a:p>
             <a:fld id="{CDA34B3E-79DD-4918-93E8-ABD1D2B23B79}" type="datetimeFigureOut">
               <a:rPr lang="zh-CN" altLang="en-US" smtClean="0"/>
-              <a:t>2018/12/6</a:t>
+              <a:t>2018/12/14</a:t>
             </a:fld>
             <a:endParaRPr lang="zh-CN" altLang="en-US"/>
           </a:p>
@@ -633,7 +633,7 @@
           <a:p>
             <a:fld id="{CDA34B3E-79DD-4918-93E8-ABD1D2B23B79}" type="datetimeFigureOut">
               <a:rPr lang="zh-CN" altLang="en-US" smtClean="0"/>
-              <a:t>2018/12/6</a:t>
+              <a:t>2018/12/14</a:t>
             </a:fld>
             <a:endParaRPr lang="zh-CN" altLang="en-US"/>
           </a:p>
@@ -813,7 +813,7 @@
           <a:p>
             <a:fld id="{CDA34B3E-79DD-4918-93E8-ABD1D2B23B79}" type="datetimeFigureOut">
               <a:rPr lang="zh-CN" altLang="en-US" smtClean="0"/>
-              <a:t>2018/12/6</a:t>
+              <a:t>2018/12/14</a:t>
             </a:fld>
             <a:endParaRPr lang="zh-CN" altLang="en-US"/>
           </a:p>
@@ -983,7 +983,7 @@
           <a:p>
             <a:fld id="{CDA34B3E-79DD-4918-93E8-ABD1D2B23B79}" type="datetimeFigureOut">
               <a:rPr lang="zh-CN" altLang="en-US" smtClean="0"/>
-              <a:t>2018/12/6</a:t>
+              <a:t>2018/12/14</a:t>
             </a:fld>
             <a:endParaRPr lang="zh-CN" altLang="en-US"/>
           </a:p>
@@ -1260,7 +1260,7 @@
           <a:p>
             <a:fld id="{CDA34B3E-79DD-4918-93E8-ABD1D2B23B79}" type="datetimeFigureOut">
               <a:rPr lang="zh-CN" altLang="en-US" smtClean="0"/>
-              <a:t>2018/12/6</a:t>
+              <a:t>2018/12/14</a:t>
             </a:fld>
             <a:endParaRPr lang="zh-CN" altLang="en-US"/>
           </a:p>
@@ -1654,7 +1654,7 @@
           <a:p>
             <a:fld id="{CDA34B3E-79DD-4918-93E8-ABD1D2B23B79}" type="datetimeFigureOut">
               <a:rPr lang="zh-CN" altLang="en-US" smtClean="0"/>
-              <a:t>2018/12/6</a:t>
+              <a:t>2018/12/14</a:t>
             </a:fld>
             <a:endParaRPr lang="zh-CN" altLang="en-US"/>
           </a:p>
@@ -2131,7 +2131,7 @@
           <a:p>
             <a:fld id="{CDA34B3E-79DD-4918-93E8-ABD1D2B23B79}" type="datetimeFigureOut">
               <a:rPr lang="zh-CN" altLang="en-US" smtClean="0"/>
-              <a:t>2018/12/6</a:t>
+              <a:t>2018/12/14</a:t>
             </a:fld>
             <a:endParaRPr lang="zh-CN" altLang="en-US"/>
           </a:p>
@@ -2249,7 +2249,7 @@
           <a:p>
             <a:fld id="{CDA34B3E-79DD-4918-93E8-ABD1D2B23B79}" type="datetimeFigureOut">
               <a:rPr lang="zh-CN" altLang="en-US" smtClean="0"/>
-              <a:t>2018/12/6</a:t>
+              <a:t>2018/12/14</a:t>
             </a:fld>
             <a:endParaRPr lang="zh-CN" altLang="en-US"/>
           </a:p>
@@ -2344,7 +2344,7 @@
           <a:p>
             <a:fld id="{CDA34B3E-79DD-4918-93E8-ABD1D2B23B79}" type="datetimeFigureOut">
               <a:rPr lang="zh-CN" altLang="en-US" smtClean="0"/>
-              <a:t>2018/12/6</a:t>
+              <a:t>2018/12/14</a:t>
             </a:fld>
             <a:endParaRPr lang="zh-CN" altLang="en-US"/>
           </a:p>
@@ -2690,7 +2690,7 @@
           <a:p>
             <a:fld id="{CDA34B3E-79DD-4918-93E8-ABD1D2B23B79}" type="datetimeFigureOut">
               <a:rPr lang="zh-CN" altLang="en-US" smtClean="0"/>
-              <a:t>2018/12/6</a:t>
+              <a:t>2018/12/14</a:t>
             </a:fld>
             <a:endParaRPr lang="zh-CN" altLang="en-US"/>
           </a:p>
@@ -3078,7 +3078,7 @@
           <a:p>
             <a:fld id="{CDA34B3E-79DD-4918-93E8-ABD1D2B23B79}" type="datetimeFigureOut">
               <a:rPr lang="zh-CN" altLang="en-US" smtClean="0"/>
-              <a:t>2018/12/6</a:t>
+              <a:t>2018/12/14</a:t>
             </a:fld>
             <a:endParaRPr lang="zh-CN" altLang="en-US"/>
           </a:p>
@@ -3356,7 +3356,7 @@
           <a:p>
             <a:fld id="{CDA34B3E-79DD-4918-93E8-ABD1D2B23B79}" type="datetimeFigureOut">
               <a:rPr lang="zh-CN" altLang="en-US" smtClean="0"/>
-              <a:t>2018/12/6</a:t>
+              <a:t>2018/12/14</a:t>
             </a:fld>
             <a:endParaRPr lang="zh-CN" altLang="en-US"/>
           </a:p>
@@ -4117,11 +4117,7 @@
             </a:r>
             <a:r>
               <a:rPr lang="zh-CN" altLang="en-US" i="0" dirty="0" smtClean="0"/>
-              <a:t>拷贝，不会动态</a:t>
-            </a:r>
-            <a:r>
-              <a:rPr lang="zh-CN" altLang="en-US" i="0" dirty="0" smtClean="0"/>
-              <a:t>更新</a:t>
+              <a:t>拷贝，不会动态更新</a:t>
             </a:r>
             <a:endParaRPr lang="en-US" altLang="zh-CN" i="0" dirty="0" smtClean="0"/>
           </a:p>
@@ -4969,7 +4965,6 @@
               <a:rPr lang="en-US" altLang="zh-CN" i="0" dirty="0" smtClean="0"/>
               <a:t>size</a:t>
             </a:r>
-            <a:endParaRPr lang="en-US" altLang="zh-CN" i="0" dirty="0" smtClean="0"/>
           </a:p>
           <a:p>
             <a:pPr marL="530352" lvl="1" indent="0">
@@ -4979,7 +4974,6 @@
               <a:rPr lang="en-US" altLang="zh-CN" dirty="0" smtClean="0"/>
               <a:t>	</a:t>
             </a:r>
-            <a:endParaRPr lang="en-US" altLang="zh-CN" dirty="0" smtClean="0"/>
           </a:p>
           <a:p>
             <a:endParaRPr lang="en-US" altLang="zh-CN" dirty="0"/>
@@ -5152,11 +5146,7 @@
             <a:pPr lvl="1"/>
             <a:r>
               <a:rPr lang="en-US" altLang="zh-CN" i="0" dirty="0" smtClean="0"/>
-              <a:t>n</a:t>
-            </a:r>
-            <a:r>
-              <a:rPr lang="en-US" altLang="zh-CN" i="0" dirty="0" smtClean="0"/>
-              <a:t>ew Map(</a:t>
+              <a:t>new Map(</a:t>
             </a:r>
             <a:r>
               <a:rPr lang="en-US" altLang="zh-CN" i="0" dirty="0" err="1" smtClean="0"/>
@@ -5184,11 +5174,7 @@
             </a:r>
             <a:r>
               <a:rPr lang="zh-CN" altLang="en-US" i="0" dirty="0" smtClean="0"/>
-              <a:t>中相同的键按照先进先出原则处理</a:t>
-            </a:r>
-            <a:r>
-              <a:rPr lang="zh-CN" altLang="en-US" i="0" dirty="0" smtClean="0"/>
-              <a:t>。</a:t>
+              <a:t>中相同的键按照先进先出原则处理。</a:t>
             </a:r>
             <a:endParaRPr lang="en-US" altLang="zh-CN" i="0" dirty="0" smtClean="0"/>
           </a:p>
@@ -5224,7 +5210,6 @@
               <a:rPr lang="en-US" altLang="zh-CN" sz="1400" i="1" dirty="0" smtClean="0"/>
               <a:t>]]);</a:t>
             </a:r>
-            <a:endParaRPr lang="en-US" altLang="zh-CN" sz="1400" i="1" dirty="0" smtClean="0"/>
           </a:p>
           <a:p>
             <a:pPr lvl="1"/>
@@ -5280,19 +5265,11 @@
             </a:pPr>
             <a:r>
               <a:rPr lang="en-US" altLang="zh-CN" sz="1900" i="1" dirty="0"/>
-              <a:t>set(key, value</a:t>
-            </a:r>
-            <a:r>
-              <a:rPr lang="en-US" altLang="zh-CN" sz="1900" i="1" dirty="0"/>
-              <a:t>)</a:t>
+              <a:t>set(key, value)</a:t>
             </a:r>
             <a:r>
               <a:rPr lang="zh-CN" altLang="en-US" sz="1900" i="1" dirty="0"/>
-              <a:t>：</a:t>
-            </a:r>
-            <a:r>
-              <a:rPr lang="zh-CN" altLang="en-US" sz="1900" i="1" dirty="0"/>
-              <a:t>设置键名</a:t>
+              <a:t>：设置键名</a:t>
             </a:r>
             <a:r>
               <a:rPr lang="en-US" altLang="zh-CN" sz="1900" i="1" dirty="0"/>
@@ -5337,11 +5314,7 @@
             </a:r>
             <a:r>
               <a:rPr lang="zh-CN" altLang="en-US" sz="1900" i="1" dirty="0"/>
-              <a:t>：</a:t>
-            </a:r>
-            <a:r>
-              <a:rPr lang="zh-CN" altLang="en-US" sz="1900" i="1" dirty="0"/>
-              <a:t>读取</a:t>
+              <a:t>：读取</a:t>
             </a:r>
             <a:r>
               <a:rPr lang="en-US" altLang="zh-CN" sz="1900" i="1" dirty="0"/>
@@ -5349,13 +5322,8 @@
             </a:r>
             <a:r>
               <a:rPr lang="zh-CN" altLang="en-US" sz="1900" i="1" dirty="0"/>
-              <a:t>对应的键值</a:t>
-            </a:r>
-            <a:r>
-              <a:rPr lang="zh-CN" altLang="en-US" sz="1900" i="1" dirty="0"/>
-              <a:t>。</a:t>
-            </a:r>
-            <a:endParaRPr lang="zh-CN" altLang="en-US" sz="1900" i="1" dirty="0"/>
+              <a:t>对应的键值。</a:t>
+            </a:r>
           </a:p>
           <a:p>
             <a:pPr marL="987552" lvl="2" indent="0">
@@ -5398,11 +5366,7 @@
             </a:r>
             <a:r>
               <a:rPr lang="zh-CN" altLang="en-US" sz="1900" i="1" dirty="0"/>
-              <a:t>：</a:t>
-            </a:r>
-            <a:r>
-              <a:rPr lang="zh-CN" altLang="en-US" sz="1900" i="1" dirty="0"/>
-              <a:t>删除某个键，返回</a:t>
+              <a:t>：删除某个键，返回</a:t>
             </a:r>
             <a:r>
               <a:rPr lang="en-US" altLang="zh-CN" sz="1900" i="1" dirty="0"/>
@@ -5424,7 +5388,6 @@
               <a:rPr lang="zh-CN" altLang="en-US" sz="1900" i="1" dirty="0"/>
               <a:t>。</a:t>
             </a:r>
-            <a:endParaRPr lang="zh-CN" altLang="en-US" sz="1900" i="1" dirty="0"/>
           </a:p>
           <a:p>
             <a:pPr marL="987552" lvl="2" indent="0">
@@ -5439,11 +5402,7 @@
             </a:r>
             <a:r>
               <a:rPr lang="zh-CN" altLang="en-US" sz="1900" i="1" dirty="0"/>
-              <a:t>：清除所有成员，没有返回值</a:t>
-            </a:r>
-            <a:r>
-              <a:rPr lang="zh-CN" altLang="en-US" sz="1900" i="1" dirty="0"/>
-              <a:t>。</a:t>
+              <a:t>：清除所有成员，没有返回值。</a:t>
             </a:r>
             <a:endParaRPr lang="en-US" altLang="zh-CN" sz="1900" i="1" dirty="0"/>
           </a:p>
@@ -8530,7 +8489,7 @@
         </p:spPr>
         <p:txBody>
           <a:bodyPr>
-            <a:normAutofit/>
+            <a:normAutofit lnSpcReduction="10000"/>
           </a:bodyPr>
           <a:lstStyle/>
           <a:p>
@@ -8580,9 +8539,31 @@
             </a:r>
             <a:r>
               <a:rPr lang="zh-CN" altLang="en-US" dirty="0"/>
-              <a:t>该变量在内存中的地址。</a:t>
-            </a:r>
-            <a:endParaRPr lang="en-US" altLang="zh-CN" dirty="0"/>
+              <a:t>该变量在内存中的地址</a:t>
+            </a:r>
+            <a:r>
+              <a:rPr lang="zh-CN" altLang="en-US" dirty="0" smtClean="0"/>
+              <a:t>。</a:t>
+            </a:r>
+            <a:endParaRPr lang="en-US" altLang="zh-CN" dirty="0" smtClean="0"/>
+          </a:p>
+          <a:p>
+            <a:pPr marL="530352" lvl="1" indent="0">
+              <a:buNone/>
+            </a:pPr>
+            <a:r>
+              <a:rPr lang="en-US" altLang="zh-CN" dirty="0" smtClean="0"/>
+              <a:t>             </a:t>
+            </a:r>
+            <a:r>
+              <a:rPr lang="en-US" altLang="zh-CN" sz="1400" dirty="0" smtClean="0"/>
+              <a:t>// </a:t>
+            </a:r>
+            <a:r>
+              <a:rPr lang="zh-CN" altLang="en-US" sz="1400" dirty="0" smtClean="0"/>
+              <a:t>禁止改变对象所有属性</a:t>
+            </a:r>
+            <a:endParaRPr lang="en-US" altLang="zh-CN" sz="1400" dirty="0"/>
           </a:p>
           <a:p>
             <a:pPr marL="1444752" lvl="3" indent="0">
@@ -9271,11 +9252,11 @@
               <a:t>let arr2 = [...arr1, 4, 5]; // arr2 = [1, 2, 3, 4, 5</a:t>
             </a:r>
             <a:r>
-              <a:rPr lang="da-DK" altLang="zh-CN" sz="1400" dirty="0" smtClean="0"/>
+              <a:rPr lang="da-DK" altLang="zh-CN" sz="1400" dirty="0"/>
               <a:t>];   []</a:t>
             </a:r>
             <a:r>
-              <a:rPr lang="zh-CN" altLang="en-US" sz="1400" dirty="0" smtClean="0"/>
+              <a:rPr lang="zh-CN" altLang="en-US" sz="1400" dirty="0"/>
               <a:t>内取的是数组的值</a:t>
             </a:r>
             <a:endParaRPr lang="da-DK" altLang="zh-CN" sz="1400" dirty="0"/>
@@ -9292,7 +9273,7 @@
               <a:t>let foo = </a:t>
             </a:r>
             <a:r>
-              <a:rPr lang="da-DK" altLang="zh-CN" sz="1400" dirty="0" smtClean="0"/>
+              <a:rPr lang="da-DK" altLang="zh-CN" sz="1400" dirty="0"/>
               <a:t>{...arr1 };  </a:t>
             </a:r>
             <a:r>
@@ -9300,11 +9281,11 @@
               <a:t>// foo </a:t>
             </a:r>
             <a:r>
-              <a:rPr lang="da-DK" altLang="zh-CN" sz="1400" dirty="0" smtClean="0"/>
+              <a:rPr lang="da-DK" altLang="zh-CN" sz="1400" dirty="0"/>
               <a:t>= {0: 1, 1: 2, 2: 3};         {}</a:t>
             </a:r>
             <a:r>
-              <a:rPr lang="zh-CN" altLang="en-US" sz="1400" dirty="0" smtClean="0"/>
+              <a:rPr lang="zh-CN" altLang="en-US" sz="1400" dirty="0"/>
               <a:t>内取的</a:t>
             </a:r>
             <a:r>
@@ -9312,7 +9293,7 @@
               <a:t>是数组</a:t>
             </a:r>
             <a:r>
-              <a:rPr lang="zh-CN" altLang="en-US" sz="1400" dirty="0" smtClean="0"/>
+              <a:rPr lang="zh-CN" altLang="en-US" sz="1400" dirty="0"/>
               <a:t>的键值对</a:t>
             </a:r>
             <a:endParaRPr lang="en-US" altLang="zh-CN" sz="1400" dirty="0"/>
